--- a/projects/01-introducao-tdd/tdd.pptx
+++ b/projects/01-introducao-tdd/tdd.pptx
@@ -221,7 +221,7 @@
           <a:p>
             <a:fld id="{7497B6E1-7C5B-524D-B5EB-5E6695205380}" type="datetimeFigureOut">
               <a:rPr lang="pt-BR" smtClean="0"/>
-              <a:t>28/11/2018</a:t>
+              <a:t>04/12/2018</a:t>
             </a:fld>
             <a:endParaRPr lang="pt-BR"/>
           </a:p>
@@ -659,7 +659,7 @@
           <a:p>
             <a:fld id="{19E7D63B-43B5-8A4C-BD12-76889BE136BD}" type="datetime1">
               <a:rPr lang="en-US" smtClean="0"/>
-              <a:t>11/28/18</a:t>
+              <a:t>12/4/18</a:t>
             </a:fld>
             <a:endParaRPr lang="en-US"/>
           </a:p>
@@ -925,7 +925,7 @@
           <a:p>
             <a:fld id="{124E9894-F119-A64C-B7CB-D7CE860A73BE}" type="datetime1">
               <a:rPr lang="en-US" smtClean="0"/>
-              <a:t>11/28/18</a:t>
+              <a:t>12/4/18</a:t>
             </a:fld>
             <a:endParaRPr lang="en-US"/>
           </a:p>
@@ -1157,7 +1157,7 @@
           <a:p>
             <a:fld id="{124E9894-F119-A64C-B7CB-D7CE860A73BE}" type="datetime1">
               <a:rPr lang="en-US" smtClean="0"/>
-              <a:t>11/28/18</a:t>
+              <a:t>12/4/18</a:t>
             </a:fld>
             <a:endParaRPr lang="en-US"/>
           </a:p>
@@ -1468,7 +1468,7 @@
           <a:p>
             <a:fld id="{124E9894-F119-A64C-B7CB-D7CE860A73BE}" type="datetime1">
               <a:rPr lang="en-US" smtClean="0"/>
-              <a:t>11/28/18</a:t>
+              <a:t>12/4/18</a:t>
             </a:fld>
             <a:endParaRPr lang="en-US"/>
           </a:p>
@@ -1942,7 +1942,7 @@
           <a:p>
             <a:fld id="{B4BBB50B-BAA3-9748-978F-08A7877AB7D9}" type="datetime1">
               <a:rPr lang="en-US" smtClean="0"/>
-              <a:t>11/28/18</a:t>
+              <a:t>12/4/18</a:t>
             </a:fld>
             <a:endParaRPr lang="en-US"/>
           </a:p>
@@ -2489,7 +2489,7 @@
           <a:p>
             <a:fld id="{124E9894-F119-A64C-B7CB-D7CE860A73BE}" type="datetime1">
               <a:rPr lang="en-US" smtClean="0"/>
-              <a:t>11/28/18</a:t>
+              <a:t>12/4/18</a:t>
             </a:fld>
             <a:endParaRPr lang="en-US"/>
           </a:p>
@@ -3261,7 +3261,7 @@
           <a:p>
             <a:fld id="{124E9894-F119-A64C-B7CB-D7CE860A73BE}" type="datetime1">
               <a:rPr lang="en-US" smtClean="0"/>
-              <a:t>11/28/18</a:t>
+              <a:t>12/4/18</a:t>
             </a:fld>
             <a:endParaRPr lang="en-US"/>
           </a:p>
@@ -3437,7 +3437,7 @@
           <a:p>
             <a:fld id="{45040DEA-CE02-EF42-8F10-34F709D8505D}" type="datetime1">
               <a:rPr lang="en-US" smtClean="0"/>
-              <a:t>11/28/18</a:t>
+              <a:t>12/4/18</a:t>
             </a:fld>
             <a:endParaRPr lang="en-US"/>
           </a:p>
@@ -3660,7 +3660,7 @@
           <a:p>
             <a:fld id="{A0C1C801-5706-434E-AB65-DDFBCF1F55D2}" type="datetime1">
               <a:rPr lang="en-US" smtClean="0"/>
-              <a:t>11/28/18</a:t>
+              <a:t>12/4/18</a:t>
             </a:fld>
             <a:endParaRPr lang="en-US"/>
           </a:p>
@@ -3840,7 +3840,7 @@
           <a:p>
             <a:fld id="{39AE0FD8-7D7B-EA4F-8AF8-8B97820A0C5D}" type="datetime1">
               <a:rPr lang="en-US" smtClean="0"/>
-              <a:t>11/28/18</a:t>
+              <a:t>12/4/18</a:t>
             </a:fld>
             <a:endParaRPr lang="en-US"/>
           </a:p>
@@ -4129,7 +4129,7 @@
           <a:p>
             <a:fld id="{7FC94D43-3F68-DC43-8EF0-95FB3D51CCCF}" type="datetime1">
               <a:rPr lang="en-US" smtClean="0"/>
-              <a:t>11/28/18</a:t>
+              <a:t>12/4/18</a:t>
             </a:fld>
             <a:endParaRPr lang="en-US"/>
           </a:p>
@@ -4371,7 +4371,7 @@
           <a:p>
             <a:fld id="{BD42CFC2-1CE8-9045-8C9C-0F183F0FB455}" type="datetime1">
               <a:rPr lang="en-US" smtClean="0"/>
-              <a:t>11/28/18</a:t>
+              <a:t>12/4/18</a:t>
             </a:fld>
             <a:endParaRPr lang="en-US"/>
           </a:p>
@@ -4750,7 +4750,7 @@
           <a:p>
             <a:fld id="{F1B5C6E2-D044-C748-9C41-86C9B2F84EB9}" type="datetime1">
               <a:rPr lang="en-US" smtClean="0"/>
-              <a:t>11/28/18</a:t>
+              <a:t>12/4/18</a:t>
             </a:fld>
             <a:endParaRPr lang="en-US"/>
           </a:p>
@@ -4868,7 +4868,7 @@
           <a:p>
             <a:fld id="{359C32BA-C166-AC45-9FCD-8BF0F43629D9}" type="datetime1">
               <a:rPr lang="en-US" smtClean="0"/>
-              <a:t>11/28/18</a:t>
+              <a:t>12/4/18</a:t>
             </a:fld>
             <a:endParaRPr lang="en-US"/>
           </a:p>
@@ -4963,7 +4963,7 @@
           <a:p>
             <a:fld id="{E5D0D591-4B92-A44B-A0EA-798E76AD0368}" type="datetime1">
               <a:rPr lang="en-US" smtClean="0"/>
-              <a:t>11/28/18</a:t>
+              <a:t>12/4/18</a:t>
             </a:fld>
             <a:endParaRPr lang="en-US"/>
           </a:p>
@@ -5212,7 +5212,7 @@
           <a:p>
             <a:fld id="{8201F472-E17F-4B47-A44B-A2249FA27ED2}" type="datetime1">
               <a:rPr lang="en-US" smtClean="0"/>
-              <a:t>11/28/18</a:t>
+              <a:t>12/4/18</a:t>
             </a:fld>
             <a:endParaRPr lang="en-US"/>
           </a:p>
@@ -5468,7 +5468,7 @@
           <a:p>
             <a:fld id="{8BEFB9EE-CDF2-6F49-80F4-278D1604F10C}" type="datetime1">
               <a:rPr lang="en-US" smtClean="0"/>
-              <a:t>11/28/18</a:t>
+              <a:t>12/4/18</a:t>
             </a:fld>
             <a:endParaRPr lang="en-US"/>
           </a:p>
@@ -5711,7 +5711,7 @@
           <a:p>
             <a:fld id="{124E9894-F119-A64C-B7CB-D7CE860A73BE}" type="datetime1">
               <a:rPr lang="en-US" smtClean="0"/>
-              <a:t>11/28/18</a:t>
+              <a:t>12/4/18</a:t>
             </a:fld>
             <a:endParaRPr lang="en-US"/>
           </a:p>
@@ -13851,8 +13851,8 @@
         </p:nvSpPr>
         <p:spPr>
           <a:xfrm>
-            <a:off x="2589212" y="2358886"/>
-            <a:ext cx="8915400" cy="3777622"/>
+            <a:off x="596348" y="2358886"/>
+            <a:ext cx="10908264" cy="3777622"/>
           </a:xfrm>
         </p:spPr>
         <p:txBody>
@@ -13862,19 +13862,19 @@
           <a:lstStyle/>
           <a:p>
             <a:r>
-              <a:rPr lang="pt-BR" sz="2400" dirty="0"/>
+              <a:rPr lang="pt-BR" sz="2800" dirty="0"/>
               <a:t>Como aprendemos a escrever código?</a:t>
             </a:r>
           </a:p>
           <a:p>
             <a:r>
-              <a:rPr lang="pt-BR" sz="2400" dirty="0"/>
+              <a:rPr lang="pt-BR" sz="2800" dirty="0"/>
               <a:t>Para ficar mais fácil, o que é mesmo um algoritmo?</a:t>
             </a:r>
           </a:p>
           <a:p>
             <a:r>
-              <a:rPr lang="pt-BR" sz="2400" dirty="0"/>
+              <a:rPr lang="pt-BR" sz="2800" dirty="0"/>
               <a:t>Durante o aprendizado de programação, muitas vezes o estudante vê um problema e tenta resolvê-lo como um todo, pensando na solução final completa</a:t>
             </a:r>
           </a:p>
@@ -14001,14 +14001,57 @@
                             </p:stCondLst>
                             <p:childTnLst>
                               <p:par>
-                                <p:cTn id="10" presetID="9" presetClass="entr" presetSubtype="0" fill="hold" grpId="0" nodeType="clickEffect">
+                                <p:cTn id="10" presetID="9" presetClass="exit" presetSubtype="0" fill="hold" grpId="1" nodeType="clickEffect">
+                                  <p:stCondLst>
+                                    <p:cond delay="0"/>
+                                  </p:stCondLst>
+                                  <p:childTnLst>
+                                    <p:animEffect transition="out" filter="dissolve">
+                                      <p:cBhvr>
+                                        <p:cTn id="11" dur="500"/>
+                                        <p:tgtEl>
+                                          <p:spTgt spid="3">
+                                            <p:txEl>
+                                              <p:pRg st="0" end="0"/>
+                                            </p:txEl>
+                                          </p:spTgt>
+                                        </p:tgtEl>
+                                      </p:cBhvr>
+                                    </p:animEffect>
+                                    <p:set>
+                                      <p:cBhvr>
+                                        <p:cTn id="12" dur="1" fill="hold">
+                                          <p:stCondLst>
+                                            <p:cond delay="499"/>
+                                          </p:stCondLst>
+                                        </p:cTn>
+                                        <p:tgtEl>
+                                          <p:spTgt spid="3">
+                                            <p:txEl>
+                                              <p:pRg st="0" end="0"/>
+                                            </p:txEl>
+                                          </p:spTgt>
+                                        </p:tgtEl>
+                                        <p:attrNameLst>
+                                          <p:attrName>style.visibility</p:attrName>
+                                        </p:attrNameLst>
+                                      </p:cBhvr>
+                                      <p:to>
+                                        <p:strVal val="hidden"/>
+                                      </p:to>
+                                    </p:set>
+                                  </p:childTnLst>
+                                </p:cTn>
+                              </p:par>
+                              <p:par>
+                                <p:cTn id="13" presetID="9" presetClass="entr" presetSubtype="0" fill="hold" grpId="0" nodeType="withEffect">
                                   <p:stCondLst>
                                     <p:cond delay="0"/>
                                   </p:stCondLst>
                                   <p:childTnLst>
                                     <p:set>
                                       <p:cBhvr>
-                                        <p:cTn id="11" dur="1" fill="hold">
+                                        <p:cTn id="14" dur="1" fill="hold">
                                           <p:stCondLst>
                                             <p:cond delay="0"/>
                                           </p:stCondLst>
@@ -14030,7 +14073,7 @@
                                     </p:set>
                                     <p:animEffect transition="in" filter="dissolve">
                                       <p:cBhvr>
-                                        <p:cTn id="12" dur="500"/>
+                                        <p:cTn id="15" dur="500"/>
                                         <p:tgtEl>
                                           <p:spTgt spid="3">
                                             <p:txEl>
@@ -14050,26 +14093,69 @@
                     </p:cTn>
                   </p:par>
                   <p:par>
-                    <p:cTn id="13" fill="hold">
+                    <p:cTn id="16" fill="hold">
                       <p:stCondLst>
                         <p:cond delay="indefinite"/>
                       </p:stCondLst>
                       <p:childTnLst>
                         <p:par>
-                          <p:cTn id="14" fill="hold">
+                          <p:cTn id="17" fill="hold">
                             <p:stCondLst>
                               <p:cond delay="0"/>
                             </p:stCondLst>
                             <p:childTnLst>
                               <p:par>
-                                <p:cTn id="15" presetID="9" presetClass="entr" presetSubtype="0" fill="hold" grpId="0" nodeType="clickEffect">
+                                <p:cTn id="18" presetID="9" presetClass="exit" presetSubtype="0" fill="hold" grpId="1" nodeType="clickEffect">
+                                  <p:stCondLst>
+                                    <p:cond delay="0"/>
+                                  </p:stCondLst>
+                                  <p:childTnLst>
+                                    <p:animEffect transition="out" filter="dissolve">
+                                      <p:cBhvr>
+                                        <p:cTn id="19" dur="500"/>
+                                        <p:tgtEl>
+                                          <p:spTgt spid="3">
+                                            <p:txEl>
+                                              <p:pRg st="1" end="1"/>
+                                            </p:txEl>
+                                          </p:spTgt>
+                                        </p:tgtEl>
+                                      </p:cBhvr>
+                                    </p:animEffect>
+                                    <p:set>
+                                      <p:cBhvr>
+                                        <p:cTn id="20" dur="1" fill="hold">
+                                          <p:stCondLst>
+                                            <p:cond delay="499"/>
+                                          </p:stCondLst>
+                                        </p:cTn>
+                                        <p:tgtEl>
+                                          <p:spTgt spid="3">
+                                            <p:txEl>
+                                              <p:pRg st="1" end="1"/>
+                                            </p:txEl>
+                                          </p:spTgt>
+                                        </p:tgtEl>
+                                        <p:attrNameLst>
+                                          <p:attrName>style.visibility</p:attrName>
+                                        </p:attrNameLst>
+                                      </p:cBhvr>
+                                      <p:to>
+                                        <p:strVal val="hidden"/>
+                                      </p:to>
+                                    </p:set>
+                                  </p:childTnLst>
+                                </p:cTn>
+                              </p:par>
+                              <p:par>
+                                <p:cTn id="21" presetID="9" presetClass="entr" presetSubtype="0" fill="hold" grpId="0" nodeType="withEffect">
                                   <p:stCondLst>
                                     <p:cond delay="0"/>
                                   </p:stCondLst>
                                   <p:childTnLst>
                                     <p:set>
                                       <p:cBhvr>
-                                        <p:cTn id="16" dur="1" fill="hold">
+                                        <p:cTn id="22" dur="1" fill="hold">
                                           <p:stCondLst>
                                             <p:cond delay="0"/>
                                           </p:stCondLst>
@@ -14091,7 +14177,7 @@
                                     </p:set>
                                     <p:animEffect transition="in" filter="dissolve">
                                       <p:cBhvr>
-                                        <p:cTn id="17" dur="500"/>
+                                        <p:cTn id="23" dur="500"/>
                                         <p:tgtEl>
                                           <p:spTgt spid="3">
                                             <p:txEl>
@@ -14132,7 +14218,8 @@
       </p:par>
     </p:tnLst>
     <p:bldLst>
-      <p:bldP spid="3" grpId="0" build="p"/>
+      <p:bldP spid="3" grpId="0" uiExpand="1" build="p"/>
+      <p:bldP spid="3" grpId="1" uiExpand="1" build="p"/>
     </p:bldLst>
   </p:timing>
 </p:sld>
@@ -19132,10 +19219,10 @@
           <a:p>
             <a:pPr algn="ctr"/>
             <a:r>
-              <a:rPr lang="pt-BR" b="1" i="1"/>
+              <a:rPr lang="pt-BR" b="1" i="1" dirty="0"/>
               <a:t>O que esse código faz exatamente?</a:t>
             </a:r>
-            <a:endParaRPr lang="pt-BR"/>
+            <a:endParaRPr lang="pt-BR" dirty="0"/>
           </a:p>
         </p:txBody>
       </p:sp>
@@ -19174,31 +19261,31 @@
               <a:buNone/>
             </a:pPr>
             <a:r>
-              <a:rPr lang="en-US"/>
+              <a:rPr lang="en-US" dirty="0"/>
               <a:t>public </a:t>
             </a:r>
             <a:r>
-              <a:rPr lang="en-US" err="1"/>
+              <a:rPr lang="en-US" dirty="0" err="1"/>
               <a:t>boolean</a:t>
             </a:r>
             <a:r>
-              <a:rPr lang="en-US"/>
+              <a:rPr lang="en-US" dirty="0"/>
               <a:t> </a:t>
             </a:r>
             <a:r>
-              <a:rPr lang="en-US" err="1"/>
+              <a:rPr lang="en-US" dirty="0" err="1"/>
               <a:t>isCpfValido</a:t>
             </a:r>
             <a:r>
-              <a:rPr lang="en-US"/>
+              <a:rPr lang="en-US" dirty="0"/>
               <a:t>(String </a:t>
             </a:r>
             <a:r>
-              <a:rPr lang="en-US" err="1"/>
+              <a:rPr lang="en-US" dirty="0" err="1"/>
               <a:t>cpf</a:t>
             </a:r>
             <a:r>
-              <a:rPr lang="en-US"/>
+              <a:rPr lang="en-US" dirty="0"/>
               <a:t>) {</a:t>
             </a:r>
           </a:p>
@@ -19207,15 +19294,15 @@
               <a:buNone/>
             </a:pPr>
             <a:r>
-              <a:rPr lang="en-US"/>
+              <a:rPr lang="en-US" dirty="0"/>
               <a:t>  </a:t>
             </a:r>
             <a:r>
-              <a:rPr lang="en-US" err="1"/>
+              <a:rPr lang="en-US" dirty="0" err="1"/>
               <a:t>int</a:t>
             </a:r>
             <a:r>
-              <a:rPr lang="en-US"/>
+              <a:rPr lang="en-US" dirty="0"/>
               <a:t> d1, d2, resto, d;</a:t>
             </a:r>
           </a:p>
@@ -19224,7 +19311,7 @@
               <a:buNone/>
             </a:pPr>
             <a:r>
-              <a:rPr lang="en-US"/>
+              <a:rPr lang="en-US" dirty="0"/>
               <a:t>  String res, v;</a:t>
             </a:r>
           </a:p>
@@ -19233,7 +19320,7 @@
               <a:buNone/>
             </a:pPr>
             <a:r>
-              <a:rPr lang="en-US"/>
+              <a:rPr lang="en-US" dirty="0"/>
               <a:t>  d1 = d2 = 0;</a:t>
             </a:r>
           </a:p>
@@ -19242,7 +19329,7 @@
               <a:buNone/>
             </a:pPr>
             <a:r>
-              <a:rPr lang="en-US"/>
+              <a:rPr lang="en-US" dirty="0"/>
               <a:t>  digito1 = digito2 = resto = 0;</a:t>
             </a:r>
           </a:p>
@@ -19250,63 +19337,70 @@
             <a:pPr marL="0" indent="0">
               <a:buNone/>
             </a:pPr>
-            <a:endParaRPr lang="en-US"/>
+            <a:endParaRPr lang="en-US" dirty="0"/>
           </a:p>
           <a:p>
             <a:pPr marL="0" indent="0">
               <a:buNone/>
             </a:pPr>
             <a:r>
-              <a:rPr lang="en-US"/>
+              <a:rPr lang="en-US" dirty="0"/>
               <a:t>  for (</a:t>
             </a:r>
             <a:r>
-              <a:rPr lang="en-US" err="1"/>
+              <a:rPr lang="en-US" dirty="0" err="1"/>
               <a:t>int</a:t>
             </a:r>
             <a:r>
-              <a:rPr lang="en-US"/>
+              <a:rPr lang="en-US" dirty="0"/>
               <a:t> n = 1; count &lt; </a:t>
             </a:r>
             <a:r>
-              <a:rPr lang="en-US" err="1"/>
+              <a:rPr lang="en-US" dirty="0" err="1"/>
               <a:t>cpf.length</a:t>
             </a:r>
             <a:r>
-              <a:rPr lang="en-US"/>
+              <a:rPr lang="en-US" dirty="0"/>
               <a:t>() - 1; n++) {</a:t>
             </a:r>
+            <a:br>
+              <a:rPr lang="en-US" dirty="0"/>
+            </a:br>
+            <a:r>
+              <a:rPr lang="en-US" dirty="0"/>
+              <a:t>   String s = </a:t>
+            </a:r>
+            <a:r>
+              <a:rPr lang="en-US" dirty="0" err="1"/>
+              <a:t>cpf.substring</a:t>
+            </a:r>
+            <a:r>
+              <a:rPr lang="en-US" dirty="0"/>
+              <a:t>(n - 1, n);</a:t>
+            </a:r>
           </a:p>
           <a:p>
             <a:pPr marL="0" indent="0">
               <a:buNone/>
             </a:pPr>
             <a:r>
-              <a:rPr lang="en-US"/>
+              <a:rPr lang="en-US" dirty="0"/>
               <a:t>   d = </a:t>
             </a:r>
             <a:r>
-              <a:rPr lang="en-US" err="1"/>
+              <a:rPr lang="en-US" dirty="0" err="1"/>
               <a:t>Integer.valueOf</a:t>
             </a:r>
             <a:r>
-              <a:rPr lang="en-US"/>
-              <a:t>(</a:t>
-            </a:r>
-            <a:r>
-              <a:rPr lang="en-US" err="1"/>
-              <a:t>cpf.substring</a:t>
-            </a:r>
-            <a:r>
-              <a:rPr lang="en-US"/>
-              <a:t>(n - 1, n)).</a:t>
-            </a:r>
-            <a:r>
-              <a:rPr lang="en-US" err="1"/>
+              <a:rPr lang="en-US" dirty="0"/>
+              <a:t>(s).</a:t>
+            </a:r>
+            <a:r>
+              <a:rPr lang="en-US" dirty="0" err="1"/>
               <a:t>intValue</a:t>
             </a:r>
             <a:r>
-              <a:rPr lang="en-US"/>
+              <a:rPr lang="en-US" dirty="0"/>
               <a:t>();</a:t>
             </a:r>
           </a:p>
@@ -19315,7 +19409,7 @@
               <a:buNone/>
             </a:pPr>
             <a:r>
-              <a:rPr lang="en-US"/>
+              <a:rPr lang="en-US" dirty="0"/>
               <a:t>   d1 = d1 + (11 - count) * d;</a:t>
             </a:r>
           </a:p>
@@ -19324,7 +19418,7 @@
               <a:buNone/>
             </a:pPr>
             <a:r>
-              <a:rPr lang="en-US"/>
+              <a:rPr lang="en-US" dirty="0"/>
               <a:t>   d2 = d2 + (12 - count) * d;</a:t>
             </a:r>
           </a:p>
@@ -19333,7 +19427,7 @@
               <a:buNone/>
             </a:pPr>
             <a:r>
-              <a:rPr lang="en-US"/>
+              <a:rPr lang="en-US" dirty="0"/>
               <a:t>  }</a:t>
             </a:r>
           </a:p>
@@ -20097,31 +20191,31 @@
               <a:buNone/>
             </a:pPr>
             <a:r>
-              <a:rPr lang="en-US"/>
+              <a:rPr lang="en-US" dirty="0"/>
               <a:t>public </a:t>
             </a:r>
             <a:r>
-              <a:rPr lang="en-US" err="1"/>
+              <a:rPr lang="en-US" dirty="0" err="1"/>
               <a:t>boolean</a:t>
             </a:r>
             <a:r>
-              <a:rPr lang="en-US"/>
+              <a:rPr lang="en-US" dirty="0"/>
               <a:t> </a:t>
             </a:r>
             <a:r>
-              <a:rPr lang="en-US" err="1"/>
+              <a:rPr lang="en-US" dirty="0" err="1"/>
               <a:t>isCpfValido</a:t>
             </a:r>
             <a:r>
-              <a:rPr lang="en-US"/>
+              <a:rPr lang="en-US" dirty="0"/>
               <a:t>(String </a:t>
             </a:r>
             <a:r>
-              <a:rPr lang="en-US" err="1"/>
+              <a:rPr lang="en-US" dirty="0" err="1"/>
               <a:t>cpf</a:t>
             </a:r>
             <a:r>
-              <a:rPr lang="en-US"/>
+              <a:rPr lang="en-US" dirty="0"/>
               <a:t>) {</a:t>
             </a:r>
           </a:p>
@@ -20130,31 +20224,31 @@
               <a:buNone/>
             </a:pPr>
             <a:r>
-              <a:rPr lang="en-US"/>
+              <a:rPr lang="en-US" dirty="0"/>
               <a:t>  //Remove </a:t>
             </a:r>
             <a:r>
-              <a:rPr lang="en-US" err="1"/>
+              <a:rPr lang="en-US" dirty="0" err="1"/>
               <a:t>caracteres</a:t>
             </a:r>
             <a:r>
-              <a:rPr lang="en-US"/>
+              <a:rPr lang="en-US" dirty="0"/>
               <a:t> </a:t>
             </a:r>
             <a:r>
-              <a:rPr lang="en-US" err="1"/>
+              <a:rPr lang="en-US" dirty="0" err="1"/>
               <a:t>não</a:t>
             </a:r>
             <a:r>
-              <a:rPr lang="en-US"/>
+              <a:rPr lang="en-US" dirty="0"/>
               <a:t> </a:t>
             </a:r>
             <a:r>
-              <a:rPr lang="en-US" err="1"/>
+              <a:rPr lang="en-US" dirty="0" err="1"/>
               <a:t>numéricos</a:t>
             </a:r>
             <a:r>
-              <a:rPr lang="en-US"/>
+              <a:rPr lang="en-US" dirty="0"/>
               <a:t> do CPF </a:t>
             </a:r>
           </a:p>
@@ -20163,23 +20257,23 @@
               <a:buNone/>
             </a:pPr>
             <a:r>
-              <a:rPr lang="en-US"/>
+              <a:rPr lang="en-US" dirty="0"/>
               <a:t>  </a:t>
             </a:r>
             <a:r>
-              <a:rPr lang="en-US" err="1"/>
+              <a:rPr lang="en-US" dirty="0" err="1"/>
               <a:t>cpf</a:t>
             </a:r>
             <a:r>
-              <a:rPr lang="en-US"/>
+              <a:rPr lang="en-US" dirty="0"/>
               <a:t> = </a:t>
             </a:r>
             <a:r>
-              <a:rPr lang="en-US" err="1"/>
+              <a:rPr lang="en-US" dirty="0" err="1"/>
               <a:t>cpf.replaceAll</a:t>
             </a:r>
             <a:r>
-              <a:rPr lang="en-US"/>
+              <a:rPr lang="en-US" dirty="0"/>
               <a:t>("\\D", "");</a:t>
             </a:r>
           </a:p>
@@ -20188,19 +20282,19 @@
               <a:buNone/>
             </a:pPr>
             <a:br>
-              <a:rPr lang="en-US"/>
+              <a:rPr lang="en-US" dirty="0"/>
             </a:br>
             <a:r>
-              <a:rPr lang="en-US"/>
+              <a:rPr lang="en-US" dirty="0"/>
               <a:t>  if (</a:t>
             </a:r>
             <a:r>
-              <a:rPr lang="en-US" err="1"/>
+              <a:rPr lang="en-US" dirty="0" err="1"/>
               <a:t>cpf.length</a:t>
             </a:r>
             <a:r>
-              <a:rPr lang="en-US"/>
-              <a:t>() != 11)</a:t>
+              <a:rPr lang="en-US" dirty="0"/>
+              <a:t>() != 11){</a:t>
             </a:r>
           </a:p>
           <a:p>
@@ -20208,8 +20302,81 @@
               <a:buNone/>
             </a:pPr>
             <a:r>
-              <a:rPr lang="en-US"/>
+              <a:rPr lang="en-US" dirty="0"/>
               <a:t>      return false;</a:t>
+            </a:r>
+          </a:p>
+          <a:p>
+            <a:pPr marL="0" indent="0">
+              <a:buNone/>
+            </a:pPr>
+            <a:r>
+              <a:rPr lang="en-US" dirty="0"/>
+              <a:t>  }</a:t>
+            </a:r>
+            <a:br>
+              <a:rPr lang="en-US" dirty="0"/>
+            </a:br>
+            <a:r>
+              <a:rPr lang="en-US" dirty="0"/>
+              <a:t>  </a:t>
+            </a:r>
+            <a:r>
+              <a:rPr lang="en-US" dirty="0" err="1"/>
+              <a:t>int</a:t>
+            </a:r>
+            <a:r>
+              <a:rPr lang="en-US" dirty="0"/>
+              <a:t> d1 = </a:t>
+            </a:r>
+            <a:r>
+              <a:rPr lang="en-US" dirty="0" err="1"/>
+              <a:t>calculaDigito</a:t>
+            </a:r>
+            <a:r>
+              <a:rPr lang="en-US" dirty="0"/>
+              <a:t>(</a:t>
+            </a:r>
+            <a:r>
+              <a:rPr lang="en-US" dirty="0" err="1"/>
+              <a:t>cpf</a:t>
+            </a:r>
+            <a:r>
+              <a:rPr lang="en-US" dirty="0"/>
+              <a:t>, 9);</a:t>
+            </a:r>
+          </a:p>
+          <a:p>
+            <a:pPr marL="0" indent="0">
+              <a:buNone/>
+            </a:pPr>
+            <a:r>
+              <a:rPr lang="en-US" dirty="0"/>
+              <a:t>  </a:t>
+            </a:r>
+            <a:r>
+              <a:rPr lang="en-US" dirty="0" err="1"/>
+              <a:t>int</a:t>
+            </a:r>
+            <a:r>
+              <a:rPr lang="en-US" dirty="0"/>
+              <a:t> d2 = </a:t>
+            </a:r>
+            <a:r>
+              <a:rPr lang="en-US" dirty="0" err="1"/>
+              <a:t>calculaDigito</a:t>
+            </a:r>
+            <a:r>
+              <a:rPr lang="en-US" dirty="0"/>
+              <a:t>(</a:t>
+            </a:r>
+            <a:r>
+              <a:rPr lang="en-US" dirty="0" err="1"/>
+              <a:t>cpf</a:t>
+            </a:r>
+            <a:r>
+              <a:rPr lang="en-US" dirty="0"/>
+              <a:t>, 10);</a:t>
             </a:r>
           </a:p>
           <a:p>
@@ -20217,78 +20384,9 @@
               <a:buNone/>
             </a:pPr>
             <a:br>
-              <a:rPr lang="en-US"/>
+              <a:rPr lang="en-US" dirty="0"/>
             </a:br>
-            <a:r>
-              <a:rPr lang="en-US"/>
-              <a:t>  </a:t>
-            </a:r>
-            <a:r>
-              <a:rPr lang="en-US" err="1"/>
-              <a:t>int</a:t>
-            </a:r>
-            <a:r>
-              <a:rPr lang="en-US"/>
-              <a:t> d1 = </a:t>
-            </a:r>
-            <a:r>
-              <a:rPr lang="en-US" err="1"/>
-              <a:t>calculaDigito</a:t>
-            </a:r>
-            <a:r>
-              <a:rPr lang="en-US"/>
-              <a:t>(</a:t>
-            </a:r>
-            <a:r>
-              <a:rPr lang="en-US" err="1"/>
-              <a:t>cpf</a:t>
-            </a:r>
-            <a:r>
-              <a:rPr lang="en-US"/>
-              <a:t>, 9);</a:t>
-            </a:r>
-          </a:p>
-          <a:p>
-            <a:pPr marL="0" indent="0">
-              <a:buNone/>
-            </a:pPr>
-            <a:r>
-              <a:rPr lang="en-US"/>
-              <a:t>  </a:t>
-            </a:r>
-            <a:r>
-              <a:rPr lang="en-US" err="1"/>
-              <a:t>int</a:t>
-            </a:r>
-            <a:r>
-              <a:rPr lang="en-US"/>
-              <a:t> d2 = </a:t>
-            </a:r>
-            <a:r>
-              <a:rPr lang="en-US" err="1"/>
-              <a:t>calculaDigito</a:t>
-            </a:r>
-            <a:r>
-              <a:rPr lang="en-US"/>
-              <a:t>(</a:t>
-            </a:r>
-            <a:r>
-              <a:rPr lang="en-US" err="1"/>
-              <a:t>cpf</a:t>
-            </a:r>
-            <a:r>
-              <a:rPr lang="en-US"/>
-              <a:t>, 10);</a:t>
-            </a:r>
-          </a:p>
-          <a:p>
-            <a:pPr marL="0" indent="0">
-              <a:buNone/>
-            </a:pPr>
-            <a:br>
-              <a:rPr lang="en-US"/>
-            </a:br>
-            <a:endParaRPr lang="en-US"/>
+            <a:endParaRPr lang="en-US" dirty="0"/>
           </a:p>
         </p:txBody>
       </p:sp>
@@ -24862,12 +24960,12 @@
 <file path=ppt/theme/theme1.xml><?xml version="1.0" encoding="utf-8"?>
 <a:theme xmlns:a="http://schemas.openxmlformats.org/drawingml/2006/main" name="Vapor Trail">
   <a:themeElements>
-    <a:clrScheme name="Vapor Trail">
+    <a:clrScheme name="Custom 6 2">
       <a:dk1>
-        <a:sysClr val="windowText" lastClr="000000"/>
+        <a:srgbClr val="000000"/>
       </a:dk1>
       <a:lt1>
-        <a:sysClr val="window" lastClr="FFFFFF"/>
+        <a:srgbClr val="FFFFFF"/>
       </a:lt1>
       <a:dk2>
         <a:srgbClr val="454545"/>
@@ -24894,10 +24992,10 @@
         <a:srgbClr val="4A9BDC"/>
       </a:accent6>
       <a:hlink>
-        <a:srgbClr val="F0532B"/>
+        <a:srgbClr val="0432FF"/>
       </a:hlink>
       <a:folHlink>
-        <a:srgbClr val="F38B53"/>
+        <a:srgbClr val="0432FF"/>
       </a:folHlink>
     </a:clrScheme>
     <a:fontScheme name="Vapor Trail">

--- a/projects/01-introducao-tdd/tdd.pptx
+++ b/projects/01-introducao-tdd/tdd.pptx
@@ -2,10 +2,10 @@
 <file path=ppt/presentation.xml><?xml version="1.0" encoding="utf-8"?>
 <p:presentation xmlns:a="http://schemas.openxmlformats.org/drawingml/2006/main" xmlns:r="http://schemas.openxmlformats.org/officeDocument/2006/relationships" xmlns:p="http://schemas.openxmlformats.org/presentationml/2006/main" saveSubsetFonts="1" autoCompressPictures="0">
   <p:sldMasterIdLst>
-    <p:sldMasterId id="2147484025" r:id="rId1"/>
+    <p:sldMasterId id="2147484349" r:id="rId1"/>
   </p:sldMasterIdLst>
   <p:notesMasterIdLst>
-    <p:notesMasterId r:id="rId34"/>
+    <p:notesMasterId r:id="rId35"/>
   </p:notesMasterIdLst>
   <p:sldIdLst>
     <p:sldId id="266" r:id="rId2"/>
@@ -39,7 +39,8 @@
     <p:sldId id="301" r:id="rId30"/>
     <p:sldId id="302" r:id="rId31"/>
     <p:sldId id="310" r:id="rId32"/>
-    <p:sldId id="281" r:id="rId33"/>
+    <p:sldId id="311" r:id="rId33"/>
+    <p:sldId id="281" r:id="rId34"/>
   </p:sldIdLst>
   <p:sldSz cx="12192000" cy="6858000"/>
   <p:notesSz cx="6858000" cy="9144000"/>
@@ -228,7 +229,7 @@
           <a:p>
             <a:fld id="{7497B6E1-7C5B-524D-B5EB-5E6695205380}" type="datetimeFigureOut">
               <a:rPr lang="pt-BR" smtClean="0"/>
-              <a:t>04/12/2018</a:t>
+              <a:t>13/12/2018</a:t>
             </a:fld>
             <a:endParaRPr lang="pt-BR"/>
           </a:p>
@@ -515,7 +516,7 @@
       </p:grpSpPr>
       <p:pic>
         <p:nvPicPr>
-          <p:cNvPr id="7" name="Picture 6" descr="C0-HD-BTM.png"/>
+          <p:cNvPr id="8" name="Picture 7" descr="C3-HD-BTM.png"/>
           <p:cNvPicPr>
             <a:picLocks noChangeAspect="1"/>
           </p:cNvPicPr>
@@ -666,7 +667,7 @@
           <a:p>
             <a:fld id="{19E7D63B-43B5-8A4C-BD12-76889BE136BD}" type="datetime1">
               <a:rPr lang="en-US" smtClean="0"/>
-              <a:t>12/4/18</a:t>
+              <a:t>12/13/18</a:t>
             </a:fld>
             <a:endParaRPr lang="en-US"/>
           </a:p>
@@ -727,7 +728,7 @@
     </p:spTree>
     <p:extLst>
       <p:ext uri="{BB962C8B-B14F-4D97-AF65-F5344CB8AC3E}">
-        <p14:creationId xmlns:p14="http://schemas.microsoft.com/office/powerpoint/2010/main" val="761388282"/>
+        <p14:creationId xmlns:p14="http://schemas.microsoft.com/office/powerpoint/2010/main" val="3613153404"/>
       </p:ext>
     </p:extLst>
   </p:cSld>
@@ -847,6 +848,7 @@
               <a:rPr lang="en-US"/>
               <a:t>Click icon to add picture</a:t>
             </a:r>
+            <a:endParaRPr lang="en-US" dirty="0"/>
           </a:p>
         </p:txBody>
       </p:sp>
@@ -932,7 +934,7 @@
           <a:p>
             <a:fld id="{124E9894-F119-A64C-B7CB-D7CE860A73BE}" type="datetime1">
               <a:rPr lang="en-US" smtClean="0"/>
-              <a:t>12/4/18</a:t>
+              <a:t>12/13/18</a:t>
             </a:fld>
             <a:endParaRPr lang="en-US"/>
           </a:p>
@@ -983,7 +985,7 @@
     </p:spTree>
     <p:extLst>
       <p:ext uri="{BB962C8B-B14F-4D97-AF65-F5344CB8AC3E}">
-        <p14:creationId xmlns:p14="http://schemas.microsoft.com/office/powerpoint/2010/main" val="967177075"/>
+        <p14:creationId xmlns:p14="http://schemas.microsoft.com/office/powerpoint/2010/main" val="832670254"/>
       </p:ext>
     </p:extLst>
   </p:cSld>
@@ -1013,7 +1015,7 @@
       </p:grpSpPr>
       <p:pic>
         <p:nvPicPr>
-          <p:cNvPr id="8" name="Picture 7" descr="C0-HD-BTM.png"/>
+          <p:cNvPr id="9" name="Picture 8" descr="C3-HD-BTM.png"/>
           <p:cNvPicPr>
             <a:picLocks noChangeAspect="1"/>
           </p:cNvPicPr>
@@ -1164,7 +1166,7 @@
           <a:p>
             <a:fld id="{124E9894-F119-A64C-B7CB-D7CE860A73BE}" type="datetime1">
               <a:rPr lang="en-US" smtClean="0"/>
-              <a:t>12/4/18</a:t>
+              <a:t>12/13/18</a:t>
             </a:fld>
             <a:endParaRPr lang="en-US"/>
           </a:p>
@@ -1225,7 +1227,7 @@
     </p:spTree>
     <p:extLst>
       <p:ext uri="{BB962C8B-B14F-4D97-AF65-F5344CB8AC3E}">
-        <p14:creationId xmlns:p14="http://schemas.microsoft.com/office/powerpoint/2010/main" val="2761250519"/>
+        <p14:creationId xmlns:p14="http://schemas.microsoft.com/office/powerpoint/2010/main" val="2851655235"/>
       </p:ext>
     </p:extLst>
   </p:cSld>
@@ -1255,7 +1257,7 @@
       </p:grpSpPr>
       <p:pic>
         <p:nvPicPr>
-          <p:cNvPr id="13" name="Picture 12" descr="C0-HD-BTM.png"/>
+          <p:cNvPr id="11" name="Picture 10" descr="C3-HD-BTM.png"/>
           <p:cNvPicPr>
             <a:picLocks noChangeAspect="1"/>
           </p:cNvPicPr>
@@ -1475,7 +1477,7 @@
           <a:p>
             <a:fld id="{124E9894-F119-A64C-B7CB-D7CE860A73BE}" type="datetime1">
               <a:rPr lang="en-US" smtClean="0"/>
-              <a:t>12/4/18</a:t>
+              <a:t>12/13/18</a:t>
             </a:fld>
             <a:endParaRPr lang="en-US"/>
           </a:p>
@@ -1638,7 +1640,7 @@
           <a:p>
             <a:pPr lvl="0"/>
             <a:r>
-              <a:rPr lang="en-US" sz="8000">
+              <a:rPr lang="en-US" sz="8000" dirty="0">
                 <a:solidFill>
                   <a:schemeClr val="tx1"/>
                 </a:solidFill>
@@ -1754,7 +1756,7 @@
           <a:p>
             <a:pPr lvl="0" algn="r"/>
             <a:r>
-              <a:rPr lang="en-US" sz="8000">
+              <a:rPr lang="en-US" sz="8000" dirty="0">
                 <a:solidFill>
                   <a:schemeClr val="tx1"/>
                 </a:solidFill>
@@ -1768,7 +1770,7 @@
     </p:spTree>
     <p:extLst>
       <p:ext uri="{BB962C8B-B14F-4D97-AF65-F5344CB8AC3E}">
-        <p14:creationId xmlns:p14="http://schemas.microsoft.com/office/powerpoint/2010/main" val="3608814195"/>
+        <p14:creationId xmlns:p14="http://schemas.microsoft.com/office/powerpoint/2010/main" val="3290784681"/>
       </p:ext>
     </p:extLst>
   </p:cSld>
@@ -1798,7 +1800,7 @@
       </p:grpSpPr>
       <p:pic>
         <p:nvPicPr>
-          <p:cNvPr id="9" name="Picture 8" descr="C0-HD-BTM.png"/>
+          <p:cNvPr id="8" name="Picture 7" descr="C3-HD-BTM.png"/>
           <p:cNvPicPr>
             <a:picLocks noChangeAspect="1"/>
           </p:cNvPicPr>
@@ -1949,7 +1951,7 @@
           <a:p>
             <a:fld id="{B4BBB50B-BAA3-9748-978F-08A7877AB7D9}" type="datetime1">
               <a:rPr lang="en-US" smtClean="0"/>
-              <a:t>12/4/18</a:t>
+              <a:t>12/13/18</a:t>
             </a:fld>
             <a:endParaRPr lang="en-US"/>
           </a:p>
@@ -2010,7 +2012,7 @@
     </p:spTree>
     <p:extLst>
       <p:ext uri="{BB962C8B-B14F-4D97-AF65-F5344CB8AC3E}">
-        <p14:creationId xmlns:p14="http://schemas.microsoft.com/office/powerpoint/2010/main" val="443076297"/>
+        <p14:creationId xmlns:p14="http://schemas.microsoft.com/office/powerpoint/2010/main" val="4215734733"/>
       </p:ext>
     </p:extLst>
   </p:cSld>
@@ -2496,7 +2498,7 @@
           <a:p>
             <a:fld id="{124E9894-F119-A64C-B7CB-D7CE860A73BE}" type="datetime1">
               <a:rPr lang="en-US" smtClean="0"/>
-              <a:t>12/4/18</a:t>
+              <a:t>12/13/18</a:t>
             </a:fld>
             <a:endParaRPr lang="en-US"/>
           </a:p>
@@ -2547,7 +2549,7 @@
     </p:spTree>
     <p:extLst>
       <p:ext uri="{BB962C8B-B14F-4D97-AF65-F5344CB8AC3E}">
-        <p14:creationId xmlns:p14="http://schemas.microsoft.com/office/powerpoint/2010/main" val="3565465553"/>
+        <p14:creationId xmlns:p14="http://schemas.microsoft.com/office/powerpoint/2010/main" val="1563521796"/>
       </p:ext>
     </p:extLst>
   </p:cSld>
@@ -2749,6 +2751,7 @@
               <a:rPr lang="en-US"/>
               <a:t>Click icon to add picture</a:t>
             </a:r>
+            <a:endParaRPr lang="en-US" dirty="0"/>
           </a:p>
         </p:txBody>
       </p:sp>
@@ -2965,6 +2968,7 @@
               <a:rPr lang="en-US"/>
               <a:t>Click icon to add picture</a:t>
             </a:r>
+            <a:endParaRPr lang="en-US" dirty="0"/>
           </a:p>
         </p:txBody>
       </p:sp>
@@ -3181,6 +3185,7 @@
               <a:rPr lang="en-US"/>
               <a:t>Click icon to add picture</a:t>
             </a:r>
+            <a:endParaRPr lang="en-US" dirty="0"/>
           </a:p>
         </p:txBody>
       </p:sp>
@@ -3268,7 +3273,7 @@
           <a:p>
             <a:fld id="{124E9894-F119-A64C-B7CB-D7CE860A73BE}" type="datetime1">
               <a:rPr lang="en-US" smtClean="0"/>
-              <a:t>12/4/18</a:t>
+              <a:t>12/13/18</a:t>
             </a:fld>
             <a:endParaRPr lang="en-US"/>
           </a:p>
@@ -3319,7 +3324,7 @@
     </p:spTree>
     <p:extLst>
       <p:ext uri="{BB962C8B-B14F-4D97-AF65-F5344CB8AC3E}">
-        <p14:creationId xmlns:p14="http://schemas.microsoft.com/office/powerpoint/2010/main" val="3666991860"/>
+        <p14:creationId xmlns:p14="http://schemas.microsoft.com/office/powerpoint/2010/main" val="1639238714"/>
       </p:ext>
     </p:extLst>
   </p:cSld>
@@ -3444,7 +3449,7 @@
           <a:p>
             <a:fld id="{45040DEA-CE02-EF42-8F10-34F709D8505D}" type="datetime1">
               <a:rPr lang="en-US" smtClean="0"/>
-              <a:t>12/4/18</a:t>
+              <a:t>12/13/18</a:t>
             </a:fld>
             <a:endParaRPr lang="en-US"/>
           </a:p>
@@ -3495,7 +3500,7 @@
     </p:spTree>
     <p:extLst>
       <p:ext uri="{BB962C8B-B14F-4D97-AF65-F5344CB8AC3E}">
-        <p14:creationId xmlns:p14="http://schemas.microsoft.com/office/powerpoint/2010/main" val="3578060365"/>
+        <p14:creationId xmlns:p14="http://schemas.microsoft.com/office/powerpoint/2010/main" val="3976468160"/>
       </p:ext>
     </p:extLst>
   </p:cSld>
@@ -3524,7 +3529,7 @@
       </p:grpSpPr>
       <p:pic>
         <p:nvPicPr>
-          <p:cNvPr id="8" name="Picture 7" descr="C0-HD-BTM.png"/>
+          <p:cNvPr id="9" name="Picture 8" descr="C3-HD-BTM.png"/>
           <p:cNvPicPr>
             <a:picLocks noChangeAspect="1"/>
           </p:cNvPicPr>
@@ -3667,7 +3672,7 @@
           <a:p>
             <a:fld id="{A0C1C801-5706-434E-AB65-DDFBCF1F55D2}" type="datetime1">
               <a:rPr lang="en-US" smtClean="0"/>
-              <a:t>12/4/18</a:t>
+              <a:t>12/13/18</a:t>
             </a:fld>
             <a:endParaRPr lang="en-US"/>
           </a:p>
@@ -3728,7 +3733,7 @@
     </p:spTree>
     <p:extLst>
       <p:ext uri="{BB962C8B-B14F-4D97-AF65-F5344CB8AC3E}">
-        <p14:creationId xmlns:p14="http://schemas.microsoft.com/office/powerpoint/2010/main" val="1566538867"/>
+        <p14:creationId xmlns:p14="http://schemas.microsoft.com/office/powerpoint/2010/main" val="2323920300"/>
       </p:ext>
     </p:extLst>
   </p:cSld>
@@ -3847,7 +3852,7 @@
           <a:p>
             <a:fld id="{39AE0FD8-7D7B-EA4F-8AF8-8B97820A0C5D}" type="datetime1">
               <a:rPr lang="en-US" smtClean="0"/>
-              <a:t>12/4/18</a:t>
+              <a:t>12/13/18</a:t>
             </a:fld>
             <a:endParaRPr lang="en-US"/>
           </a:p>
@@ -3898,7 +3903,7 @@
     </p:spTree>
     <p:extLst>
       <p:ext uri="{BB962C8B-B14F-4D97-AF65-F5344CB8AC3E}">
-        <p14:creationId xmlns:p14="http://schemas.microsoft.com/office/powerpoint/2010/main" val="3751797350"/>
+        <p14:creationId xmlns:p14="http://schemas.microsoft.com/office/powerpoint/2010/main" val="1054409438"/>
       </p:ext>
     </p:extLst>
   </p:cSld>
@@ -3927,7 +3932,7 @@
       </p:grpSpPr>
       <p:pic>
         <p:nvPicPr>
-          <p:cNvPr id="9" name="Picture 8" descr="C0-HD-BTM.png"/>
+          <p:cNvPr id="8" name="Picture 7" descr="C3-HD-BTM.png"/>
           <p:cNvPicPr>
             <a:picLocks noChangeAspect="1"/>
           </p:cNvPicPr>
@@ -4136,7 +4141,7 @@
           <a:p>
             <a:fld id="{7FC94D43-3F68-DC43-8EF0-95FB3D51CCCF}" type="datetime1">
               <a:rPr lang="en-US" smtClean="0"/>
-              <a:t>12/4/18</a:t>
+              <a:t>12/13/18</a:t>
             </a:fld>
             <a:endParaRPr lang="en-US"/>
           </a:p>
@@ -4197,7 +4202,7 @@
     </p:spTree>
     <p:extLst>
       <p:ext uri="{BB962C8B-B14F-4D97-AF65-F5344CB8AC3E}">
-        <p14:creationId xmlns:p14="http://schemas.microsoft.com/office/powerpoint/2010/main" val="2027005503"/>
+        <p14:creationId xmlns:p14="http://schemas.microsoft.com/office/powerpoint/2010/main" val="2053836500"/>
       </p:ext>
     </p:extLst>
   </p:cSld>
@@ -4378,7 +4383,7 @@
           <a:p>
             <a:fld id="{BD42CFC2-1CE8-9045-8C9C-0F183F0FB455}" type="datetime1">
               <a:rPr lang="en-US" smtClean="0"/>
-              <a:t>12/4/18</a:t>
+              <a:t>12/13/18</a:t>
             </a:fld>
             <a:endParaRPr lang="en-US"/>
           </a:p>
@@ -4429,7 +4434,7 @@
     </p:spTree>
     <p:extLst>
       <p:ext uri="{BB962C8B-B14F-4D97-AF65-F5344CB8AC3E}">
-        <p14:creationId xmlns:p14="http://schemas.microsoft.com/office/powerpoint/2010/main" val="64857318"/>
+        <p14:creationId xmlns:p14="http://schemas.microsoft.com/office/powerpoint/2010/main" val="1545572332"/>
       </p:ext>
     </p:extLst>
   </p:cSld>
@@ -4757,7 +4762,7 @@
           <a:p>
             <a:fld id="{F1B5C6E2-D044-C748-9C41-86C9B2F84EB9}" type="datetime1">
               <a:rPr lang="en-US" smtClean="0"/>
-              <a:t>12/4/18</a:t>
+              <a:t>12/13/18</a:t>
             </a:fld>
             <a:endParaRPr lang="en-US"/>
           </a:p>
@@ -4808,7 +4813,7 @@
     </p:spTree>
     <p:extLst>
       <p:ext uri="{BB962C8B-B14F-4D97-AF65-F5344CB8AC3E}">
-        <p14:creationId xmlns:p14="http://schemas.microsoft.com/office/powerpoint/2010/main" val="519768390"/>
+        <p14:creationId xmlns:p14="http://schemas.microsoft.com/office/powerpoint/2010/main" val="1772274042"/>
       </p:ext>
     </p:extLst>
   </p:cSld>
@@ -4875,7 +4880,7 @@
           <a:p>
             <a:fld id="{359C32BA-C166-AC45-9FCD-8BF0F43629D9}" type="datetime1">
               <a:rPr lang="en-US" smtClean="0"/>
-              <a:t>12/4/18</a:t>
+              <a:t>12/13/18</a:t>
             </a:fld>
             <a:endParaRPr lang="en-US"/>
           </a:p>
@@ -4926,7 +4931,7 @@
     </p:spTree>
     <p:extLst>
       <p:ext uri="{BB962C8B-B14F-4D97-AF65-F5344CB8AC3E}">
-        <p14:creationId xmlns:p14="http://schemas.microsoft.com/office/powerpoint/2010/main" val="1351357189"/>
+        <p14:creationId xmlns:p14="http://schemas.microsoft.com/office/powerpoint/2010/main" val="3273245073"/>
       </p:ext>
     </p:extLst>
   </p:cSld>
@@ -4970,7 +4975,7 @@
           <a:p>
             <a:fld id="{E5D0D591-4B92-A44B-A0EA-798E76AD0368}" type="datetime1">
               <a:rPr lang="en-US" smtClean="0"/>
-              <a:t>12/4/18</a:t>
+              <a:t>12/13/18</a:t>
             </a:fld>
             <a:endParaRPr lang="en-US"/>
           </a:p>
@@ -5021,7 +5026,7 @@
     </p:spTree>
     <p:extLst>
       <p:ext uri="{BB962C8B-B14F-4D97-AF65-F5344CB8AC3E}">
-        <p14:creationId xmlns:p14="http://schemas.microsoft.com/office/powerpoint/2010/main" val="3290374351"/>
+        <p14:creationId xmlns:p14="http://schemas.microsoft.com/office/powerpoint/2010/main" val="4107804434"/>
       </p:ext>
     </p:extLst>
   </p:cSld>
@@ -5219,7 +5224,7 @@
           <a:p>
             <a:fld id="{8201F472-E17F-4B47-A44B-A2249FA27ED2}" type="datetime1">
               <a:rPr lang="en-US" smtClean="0"/>
-              <a:t>12/4/18</a:t>
+              <a:t>12/13/18</a:t>
             </a:fld>
             <a:endParaRPr lang="en-US"/>
           </a:p>
@@ -5270,7 +5275,7 @@
     </p:spTree>
     <p:extLst>
       <p:ext uri="{BB962C8B-B14F-4D97-AF65-F5344CB8AC3E}">
-        <p14:creationId xmlns:p14="http://schemas.microsoft.com/office/powerpoint/2010/main" val="2157404864"/>
+        <p14:creationId xmlns:p14="http://schemas.microsoft.com/office/powerpoint/2010/main" val="197765994"/>
       </p:ext>
     </p:extLst>
   </p:cSld>
@@ -5390,6 +5395,7 @@
               <a:rPr lang="en-US"/>
               <a:t>Click icon to add picture</a:t>
             </a:r>
+            <a:endParaRPr lang="en-US" dirty="0"/>
           </a:p>
         </p:txBody>
       </p:sp>
@@ -5475,7 +5481,7 @@
           <a:p>
             <a:fld id="{8BEFB9EE-CDF2-6F49-80F4-278D1604F10C}" type="datetime1">
               <a:rPr lang="en-US" smtClean="0"/>
-              <a:t>12/4/18</a:t>
+              <a:t>12/13/18</a:t>
             </a:fld>
             <a:endParaRPr lang="en-US"/>
           </a:p>
@@ -5526,7 +5532,7 @@
     </p:spTree>
     <p:extLst>
       <p:ext uri="{BB962C8B-B14F-4D97-AF65-F5344CB8AC3E}">
-        <p14:creationId xmlns:p14="http://schemas.microsoft.com/office/powerpoint/2010/main" val="3122562198"/>
+        <p14:creationId xmlns:p14="http://schemas.microsoft.com/office/powerpoint/2010/main" val="680260667"/>
       </p:ext>
     </p:extLst>
   </p:cSld>
@@ -5560,7 +5566,7 @@
       </p:grpSpPr>
       <p:pic>
         <p:nvPicPr>
-          <p:cNvPr id="7" name="Picture 6" descr="C0-HD-TOP.png"/>
+          <p:cNvPr id="8" name="Picture 7" descr="C3-HD-TOP.png"/>
           <p:cNvPicPr>
             <a:picLocks noChangeAspect="1"/>
           </p:cNvPicPr>
@@ -5718,7 +5724,7 @@
           <a:p>
             <a:fld id="{124E9894-F119-A64C-B7CB-D7CE860A73BE}" type="datetime1">
               <a:rPr lang="en-US" smtClean="0"/>
-              <a:t>12/4/18</a:t>
+              <a:t>12/13/18</a:t>
             </a:fld>
             <a:endParaRPr lang="en-US"/>
           </a:p>
@@ -5805,29 +5811,29 @@
     </p:spTree>
     <p:extLst>
       <p:ext uri="{BB962C8B-B14F-4D97-AF65-F5344CB8AC3E}">
-        <p14:creationId xmlns:p14="http://schemas.microsoft.com/office/powerpoint/2010/main" val="3213777620"/>
+        <p14:creationId xmlns:p14="http://schemas.microsoft.com/office/powerpoint/2010/main" val="1447744124"/>
       </p:ext>
     </p:extLst>
   </p:cSld>
-  <p:clrMap bg1="dk1" tx1="lt1" bg2="dk2" tx2="lt2" accent1="accent1" accent2="accent2" accent3="accent3" accent4="accent4" accent5="accent5" accent6="accent6" hlink="hlink" folHlink="folHlink"/>
+  <p:clrMap bg1="lt1" tx1="dk1" bg2="lt2" tx2="dk2" accent1="accent1" accent2="accent2" accent3="accent3" accent4="accent4" accent5="accent5" accent6="accent6" hlink="hlink" folHlink="folHlink"/>
   <p:sldLayoutIdLst>
-    <p:sldLayoutId id="2147484026" r:id="rId1"/>
-    <p:sldLayoutId id="2147484027" r:id="rId2"/>
-    <p:sldLayoutId id="2147484028" r:id="rId3"/>
-    <p:sldLayoutId id="2147484029" r:id="rId4"/>
-    <p:sldLayoutId id="2147484030" r:id="rId5"/>
-    <p:sldLayoutId id="2147484031" r:id="rId6"/>
-    <p:sldLayoutId id="2147484032" r:id="rId7"/>
-    <p:sldLayoutId id="2147484033" r:id="rId8"/>
-    <p:sldLayoutId id="2147484034" r:id="rId9"/>
-    <p:sldLayoutId id="2147484035" r:id="rId10"/>
-    <p:sldLayoutId id="2147484036" r:id="rId11"/>
-    <p:sldLayoutId id="2147484037" r:id="rId12"/>
-    <p:sldLayoutId id="2147484038" r:id="rId13"/>
-    <p:sldLayoutId id="2147484039" r:id="rId14"/>
-    <p:sldLayoutId id="2147484040" r:id="rId15"/>
-    <p:sldLayoutId id="2147484041" r:id="rId16"/>
-    <p:sldLayoutId id="2147484042" r:id="rId17"/>
+    <p:sldLayoutId id="2147484350" r:id="rId1"/>
+    <p:sldLayoutId id="2147484351" r:id="rId2"/>
+    <p:sldLayoutId id="2147484352" r:id="rId3"/>
+    <p:sldLayoutId id="2147484353" r:id="rId4"/>
+    <p:sldLayoutId id="2147484354" r:id="rId5"/>
+    <p:sldLayoutId id="2147484355" r:id="rId6"/>
+    <p:sldLayoutId id="2147484356" r:id="rId7"/>
+    <p:sldLayoutId id="2147484357" r:id="rId8"/>
+    <p:sldLayoutId id="2147484358" r:id="rId9"/>
+    <p:sldLayoutId id="2147484359" r:id="rId10"/>
+    <p:sldLayoutId id="2147484360" r:id="rId11"/>
+    <p:sldLayoutId id="2147484361" r:id="rId12"/>
+    <p:sldLayoutId id="2147484362" r:id="rId13"/>
+    <p:sldLayoutId id="2147484363" r:id="rId14"/>
+    <p:sldLayoutId id="2147484364" r:id="rId15"/>
+    <p:sldLayoutId id="2147484365" r:id="rId16"/>
+    <p:sldLayoutId id="2147484366" r:id="rId17"/>
   </p:sldLayoutIdLst>
   <p:hf hdr="0" ftr="0" dt="0"/>
   <p:txStyles>
@@ -6143,15 +6149,10 @@
             <a:spLocks noGrp="1"/>
           </p:cNvSpPr>
           <p:nvPr>
-            <p:ph type="ctrTitle"/>
+            <p:ph type="title"/>
           </p:nvPr>
         </p:nvSpPr>
-        <p:spPr>
-          <a:xfrm>
-            <a:off x="2589213" y="490330"/>
-            <a:ext cx="8915399" cy="4287051"/>
-          </a:xfrm>
-        </p:spPr>
+        <p:spPr/>
         <p:txBody>
           <a:bodyPr>
             <a:normAutofit/>
@@ -6191,15 +6192,10 @@
             <a:spLocks noGrp="1"/>
           </p:cNvSpPr>
           <p:nvPr>
-            <p:ph type="subTitle" idx="1"/>
+            <p:ph type="body" idx="1"/>
           </p:nvPr>
         </p:nvSpPr>
-        <p:spPr>
-          <a:xfrm>
-            <a:off x="2589213" y="4777379"/>
-            <a:ext cx="8915399" cy="947560"/>
-          </a:xfrm>
-        </p:spPr>
+        <p:spPr/>
         <p:txBody>
           <a:bodyPr>
             <a:normAutofit/>
@@ -6208,13 +6204,6 @@
           <a:p>
             <a:r>
               <a:rPr lang="pt-BR" b="1" dirty="0">
-                <a:effectLst>
-                  <a:outerShdw blurRad="304800" dist="38100" dir="2700000" algn="tl" rotWithShape="0">
-                    <a:prstClr val="black">
-                      <a:alpha val="40000"/>
-                    </a:prstClr>
-                  </a:outerShdw>
-                </a:effectLst>
                 <a:hlinkClick r:id="rId2">
                   <a:extLst>
                     <a:ext uri="{A12FA001-AC4F-418D-AE19-62706E023703}">
@@ -6226,29 +6215,13 @@
               <a:t>Prof. Me. Manoel Campos</a:t>
             </a:r>
             <a:r>
-              <a:rPr lang="pt-BR" b="1" dirty="0">
-                <a:effectLst>
-                  <a:outerShdw blurRad="304800" dist="38100" dir="2700000" algn="tl" rotWithShape="0">
-                    <a:prstClr val="black">
-                      <a:alpha val="40000"/>
-                    </a:prstClr>
-                  </a:outerShdw>
-                </a:effectLst>
-              </a:rPr>
+              <a:rPr lang="pt-BR" b="1" dirty="0"/>
               <a:t> / Prof. Me. Mauro Henrique</a:t>
             </a:r>
           </a:p>
           <a:p>
             <a:r>
-              <a:rPr lang="pt-BR" b="1" dirty="0">
-                <a:effectLst>
-                  <a:outerShdw blurRad="304800" dist="38100" dir="2700000" algn="tl" rotWithShape="0">
-                    <a:prstClr val="black">
-                      <a:alpha val="40000"/>
-                    </a:prstClr>
-                  </a:outerShdw>
-                </a:effectLst>
-              </a:rPr>
+              <a:rPr lang="pt-BR" b="1" dirty="0"/>
               <a:t>Instituto Federal de Educação do Tocantins (IFTO, Campus Palmas)</a:t>
             </a:r>
           </a:p>
@@ -6299,16 +6272,6 @@
 <file path=ppt/slides/slide10.xml><?xml version="1.0" encoding="utf-8"?>
 <p:sld xmlns:a="http://schemas.openxmlformats.org/drawingml/2006/main" xmlns:r="http://schemas.openxmlformats.org/officeDocument/2006/relationships" xmlns:p="http://schemas.openxmlformats.org/presentationml/2006/main">
   <p:cSld>
-    <p:bg>
-      <p:bgPr>
-        <a:solidFill>
-          <a:schemeClr val="tx1">
-            <a:lumMod val="95000"/>
-          </a:schemeClr>
-        </a:solidFill>
-        <a:effectLst/>
-      </p:bgPr>
-    </p:bg>
     <p:spTree>
       <p:nvGrpSpPr>
         <p:cNvPr id="1" name=""/>
@@ -6353,50 +6316,26 @@
           <a:p>
             <a:pPr algn="ctr"/>
             <a:r>
-              <a:rPr lang="pt-BR" b="1">
-                <a:solidFill>
-                  <a:schemeClr val="bg1"/>
-                </a:solidFill>
-              </a:rPr>
+              <a:rPr lang="pt-BR" b="1"/>
               <a:t>o que </a:t>
             </a:r>
             <a:r>
-              <a:rPr lang="pt-BR" b="1" i="1" err="1">
-                <a:solidFill>
-                  <a:schemeClr val="bg1"/>
-                </a:solidFill>
-              </a:rPr>
+              <a:rPr lang="pt-BR" b="1" i="1" err="1"/>
               <a:t>tdd</a:t>
             </a:r>
             <a:r>
-              <a:rPr lang="pt-BR" b="1">
-                <a:solidFill>
-                  <a:schemeClr val="bg1"/>
-                </a:solidFill>
-              </a:rPr>
+              <a:rPr lang="pt-BR" b="1"/>
               <a:t> tem a ver com </a:t>
             </a:r>
             <a:r>
-              <a:rPr lang="pt-BR" b="1" i="1">
-                <a:solidFill>
-                  <a:schemeClr val="bg1"/>
-                </a:solidFill>
-              </a:rPr>
+              <a:rPr lang="pt-BR" b="1" i="1"/>
               <a:t>OOP</a:t>
             </a:r>
             <a:r>
-              <a:rPr lang="pt-BR" b="1">
-                <a:solidFill>
-                  <a:schemeClr val="bg1"/>
-                </a:solidFill>
-              </a:rPr>
+              <a:rPr lang="pt-BR" b="1"/>
               <a:t> e etc.?</a:t>
             </a:r>
-            <a:endParaRPr lang="pt-BR">
-              <a:solidFill>
-                <a:schemeClr val="bg1"/>
-              </a:solidFill>
-            </a:endParaRPr>
+            <a:endParaRPr lang="pt-BR"/>
           </a:p>
         </p:txBody>
       </p:sp>
@@ -6429,256 +6368,133 @@
           <a:lstStyle/>
           <a:p>
             <a:r>
+              <a:rPr lang="pt-PT" sz="3200" dirty="0"/>
+              <a:t>TDD (</a:t>
+            </a:r>
+            <a:r>
+              <a:rPr lang="pt-PT" sz="3200" b="1" dirty="0" err="1"/>
+              <a:t>T</a:t>
+            </a:r>
+            <a:r>
+              <a:rPr lang="pt-PT" sz="3200" dirty="0" err="1"/>
+              <a:t>est</a:t>
+            </a:r>
+            <a:r>
+              <a:rPr lang="pt-PT" sz="3200" dirty="0"/>
+              <a:t> </a:t>
+            </a:r>
+            <a:r>
+              <a:rPr lang="pt-PT" sz="3200" b="1" dirty="0" err="1"/>
+              <a:t>D</a:t>
+            </a:r>
+            <a:r>
+              <a:rPr lang="pt-PT" sz="3200" dirty="0" err="1"/>
+              <a:t>riven</a:t>
+            </a:r>
+            <a:r>
+              <a:rPr lang="pt-PT" sz="3200" dirty="0"/>
+              <a:t> </a:t>
+            </a:r>
+            <a:r>
+              <a:rPr lang="pt-PT" sz="3200" b="1" dirty="0" err="1"/>
+              <a:t>D</a:t>
+            </a:r>
+            <a:r>
+              <a:rPr lang="pt-PT" sz="3200" dirty="0" err="1"/>
+              <a:t>evelopment</a:t>
+            </a:r>
+            <a:r>
+              <a:rPr lang="pt-PT" sz="3200" dirty="0"/>
+              <a:t>) é Desenvolvimento </a:t>
+            </a:r>
+            <a:r>
+              <a:rPr lang="pt-PT" sz="3200" b="1" dirty="0"/>
+              <a:t>Guiado</a:t>
+            </a:r>
+            <a:r>
+              <a:rPr lang="pt-PT" sz="3200" dirty="0"/>
+              <a:t> por Testes</a:t>
+            </a:r>
+          </a:p>
+          <a:p>
+            <a:r>
+              <a:rPr lang="pt-PT" sz="3200" dirty="0"/>
+              <a:t>OOP (</a:t>
+            </a:r>
+            <a:r>
+              <a:rPr lang="pt-PT" sz="3200" b="1" dirty="0" err="1"/>
+              <a:t>O</a:t>
+            </a:r>
+            <a:r>
+              <a:rPr lang="pt-PT" sz="3200" dirty="0" err="1"/>
+              <a:t>bject</a:t>
+            </a:r>
+            <a:r>
+              <a:rPr lang="pt-PT" sz="3200" dirty="0"/>
+              <a:t> </a:t>
+            </a:r>
+            <a:r>
+              <a:rPr lang="pt-PT" sz="3200" b="1" dirty="0" err="1"/>
+              <a:t>O</a:t>
+            </a:r>
+            <a:r>
+              <a:rPr lang="pt-PT" sz="3200" dirty="0" err="1"/>
+              <a:t>riented</a:t>
+            </a:r>
+            <a:r>
+              <a:rPr lang="pt-PT" sz="3200" dirty="0"/>
+              <a:t> </a:t>
+            </a:r>
+            <a:r>
+              <a:rPr lang="pt-PT" sz="3200" b="1" dirty="0" err="1"/>
+              <a:t>P</a:t>
+            </a:r>
+            <a:r>
+              <a:rPr lang="pt-PT" sz="3200" dirty="0" err="1"/>
+              <a:t>rogramming</a:t>
+            </a:r>
+            <a:r>
+              <a:rPr lang="pt-PT" sz="3200" dirty="0"/>
+              <a:t>) é Programação </a:t>
+            </a:r>
+            <a:r>
+              <a:rPr lang="pt-PT" sz="3200" b="1" dirty="0"/>
+              <a:t>Orientada</a:t>
+            </a:r>
+            <a:r>
+              <a:rPr lang="pt-PT" sz="3200" dirty="0"/>
+              <a:t> a Objetos</a:t>
+            </a:r>
+          </a:p>
+          <a:p>
+            <a:r>
+              <a:rPr lang="pt-PT" sz="3200" dirty="0"/>
+              <a:t>A resposta é: NADA! 😆</a:t>
+            </a:r>
+          </a:p>
+          <a:p>
+            <a:r>
+              <a:rPr lang="pt-PT" sz="3200" dirty="0"/>
+              <a:t>Como assim 🤔?! </a:t>
+            </a:r>
+            <a:r>
+              <a:rPr lang="pt-PT" sz="3200" b="1" dirty="0"/>
+              <a:t>Guiado</a:t>
+            </a:r>
+            <a:r>
+              <a:rPr lang="pt-PT" sz="3200" dirty="0"/>
+              <a:t> é sinônimo de </a:t>
+            </a:r>
+            <a:r>
+              <a:rPr lang="pt-PT" sz="3200" b="1" dirty="0"/>
+              <a:t>Orientado 🤓</a:t>
+            </a:r>
+            <a:r>
+              <a:rPr lang="pt-PT" sz="3200" dirty="0"/>
+              <a:t>! (</a:t>
+            </a:r>
+            <a:r>
               <a:rPr lang="pt-PT" sz="3200" dirty="0">
-                <a:solidFill>
-                  <a:schemeClr val="bg1"/>
-                </a:solidFill>
-              </a:rPr>
-              <a:t>TDD (</a:t>
-            </a:r>
-            <a:r>
-              <a:rPr lang="pt-PT" sz="3200" b="1" dirty="0" err="1">
-                <a:solidFill>
-                  <a:schemeClr val="bg1"/>
-                </a:solidFill>
-              </a:rPr>
-              <a:t>T</a:t>
-            </a:r>
-            <a:r>
-              <a:rPr lang="pt-PT" sz="3200" dirty="0" err="1">
-                <a:solidFill>
-                  <a:schemeClr val="bg1"/>
-                </a:solidFill>
-              </a:rPr>
-              <a:t>est</a:t>
-            </a:r>
-            <a:r>
-              <a:rPr lang="pt-PT" sz="3200" dirty="0">
-                <a:solidFill>
-                  <a:schemeClr val="bg1"/>
-                </a:solidFill>
-              </a:rPr>
-              <a:t> </a:t>
-            </a:r>
-            <a:r>
-              <a:rPr lang="pt-PT" sz="3200" b="1" dirty="0" err="1">
-                <a:solidFill>
-                  <a:schemeClr val="bg1"/>
-                </a:solidFill>
-              </a:rPr>
-              <a:t>D</a:t>
-            </a:r>
-            <a:r>
-              <a:rPr lang="pt-PT" sz="3200" dirty="0" err="1">
-                <a:solidFill>
-                  <a:schemeClr val="bg1"/>
-                </a:solidFill>
-              </a:rPr>
-              <a:t>riven</a:t>
-            </a:r>
-            <a:r>
-              <a:rPr lang="pt-PT" sz="3200" dirty="0">
-                <a:solidFill>
-                  <a:schemeClr val="bg1"/>
-                </a:solidFill>
-              </a:rPr>
-              <a:t> </a:t>
-            </a:r>
-            <a:r>
-              <a:rPr lang="pt-PT" sz="3200" b="1" dirty="0" err="1">
-                <a:solidFill>
-                  <a:schemeClr val="bg1"/>
-                </a:solidFill>
-              </a:rPr>
-              <a:t>D</a:t>
-            </a:r>
-            <a:r>
-              <a:rPr lang="pt-PT" sz="3200" dirty="0" err="1">
-                <a:solidFill>
-                  <a:schemeClr val="bg1"/>
-                </a:solidFill>
-              </a:rPr>
-              <a:t>evelopment</a:t>
-            </a:r>
-            <a:r>
-              <a:rPr lang="pt-PT" sz="3200" dirty="0">
-                <a:solidFill>
-                  <a:schemeClr val="bg1"/>
-                </a:solidFill>
-              </a:rPr>
-              <a:t>) é Desenvolvimento </a:t>
-            </a:r>
-            <a:r>
-              <a:rPr lang="pt-PT" sz="3200" b="1" dirty="0">
-                <a:solidFill>
-                  <a:schemeClr val="bg1"/>
-                </a:solidFill>
-              </a:rPr>
-              <a:t>Guiado</a:t>
-            </a:r>
-            <a:r>
-              <a:rPr lang="pt-PT" sz="3200" dirty="0">
-                <a:solidFill>
-                  <a:schemeClr val="bg1"/>
-                </a:solidFill>
-              </a:rPr>
-              <a:t> por Testes</a:t>
-            </a:r>
-          </a:p>
-          <a:p>
-            <a:r>
-              <a:rPr lang="pt-PT" sz="3200" dirty="0">
-                <a:solidFill>
-                  <a:schemeClr val="bg1"/>
-                </a:solidFill>
-              </a:rPr>
-              <a:t>OOP (</a:t>
-            </a:r>
-            <a:r>
-              <a:rPr lang="pt-PT" sz="3200" b="1" dirty="0" err="1">
-                <a:solidFill>
-                  <a:schemeClr val="bg1"/>
-                </a:solidFill>
-              </a:rPr>
-              <a:t>O</a:t>
-            </a:r>
-            <a:r>
-              <a:rPr lang="pt-PT" sz="3200" dirty="0" err="1">
-                <a:solidFill>
-                  <a:schemeClr val="bg1"/>
-                </a:solidFill>
-              </a:rPr>
-              <a:t>bject</a:t>
-            </a:r>
-            <a:r>
-              <a:rPr lang="pt-PT" sz="3200" dirty="0">
-                <a:solidFill>
-                  <a:schemeClr val="bg1"/>
-                </a:solidFill>
-              </a:rPr>
-              <a:t> </a:t>
-            </a:r>
-            <a:r>
-              <a:rPr lang="pt-PT" sz="3200" b="1" dirty="0" err="1">
-                <a:solidFill>
-                  <a:schemeClr val="bg1"/>
-                </a:solidFill>
-              </a:rPr>
-              <a:t>O</a:t>
-            </a:r>
-            <a:r>
-              <a:rPr lang="pt-PT" sz="3200" dirty="0" err="1">
-                <a:solidFill>
-                  <a:schemeClr val="bg1"/>
-                </a:solidFill>
-              </a:rPr>
-              <a:t>riented</a:t>
-            </a:r>
-            <a:r>
-              <a:rPr lang="pt-PT" sz="3200" dirty="0">
-                <a:solidFill>
-                  <a:schemeClr val="bg1"/>
-                </a:solidFill>
-              </a:rPr>
-              <a:t> </a:t>
-            </a:r>
-            <a:r>
-              <a:rPr lang="pt-PT" sz="3200" b="1" dirty="0" err="1">
-                <a:solidFill>
-                  <a:schemeClr val="bg1"/>
-                </a:solidFill>
-              </a:rPr>
-              <a:t>P</a:t>
-            </a:r>
-            <a:r>
-              <a:rPr lang="pt-PT" sz="3200" dirty="0" err="1">
-                <a:solidFill>
-                  <a:schemeClr val="bg1"/>
-                </a:solidFill>
-              </a:rPr>
-              <a:t>rogramming</a:t>
-            </a:r>
-            <a:r>
-              <a:rPr lang="pt-PT" sz="3200" dirty="0">
-                <a:solidFill>
-                  <a:schemeClr val="bg1"/>
-                </a:solidFill>
-              </a:rPr>
-              <a:t>) é Programação </a:t>
-            </a:r>
-            <a:r>
-              <a:rPr lang="pt-PT" sz="3200" b="1" dirty="0">
-                <a:solidFill>
-                  <a:schemeClr val="bg1"/>
-                </a:solidFill>
-              </a:rPr>
-              <a:t>Orientada</a:t>
-            </a:r>
-            <a:r>
-              <a:rPr lang="pt-PT" sz="3200" dirty="0">
-                <a:solidFill>
-                  <a:schemeClr val="bg1"/>
-                </a:solidFill>
-              </a:rPr>
-              <a:t> a Objetos</a:t>
-            </a:r>
-          </a:p>
-          <a:p>
-            <a:r>
-              <a:rPr lang="pt-PT" sz="3200" dirty="0">
-                <a:solidFill>
-                  <a:schemeClr val="bg1"/>
-                </a:solidFill>
-              </a:rPr>
-              <a:t>A resposta é: NADA! 😆</a:t>
-            </a:r>
-          </a:p>
-          <a:p>
-            <a:r>
-              <a:rPr lang="pt-PT" sz="3200" dirty="0">
-                <a:solidFill>
-                  <a:schemeClr val="bg1"/>
-                </a:solidFill>
-              </a:rPr>
-              <a:t>Como assim 🤔?! </a:t>
-            </a:r>
-            <a:r>
-              <a:rPr lang="pt-PT" sz="3200" b="1" dirty="0">
-                <a:solidFill>
-                  <a:schemeClr val="bg1"/>
-                </a:solidFill>
-              </a:rPr>
-              <a:t>Guiado</a:t>
-            </a:r>
-            <a:r>
-              <a:rPr lang="pt-PT" sz="3200" dirty="0">
-                <a:solidFill>
-                  <a:schemeClr val="bg1"/>
-                </a:solidFill>
-              </a:rPr>
-              <a:t> é sinônimo de </a:t>
-            </a:r>
-            <a:r>
-              <a:rPr lang="pt-PT" sz="3200" b="1" dirty="0">
-                <a:solidFill>
-                  <a:schemeClr val="bg1"/>
-                </a:solidFill>
-              </a:rPr>
-              <a:t>Orientado 🤓</a:t>
-            </a:r>
-            <a:r>
-              <a:rPr lang="pt-PT" sz="3200" dirty="0">
-                <a:solidFill>
-                  <a:schemeClr val="bg1"/>
-                </a:solidFill>
-              </a:rPr>
-              <a:t>! (</a:t>
-            </a:r>
-            <a:r>
-              <a:rPr lang="pt-PT" sz="3200" dirty="0">
-                <a:solidFill>
-                  <a:schemeClr val="bg1"/>
-                </a:solidFill>
                 <a:hlinkClick r:id="rId2">
                   <a:extLst>
                     <a:ext uri="{A12FA001-AC4F-418D-AE19-62706E023703}">
@@ -6690,11 +6506,7 @@
               <a:t>dicio.com.br</a:t>
             </a:r>
             <a:r>
-              <a:rPr lang="pt-PT" sz="3200" dirty="0">
-                <a:solidFill>
-                  <a:schemeClr val="bg1"/>
-                </a:solidFill>
-              </a:rPr>
+              <a:rPr lang="pt-PT" sz="3200" dirty="0"/>
               <a:t>)</a:t>
             </a:r>
           </a:p>
@@ -6722,10 +6534,18 @@
           <a:lstStyle/>
           <a:p>
             <a:fld id="{2183B7EE-0FBE-B749-875F-ED24F5ECD71F}" type="slidenum">
-              <a:rPr lang="en-US" smtClean="0"/>
+              <a:rPr lang="en-US" smtClean="0">
+                <a:solidFill>
+                  <a:schemeClr val="tx1"/>
+                </a:solidFill>
+              </a:rPr>
               <a:t>10</a:t>
             </a:fld>
-            <a:endParaRPr lang="en-US"/>
+            <a:endParaRPr lang="en-US">
+              <a:solidFill>
+                <a:schemeClr val="tx1"/>
+              </a:solidFill>
+            </a:endParaRPr>
           </a:p>
         </p:txBody>
       </p:sp>
@@ -7152,16 +6972,6 @@
 <file path=ppt/slides/slide11.xml><?xml version="1.0" encoding="utf-8"?>
 <p:sld xmlns:a="http://schemas.openxmlformats.org/drawingml/2006/main" xmlns:r="http://schemas.openxmlformats.org/officeDocument/2006/relationships" xmlns:p="http://schemas.openxmlformats.org/presentationml/2006/main">
   <p:cSld>
-    <p:bg>
-      <p:bgPr>
-        <a:solidFill>
-          <a:schemeClr val="tx1">
-            <a:lumMod val="95000"/>
-          </a:schemeClr>
-        </a:solidFill>
-        <a:effectLst/>
-      </p:bgPr>
-    </p:bg>
     <p:spTree>
       <p:nvGrpSpPr>
         <p:cNvPr id="1" name=""/>
@@ -7258,43 +7068,27 @@
             <a:p>
               <a:pPr algn="ctr"/>
               <a:r>
-                <a:rPr lang="pt-BR" sz="2000" b="1">
-                  <a:solidFill>
-                    <a:schemeClr val="bg1"/>
-                  </a:solidFill>
-                </a:rPr>
+                <a:rPr lang="pt-BR" sz="2000" b="1"/>
                 <a:t>Pra mim ainda é</a:t>
               </a:r>
             </a:p>
             <a:p>
               <a:pPr algn="ctr"/>
               <a:r>
-                <a:rPr lang="pt-BR" sz="2000" b="1">
-                  <a:solidFill>
-                    <a:schemeClr val="bg1"/>
-                  </a:solidFill>
-                </a:rPr>
+                <a:rPr lang="pt-BR" sz="2000" b="1"/>
                 <a:t>a mesma coisa...</a:t>
               </a:r>
             </a:p>
             <a:p>
               <a:pPr algn="ctr"/>
               <a:r>
-                <a:rPr lang="pt-PT" sz="2000">
-                  <a:solidFill>
-                    <a:schemeClr val="bg1"/>
-                  </a:solidFill>
-                </a:rPr>
+                <a:rPr lang="pt-PT" sz="2000"/>
                 <a:t>Desenvolvimento = Programação</a:t>
               </a:r>
             </a:p>
             <a:p>
               <a:pPr algn="ctr"/>
-              <a:endParaRPr lang="pt-BR" sz="2000" b="1">
-                <a:solidFill>
-                  <a:schemeClr val="bg1"/>
-                </a:solidFill>
-              </a:endParaRPr>
+              <a:endParaRPr lang="pt-BR" sz="2000" b="1"/>
             </a:p>
           </p:txBody>
         </p:sp>
@@ -7313,7 +7107,7 @@
           <p:spPr>
             <a:xfrm>
               <a:off x="2413809" y="6557603"/>
-              <a:ext cx="2063385" cy="246221"/>
+              <a:ext cx="2158830" cy="259655"/>
             </a:xfrm>
             <a:prstGeom prst="rect">
               <a:avLst/>
@@ -7327,42 +7121,22 @@
             <a:lstStyle/>
             <a:p>
               <a:r>
-                <a:rPr lang="pt-BR" sz="1000">
-                  <a:solidFill>
-                    <a:schemeClr val="bg1"/>
-                  </a:solidFill>
-                </a:rPr>
+                <a:rPr lang="pt-BR" sz="1000"/>
                 <a:t>Imagem: </a:t>
               </a:r>
               <a:r>
-                <a:rPr lang="pt-BR" sz="1000" err="1">
-                  <a:solidFill>
-                    <a:schemeClr val="bg1"/>
-                  </a:solidFill>
-                </a:rPr>
+                <a:rPr lang="pt-BR" sz="1000" err="1"/>
                 <a:t>https</a:t>
               </a:r>
               <a:r>
-                <a:rPr lang="pt-BR" sz="1000">
-                  <a:solidFill>
-                    <a:schemeClr val="bg1"/>
-                  </a:solidFill>
-                </a:rPr>
+                <a:rPr lang="pt-BR" sz="1000"/>
                 <a:t>://</a:t>
               </a:r>
               <a:r>
-                <a:rPr lang="pt-BR" sz="1000" err="1">
-                  <a:solidFill>
-                    <a:schemeClr val="bg1"/>
-                  </a:solidFill>
-                </a:rPr>
+                <a:rPr lang="pt-BR" sz="1000" err="1"/>
                 <a:t>pixabay.com</a:t>
               </a:r>
-              <a:endParaRPr lang="pt-BR" sz="1000">
-                <a:solidFill>
-                  <a:schemeClr val="bg1"/>
-                </a:solidFill>
-              </a:endParaRPr>
+              <a:endParaRPr lang="pt-BR" sz="1000"/>
             </a:p>
           </p:txBody>
         </p:sp>
@@ -7397,50 +7171,26 @@
           <a:p>
             <a:pPr algn="ctr"/>
             <a:r>
-              <a:rPr lang="pt-BR" b="1">
-                <a:solidFill>
-                  <a:schemeClr val="bg1"/>
-                </a:solidFill>
-              </a:rPr>
+              <a:rPr lang="pt-BR" b="1" dirty="0"/>
               <a:t>o que </a:t>
             </a:r>
             <a:r>
-              <a:rPr lang="pt-BR" b="1" i="1" err="1">
-                <a:solidFill>
-                  <a:schemeClr val="bg1"/>
-                </a:solidFill>
-              </a:rPr>
+              <a:rPr lang="pt-BR" b="1" i="1" dirty="0" err="1"/>
               <a:t>tdd</a:t>
             </a:r>
             <a:r>
-              <a:rPr lang="pt-BR" b="1">
-                <a:solidFill>
-                  <a:schemeClr val="bg1"/>
-                </a:solidFill>
-              </a:rPr>
+              <a:rPr lang="pt-BR" b="1" dirty="0"/>
               <a:t> tem a ver com </a:t>
             </a:r>
             <a:r>
-              <a:rPr lang="pt-BR" b="1" i="1">
-                <a:solidFill>
-                  <a:schemeClr val="bg1"/>
-                </a:solidFill>
-              </a:rPr>
+              <a:rPr lang="pt-BR" b="1" i="1" dirty="0"/>
               <a:t>OOP</a:t>
             </a:r>
             <a:r>
-              <a:rPr lang="pt-BR" b="1">
-                <a:solidFill>
-                  <a:schemeClr val="bg1"/>
-                </a:solidFill>
-              </a:rPr>
+              <a:rPr lang="pt-BR" b="1" dirty="0"/>
               <a:t> e etc.?</a:t>
             </a:r>
-            <a:endParaRPr lang="pt-BR">
-              <a:solidFill>
-                <a:schemeClr val="bg1"/>
-              </a:solidFill>
-            </a:endParaRPr>
+            <a:endParaRPr lang="pt-BR" dirty="0"/>
           </a:p>
         </p:txBody>
       </p:sp>
@@ -7473,41 +7223,25 @@
           <a:lstStyle/>
           <a:p>
             <a:r>
-              <a:rPr lang="pt-PT" sz="3200" dirty="0">
-                <a:solidFill>
-                  <a:schemeClr val="bg1"/>
-                </a:solidFill>
-              </a:rPr>
+              <a:rPr lang="pt-PT" sz="3200" dirty="0"/>
               <a:t>TDD é um processo de desenvolvimento. </a:t>
             </a:r>
           </a:p>
           <a:p>
             <a:r>
-              <a:rPr lang="pt-PT" sz="3200" dirty="0">
-                <a:solidFill>
-                  <a:schemeClr val="bg1"/>
-                </a:solidFill>
-              </a:rPr>
+              <a:rPr lang="pt-PT" sz="3200" dirty="0"/>
               <a:t>OOP é um paradigma de programação.</a:t>
             </a:r>
           </a:p>
           <a:p>
             <a:r>
-              <a:rPr lang="pt-PT" sz="3200" dirty="0">
-                <a:solidFill>
-                  <a:schemeClr val="bg1"/>
-                </a:solidFill>
-              </a:rPr>
+              <a:rPr lang="pt-PT" sz="3200" dirty="0"/>
               <a:t>É confuso, eu sei. 😕</a:t>
             </a:r>
           </a:p>
           <a:p>
             <a:r>
-              <a:rPr lang="pt-PT" sz="3200" dirty="0">
-                <a:solidFill>
-                  <a:schemeClr val="bg1"/>
-                </a:solidFill>
-              </a:rPr>
+              <a:rPr lang="pt-PT" sz="3200" dirty="0"/>
               <a:t>Podemos usar um processo de software com qualquer paradigma que desejarmos.</a:t>
             </a:r>
           </a:p>
@@ -7537,14 +7271,14 @@
             <a:fld id="{2183B7EE-0FBE-B749-875F-ED24F5ECD71F}" type="slidenum">
               <a:rPr lang="en-US" smtClean="0">
                 <a:solidFill>
-                  <a:schemeClr val="bg1"/>
+                  <a:schemeClr val="tx1"/>
                 </a:solidFill>
               </a:rPr>
               <a:t>11</a:t>
             </a:fld>
             <a:endParaRPr lang="en-US">
               <a:solidFill>
-                <a:schemeClr val="bg1"/>
+                <a:schemeClr val="tx1"/>
               </a:solidFill>
             </a:endParaRPr>
           </a:p>
@@ -8064,16 +7798,6 @@
 <file path=ppt/slides/slide12.xml><?xml version="1.0" encoding="utf-8"?>
 <p:sld xmlns:a="http://schemas.openxmlformats.org/drawingml/2006/main" xmlns:r="http://schemas.openxmlformats.org/officeDocument/2006/relationships" xmlns:p="http://schemas.openxmlformats.org/presentationml/2006/main">
   <p:cSld>
-    <p:bg>
-      <p:bgPr>
-        <a:solidFill>
-          <a:schemeClr val="tx1">
-            <a:lumMod val="95000"/>
-          </a:schemeClr>
-        </a:solidFill>
-        <a:effectLst/>
-      </p:bgPr>
-    </p:bg>
     <p:spTree>
       <p:nvGrpSpPr>
         <p:cNvPr id="1" name=""/>
@@ -8118,50 +7842,26 @@
           <a:p>
             <a:pPr algn="ctr"/>
             <a:r>
-              <a:rPr lang="pt-BR" b="1">
-                <a:solidFill>
-                  <a:schemeClr val="bg1"/>
-                </a:solidFill>
-              </a:rPr>
+              <a:rPr lang="pt-BR" b="1" dirty="0"/>
               <a:t>o que </a:t>
             </a:r>
             <a:r>
-              <a:rPr lang="pt-BR" b="1" i="1" err="1">
-                <a:solidFill>
-                  <a:schemeClr val="bg1"/>
-                </a:solidFill>
-              </a:rPr>
+              <a:rPr lang="pt-BR" b="1" i="1" dirty="0" err="1"/>
               <a:t>tdd</a:t>
             </a:r>
             <a:r>
-              <a:rPr lang="pt-BR" b="1">
-                <a:solidFill>
-                  <a:schemeClr val="bg1"/>
-                </a:solidFill>
-              </a:rPr>
+              <a:rPr lang="pt-BR" b="1" dirty="0"/>
               <a:t> tem a ver com </a:t>
             </a:r>
             <a:r>
-              <a:rPr lang="pt-BR" b="1" i="1">
-                <a:solidFill>
-                  <a:schemeClr val="bg1"/>
-                </a:solidFill>
-              </a:rPr>
+              <a:rPr lang="pt-BR" b="1" i="1" dirty="0"/>
               <a:t>OOP</a:t>
             </a:r>
             <a:r>
-              <a:rPr lang="pt-BR" b="1">
-                <a:solidFill>
-                  <a:schemeClr val="bg1"/>
-                </a:solidFill>
-              </a:rPr>
+              <a:rPr lang="pt-BR" b="1" dirty="0"/>
               <a:t> e etc.?</a:t>
             </a:r>
-            <a:endParaRPr lang="pt-BR">
-              <a:solidFill>
-                <a:schemeClr val="bg1"/>
-              </a:solidFill>
-            </a:endParaRPr>
+            <a:endParaRPr lang="pt-BR" dirty="0"/>
           </a:p>
         </p:txBody>
       </p:sp>
@@ -8194,69 +7894,37 @@
           <a:lstStyle/>
           <a:p>
             <a:r>
-              <a:rPr lang="pt-PT" sz="3200" dirty="0">
-                <a:solidFill>
-                  <a:schemeClr val="bg1"/>
-                </a:solidFill>
-              </a:rPr>
+              <a:rPr lang="pt-PT" sz="3200" dirty="0"/>
               <a:t>Exemplos de paradigmas são programação estruturada, programação orientada a objetos, programação funcional, etc.</a:t>
             </a:r>
           </a:p>
           <a:p>
             <a:r>
-              <a:rPr lang="pt-PT" sz="3200" dirty="0">
-                <a:solidFill>
-                  <a:schemeClr val="bg1"/>
-                </a:solidFill>
-              </a:rPr>
+              <a:rPr lang="pt-PT" sz="3200" dirty="0"/>
               <a:t>Com qualquer um destes paradigmas podemos usar processos como Desenvolvimento Guiado por Testes ou Desenvolvimento Guiado por Comportamento (</a:t>
             </a:r>
             <a:r>
-              <a:rPr lang="pt-PT" sz="3200" i="1" dirty="0" err="1">
-                <a:solidFill>
-                  <a:schemeClr val="bg1"/>
-                </a:solidFill>
-              </a:rPr>
+              <a:rPr lang="pt-PT" sz="3200" i="1" dirty="0" err="1"/>
               <a:t>Behaviour</a:t>
             </a:r>
             <a:r>
-              <a:rPr lang="pt-PT" sz="3200" i="1" dirty="0">
-                <a:solidFill>
-                  <a:schemeClr val="bg1"/>
-                </a:solidFill>
-              </a:rPr>
+              <a:rPr lang="pt-PT" sz="3200" i="1" dirty="0"/>
               <a:t> </a:t>
             </a:r>
             <a:r>
-              <a:rPr lang="pt-PT" sz="3200" i="1" dirty="0" err="1">
-                <a:solidFill>
-                  <a:schemeClr val="bg1"/>
-                </a:solidFill>
-              </a:rPr>
+              <a:rPr lang="pt-PT" sz="3200" i="1" dirty="0" err="1"/>
               <a:t>Driven</a:t>
             </a:r>
             <a:r>
-              <a:rPr lang="pt-PT" sz="3200" i="1" dirty="0">
-                <a:solidFill>
-                  <a:schemeClr val="bg1"/>
-                </a:solidFill>
-              </a:rPr>
+              <a:rPr lang="pt-PT" sz="3200" i="1" dirty="0"/>
               <a:t> </a:t>
             </a:r>
             <a:r>
-              <a:rPr lang="pt-PT" sz="3200" i="1" dirty="0" err="1">
-                <a:solidFill>
-                  <a:schemeClr val="bg1"/>
-                </a:solidFill>
-              </a:rPr>
+              <a:rPr lang="pt-PT" sz="3200" i="1" dirty="0" err="1"/>
               <a:t>Development</a:t>
             </a:r>
             <a:r>
-              <a:rPr lang="pt-PT" sz="3200" dirty="0">
-                <a:solidFill>
-                  <a:schemeClr val="bg1"/>
-                </a:solidFill>
-              </a:rPr>
+              <a:rPr lang="pt-PT" sz="3200" dirty="0"/>
               <a:t>, BDD)</a:t>
             </a:r>
           </a:p>
@@ -8286,14 +7954,14 @@
             <a:fld id="{2183B7EE-0FBE-B749-875F-ED24F5ECD71F}" type="slidenum">
               <a:rPr lang="en-US" smtClean="0">
                 <a:solidFill>
-                  <a:schemeClr val="bg1"/>
+                  <a:schemeClr val="tx1"/>
                 </a:solidFill>
               </a:rPr>
               <a:t>12</a:t>
             </a:fld>
             <a:endParaRPr lang="en-US">
               <a:solidFill>
-                <a:schemeClr val="bg1"/>
+                <a:schemeClr val="tx1"/>
               </a:solidFill>
             </a:endParaRPr>
           </a:p>
@@ -8517,16 +8185,6 @@
 <file path=ppt/slides/slide13.xml><?xml version="1.0" encoding="utf-8"?>
 <p:sld xmlns:a="http://schemas.openxmlformats.org/drawingml/2006/main" xmlns:r="http://schemas.openxmlformats.org/officeDocument/2006/relationships" xmlns:p="http://schemas.openxmlformats.org/presentationml/2006/main">
   <p:cSld>
-    <p:bg>
-      <p:bgPr>
-        <a:solidFill>
-          <a:schemeClr val="tx1">
-            <a:lumMod val="95000"/>
-          </a:schemeClr>
-        </a:solidFill>
-        <a:effectLst/>
-      </p:bgPr>
-    </p:bg>
     <p:spTree>
       <p:nvGrpSpPr>
         <p:cNvPr id="1" name=""/>
@@ -8571,34 +8229,18 @@
           <a:p>
             <a:pPr algn="ctr"/>
             <a:r>
-              <a:rPr lang="pt-BR" b="1">
-                <a:solidFill>
-                  <a:schemeClr val="bg1"/>
-                </a:solidFill>
-              </a:rPr>
+              <a:rPr lang="pt-BR" b="1"/>
               <a:t>Porque aplicar </a:t>
             </a:r>
             <a:r>
-              <a:rPr lang="pt-BR" b="1" err="1">
-                <a:solidFill>
-                  <a:schemeClr val="bg1"/>
-                </a:solidFill>
-              </a:rPr>
+              <a:rPr lang="pt-BR" b="1" err="1"/>
               <a:t>tdd</a:t>
             </a:r>
             <a:r>
-              <a:rPr lang="pt-BR" b="1">
-                <a:solidFill>
-                  <a:schemeClr val="bg1"/>
-                </a:solidFill>
-              </a:rPr>
+              <a:rPr lang="pt-BR" b="1"/>
               <a:t>?</a:t>
             </a:r>
-            <a:endParaRPr lang="pt-BR">
-              <a:solidFill>
-                <a:schemeClr val="bg1"/>
-              </a:solidFill>
-            </a:endParaRPr>
+            <a:endParaRPr lang="pt-BR"/>
           </a:p>
         </p:txBody>
       </p:sp>
@@ -8631,21 +8273,13 @@
           <a:lstStyle/>
           <a:p>
             <a:r>
-              <a:rPr lang="pt-PT" sz="3200" dirty="0">
-                <a:solidFill>
-                  <a:schemeClr val="bg1"/>
-                </a:solidFill>
-              </a:rPr>
+              <a:rPr lang="pt-PT" sz="3200" dirty="0"/>
               <a:t>Escrever código nem sempre é fácil! 😢</a:t>
             </a:r>
           </a:p>
           <a:p>
             <a:r>
-              <a:rPr lang="pt-PT" sz="3200" dirty="0">
-                <a:solidFill>
-                  <a:schemeClr val="bg1"/>
-                </a:solidFill>
-              </a:rPr>
+              <a:rPr lang="pt-PT" sz="3200" dirty="0"/>
               <a:t>Antes de responder vamos analisar como intuitivamente testamos nossos softwares</a:t>
             </a:r>
           </a:p>
@@ -8675,14 +8309,14 @@
             <a:fld id="{2183B7EE-0FBE-B749-875F-ED24F5ECD71F}" type="slidenum">
               <a:rPr lang="en-US" smtClean="0">
                 <a:solidFill>
-                  <a:schemeClr val="bg1"/>
+                  <a:schemeClr val="tx1"/>
                 </a:solidFill>
               </a:rPr>
               <a:t>13</a:t>
             </a:fld>
             <a:endParaRPr lang="en-US">
               <a:solidFill>
-                <a:schemeClr val="bg1"/>
+                <a:schemeClr val="tx1"/>
               </a:solidFill>
             </a:endParaRPr>
           </a:p>
@@ -8961,33 +8595,17 @@
           <a:lstStyle/>
           <a:p>
             <a:r>
-              <a:rPr lang="pt-BR" b="1">
-                <a:solidFill>
-                  <a:schemeClr val="bg1"/>
-                </a:solidFill>
-              </a:rPr>
+              <a:rPr lang="pt-BR" b="1"/>
               <a:t>Como aprendemos sobre testes </a:t>
             </a:r>
             <a:br>
-              <a:rPr lang="pt-BR" b="1">
-                <a:solidFill>
-                  <a:schemeClr val="bg1"/>
-                </a:solidFill>
-              </a:rPr>
+              <a:rPr lang="pt-BR" b="1"/>
             </a:br>
             <a:r>
-              <a:rPr lang="pt-BR" b="1">
-                <a:solidFill>
-                  <a:schemeClr val="bg1"/>
-                </a:solidFill>
-              </a:rPr>
+              <a:rPr lang="pt-BR" b="1"/>
               <a:t>em introdução à programação</a:t>
             </a:r>
-            <a:endParaRPr lang="pt-BR">
-              <a:solidFill>
-                <a:schemeClr val="bg1"/>
-              </a:solidFill>
-            </a:endParaRPr>
+            <a:endParaRPr lang="pt-BR"/>
           </a:p>
         </p:txBody>
       </p:sp>
@@ -9021,9 +8639,6 @@
           <a:p>
             <a:r>
               <a:rPr lang="pt-PT" sz="3200" dirty="0">
-                <a:solidFill>
-                  <a:schemeClr val="bg1"/>
-                </a:solidFill>
                 <a:effectLst>
                   <a:outerShdw dist="38100" dir="2700000" algn="tl" rotWithShape="0">
                     <a:schemeClr val="tx1">
@@ -9038,9 +8653,6 @@
           <a:p>
             <a:r>
               <a:rPr lang="pt-PT" sz="3200" dirty="0">
-                <a:solidFill>
-                  <a:schemeClr val="bg1"/>
-                </a:solidFill>
                 <a:effectLst>
                   <a:outerShdw dist="38100" dir="2700000" algn="tl" rotWithShape="0">
                     <a:schemeClr val="tx1">
@@ -9055,9 +8667,6 @@
           <a:p>
             <a:r>
               <a:rPr lang="pt-PT" sz="3200" dirty="0">
-                <a:solidFill>
-                  <a:schemeClr val="bg1"/>
-                </a:solidFill>
                 <a:effectLst>
                   <a:outerShdw dist="38100" dir="2700000" algn="tl" rotWithShape="0">
                     <a:schemeClr val="tx1">
@@ -9095,14 +8704,14 @@
             <a:fld id="{2183B7EE-0FBE-B749-875F-ED24F5ECD71F}" type="slidenum">
               <a:rPr lang="en-US" smtClean="0">
                 <a:solidFill>
-                  <a:schemeClr val="bg1"/>
+                  <a:schemeClr val="tx1"/>
                 </a:solidFill>
               </a:rPr>
               <a:t>14</a:t>
             </a:fld>
             <a:endParaRPr lang="en-US">
               <a:solidFill>
-                <a:schemeClr val="bg1"/>
+                <a:schemeClr val="tx1"/>
               </a:solidFill>
             </a:endParaRPr>
           </a:p>
@@ -9137,123 +8746,63 @@
           <a:lstStyle/>
           <a:p>
             <a:r>
-              <a:rPr lang="pt-BR" sz="1000">
-                <a:solidFill>
-                  <a:schemeClr val="bg1"/>
-                </a:solidFill>
-              </a:rPr>
+              <a:rPr lang="pt-BR" sz="1000"/>
               <a:t>Imagem: </a:t>
             </a:r>
             <a:r>
-              <a:rPr lang="pt-BR" sz="1000" err="1">
-                <a:solidFill>
-                  <a:schemeClr val="bg1"/>
-                </a:solidFill>
-              </a:rPr>
+              <a:rPr lang="pt-BR" sz="1000" err="1"/>
               <a:t>https</a:t>
             </a:r>
             <a:r>
-              <a:rPr lang="pt-BR" sz="1000">
-                <a:solidFill>
-                  <a:schemeClr val="bg1"/>
-                </a:solidFill>
-              </a:rPr>
+              <a:rPr lang="pt-BR" sz="1000"/>
               <a:t>://</a:t>
             </a:r>
             <a:r>
-              <a:rPr lang="pt-BR" sz="1000" err="1">
-                <a:solidFill>
-                  <a:schemeClr val="bg1"/>
-                </a:solidFill>
-              </a:rPr>
+              <a:rPr lang="pt-BR" sz="1000" err="1"/>
               <a:t>www.independent.com</a:t>
             </a:r>
             <a:r>
-              <a:rPr lang="pt-BR" sz="1000">
-                <a:solidFill>
-                  <a:schemeClr val="bg1"/>
-                </a:solidFill>
-              </a:rPr>
+              <a:rPr lang="pt-BR" sz="1000"/>
               <a:t>/</a:t>
             </a:r>
             <a:r>
-              <a:rPr lang="pt-BR" sz="1000" err="1">
-                <a:solidFill>
-                  <a:schemeClr val="bg1"/>
-                </a:solidFill>
-              </a:rPr>
+              <a:rPr lang="pt-BR" sz="1000" err="1"/>
               <a:t>news</a:t>
             </a:r>
             <a:r>
-              <a:rPr lang="pt-BR" sz="1000">
-                <a:solidFill>
-                  <a:schemeClr val="bg1"/>
-                </a:solidFill>
-              </a:rPr>
+              <a:rPr lang="pt-BR" sz="1000"/>
               <a:t>/2018/</a:t>
             </a:r>
             <a:r>
-              <a:rPr lang="pt-BR" sz="1000" err="1">
-                <a:solidFill>
-                  <a:schemeClr val="bg1"/>
-                </a:solidFill>
-              </a:rPr>
+              <a:rPr lang="pt-BR" sz="1000" err="1"/>
               <a:t>aug</a:t>
             </a:r>
             <a:r>
-              <a:rPr lang="pt-BR" sz="1000">
-                <a:solidFill>
-                  <a:schemeClr val="bg1"/>
-                </a:solidFill>
-              </a:rPr>
+              <a:rPr lang="pt-BR" sz="1000"/>
               <a:t>/07/</a:t>
             </a:r>
             <a:r>
-              <a:rPr lang="pt-BR" sz="1000" err="1">
-                <a:solidFill>
-                  <a:schemeClr val="bg1"/>
-                </a:solidFill>
-              </a:rPr>
+              <a:rPr lang="pt-BR" sz="1000" err="1"/>
               <a:t>sb</a:t>
             </a:r>
             <a:r>
-              <a:rPr lang="pt-BR" sz="1000">
-                <a:solidFill>
-                  <a:schemeClr val="bg1"/>
-                </a:solidFill>
-              </a:rPr>
+              <a:rPr lang="pt-BR" sz="1000"/>
               <a:t>-</a:t>
             </a:r>
             <a:r>
-              <a:rPr lang="pt-BR" sz="1000" err="1">
-                <a:solidFill>
-                  <a:schemeClr val="bg1"/>
-                </a:solidFill>
-              </a:rPr>
+              <a:rPr lang="pt-BR" sz="1000" err="1"/>
               <a:t>library</a:t>
             </a:r>
             <a:r>
-              <a:rPr lang="pt-BR" sz="1000">
-                <a:solidFill>
-                  <a:schemeClr val="bg1"/>
-                </a:solidFill>
-              </a:rPr>
+              <a:rPr lang="pt-BR" sz="1000"/>
               <a:t>-</a:t>
             </a:r>
             <a:r>
-              <a:rPr lang="pt-BR" sz="1000" err="1">
-                <a:solidFill>
-                  <a:schemeClr val="bg1"/>
-                </a:solidFill>
-              </a:rPr>
+              <a:rPr lang="pt-BR" sz="1000" err="1"/>
               <a:t>writing</a:t>
             </a:r>
             <a:r>
-              <a:rPr lang="pt-BR" sz="1000">
-                <a:solidFill>
-                  <a:schemeClr val="bg1"/>
-                </a:solidFill>
-              </a:rPr>
+              <a:rPr lang="pt-BR" sz="1000"/>
               <a:t>-workshops/</a:t>
             </a:r>
           </a:p>
@@ -9636,33 +9185,17 @@
           <a:lstStyle/>
           <a:p>
             <a:r>
-              <a:rPr lang="pt-BR" b="1">
-                <a:solidFill>
-                  <a:schemeClr val="bg1"/>
-                </a:solidFill>
-              </a:rPr>
+              <a:rPr lang="pt-BR" b="1"/>
               <a:t>Como aprendemos sobre testes </a:t>
             </a:r>
             <a:br>
-              <a:rPr lang="pt-BR" b="1">
-                <a:solidFill>
-                  <a:schemeClr val="bg1"/>
-                </a:solidFill>
-              </a:rPr>
+              <a:rPr lang="pt-BR" b="1"/>
             </a:br>
             <a:r>
-              <a:rPr lang="pt-BR" b="1">
-                <a:solidFill>
-                  <a:schemeClr val="bg1"/>
-                </a:solidFill>
-              </a:rPr>
+              <a:rPr lang="pt-BR" b="1"/>
               <a:t>em introdução à programação</a:t>
             </a:r>
-            <a:endParaRPr lang="pt-BR">
-              <a:solidFill>
-                <a:schemeClr val="bg1"/>
-              </a:solidFill>
-            </a:endParaRPr>
+            <a:endParaRPr lang="pt-BR"/>
           </a:p>
         </p:txBody>
       </p:sp>
@@ -9696,9 +9229,6 @@
           <a:p>
             <a:r>
               <a:rPr lang="pt-PT" sz="3200" dirty="0">
-                <a:solidFill>
-                  <a:schemeClr val="bg1"/>
-                </a:solidFill>
                 <a:effectLst>
                   <a:outerShdw dist="38100" dir="2700000" algn="tl" rotWithShape="0">
                     <a:schemeClr val="tx1">
@@ -9713,9 +9243,6 @@
           <a:p>
             <a:r>
               <a:rPr lang="pt-PT" sz="3200" dirty="0">
-                <a:solidFill>
-                  <a:schemeClr val="bg1"/>
-                </a:solidFill>
                 <a:effectLst>
                   <a:outerShdw dist="38100" dir="2700000" algn="tl" rotWithShape="0">
                     <a:schemeClr val="tx1">
@@ -9753,14 +9280,14 @@
             <a:fld id="{2183B7EE-0FBE-B749-875F-ED24F5ECD71F}" type="slidenum">
               <a:rPr lang="en-US" smtClean="0">
                 <a:solidFill>
-                  <a:schemeClr val="bg1"/>
+                  <a:schemeClr val="tx1"/>
                 </a:solidFill>
               </a:rPr>
               <a:t>15</a:t>
             </a:fld>
             <a:endParaRPr lang="en-US">
               <a:solidFill>
-                <a:schemeClr val="bg1"/>
+                <a:schemeClr val="tx1"/>
               </a:solidFill>
             </a:endParaRPr>
           </a:p>
@@ -9795,123 +9322,63 @@
           <a:lstStyle/>
           <a:p>
             <a:r>
-              <a:rPr lang="pt-BR" sz="1000">
-                <a:solidFill>
-                  <a:schemeClr val="bg1"/>
-                </a:solidFill>
-              </a:rPr>
+              <a:rPr lang="pt-BR" sz="1000"/>
               <a:t>Imagem: </a:t>
             </a:r>
             <a:r>
-              <a:rPr lang="pt-BR" sz="1000" err="1">
-                <a:solidFill>
-                  <a:schemeClr val="bg1"/>
-                </a:solidFill>
-              </a:rPr>
+              <a:rPr lang="pt-BR" sz="1000" err="1"/>
               <a:t>https</a:t>
             </a:r>
             <a:r>
-              <a:rPr lang="pt-BR" sz="1000">
-                <a:solidFill>
-                  <a:schemeClr val="bg1"/>
-                </a:solidFill>
-              </a:rPr>
+              <a:rPr lang="pt-BR" sz="1000"/>
               <a:t>://</a:t>
             </a:r>
             <a:r>
-              <a:rPr lang="pt-BR" sz="1000" err="1">
-                <a:solidFill>
-                  <a:schemeClr val="bg1"/>
-                </a:solidFill>
-              </a:rPr>
+              <a:rPr lang="pt-BR" sz="1000" err="1"/>
               <a:t>www.independent.com</a:t>
             </a:r>
             <a:r>
-              <a:rPr lang="pt-BR" sz="1000">
-                <a:solidFill>
-                  <a:schemeClr val="bg1"/>
-                </a:solidFill>
-              </a:rPr>
+              <a:rPr lang="pt-BR" sz="1000"/>
               <a:t>/</a:t>
             </a:r>
             <a:r>
-              <a:rPr lang="pt-BR" sz="1000" err="1">
-                <a:solidFill>
-                  <a:schemeClr val="bg1"/>
-                </a:solidFill>
-              </a:rPr>
+              <a:rPr lang="pt-BR" sz="1000" err="1"/>
               <a:t>news</a:t>
             </a:r>
             <a:r>
-              <a:rPr lang="pt-BR" sz="1000">
-                <a:solidFill>
-                  <a:schemeClr val="bg1"/>
-                </a:solidFill>
-              </a:rPr>
+              <a:rPr lang="pt-BR" sz="1000"/>
               <a:t>/2018/</a:t>
             </a:r>
             <a:r>
-              <a:rPr lang="pt-BR" sz="1000" err="1">
-                <a:solidFill>
-                  <a:schemeClr val="bg1"/>
-                </a:solidFill>
-              </a:rPr>
+              <a:rPr lang="pt-BR" sz="1000" err="1"/>
               <a:t>aug</a:t>
             </a:r>
             <a:r>
-              <a:rPr lang="pt-BR" sz="1000">
-                <a:solidFill>
-                  <a:schemeClr val="bg1"/>
-                </a:solidFill>
-              </a:rPr>
+              <a:rPr lang="pt-BR" sz="1000"/>
               <a:t>/07/</a:t>
             </a:r>
             <a:r>
-              <a:rPr lang="pt-BR" sz="1000" err="1">
-                <a:solidFill>
-                  <a:schemeClr val="bg1"/>
-                </a:solidFill>
-              </a:rPr>
+              <a:rPr lang="pt-BR" sz="1000" err="1"/>
               <a:t>sb</a:t>
             </a:r>
             <a:r>
-              <a:rPr lang="pt-BR" sz="1000">
-                <a:solidFill>
-                  <a:schemeClr val="bg1"/>
-                </a:solidFill>
-              </a:rPr>
+              <a:rPr lang="pt-BR" sz="1000"/>
               <a:t>-</a:t>
             </a:r>
             <a:r>
-              <a:rPr lang="pt-BR" sz="1000" err="1">
-                <a:solidFill>
-                  <a:schemeClr val="bg1"/>
-                </a:solidFill>
-              </a:rPr>
+              <a:rPr lang="pt-BR" sz="1000" err="1"/>
               <a:t>library</a:t>
             </a:r>
             <a:r>
-              <a:rPr lang="pt-BR" sz="1000">
-                <a:solidFill>
-                  <a:schemeClr val="bg1"/>
-                </a:solidFill>
-              </a:rPr>
+              <a:rPr lang="pt-BR" sz="1000"/>
               <a:t>-</a:t>
             </a:r>
             <a:r>
-              <a:rPr lang="pt-BR" sz="1000" err="1">
-                <a:solidFill>
-                  <a:schemeClr val="bg1"/>
-                </a:solidFill>
-              </a:rPr>
+              <a:rPr lang="pt-BR" sz="1000" err="1"/>
               <a:t>writing</a:t>
             </a:r>
             <a:r>
-              <a:rPr lang="pt-BR" sz="1000">
-                <a:solidFill>
-                  <a:schemeClr val="bg1"/>
-                </a:solidFill>
-              </a:rPr>
+              <a:rPr lang="pt-BR" sz="1000"/>
               <a:t>-workshops/</a:t>
             </a:r>
           </a:p>
@@ -10135,16 +9602,6 @@
 <file path=ppt/slides/slide16.xml><?xml version="1.0" encoding="utf-8"?>
 <p:sld xmlns:a="http://schemas.openxmlformats.org/drawingml/2006/main" xmlns:r="http://schemas.openxmlformats.org/officeDocument/2006/relationships" xmlns:p="http://schemas.openxmlformats.org/presentationml/2006/main">
   <p:cSld>
-    <p:bg>
-      <p:bgPr>
-        <a:solidFill>
-          <a:schemeClr val="tx1">
-            <a:lumMod val="95000"/>
-          </a:schemeClr>
-        </a:solidFill>
-        <a:effectLst/>
-      </p:bgPr>
-    </p:bg>
     <p:spTree>
       <p:nvGrpSpPr>
         <p:cNvPr id="1" name=""/>
@@ -10159,6 +9616,49 @@
           <a:chExt cx="0" cy="0"/>
         </a:xfrm>
       </p:grpSpPr>
+      <p:sp>
+        <p:nvSpPr>
+          <p:cNvPr id="8" name="Title 1">
+            <a:extLst>
+              <a:ext uri="{FF2B5EF4-FFF2-40B4-BE49-F238E27FC236}">
+                <a16:creationId xmlns:a16="http://schemas.microsoft.com/office/drawing/2014/main" id="{3C0690EC-3FFA-654C-839D-B13AC2E9C1ED}"/>
+              </a:ext>
+            </a:extLst>
+          </p:cNvPr>
+          <p:cNvSpPr>
+            <a:spLocks noGrp="1"/>
+          </p:cNvSpPr>
+          <p:nvPr>
+            <p:ph type="title"/>
+          </p:nvPr>
+        </p:nvSpPr>
+        <p:spPr>
+          <a:xfrm>
+            <a:off x="1851619" y="549661"/>
+            <a:ext cx="10290410" cy="1509490"/>
+          </a:xfrm>
+        </p:spPr>
+        <p:txBody>
+          <a:bodyPr>
+            <a:normAutofit/>
+          </a:bodyPr>
+          <a:lstStyle/>
+          <a:p>
+            <a:r>
+              <a:rPr lang="pt-BR" b="1"/>
+              <a:t>Como aprendemos sobre testes </a:t>
+            </a:r>
+            <a:br>
+              <a:rPr lang="pt-BR" b="1"/>
+            </a:br>
+            <a:r>
+              <a:rPr lang="pt-BR" b="1"/>
+              <a:t>em introdução à programação</a:t>
+            </a:r>
+            <a:endParaRPr lang="pt-BR"/>
+          </a:p>
+        </p:txBody>
+      </p:sp>
       <p:sp>
         <p:nvSpPr>
           <p:cNvPr id="3" name="Content Placeholder 2">
@@ -10188,31 +9688,19 @@
           <a:lstStyle/>
           <a:p>
             <a:r>
-              <a:rPr lang="pt-PT" sz="3200" dirty="0">
-                <a:solidFill>
-                  <a:schemeClr val="bg1"/>
-                </a:solidFill>
-              </a:rPr>
+              <a:rPr lang="pt-PT" sz="3200" dirty="0"/>
               <a:t>Esse processo manual é extremamente limitado</a:t>
             </a:r>
           </a:p>
           <a:p>
             <a:r>
-              <a:rPr lang="pt-PT" sz="3200" dirty="0">
-                <a:solidFill>
-                  <a:schemeClr val="bg1"/>
-                </a:solidFill>
-              </a:rPr>
+              <a:rPr lang="pt-PT" sz="3200" dirty="0"/>
               <a:t>É falho</a:t>
             </a:r>
           </a:p>
           <a:p>
             <a:r>
-              <a:rPr lang="pt-PT" sz="3200" dirty="0">
-                <a:solidFill>
-                  <a:schemeClr val="bg1"/>
-                </a:solidFill>
-              </a:rPr>
+              <a:rPr lang="pt-PT" sz="3200" dirty="0"/>
               <a:t>Tende a ser negligenciado</a:t>
             </a:r>
           </a:p>
@@ -10242,73 +9730,14 @@
             <a:fld id="{2183B7EE-0FBE-B749-875F-ED24F5ECD71F}" type="slidenum">
               <a:rPr lang="en-US" smtClean="0">
                 <a:solidFill>
-                  <a:schemeClr val="bg1"/>
+                  <a:schemeClr val="tx1"/>
                 </a:solidFill>
               </a:rPr>
               <a:t>16</a:t>
             </a:fld>
             <a:endParaRPr lang="en-US">
               <a:solidFill>
-                <a:schemeClr val="bg1"/>
-              </a:solidFill>
-            </a:endParaRPr>
-          </a:p>
-        </p:txBody>
-      </p:sp>
-      <p:sp>
-        <p:nvSpPr>
-          <p:cNvPr id="8" name="Title 1">
-            <a:extLst>
-              <a:ext uri="{FF2B5EF4-FFF2-40B4-BE49-F238E27FC236}">
-                <a16:creationId xmlns:a16="http://schemas.microsoft.com/office/drawing/2014/main" id="{3C0690EC-3FFA-654C-839D-B13AC2E9C1ED}"/>
-              </a:ext>
-            </a:extLst>
-          </p:cNvPr>
-          <p:cNvSpPr>
-            <a:spLocks noGrp="1"/>
-          </p:cNvSpPr>
-          <p:nvPr>
-            <p:ph type="title"/>
-          </p:nvPr>
-        </p:nvSpPr>
-        <p:spPr>
-          <a:xfrm>
-            <a:off x="1851619" y="549661"/>
-            <a:ext cx="10290410" cy="1509490"/>
-          </a:xfrm>
-        </p:spPr>
-        <p:txBody>
-          <a:bodyPr>
-            <a:normAutofit/>
-          </a:bodyPr>
-          <a:lstStyle/>
-          <a:p>
-            <a:r>
-              <a:rPr lang="pt-BR" b="1">
-                <a:solidFill>
-                  <a:schemeClr val="bg1"/>
-                </a:solidFill>
-              </a:rPr>
-              <a:t>Como aprendemos sobre testes </a:t>
-            </a:r>
-            <a:br>
-              <a:rPr lang="pt-BR" b="1">
-                <a:solidFill>
-                  <a:schemeClr val="bg1"/>
-                </a:solidFill>
-              </a:rPr>
-            </a:br>
-            <a:r>
-              <a:rPr lang="pt-BR" b="1">
-                <a:solidFill>
-                  <a:schemeClr val="bg1"/>
-                </a:solidFill>
-              </a:rPr>
-              <a:t>em introdução à programação</a:t>
-            </a:r>
-            <a:endParaRPr lang="pt-BR">
-              <a:solidFill>
-                <a:schemeClr val="bg1"/>
+                <a:schemeClr val="tx1"/>
               </a:solidFill>
             </a:endParaRPr>
           </a:p>
@@ -10633,16 +10062,6 @@
 <file path=ppt/slides/slide17.xml><?xml version="1.0" encoding="utf-8"?>
 <p:sld xmlns:a="http://schemas.openxmlformats.org/drawingml/2006/main" xmlns:r="http://schemas.openxmlformats.org/officeDocument/2006/relationships" xmlns:p="http://schemas.openxmlformats.org/presentationml/2006/main">
   <p:cSld>
-    <p:bg>
-      <p:bgPr>
-        <a:solidFill>
-          <a:schemeClr val="tx1">
-            <a:lumMod val="95000"/>
-          </a:schemeClr>
-        </a:solidFill>
-        <a:effectLst/>
-      </p:bgPr>
-    </p:bg>
     <p:spTree>
       <p:nvGrpSpPr>
         <p:cNvPr id="1" name=""/>
@@ -10657,6 +10076,49 @@
           <a:chExt cx="0" cy="0"/>
         </a:xfrm>
       </p:grpSpPr>
+      <p:sp>
+        <p:nvSpPr>
+          <p:cNvPr id="8" name="Title 1">
+            <a:extLst>
+              <a:ext uri="{FF2B5EF4-FFF2-40B4-BE49-F238E27FC236}">
+                <a16:creationId xmlns:a16="http://schemas.microsoft.com/office/drawing/2014/main" id="{3C0690EC-3FFA-654C-839D-B13AC2E9C1ED}"/>
+              </a:ext>
+            </a:extLst>
+          </p:cNvPr>
+          <p:cNvSpPr>
+            <a:spLocks noGrp="1"/>
+          </p:cNvSpPr>
+          <p:nvPr>
+            <p:ph type="title"/>
+          </p:nvPr>
+        </p:nvSpPr>
+        <p:spPr>
+          <a:xfrm>
+            <a:off x="1851619" y="549661"/>
+            <a:ext cx="10290410" cy="1509490"/>
+          </a:xfrm>
+        </p:spPr>
+        <p:txBody>
+          <a:bodyPr>
+            <a:normAutofit/>
+          </a:bodyPr>
+          <a:lstStyle/>
+          <a:p>
+            <a:r>
+              <a:rPr lang="pt-BR" b="1"/>
+              <a:t>Como aprendemos sobre testes </a:t>
+            </a:r>
+            <a:br>
+              <a:rPr lang="pt-BR" b="1"/>
+            </a:br>
+            <a:r>
+              <a:rPr lang="pt-BR" b="1"/>
+              <a:t>em introdução à programação</a:t>
+            </a:r>
+            <a:endParaRPr lang="pt-BR"/>
+          </a:p>
+        </p:txBody>
+      </p:sp>
       <p:sp>
         <p:nvSpPr>
           <p:cNvPr id="3" name="Content Placeholder 2">
@@ -10686,40 +10148,24 @@
           <a:lstStyle/>
           <a:p>
             <a:r>
-              <a:rPr lang="pt-PT" sz="2800" dirty="0">
-                <a:solidFill>
-                  <a:schemeClr val="bg1"/>
-                </a:solidFill>
-              </a:rPr>
+              <a:rPr lang="pt-PT" sz="2800" dirty="0"/>
               <a:t>Com o tempo, os desenvolvedores não saberão mais que testes manuais precisam fazer</a:t>
             </a:r>
           </a:p>
           <a:p>
             <a:r>
-              <a:rPr lang="pt-PT" sz="2800" dirty="0">
-                <a:solidFill>
-                  <a:schemeClr val="bg1"/>
-                </a:solidFill>
-              </a:rPr>
+              <a:rPr lang="pt-PT" sz="2800" dirty="0"/>
               <a:t>Podem não lembrar quais valores passar e quais resultados esperar</a:t>
             </a:r>
           </a:p>
           <a:p>
             <a:r>
-              <a:rPr lang="pt-PT" sz="2800" dirty="0">
-                <a:solidFill>
-                  <a:schemeClr val="bg1"/>
-                </a:solidFill>
-              </a:rPr>
+              <a:rPr lang="pt-PT" sz="2800" dirty="0"/>
               <a:t>Novos integrantes na equipe vão ter dificuldades em entender qual o resultado esperado de um determinado código (como um método) apenas analisando o código em si</a:t>
             </a:r>
           </a:p>
           <a:p>
-            <a:endParaRPr lang="pt-PT" sz="2800" dirty="0">
-              <a:solidFill>
-                <a:schemeClr val="bg1"/>
-              </a:solidFill>
-            </a:endParaRPr>
+            <a:endParaRPr lang="pt-PT" sz="2800" dirty="0"/>
           </a:p>
         </p:txBody>
       </p:sp>
@@ -10747,73 +10193,14 @@
             <a:fld id="{2183B7EE-0FBE-B749-875F-ED24F5ECD71F}" type="slidenum">
               <a:rPr lang="en-US" smtClean="0">
                 <a:solidFill>
-                  <a:schemeClr val="bg1"/>
+                  <a:schemeClr val="tx1"/>
                 </a:solidFill>
               </a:rPr>
               <a:t>17</a:t>
             </a:fld>
             <a:endParaRPr lang="en-US">
               <a:solidFill>
-                <a:schemeClr val="bg1"/>
-              </a:solidFill>
-            </a:endParaRPr>
-          </a:p>
-        </p:txBody>
-      </p:sp>
-      <p:sp>
-        <p:nvSpPr>
-          <p:cNvPr id="8" name="Title 1">
-            <a:extLst>
-              <a:ext uri="{FF2B5EF4-FFF2-40B4-BE49-F238E27FC236}">
-                <a16:creationId xmlns:a16="http://schemas.microsoft.com/office/drawing/2014/main" id="{3C0690EC-3FFA-654C-839D-B13AC2E9C1ED}"/>
-              </a:ext>
-            </a:extLst>
-          </p:cNvPr>
-          <p:cNvSpPr>
-            <a:spLocks noGrp="1"/>
-          </p:cNvSpPr>
-          <p:nvPr>
-            <p:ph type="title"/>
-          </p:nvPr>
-        </p:nvSpPr>
-        <p:spPr>
-          <a:xfrm>
-            <a:off x="1851619" y="549661"/>
-            <a:ext cx="10290410" cy="1509490"/>
-          </a:xfrm>
-        </p:spPr>
-        <p:txBody>
-          <a:bodyPr>
-            <a:normAutofit/>
-          </a:bodyPr>
-          <a:lstStyle/>
-          <a:p>
-            <a:r>
-              <a:rPr lang="pt-BR" b="1">
-                <a:solidFill>
-                  <a:schemeClr val="bg1"/>
-                </a:solidFill>
-              </a:rPr>
-              <a:t>Como aprendemos sobre testes </a:t>
-            </a:r>
-            <a:br>
-              <a:rPr lang="pt-BR" b="1">
-                <a:solidFill>
-                  <a:schemeClr val="bg1"/>
-                </a:solidFill>
-              </a:rPr>
-            </a:br>
-            <a:r>
-              <a:rPr lang="pt-BR" b="1">
-                <a:solidFill>
-                  <a:schemeClr val="bg1"/>
-                </a:solidFill>
-              </a:rPr>
-              <a:t>em introdução à programação</a:t>
-            </a:r>
-            <a:endParaRPr lang="pt-BR">
-              <a:solidFill>
-                <a:schemeClr val="bg1"/>
+                <a:schemeClr val="tx1"/>
               </a:solidFill>
             </a:endParaRPr>
           </a:p>
@@ -11141,16 +10528,6 @@
 <file path=ppt/slides/slide18.xml><?xml version="1.0" encoding="utf-8"?>
 <p:sld xmlns:a="http://schemas.openxmlformats.org/drawingml/2006/main" xmlns:r="http://schemas.openxmlformats.org/officeDocument/2006/relationships" xmlns:p="http://schemas.openxmlformats.org/presentationml/2006/main">
   <p:cSld>
-    <p:bg>
-      <p:bgPr>
-        <a:solidFill>
-          <a:schemeClr val="tx1">
-            <a:lumMod val="95000"/>
-          </a:schemeClr>
-        </a:solidFill>
-        <a:effectLst/>
-      </p:bgPr>
-    </p:bg>
     <p:spTree>
       <p:nvGrpSpPr>
         <p:cNvPr id="1" name=""/>
@@ -11165,6 +10542,49 @@
           <a:chExt cx="0" cy="0"/>
         </a:xfrm>
       </p:grpSpPr>
+      <p:sp>
+        <p:nvSpPr>
+          <p:cNvPr id="8" name="Title 1">
+            <a:extLst>
+              <a:ext uri="{FF2B5EF4-FFF2-40B4-BE49-F238E27FC236}">
+                <a16:creationId xmlns:a16="http://schemas.microsoft.com/office/drawing/2014/main" id="{3C0690EC-3FFA-654C-839D-B13AC2E9C1ED}"/>
+              </a:ext>
+            </a:extLst>
+          </p:cNvPr>
+          <p:cNvSpPr>
+            <a:spLocks noGrp="1"/>
+          </p:cNvSpPr>
+          <p:nvPr>
+            <p:ph type="title"/>
+          </p:nvPr>
+        </p:nvSpPr>
+        <p:spPr>
+          <a:xfrm>
+            <a:off x="1851619" y="549661"/>
+            <a:ext cx="10290410" cy="1509490"/>
+          </a:xfrm>
+        </p:spPr>
+        <p:txBody>
+          <a:bodyPr>
+            <a:normAutofit/>
+          </a:bodyPr>
+          <a:lstStyle/>
+          <a:p>
+            <a:r>
+              <a:rPr lang="pt-BR" b="1"/>
+              <a:t>Como aprendemos sobre testes </a:t>
+            </a:r>
+            <a:br>
+              <a:rPr lang="pt-BR" b="1"/>
+            </a:br>
+            <a:r>
+              <a:rPr lang="pt-BR" b="1"/>
+              <a:t>em introdução à programação</a:t>
+            </a:r>
+            <a:endParaRPr lang="pt-BR"/>
+          </a:p>
+        </p:txBody>
+      </p:sp>
       <p:sp>
         <p:nvSpPr>
           <p:cNvPr id="3" name="Content Placeholder 2">
@@ -11194,74 +10614,42 @@
           <a:lstStyle/>
           <a:p>
             <a:r>
-              <a:rPr lang="pt-PT" sz="3200" dirty="0">
-                <a:solidFill>
-                  <a:schemeClr val="bg1"/>
-                </a:solidFill>
-              </a:rPr>
+              <a:rPr lang="pt-PT" sz="3200" dirty="0"/>
               <a:t>Você nunca sabe quando resolveu um problema de fato: o problema pode sempre reaparecer quando alterações são feitas</a:t>
             </a:r>
           </a:p>
           <a:p>
             <a:r>
-              <a:rPr lang="pt-PT" sz="3200" dirty="0">
-                <a:solidFill>
-                  <a:schemeClr val="bg1"/>
-                </a:solidFill>
-              </a:rPr>
+              <a:rPr lang="pt-PT" sz="3200" dirty="0"/>
               <a:t>Isto é chamado de Regressão de Software, que leva ao apodrecimento do código</a:t>
             </a:r>
           </a:p>
           <a:p>
             <a:r>
-              <a:rPr lang="pt-PT" sz="3200" dirty="0">
-                <a:solidFill>
-                  <a:schemeClr val="bg1"/>
-                </a:solidFill>
-              </a:rPr>
+              <a:rPr lang="pt-PT" sz="3200" dirty="0"/>
               <a:t>Isso inevitavelmente põe em cheque a competência e profissionalismo dos desenvolvedores perante o cliente.</a:t>
             </a:r>
           </a:p>
           <a:p>
             <a:r>
-              <a:rPr lang="pt-PT" sz="3200" dirty="0">
-                <a:solidFill>
-                  <a:schemeClr val="bg1"/>
-                </a:solidFill>
-              </a:rPr>
+              <a:rPr lang="pt-PT" sz="3200" dirty="0"/>
               <a:t>Se seu software é um </a:t>
             </a:r>
             <a:r>
-              <a:rPr lang="pt-PT" sz="3200" i="1" dirty="0" err="1">
-                <a:solidFill>
-                  <a:schemeClr val="bg1"/>
-                </a:solidFill>
-              </a:rPr>
+              <a:rPr lang="pt-PT" sz="3200" i="1" dirty="0" err="1"/>
               <a:t>app</a:t>
             </a:r>
             <a:r>
-              <a:rPr lang="pt-PT" sz="3200" i="1" dirty="0">
-                <a:solidFill>
-                  <a:schemeClr val="bg1"/>
-                </a:solidFill>
-              </a:rPr>
+              <a:rPr lang="pt-PT" sz="3200" i="1" dirty="0"/>
               <a:t> mobile</a:t>
             </a:r>
             <a:r>
-              <a:rPr lang="pt-PT" sz="3200" dirty="0">
-                <a:solidFill>
-                  <a:schemeClr val="bg1"/>
-                </a:solidFill>
-              </a:rPr>
+              <a:rPr lang="pt-PT" sz="3200" dirty="0"/>
               <a:t>, você sabe o que vai rolar nos comentários na loja de aplicativos 😒</a:t>
             </a:r>
           </a:p>
           <a:p>
-            <a:endParaRPr lang="pt-PT" sz="3200" dirty="0">
-              <a:solidFill>
-                <a:schemeClr val="bg1"/>
-              </a:solidFill>
-            </a:endParaRPr>
+            <a:endParaRPr lang="pt-PT" sz="3200" dirty="0"/>
           </a:p>
         </p:txBody>
       </p:sp>
@@ -11289,73 +10677,14 @@
             <a:fld id="{2183B7EE-0FBE-B749-875F-ED24F5ECD71F}" type="slidenum">
               <a:rPr lang="en-US" smtClean="0">
                 <a:solidFill>
-                  <a:schemeClr val="bg1"/>
+                  <a:schemeClr val="tx1"/>
                 </a:solidFill>
               </a:rPr>
               <a:t>18</a:t>
             </a:fld>
             <a:endParaRPr lang="en-US">
               <a:solidFill>
-                <a:schemeClr val="bg1"/>
-              </a:solidFill>
-            </a:endParaRPr>
-          </a:p>
-        </p:txBody>
-      </p:sp>
-      <p:sp>
-        <p:nvSpPr>
-          <p:cNvPr id="8" name="Title 1">
-            <a:extLst>
-              <a:ext uri="{FF2B5EF4-FFF2-40B4-BE49-F238E27FC236}">
-                <a16:creationId xmlns:a16="http://schemas.microsoft.com/office/drawing/2014/main" id="{3C0690EC-3FFA-654C-839D-B13AC2E9C1ED}"/>
-              </a:ext>
-            </a:extLst>
-          </p:cNvPr>
-          <p:cNvSpPr>
-            <a:spLocks noGrp="1"/>
-          </p:cNvSpPr>
-          <p:nvPr>
-            <p:ph type="title"/>
-          </p:nvPr>
-        </p:nvSpPr>
-        <p:spPr>
-          <a:xfrm>
-            <a:off x="1851619" y="549661"/>
-            <a:ext cx="10290410" cy="1509490"/>
-          </a:xfrm>
-        </p:spPr>
-        <p:txBody>
-          <a:bodyPr>
-            <a:normAutofit/>
-          </a:bodyPr>
-          <a:lstStyle/>
-          <a:p>
-            <a:r>
-              <a:rPr lang="pt-BR" b="1">
-                <a:solidFill>
-                  <a:schemeClr val="bg1"/>
-                </a:solidFill>
-              </a:rPr>
-              <a:t>Como aprendemos sobre testes </a:t>
-            </a:r>
-            <a:br>
-              <a:rPr lang="pt-BR" b="1">
-                <a:solidFill>
-                  <a:schemeClr val="bg1"/>
-                </a:solidFill>
-              </a:rPr>
-            </a:br>
-            <a:r>
-              <a:rPr lang="pt-BR" b="1">
-                <a:solidFill>
-                  <a:schemeClr val="bg1"/>
-                </a:solidFill>
-              </a:rPr>
-              <a:t>em introdução à programação</a:t>
-            </a:r>
-            <a:endParaRPr lang="pt-BR">
-              <a:solidFill>
-                <a:schemeClr val="bg1"/>
+                <a:schemeClr val="tx1"/>
               </a:solidFill>
             </a:endParaRPr>
           </a:p>
@@ -11843,54 +11172,18 @@
           <a:p>
             <a:pPr algn="ctr"/>
             <a:r>
-              <a:rPr lang="pt-BR" b="1">
-                <a:solidFill>
-                  <a:schemeClr val="bg1"/>
-                </a:solidFill>
-                <a:effectLst>
-                  <a:outerShdw blurRad="50800" dist="50800" dir="5400000" algn="ctr" rotWithShape="0">
-                    <a:schemeClr val="tx1"/>
-                  </a:outerShdw>
-                </a:effectLst>
-              </a:rPr>
+              <a:rPr lang="pt-BR" b="1" dirty="0"/>
               <a:t>Enfim, Porque aplicar </a:t>
             </a:r>
             <a:r>
-              <a:rPr lang="pt-BR" b="1" err="1">
-                <a:solidFill>
-                  <a:schemeClr val="bg1"/>
-                </a:solidFill>
-                <a:effectLst>
-                  <a:outerShdw blurRad="50800" dist="50800" dir="5400000" algn="ctr" rotWithShape="0">
-                    <a:schemeClr val="tx1"/>
-                  </a:outerShdw>
-                </a:effectLst>
-              </a:rPr>
+              <a:rPr lang="pt-BR" b="1" dirty="0" err="1"/>
               <a:t>tdd</a:t>
             </a:r>
             <a:r>
-              <a:rPr lang="pt-BR" b="1">
-                <a:solidFill>
-                  <a:schemeClr val="bg1"/>
-                </a:solidFill>
-                <a:effectLst>
-                  <a:outerShdw blurRad="50800" dist="50800" dir="5400000" algn="ctr" rotWithShape="0">
-                    <a:schemeClr val="tx1"/>
-                  </a:outerShdw>
-                </a:effectLst>
-              </a:rPr>
+              <a:rPr lang="pt-BR" b="1" dirty="0"/>
               <a:t>?</a:t>
             </a:r>
-            <a:endParaRPr lang="pt-BR">
-              <a:solidFill>
-                <a:schemeClr val="bg1"/>
-              </a:solidFill>
-              <a:effectLst>
-                <a:outerShdw blurRad="50800" dist="50800" dir="5400000" algn="ctr" rotWithShape="0">
-                  <a:schemeClr val="tx1"/>
-                </a:outerShdw>
-              </a:effectLst>
-            </a:endParaRPr>
+            <a:endParaRPr lang="pt-BR" dirty="0"/>
           </a:p>
         </p:txBody>
       </p:sp>
@@ -11924,9 +11217,6 @@
           <a:p>
             <a:r>
               <a:rPr lang="pt-PT" sz="3200" dirty="0">
-                <a:solidFill>
-                  <a:schemeClr val="bg1"/>
-                </a:solidFill>
                 <a:effectLst>
                   <a:outerShdw blurRad="50800" dist="38100" algn="l" rotWithShape="0">
                     <a:schemeClr val="bg1">
@@ -11939,9 +11229,6 @@
             </a:r>
             <a:r>
               <a:rPr lang="pt-PT" sz="3200" b="1" dirty="0">
-                <a:solidFill>
-                  <a:schemeClr val="bg1"/>
-                </a:solidFill>
                 <a:effectLst>
                   <a:outerShdw blurRad="50800" dist="38100" algn="l" rotWithShape="0">
                     <a:schemeClr val="bg1">
@@ -11954,9 +11241,6 @@
             </a:r>
             <a:r>
               <a:rPr lang="pt-PT" sz="3200" dirty="0">
-                <a:solidFill>
-                  <a:schemeClr val="bg1"/>
-                </a:solidFill>
                 <a:effectLst>
                   <a:outerShdw blurRad="50800" dist="38100" algn="l" rotWithShape="0">
                     <a:schemeClr val="bg1">
@@ -11969,9 +11253,6 @@
             </a:r>
             <a:r>
               <a:rPr lang="pt-PT" sz="3200" dirty="0" err="1">
-                <a:solidFill>
-                  <a:schemeClr val="bg1"/>
-                </a:solidFill>
                 <a:effectLst>
                   <a:outerShdw blurRad="50800" dist="38100" algn="l" rotWithShape="0">
                     <a:schemeClr val="bg1">
@@ -11984,9 +11265,6 @@
             </a:r>
             <a:r>
               <a:rPr lang="pt-PT" sz="3200" dirty="0">
-                <a:solidFill>
-                  <a:schemeClr val="bg1"/>
-                </a:solidFill>
                 <a:effectLst>
                   <a:outerShdw blurRad="50800" dist="38100" algn="l" rotWithShape="0">
                     <a:schemeClr val="bg1">
@@ -12001,9 +11279,6 @@
           <a:p>
             <a:r>
               <a:rPr lang="pt-PT" sz="3200" dirty="0">
-                <a:solidFill>
-                  <a:schemeClr val="bg1"/>
-                </a:solidFill>
                 <a:effectLst>
                   <a:outerShdw blurRad="50800" dist="38100" algn="l" rotWithShape="0">
                     <a:schemeClr val="bg1">
@@ -12018,9 +11293,6 @@
           <a:p>
             <a:r>
               <a:rPr lang="pt-PT" sz="3200" dirty="0">
-                <a:solidFill>
-                  <a:schemeClr val="bg1"/>
-                </a:solidFill>
                 <a:effectLst>
                   <a:outerShdw blurRad="50800" dist="38100" algn="l" rotWithShape="0">
                     <a:schemeClr val="bg1">
@@ -12035,9 +11307,6 @@
           <a:p>
             <a:r>
               <a:rPr lang="pt-PT" sz="3200" dirty="0">
-                <a:solidFill>
-                  <a:schemeClr val="bg1"/>
-                </a:solidFill>
                 <a:effectLst>
                   <a:outerShdw blurRad="50800" dist="38100" algn="l" rotWithShape="0">
                     <a:schemeClr val="bg1">
@@ -12052,9 +11321,6 @@
           <a:p>
             <a:r>
               <a:rPr lang="pt-PT" sz="3200" dirty="0">
-                <a:solidFill>
-                  <a:schemeClr val="bg1"/>
-                </a:solidFill>
                 <a:effectLst>
                   <a:outerShdw blurRad="50800" dist="38100" algn="l" rotWithShape="0">
                     <a:schemeClr val="bg1">
@@ -12071,9 +11337,6 @@
               <a:buNone/>
             </a:pPr>
             <a:endParaRPr lang="pt-PT" sz="3200" dirty="0">
-              <a:solidFill>
-                <a:schemeClr val="bg1"/>
-              </a:solidFill>
               <a:effectLst>
                 <a:outerShdw blurRad="50800" dist="38100" algn="l" rotWithShape="0">
                   <a:schemeClr val="bg1">
@@ -12109,14 +11372,14 @@
             <a:fld id="{2183B7EE-0FBE-B749-875F-ED24F5ECD71F}" type="slidenum">
               <a:rPr lang="en-US" smtClean="0">
                 <a:solidFill>
-                  <a:schemeClr val="bg1"/>
+                  <a:schemeClr val="tx1"/>
                 </a:solidFill>
               </a:rPr>
               <a:t>19</a:t>
             </a:fld>
             <a:endParaRPr lang="en-US">
               <a:solidFill>
-                <a:schemeClr val="bg1"/>
+                <a:schemeClr val="tx1"/>
               </a:solidFill>
             </a:endParaRPr>
           </a:p>
@@ -12151,58 +11414,30 @@
           <a:lstStyle/>
           <a:p>
             <a:r>
-              <a:rPr lang="pt-BR" sz="1000">
-                <a:solidFill>
-                  <a:schemeClr val="bg1"/>
-                </a:solidFill>
-              </a:rPr>
+              <a:rPr lang="pt-BR" sz="1000" dirty="0"/>
               <a:t>Imagem: </a:t>
             </a:r>
             <a:r>
-              <a:rPr lang="pt-BR" sz="1000" err="1">
-                <a:solidFill>
-                  <a:schemeClr val="bg1"/>
-                </a:solidFill>
-              </a:rPr>
+              <a:rPr lang="pt-BR" sz="1000" dirty="0" err="1"/>
               <a:t>http</a:t>
             </a:r>
             <a:r>
-              <a:rPr lang="pt-BR" sz="1000">
-                <a:solidFill>
-                  <a:schemeClr val="bg1"/>
-                </a:solidFill>
-              </a:rPr>
+              <a:rPr lang="pt-BR" sz="1000" dirty="0"/>
               <a:t>://</a:t>
             </a:r>
             <a:r>
-              <a:rPr lang="pt-BR" sz="1000" err="1">
-                <a:solidFill>
-                  <a:schemeClr val="bg1"/>
-                </a:solidFill>
-              </a:rPr>
+              <a:rPr lang="pt-BR" sz="1000" dirty="0" err="1"/>
               <a:t>tonysblog.info</a:t>
             </a:r>
             <a:r>
-              <a:rPr lang="pt-BR" sz="1000">
-                <a:solidFill>
-                  <a:schemeClr val="bg1"/>
-                </a:solidFill>
-              </a:rPr>
+              <a:rPr lang="pt-BR" sz="1000" dirty="0"/>
               <a:t>/</a:t>
             </a:r>
             <a:r>
-              <a:rPr lang="pt-BR" sz="1000" err="1">
-                <a:solidFill>
-                  <a:schemeClr val="bg1"/>
-                </a:solidFill>
-              </a:rPr>
+              <a:rPr lang="pt-BR" sz="1000" dirty="0" err="1"/>
               <a:t>photorwr-relief-emotion.asp</a:t>
             </a:r>
-            <a:endParaRPr lang="pt-BR" sz="1000">
-              <a:solidFill>
-                <a:schemeClr val="bg1"/>
-              </a:solidFill>
-            </a:endParaRPr>
+            <a:endParaRPr lang="pt-BR" sz="1000" dirty="0"/>
           </a:p>
         </p:txBody>
       </p:sp>
@@ -13183,7 +12418,7 @@
       <p:bgPr>
         <a:blipFill dpi="0" rotWithShape="1">
           <a:blip r:embed="rId2">
-            <a:alphaModFix amt="48000"/>
+            <a:alphaModFix amt="30000"/>
             <a:lum/>
           </a:blip>
           <a:srcRect/>
@@ -13238,34 +12473,18 @@
           <a:p>
             <a:pPr algn="ctr"/>
             <a:r>
-              <a:rPr lang="pt-BR" b="1">
-                <a:solidFill>
-                  <a:schemeClr val="bg1"/>
-                </a:solidFill>
-              </a:rPr>
+              <a:rPr lang="pt-BR" b="1" dirty="0"/>
               <a:t>Enfim, Porque aplicar </a:t>
             </a:r>
             <a:r>
-              <a:rPr lang="pt-BR" b="1" err="1">
-                <a:solidFill>
-                  <a:schemeClr val="bg1"/>
-                </a:solidFill>
-              </a:rPr>
+              <a:rPr lang="pt-BR" b="1" dirty="0" err="1"/>
               <a:t>tdd</a:t>
             </a:r>
             <a:r>
-              <a:rPr lang="pt-BR" b="1">
-                <a:solidFill>
-                  <a:schemeClr val="bg1"/>
-                </a:solidFill>
-              </a:rPr>
+              <a:rPr lang="pt-BR" b="1" dirty="0"/>
               <a:t>?</a:t>
             </a:r>
-            <a:endParaRPr lang="pt-BR">
-              <a:solidFill>
-                <a:schemeClr val="bg1"/>
-              </a:solidFill>
-            </a:endParaRPr>
+            <a:endParaRPr lang="pt-BR" dirty="0"/>
           </a:p>
         </p:txBody>
       </p:sp>
@@ -13299,27 +12518,21 @@
           <a:p>
             <a:r>
               <a:rPr lang="pt-PT" sz="3200" dirty="0">
-                <a:solidFill>
-                  <a:schemeClr val="bg1"/>
-                </a:solidFill>
                 <a:effectLst>
                   <a:outerShdw dist="38100" dir="2700000" algn="tl" rotWithShape="0">
-                    <a:schemeClr val="tx1">
+                    <a:schemeClr val="bg1">
                       <a:alpha val="40000"/>
                     </a:schemeClr>
                   </a:outerShdw>
                 </a:effectLst>
               </a:rPr>
-              <a:t>Permite o desenvolvimento de algoritmos de forma incremental, em pequenos passos (chamados de </a:t>
+              <a:t>Permite o desenvolvimento de algoritmos de forma incremental, em pequenos passos (</a:t>
             </a:r>
             <a:r>
               <a:rPr lang="pt-PT" sz="3200" i="1" dirty="0">
-                <a:solidFill>
-                  <a:schemeClr val="bg1"/>
-                </a:solidFill>
                 <a:effectLst>
                   <a:outerShdw dist="38100" dir="2700000" algn="tl" rotWithShape="0">
-                    <a:schemeClr val="tx1">
+                    <a:schemeClr val="bg1">
                       <a:alpha val="40000"/>
                     </a:schemeClr>
                   </a:outerShdw>
@@ -13329,12 +12542,9 @@
             </a:r>
             <a:r>
               <a:rPr lang="pt-PT" sz="3200" dirty="0">
-                <a:solidFill>
-                  <a:schemeClr val="bg1"/>
-                </a:solidFill>
                 <a:effectLst>
                   <a:outerShdw dist="38100" dir="2700000" algn="tl" rotWithShape="0">
-                    <a:schemeClr val="tx1">
+                    <a:schemeClr val="bg1">
                       <a:alpha val="40000"/>
                     </a:schemeClr>
                   </a:outerShdw>
@@ -13346,12 +12556,9 @@
           <a:p>
             <a:r>
               <a:rPr lang="pt-PT" sz="3200" dirty="0">
-                <a:solidFill>
-                  <a:schemeClr val="bg1"/>
-                </a:solidFill>
                 <a:effectLst>
                   <a:outerShdw dist="38100" dir="2700000" algn="tl" rotWithShape="0">
-                    <a:schemeClr val="tx1">
+                    <a:schemeClr val="bg1">
                       <a:alpha val="40000"/>
                     </a:schemeClr>
                   </a:outerShdw>
@@ -13386,14 +12593,14 @@
             <a:fld id="{2183B7EE-0FBE-B749-875F-ED24F5ECD71F}" type="slidenum">
               <a:rPr lang="en-US" smtClean="0">
                 <a:solidFill>
-                  <a:schemeClr val="bg1"/>
+                  <a:schemeClr val="tx1"/>
                 </a:solidFill>
               </a:rPr>
               <a:t>20</a:t>
             </a:fld>
             <a:endParaRPr lang="en-US">
               <a:solidFill>
-                <a:schemeClr val="bg1"/>
+                <a:schemeClr val="tx1"/>
               </a:solidFill>
             </a:endParaRPr>
           </a:p>
@@ -13428,43 +12635,23 @@
           <a:lstStyle/>
           <a:p>
             <a:r>
-              <a:rPr lang="pt-BR" sz="1000">
-                <a:solidFill>
-                  <a:schemeClr val="bg1"/>
-                </a:solidFill>
-              </a:rPr>
+              <a:rPr lang="pt-BR" sz="1000"/>
               <a:t>Imagem: </a:t>
             </a:r>
             <a:r>
-              <a:rPr lang="pt-BR" sz="1000" err="1">
-                <a:solidFill>
-                  <a:schemeClr val="bg1"/>
-                </a:solidFill>
-              </a:rPr>
+              <a:rPr lang="pt-BR" sz="1000" err="1"/>
               <a:t>https</a:t>
             </a:r>
             <a:r>
-              <a:rPr lang="pt-BR" sz="1000">
-                <a:solidFill>
-                  <a:schemeClr val="bg1"/>
-                </a:solidFill>
-              </a:rPr>
+              <a:rPr lang="pt-BR" sz="1000"/>
               <a:t>://</a:t>
             </a:r>
             <a:r>
-              <a:rPr lang="pt-BR" sz="1000" err="1">
-                <a:solidFill>
-                  <a:schemeClr val="bg1"/>
-                </a:solidFill>
-              </a:rPr>
+              <a:rPr lang="pt-BR" sz="1000" err="1"/>
               <a:t>theascent.pub</a:t>
             </a:r>
             <a:r>
-              <a:rPr lang="pt-BR" sz="1000">
-                <a:solidFill>
-                  <a:schemeClr val="bg1"/>
-                </a:solidFill>
-              </a:rPr>
+              <a:rPr lang="pt-BR" sz="1000"/>
               <a:t>/how-i-started-using-baby-steps-to-bring-about-positive-change-in-my-life-1759b530d6a4</a:t>
             </a:r>
           </a:p>
@@ -13689,7 +12876,7 @@
       <p:bgPr>
         <a:blipFill dpi="0" rotWithShape="1">
           <a:blip r:embed="rId2">
-            <a:alphaModFix amt="48000"/>
+            <a:alphaModFix amt="30000"/>
             <a:lum/>
           </a:blip>
           <a:srcRect/>
@@ -13744,34 +12931,18 @@
           <a:p>
             <a:pPr algn="ctr"/>
             <a:r>
-              <a:rPr lang="pt-BR" b="1">
-                <a:solidFill>
-                  <a:schemeClr val="bg1"/>
-                </a:solidFill>
-              </a:rPr>
+              <a:rPr lang="pt-BR" b="1" dirty="0"/>
               <a:t>Enfim, Porque aplicar </a:t>
             </a:r>
             <a:r>
-              <a:rPr lang="pt-BR" b="1" err="1">
-                <a:solidFill>
-                  <a:schemeClr val="bg1"/>
-                </a:solidFill>
-              </a:rPr>
+              <a:rPr lang="pt-BR" b="1" dirty="0" err="1"/>
               <a:t>tdd</a:t>
             </a:r>
             <a:r>
-              <a:rPr lang="pt-BR" b="1">
-                <a:solidFill>
-                  <a:schemeClr val="bg1"/>
-                </a:solidFill>
-              </a:rPr>
+              <a:rPr lang="pt-BR" b="1" dirty="0"/>
               <a:t>?</a:t>
             </a:r>
-            <a:endParaRPr lang="pt-BR">
-              <a:solidFill>
-                <a:schemeClr val="bg1"/>
-              </a:solidFill>
-            </a:endParaRPr>
+            <a:endParaRPr lang="pt-BR" dirty="0"/>
           </a:p>
         </p:txBody>
       </p:sp>
@@ -13805,12 +12976,9 @@
           <a:p>
             <a:r>
               <a:rPr lang="pt-PT" sz="3200" dirty="0">
-                <a:solidFill>
-                  <a:schemeClr val="bg1"/>
-                </a:solidFill>
                 <a:effectLst>
                   <a:outerShdw dist="38100" dir="2700000" algn="tl" rotWithShape="0">
-                    <a:schemeClr val="tx1">
+                    <a:schemeClr val="bg1">
                       <a:alpha val="40000"/>
                     </a:schemeClr>
                   </a:outerShdw>
@@ -13820,12 +12988,9 @@
             </a:r>
             <a:r>
               <a:rPr lang="pt-PT" sz="3200" dirty="0" err="1">
-                <a:solidFill>
-                  <a:schemeClr val="bg1"/>
-                </a:solidFill>
                 <a:effectLst>
                   <a:outerShdw dist="38100" dir="2700000" algn="tl" rotWithShape="0">
-                    <a:schemeClr val="tx1">
+                    <a:schemeClr val="bg1">
                       <a:alpha val="40000"/>
                     </a:schemeClr>
                   </a:outerShdw>
@@ -13835,12 +13000,9 @@
             </a:r>
             <a:r>
               <a:rPr lang="pt-PT" sz="3200" dirty="0">
-                <a:solidFill>
-                  <a:schemeClr val="bg1"/>
-                </a:solidFill>
                 <a:effectLst>
                   <a:outerShdw dist="38100" dir="2700000" algn="tl" rotWithShape="0">
-                    <a:schemeClr val="tx1">
+                    <a:schemeClr val="bg1">
                       <a:alpha val="40000"/>
                     </a:schemeClr>
                   </a:outerShdw>
@@ -13850,12 +13012,9 @@
             </a:r>
             <a:r>
               <a:rPr lang="pt-PT" sz="3200" dirty="0" err="1">
-                <a:solidFill>
-                  <a:schemeClr val="bg1"/>
-                </a:solidFill>
                 <a:effectLst>
                   <a:outerShdw dist="38100" dir="2700000" algn="tl" rotWithShape="0">
-                    <a:schemeClr val="tx1">
+                    <a:schemeClr val="bg1">
                       <a:alpha val="40000"/>
                     </a:schemeClr>
                   </a:outerShdw>
@@ -13865,12 +13024,9 @@
             </a:r>
             <a:r>
               <a:rPr lang="pt-PT" sz="3200" dirty="0">
-                <a:solidFill>
-                  <a:schemeClr val="bg1"/>
-                </a:solidFill>
                 <a:effectLst>
                   <a:outerShdw dist="38100" dir="2700000" algn="tl" rotWithShape="0">
-                    <a:schemeClr val="tx1">
+                    <a:schemeClr val="bg1">
                       <a:alpha val="40000"/>
                     </a:schemeClr>
                   </a:outerShdw>
@@ -13882,12 +13038,9 @@
           <a:p>
             <a:r>
               <a:rPr lang="pt-PT" sz="3200" dirty="0">
-                <a:solidFill>
-                  <a:schemeClr val="bg1"/>
-                </a:solidFill>
                 <a:effectLst>
                   <a:outerShdw dist="38100" dir="2700000" algn="tl" rotWithShape="0">
-                    <a:schemeClr val="tx1">
+                    <a:schemeClr val="bg1">
                       <a:alpha val="40000"/>
                     </a:schemeClr>
                   </a:outerShdw>
@@ -13897,12 +13050,9 @@
             </a:r>
             <a:r>
               <a:rPr lang="pt-PT" sz="3200" dirty="0">
-                <a:solidFill>
-                  <a:schemeClr val="bg1"/>
-                </a:solidFill>
                 <a:effectLst>
                   <a:outerShdw dist="38100" dir="2700000" algn="tl" rotWithShape="0">
-                    <a:schemeClr val="tx1">
+                    <a:schemeClr val="bg1">
                       <a:alpha val="40000"/>
                     </a:schemeClr>
                   </a:outerShdw>
@@ -13919,12 +13069,9 @@
             </a:r>
             <a:r>
               <a:rPr lang="pt-PT" sz="3200" i="1" dirty="0">
-                <a:solidFill>
-                  <a:schemeClr val="bg1"/>
-                </a:solidFill>
                 <a:effectLst>
                   <a:outerShdw dist="38100" dir="2700000" algn="tl" rotWithShape="0">
-                    <a:schemeClr val="tx1">
+                    <a:schemeClr val="bg1">
                       <a:alpha val="40000"/>
                     </a:schemeClr>
                   </a:outerShdw>
@@ -13941,12 +13088,9 @@
             </a:r>
             <a:r>
               <a:rPr lang="pt-PT" sz="3200" dirty="0">
-                <a:solidFill>
-                  <a:schemeClr val="bg1"/>
-                </a:solidFill>
                 <a:effectLst>
                   <a:outerShdw dist="38100" dir="2700000" algn="tl" rotWithShape="0">
-                    <a:schemeClr val="tx1">
+                    <a:schemeClr val="bg1">
                       <a:alpha val="40000"/>
                     </a:schemeClr>
                   </a:outerShdw>
@@ -13962,12 +13106,9 @@
               <a:t>)</a:t>
             </a:r>
             <a:endParaRPr lang="pt-PT" sz="3200" dirty="0">
-              <a:solidFill>
-                <a:schemeClr val="bg1"/>
-              </a:solidFill>
               <a:effectLst>
                 <a:outerShdw dist="38100" dir="2700000" algn="tl" rotWithShape="0">
-                  <a:schemeClr val="tx1">
+                  <a:schemeClr val="bg1">
                     <a:alpha val="40000"/>
                   </a:schemeClr>
                 </a:outerShdw>
@@ -13977,12 +13118,9 @@
           <a:p>
             <a:r>
               <a:rPr lang="pt-PT" sz="3200" dirty="0">
-                <a:solidFill>
-                  <a:schemeClr val="bg1"/>
-                </a:solidFill>
                 <a:effectLst>
                   <a:outerShdw dist="38100" dir="2700000" algn="tl" rotWithShape="0">
-                    <a:schemeClr val="tx1">
+                    <a:schemeClr val="bg1">
                       <a:alpha val="40000"/>
                     </a:schemeClr>
                   </a:outerShdw>
@@ -13992,12 +13130,9 @@
             </a:r>
             <a:r>
               <a:rPr lang="pt-PT" sz="3200" dirty="0" err="1">
-                <a:solidFill>
-                  <a:schemeClr val="bg1"/>
-                </a:solidFill>
                 <a:effectLst>
                   <a:outerShdw dist="38100" dir="2700000" algn="tl" rotWithShape="0">
-                    <a:schemeClr val="tx1">
+                    <a:schemeClr val="bg1">
                       <a:alpha val="40000"/>
                     </a:schemeClr>
                   </a:outerShdw>
@@ -14007,12 +13142,9 @@
             </a:r>
             <a:r>
               <a:rPr lang="pt-PT" sz="3200" dirty="0">
-                <a:solidFill>
-                  <a:schemeClr val="bg1"/>
-                </a:solidFill>
                 <a:effectLst>
                   <a:outerShdw dist="38100" dir="2700000" algn="tl" rotWithShape="0">
-                    <a:schemeClr val="tx1">
+                    <a:schemeClr val="bg1">
                       <a:alpha val="40000"/>
                     </a:schemeClr>
                   </a:outerShdw>
@@ -14047,14 +13179,14 @@
             <a:fld id="{2183B7EE-0FBE-B749-875F-ED24F5ECD71F}" type="slidenum">
               <a:rPr lang="en-US" smtClean="0">
                 <a:solidFill>
-                  <a:schemeClr val="bg1"/>
+                  <a:schemeClr val="tx1"/>
                 </a:solidFill>
               </a:rPr>
               <a:t>21</a:t>
             </a:fld>
             <a:endParaRPr lang="en-US">
               <a:solidFill>
-                <a:schemeClr val="bg1"/>
+                <a:schemeClr val="tx1"/>
               </a:solidFill>
             </a:endParaRPr>
           </a:p>
@@ -14089,43 +13221,23 @@
           <a:lstStyle/>
           <a:p>
             <a:r>
-              <a:rPr lang="pt-BR" sz="1000">
-                <a:solidFill>
-                  <a:schemeClr val="bg1"/>
-                </a:solidFill>
-              </a:rPr>
+              <a:rPr lang="pt-BR" sz="1000"/>
               <a:t>Imagem: </a:t>
             </a:r>
             <a:r>
-              <a:rPr lang="pt-BR" sz="1000" err="1">
-                <a:solidFill>
-                  <a:schemeClr val="bg1"/>
-                </a:solidFill>
-              </a:rPr>
+              <a:rPr lang="pt-BR" sz="1000" err="1"/>
               <a:t>https</a:t>
             </a:r>
             <a:r>
-              <a:rPr lang="pt-BR" sz="1000">
-                <a:solidFill>
-                  <a:schemeClr val="bg1"/>
-                </a:solidFill>
-              </a:rPr>
+              <a:rPr lang="pt-BR" sz="1000"/>
               <a:t>://</a:t>
             </a:r>
             <a:r>
-              <a:rPr lang="pt-BR" sz="1000" err="1">
-                <a:solidFill>
-                  <a:schemeClr val="bg1"/>
-                </a:solidFill>
-              </a:rPr>
+              <a:rPr lang="pt-BR" sz="1000" err="1"/>
               <a:t>theascent.pub</a:t>
             </a:r>
             <a:r>
-              <a:rPr lang="pt-BR" sz="1000">
-                <a:solidFill>
-                  <a:schemeClr val="bg1"/>
-                </a:solidFill>
-              </a:rPr>
+              <a:rPr lang="pt-BR" sz="1000"/>
               <a:t>/how-i-started-using-baby-steps-to-bring-about-positive-change-in-my-life-1759b530d6a4</a:t>
             </a:r>
           </a:p>
@@ -14453,16 +13565,6 @@
 <file path=ppt/slides/slide22.xml><?xml version="1.0" encoding="utf-8"?>
 <p:sld xmlns:a="http://schemas.openxmlformats.org/drawingml/2006/main" xmlns:r="http://schemas.openxmlformats.org/officeDocument/2006/relationships" xmlns:p="http://schemas.openxmlformats.org/presentationml/2006/main">
   <p:cSld>
-    <p:bg>
-      <p:bgPr>
-        <a:solidFill>
-          <a:schemeClr val="tx1">
-            <a:lumMod val="95000"/>
-          </a:schemeClr>
-        </a:solidFill>
-        <a:effectLst/>
-      </p:bgPr>
-    </p:bg>
     <p:spTree>
       <p:nvGrpSpPr>
         <p:cNvPr id="1" name=""/>
@@ -14508,9 +13610,6 @@
             <a:pPr algn="ctr"/>
             <a:r>
               <a:rPr lang="pt-BR" b="1" dirty="0">
-                <a:solidFill>
-                  <a:schemeClr val="bg1"/>
-                </a:solidFill>
                 <a:effectLst>
                   <a:outerShdw blurRad="50800" dist="50800" dir="5400000" algn="ctr" rotWithShape="0">
                     <a:schemeClr val="tx1"/>
@@ -14521,9 +13620,6 @@
             </a:r>
             <a:r>
               <a:rPr lang="pt-BR" b="1" dirty="0" err="1">
-                <a:solidFill>
-                  <a:schemeClr val="bg1"/>
-                </a:solidFill>
                 <a:effectLst>
                   <a:outerShdw blurRad="50800" dist="50800" dir="5400000" algn="ctr" rotWithShape="0">
                     <a:schemeClr val="tx1"/>
@@ -14534,9 +13630,6 @@
             </a:r>
             <a:r>
               <a:rPr lang="pt-BR" b="1" dirty="0">
-                <a:solidFill>
-                  <a:schemeClr val="bg1"/>
-                </a:solidFill>
                 <a:effectLst>
                   <a:outerShdw blurRad="50800" dist="50800" dir="5400000" algn="ctr" rotWithShape="0">
                     <a:schemeClr val="tx1"/>
@@ -14546,9 +13639,6 @@
               <a:t>?</a:t>
             </a:r>
             <a:endParaRPr lang="pt-BR" dirty="0">
-              <a:solidFill>
-                <a:schemeClr val="bg1"/>
-              </a:solidFill>
               <a:effectLst>
                 <a:outerShdw blurRad="50800" dist="50800" dir="5400000" algn="ctr" rotWithShape="0">
                   <a:schemeClr val="tx1"/>
@@ -14588,9 +13678,6 @@
           <a:p>
             <a:r>
               <a:rPr lang="pt-PT" sz="3200" dirty="0">
-                <a:solidFill>
-                  <a:schemeClr val="bg1"/>
-                </a:solidFill>
                 <a:effectLst>
                   <a:outerShdw blurRad="50800" dist="38100" algn="l" rotWithShape="0">
                     <a:schemeClr val="bg1">
@@ -14603,9 +13690,6 @@
             </a:r>
             <a:r>
               <a:rPr lang="pt-PT" sz="3200" i="1" dirty="0" err="1">
-                <a:solidFill>
-                  <a:schemeClr val="bg1"/>
-                </a:solidFill>
                 <a:effectLst>
                   <a:outerShdw blurRad="50800" dist="38100" algn="l" rotWithShape="0">
                     <a:schemeClr val="bg1">
@@ -14618,9 +13702,6 @@
             </a:r>
             <a:r>
               <a:rPr lang="pt-PT" sz="3200" i="1" dirty="0">
-                <a:solidFill>
-                  <a:schemeClr val="bg1"/>
-                </a:solidFill>
                 <a:effectLst>
                   <a:outerShdw blurRad="50800" dist="38100" algn="l" rotWithShape="0">
                     <a:schemeClr val="bg1">
@@ -14633,9 +13714,6 @@
             </a:r>
             <a:r>
               <a:rPr lang="pt-PT" sz="3200" i="1" dirty="0" err="1">
-                <a:solidFill>
-                  <a:schemeClr val="bg1"/>
-                </a:solidFill>
                 <a:effectLst>
                   <a:outerShdw blurRad="50800" dist="38100" algn="l" rotWithShape="0">
                     <a:schemeClr val="bg1">
@@ -14648,9 +13726,6 @@
             </a:r>
             <a:r>
               <a:rPr lang="pt-PT" sz="3200" i="1" dirty="0">
-                <a:solidFill>
-                  <a:schemeClr val="bg1"/>
-                </a:solidFill>
                 <a:effectLst>
                   <a:outerShdw blurRad="50800" dist="38100" algn="l" rotWithShape="0">
                     <a:schemeClr val="bg1">
@@ -14663,9 +13738,6 @@
             </a:r>
             <a:r>
               <a:rPr lang="pt-PT" sz="3200" i="1" dirty="0" err="1">
-                <a:solidFill>
-                  <a:schemeClr val="bg1"/>
-                </a:solidFill>
                 <a:effectLst>
                   <a:outerShdw blurRad="50800" dist="38100" algn="l" rotWithShape="0">
                     <a:schemeClr val="bg1">
@@ -14678,9 +13750,6 @@
             </a:r>
             <a:r>
               <a:rPr lang="pt-PT" sz="3200" i="1" dirty="0">
-                <a:solidFill>
-                  <a:schemeClr val="bg1"/>
-                </a:solidFill>
                 <a:effectLst>
                   <a:outerShdw blurRad="50800" dist="38100" algn="l" rotWithShape="0">
                     <a:schemeClr val="bg1">
@@ -14693,9 +13762,6 @@
             </a:r>
             <a:r>
               <a:rPr lang="pt-PT" sz="3200" i="1" dirty="0" err="1">
-                <a:solidFill>
-                  <a:schemeClr val="bg1"/>
-                </a:solidFill>
                 <a:effectLst>
                   <a:outerShdw blurRad="50800" dist="38100" algn="l" rotWithShape="0">
                     <a:schemeClr val="bg1">
@@ -14708,9 +13774,6 @@
             </a:r>
             <a:r>
               <a:rPr lang="pt-PT" sz="3200" i="1" dirty="0">
-                <a:solidFill>
-                  <a:schemeClr val="bg1"/>
-                </a:solidFill>
                 <a:effectLst>
                   <a:outerShdw blurRad="50800" dist="38100" algn="l" rotWithShape="0">
                     <a:schemeClr val="bg1">
@@ -14723,9 +13786,6 @@
             </a:r>
             <a:r>
               <a:rPr lang="pt-PT" sz="3200" i="1" dirty="0" err="1">
-                <a:solidFill>
-                  <a:schemeClr val="bg1"/>
-                </a:solidFill>
                 <a:effectLst>
                   <a:outerShdw blurRad="50800" dist="38100" algn="l" rotWithShape="0">
                     <a:schemeClr val="bg1">
@@ -14738,9 +13798,6 @@
             </a:r>
             <a:r>
               <a:rPr lang="pt-PT" sz="3200" dirty="0">
-                <a:solidFill>
-                  <a:schemeClr val="bg1"/>
-                </a:solidFill>
                 <a:effectLst>
                   <a:outerShdw blurRad="50800" dist="38100" algn="l" rotWithShape="0">
                     <a:schemeClr val="bg1">
@@ -14753,9 +13810,6 @@
             </a:r>
             <a:r>
               <a:rPr lang="pt-PT" sz="3200" b="1" dirty="0">
-                <a:solidFill>
-                  <a:schemeClr val="bg1"/>
-                </a:solidFill>
                 <a:effectLst>
                   <a:outerShdw blurRad="50800" dist="38100" algn="l" rotWithShape="0">
                     <a:schemeClr val="bg1">
@@ -14768,9 +13822,6 @@
             </a:r>
             <a:r>
               <a:rPr lang="pt-PT" sz="3200" dirty="0">
-                <a:solidFill>
-                  <a:schemeClr val="bg1"/>
-                </a:solidFill>
                 <a:effectLst>
                   <a:outerShdw blurRad="50800" dist="38100" algn="l" rotWithShape="0">
                     <a:schemeClr val="bg1">
@@ -14808,14 +13859,14 @@
             <a:fld id="{2183B7EE-0FBE-B749-875F-ED24F5ECD71F}" type="slidenum">
               <a:rPr lang="en-US" smtClean="0">
                 <a:solidFill>
-                  <a:schemeClr val="bg1"/>
+                  <a:schemeClr val="tx1"/>
                 </a:solidFill>
               </a:rPr>
               <a:t>22</a:t>
             </a:fld>
             <a:endParaRPr lang="en-US">
               <a:solidFill>
-                <a:schemeClr val="bg1"/>
+                <a:schemeClr val="tx1"/>
               </a:solidFill>
             </a:endParaRPr>
           </a:p>
@@ -14851,145 +13902,73 @@
           <a:p>
             <a:pPr algn="ctr"/>
             <a:r>
-              <a:rPr lang="pt-BR" sz="1000" dirty="0">
-                <a:solidFill>
-                  <a:schemeClr val="bg1"/>
-                </a:solidFill>
-              </a:rPr>
+              <a:rPr lang="pt-BR" sz="1000" dirty="0"/>
               <a:t>Imagens: </a:t>
             </a:r>
             <a:br>
-              <a:rPr lang="pt-BR" sz="1000" dirty="0">
-                <a:solidFill>
-                  <a:schemeClr val="bg1"/>
-                </a:solidFill>
-              </a:rPr>
+              <a:rPr lang="pt-BR" sz="1000" dirty="0"/>
             </a:br>
             <a:r>
-              <a:rPr lang="pt-BR" sz="1000" dirty="0" err="1">
-                <a:solidFill>
-                  <a:schemeClr val="bg1"/>
-                </a:solidFill>
-              </a:rPr>
+              <a:rPr lang="pt-BR" sz="1000" dirty="0" err="1"/>
               <a:t>http</a:t>
             </a:r>
             <a:r>
-              <a:rPr lang="pt-BR" sz="1000" dirty="0">
-                <a:solidFill>
-                  <a:schemeClr val="bg1"/>
-                </a:solidFill>
-              </a:rPr>
+              <a:rPr lang="pt-BR" sz="1000" dirty="0"/>
               <a:t>://</a:t>
             </a:r>
             <a:r>
-              <a:rPr lang="pt-BR" sz="1000" dirty="0" err="1">
-                <a:solidFill>
-                  <a:schemeClr val="bg1"/>
-                </a:solidFill>
-              </a:rPr>
+              <a:rPr lang="pt-BR" sz="1000" dirty="0" err="1"/>
               <a:t>theartofopinion.blogspot.com</a:t>
             </a:r>
             <a:r>
-              <a:rPr lang="pt-BR" sz="1000" dirty="0">
-                <a:solidFill>
-                  <a:schemeClr val="bg1"/>
-                </a:solidFill>
-              </a:rPr>
+              <a:rPr lang="pt-BR" sz="1000" dirty="0"/>
               <a:t>/2006/11/</a:t>
             </a:r>
             <a:r>
-              <a:rPr lang="pt-BR" sz="1000" dirty="0" err="1">
-                <a:solidFill>
-                  <a:schemeClr val="bg1"/>
-                </a:solidFill>
-              </a:rPr>
+              <a:rPr lang="pt-BR" sz="1000" dirty="0" err="1"/>
               <a:t>iraq</a:t>
             </a:r>
             <a:r>
-              <a:rPr lang="pt-BR" sz="1000" dirty="0">
-                <a:solidFill>
-                  <a:schemeClr val="bg1"/>
-                </a:solidFill>
-              </a:rPr>
+              <a:rPr lang="pt-BR" sz="1000" dirty="0"/>
               <a:t>-usa-</a:t>
             </a:r>
             <a:r>
-              <a:rPr lang="pt-BR" sz="1000" dirty="0" err="1">
-                <a:solidFill>
-                  <a:schemeClr val="bg1"/>
-                </a:solidFill>
-              </a:rPr>
+              <a:rPr lang="pt-BR" sz="1000" dirty="0" err="1"/>
               <a:t>you</a:t>
             </a:r>
             <a:r>
-              <a:rPr lang="pt-BR" sz="1000" dirty="0">
-                <a:solidFill>
-                  <a:schemeClr val="bg1"/>
-                </a:solidFill>
-              </a:rPr>
+              <a:rPr lang="pt-BR" sz="1000" dirty="0"/>
               <a:t>-break-it-</a:t>
             </a:r>
             <a:r>
-              <a:rPr lang="pt-BR" sz="1000" dirty="0" err="1">
-                <a:solidFill>
-                  <a:schemeClr val="bg1"/>
-                </a:solidFill>
-              </a:rPr>
+              <a:rPr lang="pt-BR" sz="1000" dirty="0" err="1"/>
               <a:t>you</a:t>
             </a:r>
             <a:r>
-              <a:rPr lang="pt-BR" sz="1000" dirty="0">
-                <a:solidFill>
-                  <a:schemeClr val="bg1"/>
-                </a:solidFill>
-              </a:rPr>
+              <a:rPr lang="pt-BR" sz="1000" dirty="0"/>
               <a:t>-</a:t>
             </a:r>
             <a:r>
-              <a:rPr lang="pt-BR" sz="1000" dirty="0" err="1">
-                <a:solidFill>
-                  <a:schemeClr val="bg1"/>
-                </a:solidFill>
-              </a:rPr>
+              <a:rPr lang="pt-BR" sz="1000" dirty="0" err="1"/>
               <a:t>own-it.html</a:t>
             </a:r>
             <a:br>
-              <a:rPr lang="pt-BR" sz="1000" dirty="0">
-                <a:solidFill>
-                  <a:schemeClr val="bg1"/>
-                </a:solidFill>
-              </a:rPr>
+              <a:rPr lang="pt-BR" sz="1000" dirty="0"/>
             </a:br>
             <a:r>
-              <a:rPr lang="pt-BR" sz="1000" dirty="0" err="1">
-                <a:solidFill>
-                  <a:schemeClr val="bg1"/>
-                </a:solidFill>
-              </a:rPr>
+              <a:rPr lang="pt-BR" sz="1000" dirty="0" err="1"/>
               <a:t>http</a:t>
             </a:r>
             <a:r>
-              <a:rPr lang="pt-BR" sz="1000" dirty="0">
-                <a:solidFill>
-                  <a:schemeClr val="bg1"/>
-                </a:solidFill>
-              </a:rPr>
+              <a:rPr lang="pt-BR" sz="1000" dirty="0"/>
               <a:t>://</a:t>
             </a:r>
             <a:r>
-              <a:rPr lang="pt-BR" sz="1000" dirty="0" err="1">
-                <a:solidFill>
-                  <a:schemeClr val="bg1"/>
-                </a:solidFill>
-              </a:rPr>
+              <a:rPr lang="pt-BR" sz="1000" dirty="0" err="1"/>
               <a:t>blogs.correiobraziliense.com.br</a:t>
             </a:r>
             <a:r>
-              <a:rPr lang="pt-BR" sz="1000" dirty="0">
-                <a:solidFill>
-                  <a:schemeClr val="bg1"/>
-                </a:solidFill>
-              </a:rPr>
+              <a:rPr lang="pt-BR" sz="1000" dirty="0"/>
               <a:t>/consumidor/quebrei-uma-mercadoria-em-uma-loja-preciso-pagar/</a:t>
             </a:r>
           </a:p>
@@ -15235,16 +14214,6 @@
 <file path=ppt/slides/slide23.xml><?xml version="1.0" encoding="utf-8"?>
 <p:sld xmlns:a="http://schemas.openxmlformats.org/drawingml/2006/main" xmlns:r="http://schemas.openxmlformats.org/officeDocument/2006/relationships" xmlns:p="http://schemas.openxmlformats.org/presentationml/2006/main">
   <p:cSld>
-    <p:bg>
-      <p:bgPr>
-        <a:solidFill>
-          <a:schemeClr val="tx1">
-            <a:lumMod val="95000"/>
-          </a:schemeClr>
-        </a:solidFill>
-        <a:effectLst/>
-      </p:bgPr>
-    </p:bg>
     <p:spTree>
       <p:nvGrpSpPr>
         <p:cNvPr id="1" name=""/>
@@ -15289,34 +14258,18 @@
           <a:p>
             <a:pPr algn="ctr"/>
             <a:r>
-              <a:rPr lang="pt-BR" b="1">
-                <a:solidFill>
-                  <a:schemeClr val="bg1"/>
-                </a:solidFill>
-              </a:rPr>
+              <a:rPr lang="pt-BR" b="1" dirty="0"/>
               <a:t>como Aplicar </a:t>
             </a:r>
             <a:r>
-              <a:rPr lang="pt-BR" b="1" err="1">
-                <a:solidFill>
-                  <a:schemeClr val="bg1"/>
-                </a:solidFill>
-              </a:rPr>
+              <a:rPr lang="pt-BR" b="1" dirty="0" err="1"/>
               <a:t>tdd</a:t>
             </a:r>
             <a:r>
-              <a:rPr lang="pt-BR" b="1">
-                <a:solidFill>
-                  <a:schemeClr val="bg1"/>
-                </a:solidFill>
-              </a:rPr>
+              <a:rPr lang="pt-BR" b="1" dirty="0"/>
               <a:t>?</a:t>
             </a:r>
-            <a:endParaRPr lang="pt-BR" cap="none">
-              <a:solidFill>
-                <a:schemeClr val="bg1"/>
-              </a:solidFill>
-            </a:endParaRPr>
+            <a:endParaRPr lang="pt-BR" cap="none" dirty="0"/>
           </a:p>
         </p:txBody>
       </p:sp>
@@ -15349,187 +14302,47 @@
           <a:lstStyle/>
           <a:p>
             <a:r>
-              <a:rPr lang="pt-PT" sz="3200" dirty="0">
-                <a:solidFill>
-                  <a:schemeClr val="bg1"/>
-                </a:solidFill>
-                <a:effectLst>
-                  <a:outerShdw blurRad="63500" dist="63500" dir="2700000" algn="tl" rotWithShape="0">
-                    <a:schemeClr val="tx1">
-                      <a:lumMod val="50000"/>
-                      <a:alpha val="98000"/>
-                    </a:schemeClr>
-                  </a:outerShdw>
-                </a:effectLst>
-              </a:rPr>
+              <a:rPr lang="pt-PT" sz="3200" dirty="0"/>
               <a:t>Escrevemos o teste antes de qualquer código!</a:t>
             </a:r>
           </a:p>
           <a:p>
             <a:r>
-              <a:rPr lang="pt-PT" sz="3200" dirty="0">
-                <a:solidFill>
-                  <a:schemeClr val="bg1"/>
-                </a:solidFill>
-                <a:effectLst>
-                  <a:outerShdw blurRad="63500" dist="63500" dir="2700000" algn="tl" rotWithShape="0">
-                    <a:schemeClr val="tx1">
-                      <a:lumMod val="50000"/>
-                      <a:alpha val="98000"/>
-                    </a:schemeClr>
-                  </a:outerShdw>
-                </a:effectLst>
-              </a:rPr>
+              <a:rPr lang="pt-PT" sz="3200" dirty="0"/>
               <a:t>Como assim???? 🤔</a:t>
             </a:r>
           </a:p>
           <a:p>
             <a:r>
-              <a:rPr lang="pt-PT" sz="3200" dirty="0">
-                <a:solidFill>
-                  <a:schemeClr val="bg1"/>
-                </a:solidFill>
-                <a:effectLst>
-                  <a:outerShdw blurRad="63500" dist="63500" dir="2700000" algn="tl" rotWithShape="0">
-                    <a:schemeClr val="tx1">
-                      <a:lumMod val="50000"/>
-                      <a:alpha val="98000"/>
-                    </a:schemeClr>
-                  </a:outerShdw>
-                </a:effectLst>
-              </a:rPr>
+              <a:rPr lang="pt-PT" sz="3200" dirty="0"/>
               <a:t>É isso mesmo que disse!</a:t>
             </a:r>
           </a:p>
           <a:p>
             <a:r>
-              <a:rPr lang="pt-PT" sz="3200" dirty="0">
-                <a:solidFill>
-                  <a:schemeClr val="bg1"/>
-                </a:solidFill>
-                <a:effectLst>
-                  <a:outerShdw blurRad="63500" dist="63500" dir="2700000" algn="tl" rotWithShape="0">
-                    <a:schemeClr val="tx1">
-                      <a:lumMod val="50000"/>
-                      <a:alpha val="98000"/>
-                    </a:schemeClr>
-                  </a:outerShdw>
-                </a:effectLst>
-              </a:rPr>
+              <a:rPr lang="pt-PT" sz="3200" dirty="0"/>
               <a:t>Escrevendo o teste antes do código, temos que pensar em quais são os valores de entrada e qual o resultado esperado</a:t>
             </a:r>
           </a:p>
           <a:p>
             <a:r>
-              <a:rPr lang="pt-PT" sz="3200" dirty="0">
-                <a:solidFill>
-                  <a:schemeClr val="bg1"/>
-                </a:solidFill>
-                <a:effectLst>
-                  <a:outerShdw blurRad="63500" dist="63500" dir="2700000" algn="tl" rotWithShape="0">
-                    <a:schemeClr val="tx1">
-                      <a:lumMod val="50000"/>
-                      <a:alpha val="98000"/>
-                    </a:schemeClr>
-                  </a:outerShdw>
-                </a:effectLst>
-              </a:rPr>
+              <a:rPr lang="pt-PT" sz="3200" dirty="0"/>
               <a:t>TDD é aplicado em um ciclo denominado </a:t>
             </a:r>
             <a:r>
-              <a:rPr lang="pt-PT" sz="3200" i="1" dirty="0" err="1">
-                <a:solidFill>
-                  <a:srgbClr val="FF0000"/>
-                </a:solidFill>
-                <a:effectLst>
-                  <a:outerShdw blurRad="63500" dist="63500" dir="2700000" algn="tl" rotWithShape="0">
-                    <a:schemeClr val="tx1">
-                      <a:lumMod val="50000"/>
-                      <a:alpha val="98000"/>
-                    </a:schemeClr>
-                  </a:outerShdw>
-                </a:effectLst>
-              </a:rPr>
+              <a:rPr lang="pt-PT" sz="3200" i="1" dirty="0" err="1"/>
               <a:t>Red</a:t>
             </a:r>
             <a:r>
-              <a:rPr lang="pt-PT" sz="3200" i="1" dirty="0">
-                <a:solidFill>
-                  <a:schemeClr val="bg1"/>
-                </a:solidFill>
-                <a:effectLst>
-                  <a:outerShdw blurRad="63500" dist="63500" dir="2700000" algn="tl" rotWithShape="0">
-                    <a:schemeClr val="tx1">
-                      <a:lumMod val="50000"/>
-                      <a:alpha val="98000"/>
-                    </a:schemeClr>
-                  </a:outerShdw>
-                </a:effectLst>
-              </a:rPr>
-              <a:t>-</a:t>
-            </a:r>
-            <a:r>
-              <a:rPr lang="pt-PT" sz="3200" i="1" dirty="0">
-                <a:solidFill>
-                  <a:srgbClr val="00B050"/>
-                </a:solidFill>
-                <a:effectLst>
-                  <a:outerShdw blurRad="63500" dist="63500" dir="2700000" algn="tl" rotWithShape="0">
-                    <a:schemeClr val="tx1">
-                      <a:lumMod val="50000"/>
-                      <a:alpha val="98000"/>
-                    </a:schemeClr>
-                  </a:outerShdw>
-                </a:effectLst>
-              </a:rPr>
-              <a:t>Green</a:t>
-            </a:r>
-            <a:r>
-              <a:rPr lang="pt-PT" sz="3200" i="1" dirty="0">
-                <a:solidFill>
-                  <a:schemeClr val="bg1"/>
-                </a:solidFill>
-                <a:effectLst>
-                  <a:outerShdw blurRad="63500" dist="63500" dir="2700000" algn="tl" rotWithShape="0">
-                    <a:schemeClr val="tx1">
-                      <a:lumMod val="50000"/>
-                      <a:alpha val="98000"/>
-                    </a:schemeClr>
-                  </a:outerShdw>
-                </a:effectLst>
-              </a:rPr>
-              <a:t>-</a:t>
-            </a:r>
-            <a:r>
-              <a:rPr lang="pt-PT" sz="3200" i="1" dirty="0" err="1">
-                <a:solidFill>
-                  <a:srgbClr val="FFFF00"/>
-                </a:solidFill>
-                <a:effectLst>
-                  <a:outerShdw blurRad="63500" dist="63500" dir="2700000" algn="tl" rotWithShape="0">
-                    <a:schemeClr val="tx1">
-                      <a:lumMod val="50000"/>
-                      <a:alpha val="98000"/>
-                    </a:schemeClr>
-                  </a:outerShdw>
-                </a:effectLst>
-              </a:rPr>
+              <a:rPr lang="pt-PT" sz="3200" i="1" dirty="0"/>
+              <a:t>-Green-</a:t>
+            </a:r>
+            <a:r>
+              <a:rPr lang="pt-PT" sz="3200" i="1" dirty="0" err="1"/>
               <a:t>Refactor</a:t>
             </a:r>
             <a:r>
-              <a:rPr lang="pt-PT" sz="3200" dirty="0">
-                <a:solidFill>
-                  <a:schemeClr val="bg1"/>
-                </a:solidFill>
-                <a:effectLst>
-                  <a:outerShdw blurRad="63500" dist="63500" dir="2700000" algn="tl" rotWithShape="0">
-                    <a:schemeClr val="tx1">
-                      <a:lumMod val="50000"/>
-                      <a:alpha val="98000"/>
-                    </a:schemeClr>
-                  </a:outerShdw>
-                </a:effectLst>
-              </a:rPr>
+              <a:rPr lang="pt-PT" sz="3200" dirty="0"/>
               <a:t>, que define 3 etapas no processo de desenvolvimento</a:t>
             </a:r>
           </a:p>
@@ -15559,14 +14372,14 @@
             <a:fld id="{2183B7EE-0FBE-B749-875F-ED24F5ECD71F}" type="slidenum">
               <a:rPr lang="en-US" smtClean="0">
                 <a:solidFill>
-                  <a:schemeClr val="bg1"/>
+                  <a:schemeClr val="tx1"/>
                 </a:solidFill>
               </a:rPr>
               <a:t>23</a:t>
             </a:fld>
             <a:endParaRPr lang="en-US">
               <a:solidFill>
-                <a:schemeClr val="bg1"/>
+                <a:schemeClr val="tx1"/>
               </a:solidFill>
             </a:endParaRPr>
           </a:p>
@@ -16099,16 +14912,6 @@
 <file path=ppt/slides/slide24.xml><?xml version="1.0" encoding="utf-8"?>
 <p:sld xmlns:a="http://schemas.openxmlformats.org/drawingml/2006/main" xmlns:r="http://schemas.openxmlformats.org/officeDocument/2006/relationships" xmlns:p="http://schemas.openxmlformats.org/presentationml/2006/main">
   <p:cSld>
-    <p:bg>
-      <p:bgPr>
-        <a:solidFill>
-          <a:schemeClr val="tx1">
-            <a:lumMod val="95000"/>
-          </a:schemeClr>
-        </a:solidFill>
-        <a:effectLst/>
-      </p:bgPr>
-    </p:bg>
     <p:spTree>
       <p:nvGrpSpPr>
         <p:cNvPr id="1" name=""/>
@@ -16153,38 +14956,22 @@
           <a:p>
             <a:pPr algn="ctr"/>
             <a:r>
-              <a:rPr lang="pt-BR" b="1">
-                <a:solidFill>
-                  <a:schemeClr val="bg1"/>
-                </a:solidFill>
-              </a:rPr>
+              <a:rPr lang="pt-BR" b="1" dirty="0"/>
               <a:t>como Aplicar </a:t>
             </a:r>
             <a:r>
-              <a:rPr lang="pt-BR" b="1" err="1">
-                <a:solidFill>
-                  <a:schemeClr val="bg1"/>
-                </a:solidFill>
-              </a:rPr>
+              <a:rPr lang="pt-BR" b="1" dirty="0" err="1"/>
               <a:t>tdd</a:t>
             </a:r>
             <a:r>
-              <a:rPr lang="pt-BR" b="1">
-                <a:solidFill>
-                  <a:schemeClr val="bg1"/>
-                </a:solidFill>
-              </a:rPr>
+              <a:rPr lang="pt-BR" b="1" dirty="0"/>
               <a:t>?</a:t>
             </a:r>
             <a:br>
-              <a:rPr lang="pt-BR" b="1">
-                <a:solidFill>
-                  <a:schemeClr val="bg1"/>
-                </a:solidFill>
-              </a:rPr>
+              <a:rPr lang="pt-BR" b="1" dirty="0"/>
             </a:br>
             <a:r>
-              <a:rPr lang="pt-PT" cap="none">
+              <a:rPr lang="pt-PT" cap="none" dirty="0">
                 <a:solidFill>
                   <a:srgbClr val="FF0000"/>
                 </a:solidFill>
@@ -16192,14 +14979,14 @@
               <a:t>Etapa 1: </a:t>
             </a:r>
             <a:r>
-              <a:rPr lang="pt-PT" cap="none" err="1">
+              <a:rPr lang="pt-PT" cap="none" dirty="0" err="1">
                 <a:solidFill>
                   <a:srgbClr val="FF0000"/>
                 </a:solidFill>
               </a:rPr>
               <a:t>Red</a:t>
             </a:r>
-            <a:endParaRPr lang="pt-BR" cap="none">
+            <a:endParaRPr lang="pt-BR" cap="none" dirty="0">
               <a:solidFill>
                 <a:srgbClr val="FF0000"/>
               </a:solidFill>
@@ -16236,57 +15023,33 @@
           <a:lstStyle/>
           <a:p>
             <a:r>
-              <a:rPr lang="pt-PT" sz="3200" dirty="0">
-                <a:solidFill>
-                  <a:schemeClr val="bg1"/>
-                </a:solidFill>
-              </a:rPr>
+              <a:rPr lang="pt-PT" sz="3200" dirty="0"/>
               <a:t>Escrevemos o teste antes de qualquer código!</a:t>
             </a:r>
           </a:p>
           <a:p>
             <a:r>
-              <a:rPr lang="pt-PT" sz="3200" dirty="0">
-                <a:solidFill>
-                  <a:schemeClr val="bg1"/>
-                </a:solidFill>
-              </a:rPr>
+              <a:rPr lang="pt-PT" sz="3200" dirty="0"/>
               <a:t>Mas porque???? 🤔</a:t>
             </a:r>
           </a:p>
           <a:p>
             <a:r>
-              <a:rPr lang="pt-PT" sz="3200" dirty="0">
-                <a:solidFill>
-                  <a:schemeClr val="bg1"/>
-                </a:solidFill>
-              </a:rPr>
+              <a:rPr lang="pt-PT" sz="3200" dirty="0"/>
               <a:t>Escrevendo o teste antes do código, temos que pensar em quais são os valores de entrada e qual o resultado esperado</a:t>
             </a:r>
           </a:p>
           <a:p>
             <a:r>
-              <a:rPr lang="pt-PT" sz="3200" dirty="0">
-                <a:solidFill>
-                  <a:schemeClr val="bg1"/>
-                </a:solidFill>
-              </a:rPr>
+              <a:rPr lang="pt-PT" sz="3200" dirty="0"/>
               <a:t>Assim, primeiro escrevemos o teste e fazemos ele falhar (</a:t>
             </a:r>
             <a:r>
-              <a:rPr lang="pt-PT" sz="3200" i="1" dirty="0" err="1">
-                <a:solidFill>
-                  <a:srgbClr val="FF0000"/>
-                </a:solidFill>
-              </a:rPr>
+              <a:rPr lang="pt-PT" sz="3200" i="1" dirty="0" err="1"/>
               <a:t>Red</a:t>
             </a:r>
             <a:r>
-              <a:rPr lang="pt-PT" sz="3200" dirty="0">
-                <a:solidFill>
-                  <a:schemeClr val="bg1"/>
-                </a:solidFill>
-              </a:rPr>
+              <a:rPr lang="pt-PT" sz="3200" dirty="0"/>
               <a:t>)</a:t>
             </a:r>
           </a:p>
@@ -16316,14 +15079,14 @@
             <a:fld id="{2183B7EE-0FBE-B749-875F-ED24F5ECD71F}" type="slidenum">
               <a:rPr lang="en-US" smtClean="0">
                 <a:solidFill>
-                  <a:schemeClr val="bg1"/>
+                  <a:schemeClr val="tx1"/>
                 </a:solidFill>
               </a:rPr>
               <a:t>24</a:t>
             </a:fld>
             <a:endParaRPr lang="en-US">
               <a:solidFill>
-                <a:schemeClr val="bg1"/>
+                <a:schemeClr val="tx1"/>
               </a:solidFill>
             </a:endParaRPr>
           </a:p>
@@ -16413,7 +15176,11 @@
           <a:lstStyle/>
           <a:p>
             <a:pPr algn="ctr"/>
-            <a:endParaRPr lang="pt-BR"/>
+            <a:endParaRPr lang="pt-BR">
+              <a:solidFill>
+                <a:schemeClr val="tx1"/>
+              </a:solidFill>
+            </a:endParaRPr>
           </a:p>
         </p:txBody>
       </p:sp>
@@ -16471,7 +15238,11 @@
           <a:lstStyle/>
           <a:p>
             <a:pPr algn="ctr"/>
-            <a:endParaRPr lang="pt-BR"/>
+            <a:endParaRPr lang="pt-BR">
+              <a:solidFill>
+                <a:schemeClr val="tx1"/>
+              </a:solidFill>
+            </a:endParaRPr>
           </a:p>
         </p:txBody>
       </p:sp>
@@ -16529,7 +15300,11 @@
           <a:lstStyle/>
           <a:p>
             <a:pPr algn="ctr"/>
-            <a:endParaRPr lang="pt-BR"/>
+            <a:endParaRPr lang="pt-BR">
+              <a:solidFill>
+                <a:schemeClr val="tx1"/>
+              </a:solidFill>
+            </a:endParaRPr>
           </a:p>
         </p:txBody>
       </p:sp>
@@ -17445,16 +16220,6 @@
 <file path=ppt/slides/slide25.xml><?xml version="1.0" encoding="utf-8"?>
 <p:sld xmlns:a="http://schemas.openxmlformats.org/drawingml/2006/main" xmlns:r="http://schemas.openxmlformats.org/officeDocument/2006/relationships" xmlns:p="http://schemas.openxmlformats.org/presentationml/2006/main">
   <p:cSld>
-    <p:bg>
-      <p:bgPr>
-        <a:solidFill>
-          <a:schemeClr val="tx1">
-            <a:lumMod val="95000"/>
-          </a:schemeClr>
-        </a:solidFill>
-        <a:effectLst/>
-      </p:bgPr>
-    </p:bg>
     <p:spTree>
       <p:nvGrpSpPr>
         <p:cNvPr id="1" name=""/>
@@ -17469,6 +16234,66 @@
           <a:chExt cx="0" cy="0"/>
         </a:xfrm>
       </p:grpSpPr>
+      <p:sp>
+        <p:nvSpPr>
+          <p:cNvPr id="12" name="Title 1">
+            <a:extLst>
+              <a:ext uri="{FF2B5EF4-FFF2-40B4-BE49-F238E27FC236}">
+                <a16:creationId xmlns:a16="http://schemas.microsoft.com/office/drawing/2014/main" id="{A9B593D1-1F70-2347-80A6-520C61091435}"/>
+              </a:ext>
+            </a:extLst>
+          </p:cNvPr>
+          <p:cNvSpPr>
+            <a:spLocks noGrp="1"/>
+          </p:cNvSpPr>
+          <p:nvPr>
+            <p:ph type="title"/>
+          </p:nvPr>
+        </p:nvSpPr>
+        <p:spPr>
+          <a:xfrm>
+            <a:off x="1761681" y="441386"/>
+            <a:ext cx="10290410" cy="1509490"/>
+          </a:xfrm>
+        </p:spPr>
+        <p:txBody>
+          <a:bodyPr>
+            <a:normAutofit/>
+          </a:bodyPr>
+          <a:lstStyle/>
+          <a:p>
+            <a:pPr algn="ctr"/>
+            <a:r>
+              <a:rPr lang="pt-BR" b="1" dirty="0"/>
+              <a:t>como Aplicar </a:t>
+            </a:r>
+            <a:r>
+              <a:rPr lang="pt-BR" b="1" dirty="0" err="1"/>
+              <a:t>tdd</a:t>
+            </a:r>
+            <a:r>
+              <a:rPr lang="pt-BR" b="1" dirty="0"/>
+              <a:t>?</a:t>
+            </a:r>
+            <a:br>
+              <a:rPr lang="pt-BR" b="1" dirty="0"/>
+            </a:br>
+            <a:r>
+              <a:rPr lang="pt-PT" cap="none" dirty="0">
+                <a:solidFill>
+                  <a:srgbClr val="00B050"/>
+                </a:solidFill>
+              </a:rPr>
+              <a:t>Etapa 2: Green</a:t>
+            </a:r>
+            <a:endParaRPr lang="pt-BR" cap="none" dirty="0">
+              <a:solidFill>
+                <a:srgbClr val="00B050"/>
+              </a:solidFill>
+            </a:endParaRPr>
+          </a:p>
+        </p:txBody>
+      </p:sp>
       <p:sp>
         <p:nvSpPr>
           <p:cNvPr id="3" name="Content Placeholder 2">
@@ -17498,53 +16323,29 @@
           <a:lstStyle/>
           <a:p>
             <a:r>
-              <a:rPr lang="pt-PT" sz="3200" dirty="0">
-                <a:solidFill>
-                  <a:schemeClr val="bg1"/>
-                </a:solidFill>
-              </a:rPr>
+              <a:rPr lang="pt-PT" sz="3200" dirty="0"/>
               <a:t>Em seguida escrevemos o mínimo de código para resolver um </a:t>
             </a:r>
             <a:r>
-              <a:rPr lang="pt-PT" sz="3200" dirty="0" err="1">
-                <a:solidFill>
-                  <a:schemeClr val="bg1"/>
-                </a:solidFill>
-              </a:rPr>
+              <a:rPr lang="pt-PT" sz="3200" dirty="0" err="1"/>
               <a:t>sub-problema</a:t>
             </a:r>
             <a:r>
-              <a:rPr lang="pt-PT" sz="3200" dirty="0">
-                <a:solidFill>
-                  <a:schemeClr val="bg1"/>
-                </a:solidFill>
-              </a:rPr>
+              <a:rPr lang="pt-PT" sz="3200" dirty="0"/>
               <a:t>, uma parte da solução</a:t>
             </a:r>
           </a:p>
           <a:p>
             <a:r>
-              <a:rPr lang="pt-PT" sz="3200" dirty="0">
-                <a:solidFill>
-                  <a:schemeClr val="bg1"/>
-                </a:solidFill>
-              </a:rPr>
+              <a:rPr lang="pt-PT" sz="3200" dirty="0"/>
               <a:t>Tal código deve ser apenas o suficiente para o teste passar (</a:t>
             </a:r>
             <a:r>
-              <a:rPr lang="pt-PT" sz="3200" i="1" dirty="0">
-                <a:solidFill>
-                  <a:srgbClr val="00B050"/>
-                </a:solidFill>
-              </a:rPr>
+              <a:rPr lang="pt-PT" sz="3200" i="1" dirty="0"/>
               <a:t>Green</a:t>
             </a:r>
             <a:r>
-              <a:rPr lang="pt-PT" sz="3200" dirty="0">
-                <a:solidFill>
-                  <a:schemeClr val="bg1"/>
-                </a:solidFill>
-              </a:rPr>
+              <a:rPr lang="pt-PT" sz="3200" dirty="0"/>
               <a:t>)</a:t>
             </a:r>
           </a:p>
@@ -17574,14 +16375,14 @@
             <a:fld id="{2183B7EE-0FBE-B749-875F-ED24F5ECD71F}" type="slidenum">
               <a:rPr lang="en-US" smtClean="0">
                 <a:solidFill>
-                  <a:schemeClr val="bg1"/>
+                  <a:schemeClr val="tx1"/>
                 </a:solidFill>
               </a:rPr>
               <a:t>25</a:t>
             </a:fld>
             <a:endParaRPr lang="en-US">
               <a:solidFill>
-                <a:schemeClr val="bg1"/>
+                <a:schemeClr val="tx1"/>
               </a:solidFill>
             </a:endParaRPr>
           </a:p>
@@ -17671,7 +16472,11 @@
           <a:lstStyle/>
           <a:p>
             <a:pPr algn="ctr"/>
-            <a:endParaRPr lang="pt-BR"/>
+            <a:endParaRPr lang="pt-BR">
+              <a:solidFill>
+                <a:schemeClr val="tx1"/>
+              </a:solidFill>
+            </a:endParaRPr>
           </a:p>
         </p:txBody>
       </p:sp>
@@ -17729,7 +16534,11 @@
           <a:lstStyle/>
           <a:p>
             <a:pPr algn="ctr"/>
-            <a:endParaRPr lang="pt-BR"/>
+            <a:endParaRPr lang="pt-BR">
+              <a:solidFill>
+                <a:schemeClr val="tx1"/>
+              </a:solidFill>
+            </a:endParaRPr>
           </a:p>
         </p:txBody>
       </p:sp>
@@ -17787,81 +16596,9 @@
           <a:lstStyle/>
           <a:p>
             <a:pPr algn="ctr"/>
-            <a:endParaRPr lang="pt-BR"/>
-          </a:p>
-        </p:txBody>
-      </p:sp>
-      <p:sp>
-        <p:nvSpPr>
-          <p:cNvPr id="12" name="Title 1">
-            <a:extLst>
-              <a:ext uri="{FF2B5EF4-FFF2-40B4-BE49-F238E27FC236}">
-                <a16:creationId xmlns:a16="http://schemas.microsoft.com/office/drawing/2014/main" id="{A9B593D1-1F70-2347-80A6-520C61091435}"/>
-              </a:ext>
-            </a:extLst>
-          </p:cNvPr>
-          <p:cNvSpPr>
-            <a:spLocks noGrp="1"/>
-          </p:cNvSpPr>
-          <p:nvPr>
-            <p:ph type="title"/>
-          </p:nvPr>
-        </p:nvSpPr>
-        <p:spPr>
-          <a:xfrm>
-            <a:off x="1761681" y="441386"/>
-            <a:ext cx="10290410" cy="1509490"/>
-          </a:xfrm>
-        </p:spPr>
-        <p:txBody>
-          <a:bodyPr>
-            <a:normAutofit/>
-          </a:bodyPr>
-          <a:lstStyle/>
-          <a:p>
-            <a:pPr algn="ctr"/>
-            <a:r>
-              <a:rPr lang="pt-BR" b="1">
-                <a:solidFill>
-                  <a:schemeClr val="bg1"/>
-                </a:solidFill>
-              </a:rPr>
-              <a:t>como Aplicar </a:t>
-            </a:r>
-            <a:r>
-              <a:rPr lang="pt-BR" b="1" err="1">
-                <a:solidFill>
-                  <a:schemeClr val="bg1"/>
-                </a:solidFill>
-              </a:rPr>
-              <a:t>tdd</a:t>
-            </a:r>
-            <a:r>
-              <a:rPr lang="pt-BR" b="1">
-                <a:solidFill>
-                  <a:schemeClr val="bg1"/>
-                </a:solidFill>
-              </a:rPr>
-              <a:t>?</a:t>
-            </a:r>
-            <a:br>
-              <a:rPr lang="pt-BR" b="1">
-                <a:solidFill>
-                  <a:schemeClr val="bg1"/>
-                </a:solidFill>
-              </a:rPr>
-            </a:br>
-            <a:r>
-              <a:rPr lang="pt-PT" cap="none">
-                <a:solidFill>
-                  <a:srgbClr val="00B050"/>
-                </a:solidFill>
-              </a:rPr>
-              <a:t>Etapa 2: Green</a:t>
-            </a:r>
-            <a:endParaRPr lang="pt-BR" cap="none">
+            <a:endParaRPr lang="pt-BR">
               <a:solidFill>
-                <a:srgbClr val="00B050"/>
+                <a:schemeClr val="tx1"/>
               </a:solidFill>
             </a:endParaRPr>
           </a:p>
@@ -18172,16 +16909,6 @@
 <file path=ppt/slides/slide26.xml><?xml version="1.0" encoding="utf-8"?>
 <p:sld xmlns:a="http://schemas.openxmlformats.org/drawingml/2006/main" xmlns:r="http://schemas.openxmlformats.org/officeDocument/2006/relationships" xmlns:p="http://schemas.openxmlformats.org/presentationml/2006/main">
   <p:cSld>
-    <p:bg>
-      <p:bgPr>
-        <a:solidFill>
-          <a:schemeClr val="tx1">
-            <a:lumMod val="95000"/>
-          </a:schemeClr>
-        </a:solidFill>
-        <a:effectLst/>
-      </p:bgPr>
-    </p:bg>
     <p:spTree>
       <p:nvGrpSpPr>
         <p:cNvPr id="1" name=""/>
@@ -18196,6 +16923,111 @@
           <a:chExt cx="0" cy="0"/>
         </a:xfrm>
       </p:grpSpPr>
+      <p:sp>
+        <p:nvSpPr>
+          <p:cNvPr id="12" name="Title 1">
+            <a:extLst>
+              <a:ext uri="{FF2B5EF4-FFF2-40B4-BE49-F238E27FC236}">
+                <a16:creationId xmlns:a16="http://schemas.microsoft.com/office/drawing/2014/main" id="{A9B593D1-1F70-2347-80A6-520C61091435}"/>
+              </a:ext>
+            </a:extLst>
+          </p:cNvPr>
+          <p:cNvSpPr>
+            <a:spLocks noGrp="1"/>
+          </p:cNvSpPr>
+          <p:nvPr>
+            <p:ph type="title"/>
+          </p:nvPr>
+        </p:nvSpPr>
+        <p:spPr>
+          <a:xfrm>
+            <a:off x="1761681" y="441386"/>
+            <a:ext cx="10290410" cy="1509490"/>
+          </a:xfrm>
+        </p:spPr>
+        <p:txBody>
+          <a:bodyPr>
+            <a:normAutofit/>
+          </a:bodyPr>
+          <a:lstStyle/>
+          <a:p>
+            <a:pPr algn="ctr"/>
+            <a:r>
+              <a:rPr lang="pt-BR" b="1">
+                <a:solidFill>
+                  <a:schemeClr val="bg1"/>
+                </a:solidFill>
+              </a:rPr>
+              <a:t>como Aplicar </a:t>
+            </a:r>
+            <a:r>
+              <a:rPr lang="pt-BR" b="1" err="1">
+                <a:solidFill>
+                  <a:schemeClr val="bg1"/>
+                </a:solidFill>
+              </a:rPr>
+              <a:t>tdd</a:t>
+            </a:r>
+            <a:r>
+              <a:rPr lang="pt-BR" b="1">
+                <a:solidFill>
+                  <a:schemeClr val="bg1"/>
+                </a:solidFill>
+              </a:rPr>
+              <a:t>?</a:t>
+            </a:r>
+            <a:br>
+              <a:rPr lang="pt-BR" b="1">
+                <a:solidFill>
+                  <a:schemeClr val="bg1"/>
+                </a:solidFill>
+              </a:rPr>
+            </a:br>
+            <a:r>
+              <a:rPr lang="pt-PT" cap="none">
+                <a:solidFill>
+                  <a:srgbClr val="FFFF00"/>
+                </a:solidFill>
+                <a:effectLst>
+                  <a:outerShdw blurRad="50800" dist="50800" dir="5400000" algn="ctr" rotWithShape="0">
+                    <a:schemeClr val="tx1">
+                      <a:lumMod val="50000"/>
+                    </a:schemeClr>
+                  </a:outerShdw>
+                </a:effectLst>
+              </a:rPr>
+              <a:t>Etapa 3: </a:t>
+            </a:r>
+            <a:r>
+              <a:rPr lang="pt-PT" i="1" cap="none" err="1">
+                <a:solidFill>
+                  <a:srgbClr val="FFFF00"/>
+                </a:solidFill>
+                <a:effectLst>
+                  <a:outerShdw blurRad="50800" dist="50800" dir="5400000" algn="ctr" rotWithShape="0">
+                    <a:schemeClr val="tx1">
+                      <a:lumMod val="50000"/>
+                    </a:schemeClr>
+                  </a:outerShdw>
+                </a:effectLst>
+              </a:rPr>
+              <a:t>Refactor</a:t>
+            </a:r>
+            <a:endParaRPr lang="pt-BR" i="1" cap="none">
+              <a:solidFill>
+                <a:srgbClr val="FFFF00"/>
+              </a:solidFill>
+              <a:effectLst>
+                <a:outerShdw blurRad="50800" dist="50800" dir="5400000" algn="ctr" rotWithShape="0">
+                  <a:schemeClr val="tx1">
+                    <a:lumMod val="50000"/>
+                  </a:schemeClr>
+                </a:outerShdw>
+              </a:effectLst>
+            </a:endParaRPr>
+          </a:p>
+        </p:txBody>
+      </p:sp>
       <p:sp>
         <p:nvSpPr>
           <p:cNvPr id="3" name="Content Placeholder 2">
@@ -18225,174 +17057,53 @@
           <a:lstStyle/>
           <a:p>
             <a:r>
-              <a:rPr lang="pt-PT" sz="2800" dirty="0">
-                <a:solidFill>
-                  <a:schemeClr val="bg1"/>
-                </a:solidFill>
-                <a:effectLst>
-                  <a:outerShdw blurRad="50800" dist="50800" dir="5400000" algn="ctr" rotWithShape="0">
-                    <a:schemeClr val="tx1">
-                      <a:lumMod val="50000"/>
-                    </a:schemeClr>
-                  </a:outerShdw>
-                </a:effectLst>
-              </a:rPr>
+              <a:rPr lang="pt-PT" sz="2800" dirty="0"/>
               <a:t>Depois que o teste passar, </a:t>
             </a:r>
             <a:r>
-              <a:rPr lang="pt-PT" sz="2800" dirty="0" err="1">
-                <a:solidFill>
-                  <a:schemeClr val="bg1"/>
-                </a:solidFill>
-                <a:effectLst>
-                  <a:outerShdw blurRad="50800" dist="50800" dir="5400000" algn="ctr" rotWithShape="0">
-                    <a:schemeClr val="tx1">
-                      <a:lumMod val="50000"/>
-                    </a:schemeClr>
-                  </a:outerShdw>
-                </a:effectLst>
-              </a:rPr>
+              <a:rPr lang="pt-PT" sz="2800" dirty="0" err="1"/>
               <a:t>refatoramos</a:t>
             </a:r>
             <a:r>
-              <a:rPr lang="pt-PT" sz="2800" dirty="0">
-                <a:solidFill>
-                  <a:schemeClr val="bg1"/>
-                </a:solidFill>
-                <a:effectLst>
-                  <a:outerShdw blurRad="50800" dist="50800" dir="5400000" algn="ctr" rotWithShape="0">
-                    <a:schemeClr val="tx1">
-                      <a:lumMod val="50000"/>
-                    </a:schemeClr>
-                  </a:outerShdw>
-                </a:effectLst>
-              </a:rPr>
+              <a:rPr lang="pt-PT" sz="2800" dirty="0"/>
               <a:t> o código (</a:t>
             </a:r>
             <a:r>
-              <a:rPr lang="pt-PT" sz="2800" i="1" dirty="0" err="1">
-                <a:solidFill>
-                  <a:srgbClr val="FFFF00"/>
-                </a:solidFill>
-                <a:effectLst>
-                  <a:outerShdw blurRad="50800" dist="50800" dir="5400000" algn="ctr" rotWithShape="0">
-                    <a:schemeClr val="tx1">
-                      <a:lumMod val="50000"/>
-                    </a:schemeClr>
-                  </a:outerShdw>
-                </a:effectLst>
-              </a:rPr>
+              <a:rPr lang="pt-PT" sz="2800" i="1" dirty="0" err="1"/>
               <a:t>Refactor</a:t>
             </a:r>
             <a:r>
-              <a:rPr lang="pt-PT" sz="2800" dirty="0">
-                <a:solidFill>
-                  <a:schemeClr val="bg1"/>
-                </a:solidFill>
-                <a:effectLst>
-                  <a:outerShdw blurRad="50800" dist="50800" dir="5400000" algn="ctr" rotWithShape="0">
-                    <a:schemeClr val="tx1">
-                      <a:lumMod val="50000"/>
-                    </a:schemeClr>
-                  </a:outerShdw>
-                </a:effectLst>
-              </a:rPr>
+              <a:rPr lang="pt-PT" sz="2800" dirty="0"/>
               <a:t>).</a:t>
             </a:r>
           </a:p>
           <a:p>
             <a:r>
-              <a:rPr lang="pt-PT" sz="2800" dirty="0" err="1">
-                <a:solidFill>
-                  <a:schemeClr val="bg1"/>
-                </a:solidFill>
-                <a:effectLst>
-                  <a:outerShdw blurRad="50800" dist="50800" dir="5400000" algn="ctr" rotWithShape="0">
-                    <a:schemeClr val="tx1">
-                      <a:lumMod val="50000"/>
-                    </a:schemeClr>
-                  </a:outerShdw>
-                </a:effectLst>
-              </a:rPr>
+              <a:rPr lang="pt-PT" sz="2800" dirty="0" err="1"/>
               <a:t>Refatorar</a:t>
             </a:r>
             <a:r>
-              <a:rPr lang="pt-PT" sz="2800" dirty="0">
-                <a:solidFill>
-                  <a:schemeClr val="bg1"/>
-                </a:solidFill>
-                <a:effectLst>
-                  <a:outerShdw blurRad="50800" dist="50800" dir="5400000" algn="ctr" rotWithShape="0">
-                    <a:schemeClr val="tx1">
-                      <a:lumMod val="50000"/>
-                    </a:schemeClr>
-                  </a:outerShdw>
-                </a:effectLst>
-              </a:rPr>
+              <a:rPr lang="pt-PT" sz="2800" dirty="0"/>
               <a:t> é o processo de alterar o código com o intuito de torná-lo mais claro, mais organizado, reduzir duplicação</a:t>
             </a:r>
           </a:p>
           <a:p>
             <a:r>
-              <a:rPr lang="pt-PT" sz="2800" dirty="0">
-                <a:solidFill>
-                  <a:schemeClr val="bg1"/>
-                </a:solidFill>
-                <a:effectLst>
-                  <a:outerShdw blurRad="50800" dist="50800" dir="5400000" algn="ctr" rotWithShape="0">
-                    <a:schemeClr val="tx1">
-                      <a:lumMod val="50000"/>
-                    </a:schemeClr>
-                  </a:outerShdw>
-                </a:effectLst>
-              </a:rPr>
+              <a:rPr lang="pt-PT" sz="2800" dirty="0"/>
               <a:t>Visa apenas melhorar a qualidade do código, não corrigir bugs ou implementar novas funcionalidades.</a:t>
             </a:r>
           </a:p>
           <a:p>
             <a:r>
-              <a:rPr lang="pt-PT" sz="2800" dirty="0">
-                <a:solidFill>
-                  <a:schemeClr val="bg1"/>
-                </a:solidFill>
-                <a:effectLst>
-                  <a:outerShdw blurRad="50800" dist="50800" dir="5400000" algn="ctr" rotWithShape="0">
-                    <a:schemeClr val="tx1">
-                      <a:lumMod val="50000"/>
-                    </a:schemeClr>
-                  </a:outerShdw>
-                </a:effectLst>
-              </a:rPr>
+              <a:rPr lang="pt-PT" sz="2800" dirty="0"/>
               <a:t>Depois dessas 3 etapas concluídas, você reinicia o clico para implementar o próximo </a:t>
             </a:r>
             <a:r>
-              <a:rPr lang="pt-PT" sz="2800" dirty="0" err="1">
-                <a:solidFill>
-                  <a:schemeClr val="bg1"/>
-                </a:solidFill>
-                <a:effectLst>
-                  <a:outerShdw blurRad="50800" dist="50800" dir="5400000" algn="ctr" rotWithShape="0">
-                    <a:schemeClr val="tx1">
-                      <a:lumMod val="50000"/>
-                    </a:schemeClr>
-                  </a:outerShdw>
-                </a:effectLst>
-              </a:rPr>
+              <a:rPr lang="pt-PT" sz="2800" dirty="0" err="1"/>
               <a:t>sub-problema</a:t>
             </a:r>
             <a:r>
-              <a:rPr lang="pt-PT" sz="2800" dirty="0">
-                <a:solidFill>
-                  <a:schemeClr val="bg1"/>
-                </a:solidFill>
-                <a:effectLst>
-                  <a:outerShdw blurRad="50800" dist="50800" dir="5400000" algn="ctr" rotWithShape="0">
-                    <a:schemeClr val="tx1">
-                      <a:lumMod val="50000"/>
-                    </a:schemeClr>
-                  </a:outerShdw>
-                </a:effectLst>
-              </a:rPr>
+              <a:rPr lang="pt-PT" sz="2800" dirty="0"/>
               <a:t>.</a:t>
             </a:r>
           </a:p>
@@ -18427,7 +17138,7 @@
               </a:rPr>
               <a:t>26</a:t>
             </a:fld>
-            <a:endParaRPr lang="en-US">
+            <a:endParaRPr lang="en-US" dirty="0">
               <a:solidFill>
                 <a:schemeClr val="bg1"/>
               </a:solidFill>
@@ -18639,111 +17350,6 @@
           </a:p>
         </p:txBody>
       </p:sp>
-      <p:sp>
-        <p:nvSpPr>
-          <p:cNvPr id="12" name="Title 1">
-            <a:extLst>
-              <a:ext uri="{FF2B5EF4-FFF2-40B4-BE49-F238E27FC236}">
-                <a16:creationId xmlns:a16="http://schemas.microsoft.com/office/drawing/2014/main" id="{A9B593D1-1F70-2347-80A6-520C61091435}"/>
-              </a:ext>
-            </a:extLst>
-          </p:cNvPr>
-          <p:cNvSpPr>
-            <a:spLocks noGrp="1"/>
-          </p:cNvSpPr>
-          <p:nvPr>
-            <p:ph type="title"/>
-          </p:nvPr>
-        </p:nvSpPr>
-        <p:spPr>
-          <a:xfrm>
-            <a:off x="1761681" y="441386"/>
-            <a:ext cx="10290410" cy="1509490"/>
-          </a:xfrm>
-        </p:spPr>
-        <p:txBody>
-          <a:bodyPr>
-            <a:normAutofit/>
-          </a:bodyPr>
-          <a:lstStyle/>
-          <a:p>
-            <a:pPr algn="ctr"/>
-            <a:r>
-              <a:rPr lang="pt-BR" b="1">
-                <a:solidFill>
-                  <a:schemeClr val="bg1"/>
-                </a:solidFill>
-              </a:rPr>
-              <a:t>como Aplicar </a:t>
-            </a:r>
-            <a:r>
-              <a:rPr lang="pt-BR" b="1" err="1">
-                <a:solidFill>
-                  <a:schemeClr val="bg1"/>
-                </a:solidFill>
-              </a:rPr>
-              <a:t>tdd</a:t>
-            </a:r>
-            <a:r>
-              <a:rPr lang="pt-BR" b="1">
-                <a:solidFill>
-                  <a:schemeClr val="bg1"/>
-                </a:solidFill>
-              </a:rPr>
-              <a:t>?</a:t>
-            </a:r>
-            <a:br>
-              <a:rPr lang="pt-BR" b="1">
-                <a:solidFill>
-                  <a:schemeClr val="bg1"/>
-                </a:solidFill>
-              </a:rPr>
-            </a:br>
-            <a:r>
-              <a:rPr lang="pt-PT" cap="none">
-                <a:solidFill>
-                  <a:srgbClr val="FFFF00"/>
-                </a:solidFill>
-                <a:effectLst>
-                  <a:outerShdw blurRad="50800" dist="50800" dir="5400000" algn="ctr" rotWithShape="0">
-                    <a:schemeClr val="tx1">
-                      <a:lumMod val="50000"/>
-                    </a:schemeClr>
-                  </a:outerShdw>
-                </a:effectLst>
-              </a:rPr>
-              <a:t>Etapa 3: </a:t>
-            </a:r>
-            <a:r>
-              <a:rPr lang="pt-PT" i="1" cap="none" err="1">
-                <a:solidFill>
-                  <a:srgbClr val="FFFF00"/>
-                </a:solidFill>
-                <a:effectLst>
-                  <a:outerShdw blurRad="50800" dist="50800" dir="5400000" algn="ctr" rotWithShape="0">
-                    <a:schemeClr val="tx1">
-                      <a:lumMod val="50000"/>
-                    </a:schemeClr>
-                  </a:outerShdw>
-                </a:effectLst>
-              </a:rPr>
-              <a:t>Refactor</a:t>
-            </a:r>
-            <a:endParaRPr lang="pt-BR" i="1" cap="none">
-              <a:solidFill>
-                <a:srgbClr val="FFFF00"/>
-              </a:solidFill>
-              <a:effectLst>
-                <a:outerShdw blurRad="50800" dist="50800" dir="5400000" algn="ctr" rotWithShape="0">
-                  <a:schemeClr val="tx1">
-                    <a:lumMod val="50000"/>
-                  </a:schemeClr>
-                </a:outerShdw>
-              </a:effectLst>
-            </a:endParaRPr>
-          </a:p>
-        </p:txBody>
-      </p:sp>
     </p:spTree>
     <p:extLst>
       <p:ext uri="{BB962C8B-B14F-4D97-AF65-F5344CB8AC3E}">
@@ -19257,16 +17863,6 @@
 <file path=ppt/slides/slide27.xml><?xml version="1.0" encoding="utf-8"?>
 <p:sld xmlns:a="http://schemas.openxmlformats.org/drawingml/2006/main" xmlns:r="http://schemas.openxmlformats.org/officeDocument/2006/relationships" xmlns:p="http://schemas.openxmlformats.org/presentationml/2006/main">
   <p:cSld>
-    <p:bg>
-      <p:bgPr>
-        <a:solidFill>
-          <a:schemeClr val="tx1">
-            <a:lumMod val="95000"/>
-          </a:schemeClr>
-        </a:solidFill>
-        <a:effectLst/>
-      </p:bgPr>
-    </p:bg>
     <p:spTree>
       <p:nvGrpSpPr>
         <p:cNvPr id="1" name=""/>
@@ -19281,43 +17877,6 @@
           <a:chExt cx="0" cy="0"/>
         </a:xfrm>
       </p:grpSpPr>
-      <p:sp>
-        <p:nvSpPr>
-          <p:cNvPr id="4" name="Slide Number Placeholder 3">
-            <a:extLst>
-              <a:ext uri="{FF2B5EF4-FFF2-40B4-BE49-F238E27FC236}">
-                <a16:creationId xmlns:a16="http://schemas.microsoft.com/office/drawing/2014/main" id="{2EA509C2-078C-DE4C-BE59-C32AF18E82D6}"/>
-              </a:ext>
-            </a:extLst>
-          </p:cNvPr>
-          <p:cNvSpPr>
-            <a:spLocks noGrp="1"/>
-          </p:cNvSpPr>
-          <p:nvPr>
-            <p:ph type="sldNum" sz="quarter" idx="12"/>
-          </p:nvPr>
-        </p:nvSpPr>
-        <p:spPr/>
-        <p:txBody>
-          <a:bodyPr/>
-          <a:lstStyle/>
-          <a:p>
-            <a:fld id="{2183B7EE-0FBE-B749-875F-ED24F5ECD71F}" type="slidenum">
-              <a:rPr lang="en-US" smtClean="0">
-                <a:solidFill>
-                  <a:schemeClr val="bg1"/>
-                </a:solidFill>
-              </a:rPr>
-              <a:t>27</a:t>
-            </a:fld>
-            <a:endParaRPr lang="en-US">
-              <a:solidFill>
-                <a:schemeClr val="bg1"/>
-              </a:solidFill>
-            </a:endParaRPr>
-          </a:p>
-        </p:txBody>
-      </p:sp>
       <p:sp>
         <p:nvSpPr>
           <p:cNvPr id="14" name="Title 1">
@@ -19347,26 +17906,14 @@
           <a:lstStyle/>
           <a:p>
             <a:r>
-              <a:rPr lang="pt-PT" b="1">
-                <a:solidFill>
-                  <a:schemeClr val="bg1"/>
-                </a:solidFill>
-              </a:rPr>
+              <a:rPr lang="pt-PT" b="1"/>
               <a:t>Visão geral do </a:t>
             </a:r>
             <a:r>
-              <a:rPr lang="pt-PT" b="1" err="1">
-                <a:solidFill>
-                  <a:schemeClr val="bg1"/>
-                </a:solidFill>
-              </a:rPr>
+              <a:rPr lang="pt-PT" b="1" err="1"/>
               <a:t>tdd</a:t>
             </a:r>
-            <a:endParaRPr lang="pt-BR" b="1">
-              <a:solidFill>
-                <a:schemeClr val="bg1"/>
-              </a:solidFill>
-            </a:endParaRPr>
+            <a:endParaRPr lang="pt-BR" b="1"/>
           </a:p>
         </p:txBody>
       </p:sp>
@@ -19399,23 +17946,52 @@
           <a:lstStyle/>
           <a:p>
             <a:r>
-              <a:rPr lang="pt-PT" sz="2800" dirty="0">
+              <a:rPr lang="pt-PT" sz="2800" dirty="0"/>
+              <a:t>Este é um exemplo de figura padrão utilizada para descrever o ciclo do TDD</a:t>
+            </a:r>
+          </a:p>
+          <a:p>
+            <a:r>
+              <a:rPr lang="pt-PT" sz="2800" dirty="0"/>
+              <a:t>No entanto, na prática o ciclo é normalmente um pouco mais longo, como deixado claro em muitos livros de TDD, apesar da simplificação das figuras que usam</a:t>
+            </a:r>
+          </a:p>
+        </p:txBody>
+      </p:sp>
+      <p:sp>
+        <p:nvSpPr>
+          <p:cNvPr id="4" name="Slide Number Placeholder 3">
+            <a:extLst>
+              <a:ext uri="{FF2B5EF4-FFF2-40B4-BE49-F238E27FC236}">
+                <a16:creationId xmlns:a16="http://schemas.microsoft.com/office/drawing/2014/main" id="{2EA509C2-078C-DE4C-BE59-C32AF18E82D6}"/>
+              </a:ext>
+            </a:extLst>
+          </p:cNvPr>
+          <p:cNvSpPr>
+            <a:spLocks noGrp="1"/>
+          </p:cNvSpPr>
+          <p:nvPr>
+            <p:ph type="sldNum" sz="quarter" idx="12"/>
+          </p:nvPr>
+        </p:nvSpPr>
+        <p:spPr/>
+        <p:txBody>
+          <a:bodyPr/>
+          <a:lstStyle/>
+          <a:p>
+            <a:fld id="{2183B7EE-0FBE-B749-875F-ED24F5ECD71F}" type="slidenum">
+              <a:rPr lang="en-US" smtClean="0">
                 <a:solidFill>
-                  <a:schemeClr val="bg1"/>
+                  <a:schemeClr val="tx1"/>
                 </a:solidFill>
               </a:rPr>
-              <a:t>Este é um exemplo de figura padrão utilizada para descrever o ciclo do TDD</a:t>
-            </a:r>
-          </a:p>
-          <a:p>
-            <a:r>
-              <a:rPr lang="pt-PT" sz="2800" dirty="0">
-                <a:solidFill>
-                  <a:schemeClr val="bg1"/>
-                </a:solidFill>
-              </a:rPr>
-              <a:t>No entanto, na prática o ciclo é normalmente um pouco mais longo, como deixado claro em muitos livros de TDD, apesar da simplificação das figuras que usam</a:t>
-            </a:r>
+              <a:t>27</a:t>
+            </a:fld>
+            <a:endParaRPr lang="en-US">
+              <a:solidFill>
+                <a:schemeClr val="tx1"/>
+              </a:solidFill>
+            </a:endParaRPr>
           </a:p>
         </p:txBody>
       </p:sp>
@@ -19572,7 +18148,7 @@
                 <a:r>
                   <a:rPr lang="en-US" sz="2400" b="1" kern="1200" dirty="0">
                     <a:solidFill>
-                      <a:schemeClr val="bg1"/>
+                      <a:schemeClr val="tx1"/>
                     </a:solidFill>
                   </a:rPr>
                   <a:t>1. Red: </a:t>
@@ -19580,7 +18156,7 @@
                 <a:r>
                   <a:rPr lang="en-US" sz="2400" b="1" kern="1200" dirty="0" err="1">
                     <a:solidFill>
-                      <a:schemeClr val="bg1"/>
+                      <a:schemeClr val="tx1"/>
                     </a:solidFill>
                   </a:rPr>
                   <a:t>Escrever</a:t>
@@ -19588,7 +18164,7 @@
                 <a:r>
                   <a:rPr lang="en-US" sz="2400" b="1" kern="1200" dirty="0">
                     <a:solidFill>
-                      <a:schemeClr val="bg1"/>
+                      <a:schemeClr val="tx1"/>
                     </a:solidFill>
                   </a:rPr>
                   <a:t> um novo Teste</a:t>
@@ -19730,7 +18306,7 @@
                 <a:r>
                   <a:rPr lang="en-US" sz="2400" b="1" kern="1200" dirty="0">
                     <a:solidFill>
-                      <a:schemeClr val="bg1"/>
+                      <a:schemeClr val="tx1"/>
                     </a:solidFill>
                   </a:rPr>
                   <a:t>2. Green: </a:t>
@@ -19738,7 +18314,7 @@
                 <a:r>
                   <a:rPr lang="en-US" sz="2400" b="1" kern="1200" dirty="0" err="1">
                     <a:solidFill>
-                      <a:schemeClr val="bg1"/>
+                      <a:schemeClr val="tx1"/>
                     </a:solidFill>
                   </a:rPr>
                   <a:t>Escrever</a:t>
@@ -19746,7 +18322,7 @@
                 <a:r>
                   <a:rPr lang="en-US" sz="2400" b="1" kern="1200" dirty="0">
                     <a:solidFill>
-                      <a:schemeClr val="bg1"/>
+                      <a:schemeClr val="tx1"/>
                     </a:solidFill>
                   </a:rPr>
                   <a:t> o </a:t>
@@ -19754,7 +18330,7 @@
                 <a:r>
                   <a:rPr lang="en-US" sz="2400" b="1" kern="1200" dirty="0" err="1">
                     <a:solidFill>
-                      <a:schemeClr val="bg1"/>
+                      <a:schemeClr val="tx1"/>
                     </a:solidFill>
                   </a:rPr>
                   <a:t>mínimo</a:t>
@@ -19762,7 +18338,7 @@
                 <a:r>
                   <a:rPr lang="en-US" sz="2400" b="1" kern="1200" dirty="0">
                     <a:solidFill>
-                      <a:schemeClr val="bg1"/>
+                      <a:schemeClr val="tx1"/>
                     </a:solidFill>
                   </a:rPr>
                   <a:t> de </a:t>
@@ -19770,7 +18346,7 @@
                 <a:r>
                   <a:rPr lang="en-US" sz="2400" b="1" kern="1200" dirty="0" err="1">
                     <a:solidFill>
-                      <a:schemeClr val="bg1"/>
+                      <a:schemeClr val="tx1"/>
                     </a:solidFill>
                   </a:rPr>
                   <a:t>código</a:t>
@@ -19778,7 +18354,7 @@
                 <a:r>
                   <a:rPr lang="en-US" sz="2400" b="1" kern="1200" dirty="0">
                     <a:solidFill>
-                      <a:schemeClr val="bg1"/>
+                      <a:schemeClr val="tx1"/>
                     </a:solidFill>
                   </a:rPr>
                   <a:t> pro teste </a:t>
@@ -19786,14 +18362,14 @@
                 <a:r>
                   <a:rPr lang="en-US" sz="2400" b="1" kern="1200" dirty="0" err="1">
                     <a:solidFill>
-                      <a:schemeClr val="bg1"/>
+                      <a:schemeClr val="tx1"/>
                     </a:solidFill>
                   </a:rPr>
                   <a:t>passar</a:t>
                 </a:r>
                 <a:endParaRPr lang="en-US" sz="2400" b="1" kern="1200" dirty="0">
                   <a:solidFill>
-                    <a:schemeClr val="bg1"/>
+                    <a:schemeClr val="tx1"/>
                   </a:solidFill>
                 </a:endParaRPr>
               </a:p>
@@ -19933,7 +18509,7 @@
                 <a:r>
                   <a:rPr lang="en-US" sz="2400" b="1" kern="1200">
                     <a:solidFill>
-                      <a:schemeClr val="bg1"/>
+                      <a:schemeClr val="tx1"/>
                     </a:solidFill>
                   </a:rPr>
                   <a:t>3. </a:t>
@@ -19941,7 +18517,7 @@
                 <a:r>
                   <a:rPr lang="en-US" sz="2400" b="1" kern="1200" err="1">
                     <a:solidFill>
-                      <a:schemeClr val="bg1"/>
+                      <a:schemeClr val="tx1"/>
                     </a:solidFill>
                   </a:rPr>
                   <a:t>Refatorar</a:t>
@@ -19949,7 +18525,7 @@
                 <a:r>
                   <a:rPr lang="en-US" sz="2400" b="1" kern="1200">
                     <a:solidFill>
-                      <a:schemeClr val="bg1"/>
+                      <a:schemeClr val="tx1"/>
                     </a:solidFill>
                   </a:rPr>
                   <a:t>: </a:t>
@@ -19957,7 +18533,7 @@
                 <a:r>
                   <a:rPr lang="en-US" sz="2400" b="1" kern="1200" err="1">
                     <a:solidFill>
-                      <a:schemeClr val="bg1"/>
+                      <a:schemeClr val="tx1"/>
                     </a:solidFill>
                   </a:rPr>
                   <a:t>melhorar</a:t>
@@ -19965,7 +18541,7 @@
                 <a:r>
                   <a:rPr lang="en-US" sz="2400" b="1" kern="1200">
                     <a:solidFill>
-                      <a:schemeClr val="bg1"/>
+                      <a:schemeClr val="tx1"/>
                     </a:solidFill>
                   </a:rPr>
                   <a:t> o </a:t>
@@ -19973,14 +18549,14 @@
                 <a:r>
                   <a:rPr lang="en-US" sz="2400" b="1" kern="1200" err="1">
                     <a:solidFill>
-                      <a:schemeClr val="bg1"/>
+                      <a:schemeClr val="tx1"/>
                     </a:solidFill>
                   </a:rPr>
                   <a:t>código</a:t>
                 </a:r>
                 <a:endParaRPr lang="en-US" sz="2400" b="1" kern="1200">
                   <a:solidFill>
-                    <a:schemeClr val="bg1"/>
+                    <a:schemeClr val="tx1"/>
                   </a:solidFill>
                 </a:endParaRPr>
               </a:p>
@@ -20442,16 +19018,6 @@
 <file path=ppt/slides/slide28.xml><?xml version="1.0" encoding="utf-8"?>
 <p:sld xmlns:a="http://schemas.openxmlformats.org/drawingml/2006/main" xmlns:r="http://schemas.openxmlformats.org/officeDocument/2006/relationships" xmlns:p="http://schemas.openxmlformats.org/presentationml/2006/main" showMasterSp="0">
   <p:cSld>
-    <p:bg>
-      <p:bgPr>
-        <a:solidFill>
-          <a:schemeClr val="tx1">
-            <a:lumMod val="95000"/>
-          </a:schemeClr>
-        </a:solidFill>
-        <a:effectLst/>
-      </p:bgPr>
-    </p:bg>
     <p:spTree>
       <p:nvGrpSpPr>
         <p:cNvPr id="1" name=""/>
@@ -20664,7 +19230,7 @@
                 <a:r>
                   <a:rPr lang="en-US" sz="2400" b="1" kern="1200" dirty="0">
                     <a:solidFill>
-                      <a:schemeClr val="bg1"/>
+                      <a:schemeClr val="tx1"/>
                     </a:solidFill>
                   </a:rPr>
                   <a:t>1. Red: </a:t>
@@ -20672,7 +19238,7 @@
                 <a:r>
                   <a:rPr lang="en-US" sz="2400" b="1" kern="1200" dirty="0" err="1">
                     <a:solidFill>
-                      <a:schemeClr val="bg1"/>
+                      <a:schemeClr val="tx1"/>
                     </a:solidFill>
                   </a:rPr>
                   <a:t>Escrever</a:t>
@@ -20680,7 +19246,7 @@
                 <a:r>
                   <a:rPr lang="en-US" sz="2400" b="1" kern="1200" dirty="0">
                     <a:solidFill>
-                      <a:schemeClr val="bg1"/>
+                      <a:schemeClr val="tx1"/>
                     </a:solidFill>
                   </a:rPr>
                   <a:t> um novo teste e </a:t>
@@ -20688,7 +19254,7 @@
                 <a:r>
                   <a:rPr lang="en-US" sz="2400" b="1" kern="1200" dirty="0" err="1">
                     <a:solidFill>
-                      <a:schemeClr val="bg1"/>
+                      <a:schemeClr val="tx1"/>
                     </a:solidFill>
                   </a:rPr>
                   <a:t>fazê</a:t>
@@ -20696,7 +19262,7 @@
                 <a:r>
                   <a:rPr lang="en-US" sz="2400" b="1" kern="1200" dirty="0">
                     <a:solidFill>
-                      <a:schemeClr val="bg1"/>
+                      <a:schemeClr val="tx1"/>
                     </a:solidFill>
                   </a:rPr>
                   <a:t>-lo </a:t>
@@ -20704,14 +19270,14 @@
                 <a:r>
                   <a:rPr lang="en-US" sz="2400" b="1" kern="1200" dirty="0" err="1">
                     <a:solidFill>
-                      <a:schemeClr val="bg1"/>
+                      <a:schemeClr val="tx1"/>
                     </a:solidFill>
                   </a:rPr>
                   <a:t>falhar</a:t>
                 </a:r>
                 <a:endParaRPr lang="en-US" sz="2400" b="1" kern="1200" dirty="0">
                   <a:solidFill>
-                    <a:schemeClr val="bg1"/>
+                    <a:schemeClr val="tx1"/>
                   </a:solidFill>
                 </a:endParaRPr>
               </a:p>
@@ -20850,7 +19416,7 @@
                 <a:r>
                   <a:rPr lang="en-US" sz="2400" b="1" dirty="0">
                     <a:solidFill>
-                      <a:schemeClr val="bg1"/>
+                      <a:schemeClr val="tx1"/>
                     </a:solidFill>
                   </a:rPr>
                   <a:t>3. O teste </a:t>
@@ -20858,7 +19424,7 @@
                 <a:r>
                   <a:rPr lang="en-US" sz="2400" b="1" dirty="0" err="1">
                     <a:solidFill>
-                      <a:schemeClr val="bg1"/>
+                      <a:schemeClr val="tx1"/>
                     </a:solidFill>
                   </a:rPr>
                   <a:t>passou</a:t>
@@ -20866,7 +19432,7 @@
                 <a:r>
                   <a:rPr lang="en-US" sz="2400" b="1" dirty="0">
                     <a:solidFill>
-                      <a:schemeClr val="bg1"/>
+                      <a:schemeClr val="tx1"/>
                     </a:solidFill>
                   </a:rPr>
                   <a:t>?</a:t>
@@ -21008,7 +19574,7 @@
                 <a:r>
                   <a:rPr lang="en-US" sz="2400" b="1" dirty="0">
                     <a:solidFill>
-                      <a:schemeClr val="bg1"/>
+                      <a:schemeClr val="tx1"/>
                     </a:solidFill>
                   </a:rPr>
                   <a:t>4</a:t>
@@ -21016,7 +19582,7 @@
                 <a:r>
                   <a:rPr lang="en-US" sz="2400" b="1" kern="1200" dirty="0">
                     <a:solidFill>
-                      <a:schemeClr val="bg1"/>
+                      <a:schemeClr val="tx1"/>
                     </a:solidFill>
                   </a:rPr>
                   <a:t>. </a:t>
@@ -21024,7 +19590,7 @@
                 <a:r>
                   <a:rPr lang="en-US" sz="2400" b="1" kern="1200" dirty="0" err="1">
                     <a:solidFill>
-                      <a:schemeClr val="bg1"/>
+                      <a:schemeClr val="tx1"/>
                     </a:solidFill>
                   </a:rPr>
                   <a:t>Refatorar</a:t>
@@ -21032,7 +19598,7 @@
                 <a:r>
                   <a:rPr lang="en-US" sz="2400" b="1" kern="1200" dirty="0">
                     <a:solidFill>
-                      <a:schemeClr val="bg1"/>
+                      <a:schemeClr val="tx1"/>
                     </a:solidFill>
                   </a:rPr>
                   <a:t>: </a:t>
@@ -21040,7 +19606,7 @@
                 <a:r>
                   <a:rPr lang="en-US" sz="2400" b="1" kern="1200" dirty="0" err="1">
                     <a:solidFill>
-                      <a:schemeClr val="bg1"/>
+                      <a:schemeClr val="tx1"/>
                     </a:solidFill>
                   </a:rPr>
                   <a:t>melhorar</a:t>
@@ -21048,7 +19614,7 @@
                 <a:r>
                   <a:rPr lang="en-US" sz="2400" b="1" kern="1200" dirty="0">
                     <a:solidFill>
-                      <a:schemeClr val="bg1"/>
+                      <a:schemeClr val="tx1"/>
                     </a:solidFill>
                   </a:rPr>
                   <a:t> o </a:t>
@@ -21056,14 +19622,14 @@
                 <a:r>
                   <a:rPr lang="en-US" sz="2400" b="1" kern="1200" dirty="0" err="1">
                     <a:solidFill>
-                      <a:schemeClr val="bg1"/>
+                      <a:schemeClr val="tx1"/>
                     </a:solidFill>
                   </a:rPr>
                   <a:t>código</a:t>
                 </a:r>
                 <a:endParaRPr lang="en-US" sz="2400" b="1" kern="1200" dirty="0">
                   <a:solidFill>
-                    <a:schemeClr val="bg1"/>
+                    <a:schemeClr val="tx1"/>
                   </a:solidFill>
                 </a:endParaRPr>
               </a:p>
@@ -21496,7 +20062,7 @@
                 <a:r>
                   <a:rPr lang="en-US" sz="2400" b="1" kern="1200" dirty="0">
                     <a:solidFill>
-                      <a:schemeClr val="bg1"/>
+                      <a:schemeClr val="tx1"/>
                     </a:solidFill>
                   </a:rPr>
                   <a:t>5. Red: </a:t>
@@ -21504,7 +20070,7 @@
                 <a:r>
                   <a:rPr lang="en-US" sz="2400" b="1" kern="1200" dirty="0" err="1">
                     <a:solidFill>
-                      <a:schemeClr val="bg1"/>
+                      <a:schemeClr val="tx1"/>
                     </a:solidFill>
                   </a:rPr>
                   <a:t>Corrigir</a:t>
@@ -21512,7 +20078,7 @@
                 <a:r>
                   <a:rPr lang="en-US" sz="2400" b="1" kern="1200" dirty="0">
                     <a:solidFill>
-                      <a:schemeClr val="bg1"/>
+                      <a:schemeClr val="tx1"/>
                     </a:solidFill>
                   </a:rPr>
                   <a:t> o </a:t>
@@ -21520,7 +20086,7 @@
                 <a:r>
                   <a:rPr lang="en-US" sz="2400" b="1" kern="1200" dirty="0" err="1">
                     <a:solidFill>
-                      <a:schemeClr val="bg1"/>
+                      <a:schemeClr val="tx1"/>
                     </a:solidFill>
                   </a:rPr>
                   <a:t>código</a:t>
@@ -21528,7 +20094,7 @@
                 <a:r>
                   <a:rPr lang="en-US" sz="2400" b="1" kern="1200" dirty="0">
                     <a:solidFill>
-                      <a:schemeClr val="bg1"/>
+                      <a:schemeClr val="tx1"/>
                     </a:solidFill>
                   </a:rPr>
                   <a:t> </a:t>
@@ -21536,7 +20102,7 @@
                 <a:r>
                   <a:rPr lang="en-US" sz="2400" b="1" kern="1200" dirty="0" err="1">
                     <a:solidFill>
-                      <a:schemeClr val="bg1"/>
+                      <a:schemeClr val="tx1"/>
                     </a:solidFill>
                   </a:rPr>
                   <a:t>depois</a:t>
@@ -21544,7 +20110,7 @@
                 <a:r>
                   <a:rPr lang="en-US" sz="2400" b="1" kern="1200" dirty="0">
                     <a:solidFill>
-                      <a:schemeClr val="bg1"/>
+                      <a:schemeClr val="tx1"/>
                     </a:solidFill>
                   </a:rPr>
                   <a:t> da </a:t>
@@ -21552,7 +20118,7 @@
                 <a:r>
                   <a:rPr lang="en-US" sz="2400" b="1" kern="1200" dirty="0" err="1">
                     <a:solidFill>
-                      <a:schemeClr val="bg1"/>
+                      <a:schemeClr val="tx1"/>
                     </a:solidFill>
                   </a:rPr>
                   <a:t>falha</a:t>
@@ -21560,7 +20126,7 @@
                 <a:r>
                   <a:rPr lang="en-US" sz="2400" b="1" kern="1200" dirty="0">
                     <a:solidFill>
-                      <a:schemeClr val="bg1"/>
+                      <a:schemeClr val="tx1"/>
                     </a:solidFill>
                   </a:rPr>
                   <a:t> do teste</a:t>
@@ -21949,7 +20515,7 @@
                 <a:r>
                   <a:rPr lang="en-US" sz="2400" b="1" dirty="0">
                     <a:solidFill>
-                      <a:schemeClr val="bg1"/>
+                      <a:schemeClr val="tx1"/>
                     </a:solidFill>
                   </a:rPr>
                   <a:t>2. </a:t>
@@ -21957,7 +20523,7 @@
                 <a:r>
                   <a:rPr lang="en-US" sz="2400" b="1" dirty="0" err="1">
                     <a:solidFill>
-                      <a:schemeClr val="bg1"/>
+                      <a:schemeClr val="tx1"/>
                     </a:solidFill>
                   </a:rPr>
                   <a:t>Escrever</a:t>
@@ -21965,7 +20531,7 @@
                 <a:r>
                   <a:rPr lang="en-US" sz="2400" b="1" dirty="0">
                     <a:solidFill>
-                      <a:schemeClr val="bg1"/>
+                      <a:schemeClr val="tx1"/>
                     </a:solidFill>
                   </a:rPr>
                   <a:t> o </a:t>
@@ -21973,7 +20539,7 @@
                 <a:r>
                   <a:rPr lang="en-US" sz="2400" b="1" dirty="0" err="1">
                     <a:solidFill>
-                      <a:schemeClr val="bg1"/>
+                      <a:schemeClr val="tx1"/>
                     </a:solidFill>
                   </a:rPr>
                   <a:t>mínimo</a:t>
@@ -21981,7 +20547,7 @@
                 <a:r>
                   <a:rPr lang="en-US" sz="2400" b="1" dirty="0">
                     <a:solidFill>
-                      <a:schemeClr val="bg1"/>
+                      <a:schemeClr val="tx1"/>
                     </a:solidFill>
                   </a:rPr>
                   <a:t> de </a:t>
@@ -21989,7 +20555,7 @@
                 <a:r>
                   <a:rPr lang="en-US" sz="2400" b="1" dirty="0" err="1">
                     <a:solidFill>
-                      <a:schemeClr val="bg1"/>
+                      <a:schemeClr val="tx1"/>
                     </a:solidFill>
                   </a:rPr>
                   <a:t>código</a:t>
@@ -21997,7 +20563,7 @@
                 <a:r>
                   <a:rPr lang="en-US" sz="2400" b="1" dirty="0">
                     <a:solidFill>
-                      <a:schemeClr val="bg1"/>
+                      <a:schemeClr val="tx1"/>
                     </a:solidFill>
                   </a:rPr>
                   <a:t> pro teste </a:t>
@@ -22005,14 +20571,14 @@
                 <a:r>
                   <a:rPr lang="en-US" sz="2400" b="1" dirty="0" err="1">
                     <a:solidFill>
-                      <a:schemeClr val="bg1"/>
+                      <a:schemeClr val="tx1"/>
                     </a:solidFill>
                   </a:rPr>
                   <a:t>passar</a:t>
                 </a:r>
                 <a:endParaRPr lang="en-US" sz="2400" b="1" dirty="0">
                   <a:solidFill>
-                    <a:schemeClr val="bg1"/>
+                    <a:schemeClr val="tx1"/>
                   </a:solidFill>
                 </a:endParaRPr>
               </a:p>
@@ -22204,16 +20770,6 @@
 <file path=ppt/slides/slide29.xml><?xml version="1.0" encoding="utf-8"?>
 <p:sld xmlns:a="http://schemas.openxmlformats.org/drawingml/2006/main" xmlns:r="http://schemas.openxmlformats.org/officeDocument/2006/relationships" xmlns:p="http://schemas.openxmlformats.org/presentationml/2006/main">
   <p:cSld>
-    <p:bg>
-      <p:bgPr>
-        <a:solidFill>
-          <a:schemeClr val="tx1">
-            <a:lumMod val="95000"/>
-          </a:schemeClr>
-        </a:solidFill>
-        <a:effectLst/>
-      </p:bgPr>
-    </p:bg>
     <p:spTree>
       <p:nvGrpSpPr>
         <p:cNvPr id="1" name=""/>
@@ -22228,43 +20784,6 @@
           <a:chExt cx="0" cy="0"/>
         </a:xfrm>
       </p:grpSpPr>
-      <p:sp>
-        <p:nvSpPr>
-          <p:cNvPr id="4" name="Slide Number Placeholder 3">
-            <a:extLst>
-              <a:ext uri="{FF2B5EF4-FFF2-40B4-BE49-F238E27FC236}">
-                <a16:creationId xmlns:a16="http://schemas.microsoft.com/office/drawing/2014/main" id="{2EA509C2-078C-DE4C-BE59-C32AF18E82D6}"/>
-              </a:ext>
-            </a:extLst>
-          </p:cNvPr>
-          <p:cNvSpPr>
-            <a:spLocks noGrp="1"/>
-          </p:cNvSpPr>
-          <p:nvPr>
-            <p:ph type="sldNum" sz="quarter" idx="12"/>
-          </p:nvPr>
-        </p:nvSpPr>
-        <p:spPr/>
-        <p:txBody>
-          <a:bodyPr/>
-          <a:lstStyle/>
-          <a:p>
-            <a:fld id="{2183B7EE-0FBE-B749-875F-ED24F5ECD71F}" type="slidenum">
-              <a:rPr lang="en-US" smtClean="0">
-                <a:solidFill>
-                  <a:schemeClr val="bg1"/>
-                </a:solidFill>
-              </a:rPr>
-              <a:t>29</a:t>
-            </a:fld>
-            <a:endParaRPr lang="en-US">
-              <a:solidFill>
-                <a:schemeClr val="bg1"/>
-              </a:solidFill>
-            </a:endParaRPr>
-          </a:p>
-        </p:txBody>
-      </p:sp>
       <p:sp>
         <p:nvSpPr>
           <p:cNvPr id="12" name="Title 1">
@@ -22295,17 +20814,10 @@
           <a:p>
             <a:pPr algn="ctr"/>
             <a:r>
-              <a:rPr lang="pt-BR" b="1">
-                <a:solidFill>
-                  <a:schemeClr val="bg1"/>
-                </a:solidFill>
-              </a:rPr>
+              <a:rPr lang="pt-BR" b="1"/>
               <a:t>mas escrevendo testes vou gastar o dobro de tempo pra desenvolver o sistema... 😒</a:t>
             </a:r>
             <a:endParaRPr lang="pt-BR" i="1" cap="none">
-              <a:solidFill>
-                <a:srgbClr val="FFFF00"/>
-              </a:solidFill>
               <a:effectLst>
                 <a:outerShdw blurRad="50800" dist="50800" dir="5400000" algn="ctr" rotWithShape="0">
                   <a:schemeClr val="tx1">
@@ -22313,6 +20825,43 @@
                   </a:schemeClr>
                 </a:outerShdw>
               </a:effectLst>
+            </a:endParaRPr>
+          </a:p>
+        </p:txBody>
+      </p:sp>
+      <p:sp>
+        <p:nvSpPr>
+          <p:cNvPr id="4" name="Slide Number Placeholder 3">
+            <a:extLst>
+              <a:ext uri="{FF2B5EF4-FFF2-40B4-BE49-F238E27FC236}">
+                <a16:creationId xmlns:a16="http://schemas.microsoft.com/office/drawing/2014/main" id="{2EA509C2-078C-DE4C-BE59-C32AF18E82D6}"/>
+              </a:ext>
+            </a:extLst>
+          </p:cNvPr>
+          <p:cNvSpPr>
+            <a:spLocks noGrp="1"/>
+          </p:cNvSpPr>
+          <p:nvPr>
+            <p:ph type="sldNum" sz="quarter" idx="12"/>
+          </p:nvPr>
+        </p:nvSpPr>
+        <p:spPr/>
+        <p:txBody>
+          <a:bodyPr/>
+          <a:lstStyle/>
+          <a:p>
+            <a:fld id="{2183B7EE-0FBE-B749-875F-ED24F5ECD71F}" type="slidenum">
+              <a:rPr lang="en-US" smtClean="0">
+                <a:solidFill>
+                  <a:schemeClr val="tx1"/>
+                </a:solidFill>
+              </a:rPr>
+              <a:t>29</a:t>
+            </a:fld>
+            <a:endParaRPr lang="en-US">
+              <a:solidFill>
+                <a:schemeClr val="tx1"/>
+              </a:solidFill>
             </a:endParaRPr>
           </a:p>
         </p:txBody>
@@ -22454,8 +21003,8 @@
         </p:nvSpPr>
         <p:spPr>
           <a:xfrm>
-            <a:off x="18293" y="9516"/>
-            <a:ext cx="12153724" cy="878666"/>
+            <a:off x="3912433" y="239655"/>
+            <a:ext cx="7456271" cy="878666"/>
           </a:xfrm>
         </p:spPr>
         <p:txBody>
@@ -22464,10 +21013,9 @@
           </a:bodyPr>
           <a:lstStyle/>
           <a:p>
-            <a:pPr algn="ctr"/>
             <a:r>
               <a:rPr lang="pt-BR" b="1" i="1" dirty="0"/>
-              <a:t>O que esse código faz exatamente?</a:t>
+              <a:t>O que esse código faz?</a:t>
             </a:r>
             <a:endParaRPr lang="pt-BR" dirty="0"/>
           </a:p>
@@ -22491,7 +21039,7 @@
         </p:nvSpPr>
         <p:spPr>
           <a:xfrm>
-            <a:off x="18293" y="1253169"/>
+            <a:off x="123223" y="1433049"/>
             <a:ext cx="6576951" cy="4716649"/>
           </a:xfrm>
           <a:solidFill>
@@ -22725,7 +21273,7 @@
         </p:nvSpPr>
         <p:spPr>
           <a:xfrm>
-            <a:off x="6295870" y="1253169"/>
+            <a:off x="6295870" y="1433049"/>
             <a:ext cx="5876148" cy="4716649"/>
           </a:xfrm>
           <a:prstGeom prst="rect">
@@ -23106,8 +21654,8 @@
         </p:nvSpPr>
         <p:spPr>
           <a:xfrm>
-            <a:off x="907376" y="6018488"/>
-            <a:ext cx="10506298" cy="830997"/>
+            <a:off x="1447025" y="6185433"/>
+            <a:ext cx="10506298" cy="646331"/>
           </a:xfrm>
           <a:prstGeom prst="rect">
             <a:avLst/>
@@ -23120,20 +21668,13 @@
           </a:bodyPr>
           <a:lstStyle/>
           <a:p>
-            <a:pPr algn="ctr"/>
-            <a:r>
-              <a:rPr lang="pt-BR" sz="2400">
-                <a:solidFill>
-                  <a:srgbClr val="FFFF00"/>
-                </a:solidFill>
-              </a:rPr>
+            <a:pPr algn="r"/>
+            <a:r>
+              <a:rPr lang="pt-BR" i="1" dirty="0"/>
               <a:t>Código obtido de </a:t>
             </a:r>
             <a:r>
-              <a:rPr lang="pt-BR" sz="2400">
-                <a:solidFill>
-                  <a:srgbClr val="FFFF00"/>
-                </a:solidFill>
+              <a:rPr lang="pt-BR" i="1" dirty="0">
                 <a:hlinkClick r:id="rId2">
                   <a:extLst>
                     <a:ext uri="{A12FA001-AC4F-418D-AE19-62706E023703}">
@@ -23145,26 +21686,14 @@
               <a:t>http://www.guj.com.br/t/validar-cpf/56329</a:t>
             </a:r>
             <a:r>
-              <a:rPr lang="pt-BR" sz="2400">
-                <a:solidFill>
-                  <a:srgbClr val="FFFF00"/>
-                </a:solidFill>
-              </a:rPr>
+              <a:rPr lang="pt-BR" i="1" dirty="0"/>
               <a:t>, </a:t>
             </a:r>
             <a:br>
-              <a:rPr lang="pt-BR" sz="2400">
-                <a:solidFill>
-                  <a:srgbClr val="FFFF00"/>
-                </a:solidFill>
-              </a:rPr>
+              <a:rPr lang="pt-BR" i="1" dirty="0"/>
             </a:br>
             <a:r>
-              <a:rPr lang="pt-BR" sz="2400">
-                <a:solidFill>
-                  <a:srgbClr val="FFFF00"/>
-                </a:solidFill>
-              </a:rPr>
+              <a:rPr lang="pt-BR" i="1" dirty="0"/>
               <a:t>que originalmente é muito mais horrível que isso 🥺</a:t>
             </a:r>
           </a:p>
@@ -23342,7 +21871,7 @@
 </file>
 
 <file path=ppt/slides/slide30.xml><?xml version="1.0" encoding="utf-8"?>
-<p:sld xmlns:a="http://schemas.openxmlformats.org/drawingml/2006/main" xmlns:r="http://schemas.openxmlformats.org/officeDocument/2006/relationships" xmlns:p="http://schemas.openxmlformats.org/presentationml/2006/main">
+<p:sld xmlns:a="http://schemas.openxmlformats.org/drawingml/2006/main" xmlns:r="http://schemas.openxmlformats.org/officeDocument/2006/relationships" xmlns:p="http://schemas.openxmlformats.org/presentationml/2006/main" showMasterSp="0">
   <p:cSld>
     <p:bg>
       <p:bgPr>
@@ -23375,6 +21904,59 @@
       </p:grpSpPr>
       <p:sp>
         <p:nvSpPr>
+          <p:cNvPr id="12" name="Title 1">
+            <a:extLst>
+              <a:ext uri="{FF2B5EF4-FFF2-40B4-BE49-F238E27FC236}">
+                <a16:creationId xmlns:a16="http://schemas.microsoft.com/office/drawing/2014/main" id="{A9B593D1-1F70-2347-80A6-520C61091435}"/>
+              </a:ext>
+            </a:extLst>
+          </p:cNvPr>
+          <p:cNvSpPr>
+            <a:spLocks noGrp="1"/>
+          </p:cNvSpPr>
+          <p:nvPr>
+            <p:ph type="title"/>
+          </p:nvPr>
+        </p:nvSpPr>
+        <p:spPr>
+          <a:xfrm>
+            <a:off x="-74950" y="-371063"/>
+            <a:ext cx="4363386" cy="1509490"/>
+          </a:xfrm>
+        </p:spPr>
+        <p:txBody>
+          <a:bodyPr>
+            <a:normAutofit/>
+          </a:bodyPr>
+          <a:lstStyle/>
+          <a:p>
+            <a:pPr algn="ctr"/>
+            <a:r>
+              <a:rPr lang="pt-BR" b="1" dirty="0">
+                <a:effectLst>
+                  <a:outerShdw blurRad="254000" dist="38100" dir="2700000" algn="tl" rotWithShape="0">
+                    <a:prstClr val="black">
+                      <a:alpha val="40000"/>
+                    </a:prstClr>
+                  </a:outerShdw>
+                </a:effectLst>
+              </a:rPr>
+              <a:t>SEM mas!!!</a:t>
+            </a:r>
+            <a:endParaRPr lang="pt-BR" i="1" cap="none" dirty="0">
+              <a:effectLst>
+                <a:outerShdw blurRad="254000" dist="38100" dir="2700000" algn="tl" rotWithShape="0">
+                  <a:prstClr val="black">
+                    <a:alpha val="40000"/>
+                  </a:prstClr>
+                </a:outerShdw>
+              </a:effectLst>
+            </a:endParaRPr>
+          </a:p>
+        </p:txBody>
+      </p:sp>
+      <p:sp>
+        <p:nvSpPr>
           <p:cNvPr id="3" name="Content Placeholder 2">
             <a:extLst>
               <a:ext uri="{FF2B5EF4-FFF2-40B4-BE49-F238E27FC236}">
@@ -23546,59 +22128,6 @@
               <a:solidFill>
                 <a:schemeClr val="bg1"/>
               </a:solidFill>
-            </a:endParaRPr>
-          </a:p>
-        </p:txBody>
-      </p:sp>
-      <p:sp>
-        <p:nvSpPr>
-          <p:cNvPr id="12" name="Title 1">
-            <a:extLst>
-              <a:ext uri="{FF2B5EF4-FFF2-40B4-BE49-F238E27FC236}">
-                <a16:creationId xmlns:a16="http://schemas.microsoft.com/office/drawing/2014/main" id="{A9B593D1-1F70-2347-80A6-520C61091435}"/>
-              </a:ext>
-            </a:extLst>
-          </p:cNvPr>
-          <p:cNvSpPr>
-            <a:spLocks noGrp="1"/>
-          </p:cNvSpPr>
-          <p:nvPr>
-            <p:ph type="title"/>
-          </p:nvPr>
-        </p:nvSpPr>
-        <p:spPr>
-          <a:xfrm>
-            <a:off x="-74950" y="-371063"/>
-            <a:ext cx="4363386" cy="1509490"/>
-          </a:xfrm>
-        </p:spPr>
-        <p:txBody>
-          <a:bodyPr>
-            <a:normAutofit/>
-          </a:bodyPr>
-          <a:lstStyle/>
-          <a:p>
-            <a:pPr algn="ctr"/>
-            <a:r>
-              <a:rPr lang="pt-BR" b="1" dirty="0">
-                <a:effectLst>
-                  <a:outerShdw blurRad="254000" dist="38100" dir="2700000" algn="tl" rotWithShape="0">
-                    <a:prstClr val="black">
-                      <a:alpha val="40000"/>
-                    </a:prstClr>
-                  </a:outerShdw>
-                </a:effectLst>
-              </a:rPr>
-              <a:t>Não tem mas!!!!</a:t>
-            </a:r>
-            <a:endParaRPr lang="pt-BR" i="1" cap="none" dirty="0">
-              <a:effectLst>
-                <a:outerShdw blurRad="254000" dist="38100" dir="2700000" algn="tl" rotWithShape="0">
-                  <a:prstClr val="black">
-                    <a:alpha val="40000"/>
-                  </a:prstClr>
-                </a:outerShdw>
-              </a:effectLst>
             </a:endParaRPr>
           </a:p>
         </p:txBody>
@@ -23920,13 +22449,13 @@
 </file>
 
 <file path=ppt/slides/slide31.xml><?xml version="1.0" encoding="utf-8"?>
-<p:sld xmlns:a="http://schemas.openxmlformats.org/drawingml/2006/main" xmlns:r="http://schemas.openxmlformats.org/officeDocument/2006/relationships" xmlns:p="http://schemas.openxmlformats.org/presentationml/2006/main">
+<p:sld xmlns:a="http://schemas.openxmlformats.org/drawingml/2006/main" xmlns:r="http://schemas.openxmlformats.org/officeDocument/2006/relationships" xmlns:p="http://schemas.openxmlformats.org/presentationml/2006/main" showMasterSp="0">
   <p:cSld>
     <p:bg>
       <p:bgPr>
         <a:blipFill dpi="0" rotWithShape="1">
           <a:blip r:embed="rId2">
-            <a:alphaModFix amt="68000"/>
+            <a:alphaModFix amt="56000"/>
             <a:lum/>
           </a:blip>
           <a:srcRect/>
@@ -23951,6 +22480,59 @@
           <a:chExt cx="0" cy="0"/>
         </a:xfrm>
       </p:grpSpPr>
+      <p:sp>
+        <p:nvSpPr>
+          <p:cNvPr id="12" name="Title 1">
+            <a:extLst>
+              <a:ext uri="{FF2B5EF4-FFF2-40B4-BE49-F238E27FC236}">
+                <a16:creationId xmlns:a16="http://schemas.microsoft.com/office/drawing/2014/main" id="{A9B593D1-1F70-2347-80A6-520C61091435}"/>
+              </a:ext>
+            </a:extLst>
+          </p:cNvPr>
+          <p:cNvSpPr>
+            <a:spLocks noGrp="1"/>
+          </p:cNvSpPr>
+          <p:nvPr>
+            <p:ph type="title"/>
+          </p:nvPr>
+        </p:nvSpPr>
+        <p:spPr>
+          <a:xfrm>
+            <a:off x="-74950" y="-371063"/>
+            <a:ext cx="4363386" cy="1509490"/>
+          </a:xfrm>
+        </p:spPr>
+        <p:txBody>
+          <a:bodyPr>
+            <a:normAutofit/>
+          </a:bodyPr>
+          <a:lstStyle/>
+          <a:p>
+            <a:pPr algn="ctr"/>
+            <a:r>
+              <a:rPr lang="pt-BR" b="1" dirty="0">
+                <a:effectLst>
+                  <a:outerShdw blurRad="254000" dist="38100" dir="2700000" algn="tl" rotWithShape="0">
+                    <a:prstClr val="black">
+                      <a:alpha val="40000"/>
+                    </a:prstClr>
+                  </a:outerShdw>
+                </a:effectLst>
+              </a:rPr>
+              <a:t>SEM mas!!!</a:t>
+            </a:r>
+            <a:endParaRPr lang="pt-BR" i="1" cap="none" dirty="0">
+              <a:effectLst>
+                <a:outerShdw blurRad="254000" dist="38100" dir="2700000" algn="tl" rotWithShape="0">
+                  <a:prstClr val="black">
+                    <a:alpha val="40000"/>
+                  </a:prstClr>
+                </a:outerShdw>
+              </a:effectLst>
+            </a:endParaRPr>
+          </a:p>
+        </p:txBody>
+      </p:sp>
       <p:sp>
         <p:nvSpPr>
           <p:cNvPr id="3" name="Content Placeholder 2">
@@ -24077,59 +22659,6 @@
               <a:solidFill>
                 <a:schemeClr val="bg1"/>
               </a:solidFill>
-            </a:endParaRPr>
-          </a:p>
-        </p:txBody>
-      </p:sp>
-      <p:sp>
-        <p:nvSpPr>
-          <p:cNvPr id="12" name="Title 1">
-            <a:extLst>
-              <a:ext uri="{FF2B5EF4-FFF2-40B4-BE49-F238E27FC236}">
-                <a16:creationId xmlns:a16="http://schemas.microsoft.com/office/drawing/2014/main" id="{A9B593D1-1F70-2347-80A6-520C61091435}"/>
-              </a:ext>
-            </a:extLst>
-          </p:cNvPr>
-          <p:cNvSpPr>
-            <a:spLocks noGrp="1"/>
-          </p:cNvSpPr>
-          <p:nvPr>
-            <p:ph type="title"/>
-          </p:nvPr>
-        </p:nvSpPr>
-        <p:spPr>
-          <a:xfrm>
-            <a:off x="-74950" y="-371063"/>
-            <a:ext cx="4363386" cy="1509490"/>
-          </a:xfrm>
-        </p:spPr>
-        <p:txBody>
-          <a:bodyPr>
-            <a:normAutofit/>
-          </a:bodyPr>
-          <a:lstStyle/>
-          <a:p>
-            <a:pPr algn="ctr"/>
-            <a:r>
-              <a:rPr lang="pt-BR" b="1">
-                <a:effectLst>
-                  <a:outerShdw blurRad="254000" dist="38100" dir="2700000" algn="tl" rotWithShape="0">
-                    <a:prstClr val="black">
-                      <a:alpha val="40000"/>
-                    </a:prstClr>
-                  </a:outerShdw>
-                </a:effectLst>
-              </a:rPr>
-              <a:t>Não tem mas!!!!</a:t>
-            </a:r>
-            <a:endParaRPr lang="pt-BR" i="1" cap="none">
-              <a:effectLst>
-                <a:outerShdw blurRad="254000" dist="38100" dir="2700000" algn="tl" rotWithShape="0">
-                  <a:prstClr val="black">
-                    <a:alpha val="40000"/>
-                  </a:prstClr>
-                </a:outerShdw>
-              </a:effectLst>
             </a:endParaRPr>
           </a:p>
         </p:txBody>
@@ -24352,12 +22881,307 @@
 <file path=ppt/slides/slide32.xml><?xml version="1.0" encoding="utf-8"?>
 <p:sld xmlns:a="http://schemas.openxmlformats.org/drawingml/2006/main" xmlns:r="http://schemas.openxmlformats.org/officeDocument/2006/relationships" xmlns:p="http://schemas.openxmlformats.org/presentationml/2006/main">
   <p:cSld>
+    <p:spTree>
+      <p:nvGrpSpPr>
+        <p:cNvPr id="1" name=""/>
+        <p:cNvGrpSpPr/>
+        <p:nvPr/>
+      </p:nvGrpSpPr>
+      <p:grpSpPr>
+        <a:xfrm>
+          <a:off x="0" y="0"/>
+          <a:ext cx="0" cy="0"/>
+          <a:chOff x="0" y="0"/>
+          <a:chExt cx="0" cy="0"/>
+        </a:xfrm>
+      </p:grpSpPr>
+      <p:sp>
+        <p:nvSpPr>
+          <p:cNvPr id="2" name="Title 1">
+            <a:extLst>
+              <a:ext uri="{FF2B5EF4-FFF2-40B4-BE49-F238E27FC236}">
+                <a16:creationId xmlns:a16="http://schemas.microsoft.com/office/drawing/2014/main" id="{D0A517DD-B0A3-B841-9D3A-ECFA3773965E}"/>
+              </a:ext>
+            </a:extLst>
+          </p:cNvPr>
+          <p:cNvSpPr>
+            <a:spLocks noGrp="1"/>
+          </p:cNvSpPr>
+          <p:nvPr>
+            <p:ph type="title"/>
+          </p:nvPr>
+        </p:nvSpPr>
+        <p:spPr/>
+        <p:txBody>
+          <a:bodyPr/>
+          <a:lstStyle/>
+          <a:p>
+            <a:pPr algn="ctr"/>
+            <a:r>
+              <a:rPr lang="pt" b="1" i="1" dirty="0"/>
+              <a:t>Testes apenas são capazes de mostrar a presença de erros, não sua ausência.</a:t>
+            </a:r>
+            <a:endParaRPr lang="pt-BR" i="1" dirty="0"/>
+          </a:p>
+        </p:txBody>
+      </p:sp>
+      <p:sp>
+        <p:nvSpPr>
+          <p:cNvPr id="3" name="Text Placeholder 2">
+            <a:extLst>
+              <a:ext uri="{FF2B5EF4-FFF2-40B4-BE49-F238E27FC236}">
+                <a16:creationId xmlns:a16="http://schemas.microsoft.com/office/drawing/2014/main" id="{5FE88C27-1A35-4641-962F-E69A80C7E47B}"/>
+              </a:ext>
+            </a:extLst>
+          </p:cNvPr>
+          <p:cNvSpPr>
+            <a:spLocks noGrp="1"/>
+          </p:cNvSpPr>
+          <p:nvPr>
+            <p:ph type="body" sz="half" idx="13"/>
+          </p:nvPr>
+        </p:nvSpPr>
+        <p:spPr>
+          <a:xfrm>
+            <a:off x="1496291" y="3499973"/>
+            <a:ext cx="10524572" cy="1695482"/>
+          </a:xfrm>
+        </p:spPr>
+        <p:txBody>
+          <a:bodyPr>
+            <a:noAutofit/>
+          </a:bodyPr>
+          <a:lstStyle/>
+          <a:p>
+            <a:pPr algn="r"/>
+            <a:r>
+              <a:rPr lang="pt" sz="3600" dirty="0" err="1"/>
+              <a:t>Edsger</a:t>
+            </a:r>
+            <a:r>
+              <a:rPr lang="pt" sz="3600" dirty="0"/>
+              <a:t> </a:t>
+            </a:r>
+            <a:r>
+              <a:rPr lang="pt" sz="3600" dirty="0" err="1"/>
+              <a:t>Dijkstra</a:t>
+            </a:r>
+            <a:r>
+              <a:rPr lang="pt" sz="3600" dirty="0"/>
+              <a:t>, Cientista da Computação</a:t>
+            </a:r>
+            <a:br>
+              <a:rPr lang="pt" sz="3600" dirty="0"/>
+            </a:br>
+            <a:r>
+              <a:rPr lang="en-US" sz="3600" dirty="0">
+                <a:hlinkClick r:id="rId2"/>
+              </a:rPr>
+              <a:t>https://pt.wikiquote.org/wiki/Edsger_Dijkstra</a:t>
+            </a:r>
+            <a:r>
+              <a:rPr lang="en-US" sz="3600" dirty="0"/>
+              <a:t> </a:t>
+            </a:r>
+            <a:endParaRPr lang="pt-BR" sz="3600" dirty="0"/>
+          </a:p>
+        </p:txBody>
+      </p:sp>
+      <p:sp>
+        <p:nvSpPr>
+          <p:cNvPr id="4" name="Text Placeholder 3">
+            <a:extLst>
+              <a:ext uri="{FF2B5EF4-FFF2-40B4-BE49-F238E27FC236}">
+                <a16:creationId xmlns:a16="http://schemas.microsoft.com/office/drawing/2014/main" id="{D3D4C110-32EB-CE45-9900-5EFFC085D62F}"/>
+              </a:ext>
+            </a:extLst>
+          </p:cNvPr>
+          <p:cNvSpPr>
+            <a:spLocks noGrp="1"/>
+          </p:cNvSpPr>
+          <p:nvPr>
+            <p:ph type="body" sz="half" idx="2"/>
+          </p:nvPr>
+        </p:nvSpPr>
+        <p:spPr>
+          <a:xfrm>
+            <a:off x="2583443" y="241178"/>
+            <a:ext cx="7759769" cy="679871"/>
+          </a:xfrm>
+        </p:spPr>
+        <p:txBody>
+          <a:bodyPr>
+            <a:normAutofit/>
+          </a:bodyPr>
+          <a:lstStyle/>
+          <a:p>
+            <a:pPr algn="ctr"/>
+            <a:r>
+              <a:rPr lang="pt-BR" sz="3600" b="1" dirty="0"/>
+              <a:t>Mas tenha em mente que...</a:t>
+            </a:r>
+          </a:p>
+        </p:txBody>
+      </p:sp>
+    </p:spTree>
+    <p:extLst>
+      <p:ext uri="{BB962C8B-B14F-4D97-AF65-F5344CB8AC3E}">
+        <p14:creationId xmlns:p14="http://schemas.microsoft.com/office/powerpoint/2010/main" val="776110991"/>
+      </p:ext>
+    </p:extLst>
+  </p:cSld>
+  <p:clrMapOvr>
+    <a:masterClrMapping/>
+  </p:clrMapOvr>
+  <p:timing>
+    <p:tnLst>
+      <p:par>
+        <p:cTn id="1" dur="indefinite" restart="never" nodeType="tmRoot">
+          <p:childTnLst>
+            <p:seq concurrent="1" nextAc="seek">
+              <p:cTn id="2" dur="indefinite" nodeType="mainSeq">
+                <p:childTnLst>
+                  <p:par>
+                    <p:cTn id="3" fill="hold">
+                      <p:stCondLst>
+                        <p:cond delay="indefinite"/>
+                      </p:stCondLst>
+                      <p:childTnLst>
+                        <p:par>
+                          <p:cTn id="4" fill="hold">
+                            <p:stCondLst>
+                              <p:cond delay="0"/>
+                            </p:stCondLst>
+                            <p:childTnLst>
+                              <p:par>
+                                <p:cTn id="5" presetID="9" presetClass="entr" presetSubtype="0" fill="hold" grpId="0" nodeType="clickEffect">
+                                  <p:stCondLst>
+                                    <p:cond delay="0"/>
+                                  </p:stCondLst>
+                                  <p:childTnLst>
+                                    <p:set>
+                                      <p:cBhvr>
+                                        <p:cTn id="6" dur="1" fill="hold">
+                                          <p:stCondLst>
+                                            <p:cond delay="0"/>
+                                          </p:stCondLst>
+                                        </p:cTn>
+                                        <p:tgtEl>
+                                          <p:spTgt spid="2"/>
+                                        </p:tgtEl>
+                                        <p:attrNameLst>
+                                          <p:attrName>style.visibility</p:attrName>
+                                        </p:attrNameLst>
+                                      </p:cBhvr>
+                                      <p:to>
+                                        <p:strVal val="visible"/>
+                                      </p:to>
+                                    </p:set>
+                                    <p:animEffect transition="in" filter="dissolve">
+                                      <p:cBhvr>
+                                        <p:cTn id="7" dur="500"/>
+                                        <p:tgtEl>
+                                          <p:spTgt spid="2"/>
+                                        </p:tgtEl>
+                                      </p:cBhvr>
+                                    </p:animEffect>
+                                  </p:childTnLst>
+                                </p:cTn>
+                              </p:par>
+                            </p:childTnLst>
+                          </p:cTn>
+                        </p:par>
+                        <p:par>
+                          <p:cTn id="8" fill="hold">
+                            <p:stCondLst>
+                              <p:cond delay="500"/>
+                            </p:stCondLst>
+                            <p:childTnLst>
+                              <p:par>
+                                <p:cTn id="9" presetID="9" presetClass="entr" presetSubtype="0" fill="hold" grpId="0" nodeType="afterEffect">
+                                  <p:stCondLst>
+                                    <p:cond delay="1000"/>
+                                  </p:stCondLst>
+                                  <p:childTnLst>
+                                    <p:set>
+                                      <p:cBhvr>
+                                        <p:cTn id="10" dur="1" fill="hold">
+                                          <p:stCondLst>
+                                            <p:cond delay="0"/>
+                                          </p:stCondLst>
+                                        </p:cTn>
+                                        <p:tgtEl>
+                                          <p:spTgt spid="3">
+                                            <p:txEl>
+                                              <p:pRg st="0" end="0"/>
+                                            </p:txEl>
+                                          </p:spTgt>
+                                        </p:tgtEl>
+                                        <p:attrNameLst>
+                                          <p:attrName>style.visibility</p:attrName>
+                                        </p:attrNameLst>
+                                      </p:cBhvr>
+                                      <p:to>
+                                        <p:strVal val="visible"/>
+                                      </p:to>
+                                    </p:set>
+                                    <p:animEffect transition="in" filter="dissolve">
+                                      <p:cBhvr>
+                                        <p:cTn id="11" dur="500"/>
+                                        <p:tgtEl>
+                                          <p:spTgt spid="3">
+                                            <p:txEl>
+                                              <p:pRg st="0" end="0"/>
+                                            </p:txEl>
+                                          </p:spTgt>
+                                        </p:tgtEl>
+                                      </p:cBhvr>
+                                    </p:animEffect>
+                                  </p:childTnLst>
+                                </p:cTn>
+                              </p:par>
+                            </p:childTnLst>
+                          </p:cTn>
+                        </p:par>
+                      </p:childTnLst>
+                    </p:cTn>
+                  </p:par>
+                </p:childTnLst>
+              </p:cTn>
+              <p:prevCondLst>
+                <p:cond evt="onPrev" delay="0">
+                  <p:tgtEl>
+                    <p:sldTgt/>
+                  </p:tgtEl>
+                </p:cond>
+              </p:prevCondLst>
+              <p:nextCondLst>
+                <p:cond evt="onNext" delay="0">
+                  <p:tgtEl>
+                    <p:sldTgt/>
+                  </p:tgtEl>
+                </p:cond>
+              </p:nextCondLst>
+            </p:seq>
+          </p:childTnLst>
+        </p:cTn>
+      </p:par>
+    </p:tnLst>
+    <p:bldLst>
+      <p:bldP spid="2" grpId="0"/>
+      <p:bldP spid="3" grpId="0" build="p"/>
+    </p:bldLst>
+  </p:timing>
+</p:sld>
+</file>
+
+<file path=ppt/slides/slide33.xml><?xml version="1.0" encoding="utf-8"?>
+<p:sld xmlns:a="http://schemas.openxmlformats.org/drawingml/2006/main" xmlns:r="http://schemas.openxmlformats.org/officeDocument/2006/relationships" xmlns:p="http://schemas.openxmlformats.org/presentationml/2006/main">
+  <p:cSld>
     <p:bg>
       <p:bgPr>
         <a:solidFill>
-          <a:schemeClr val="tx1">
-            <a:lumMod val="95000"/>
-          </a:schemeClr>
+          <a:schemeClr val="bg1"/>
         </a:solidFill>
         <a:effectLst/>
       </p:bgPr>
@@ -24406,11 +23230,7 @@
           <a:p>
             <a:pPr algn="ctr"/>
             <a:r>
-              <a:rPr lang="pt-BR" b="1">
-                <a:solidFill>
-                  <a:schemeClr val="bg1"/>
-                </a:solidFill>
-              </a:rPr>
+              <a:rPr lang="pt-BR" b="1" dirty="0"/>
               <a:t>Referências</a:t>
             </a:r>
           </a:p>
@@ -24445,124 +23265,65 @@
           <a:lstStyle/>
           <a:p>
             <a:r>
-              <a:rPr lang="en-US" sz="2800" err="1">
-                <a:solidFill>
-                  <a:schemeClr val="bg1"/>
-                </a:solidFill>
-              </a:rPr>
+              <a:rPr lang="en-US" sz="2800" dirty="0" err="1"/>
               <a:t>Livro</a:t>
             </a:r>
             <a:r>
-              <a:rPr lang="en-US" sz="2800">
-                <a:solidFill>
-                  <a:schemeClr val="bg1"/>
-                </a:solidFill>
-              </a:rPr>
+              <a:rPr lang="en-US" sz="2800" dirty="0"/>
               <a:t> “</a:t>
             </a:r>
             <a:r>
-              <a:rPr lang="en-US" sz="2800" err="1">
-                <a:solidFill>
-                  <a:schemeClr val="bg1"/>
-                </a:solidFill>
-              </a:rPr>
+              <a:rPr lang="en-US" sz="2800" dirty="0" err="1"/>
               <a:t>Desenvolvimento</a:t>
             </a:r>
             <a:r>
-              <a:rPr lang="en-US" sz="2800">
-                <a:solidFill>
-                  <a:schemeClr val="bg1"/>
-                </a:solidFill>
-              </a:rPr>
+              <a:rPr lang="en-US" sz="2800" dirty="0"/>
               <a:t> de software </a:t>
             </a:r>
             <a:r>
-              <a:rPr lang="en-US" sz="2800" err="1">
-                <a:solidFill>
-                  <a:schemeClr val="bg1"/>
-                </a:solidFill>
-              </a:rPr>
+              <a:rPr lang="en-US" sz="2800" dirty="0" err="1"/>
               <a:t>orientados</a:t>
             </a:r>
             <a:r>
-              <a:rPr lang="en-US" sz="2800">
-                <a:solidFill>
-                  <a:schemeClr val="bg1"/>
-                </a:solidFill>
-              </a:rPr>
+              <a:rPr lang="en-US" sz="2800" dirty="0"/>
               <a:t> a </a:t>
             </a:r>
             <a:r>
-              <a:rPr lang="en-US" sz="2800" err="1">
-                <a:solidFill>
-                  <a:schemeClr val="bg1"/>
-                </a:solidFill>
-              </a:rPr>
+              <a:rPr lang="en-US" sz="2800" dirty="0" err="1"/>
               <a:t>objetos</a:t>
             </a:r>
             <a:r>
-              <a:rPr lang="en-US" sz="2800">
-                <a:solidFill>
-                  <a:schemeClr val="bg1"/>
-                </a:solidFill>
-              </a:rPr>
+              <a:rPr lang="en-US" sz="2800" dirty="0"/>
               <a:t>, </a:t>
             </a:r>
             <a:r>
-              <a:rPr lang="en-US" sz="2800" err="1">
-                <a:solidFill>
-                  <a:schemeClr val="bg1"/>
-                </a:solidFill>
-              </a:rPr>
+              <a:rPr lang="en-US" sz="2800" dirty="0" err="1"/>
               <a:t>guiado</a:t>
             </a:r>
             <a:r>
-              <a:rPr lang="en-US" sz="2800">
-                <a:solidFill>
-                  <a:schemeClr val="bg1"/>
-                </a:solidFill>
-              </a:rPr>
+              <a:rPr lang="en-US" sz="2800" dirty="0"/>
               <a:t> </a:t>
             </a:r>
             <a:r>
-              <a:rPr lang="en-US" sz="2800" err="1">
-                <a:solidFill>
-                  <a:schemeClr val="bg1"/>
-                </a:solidFill>
-              </a:rPr>
+              <a:rPr lang="en-US" sz="2800" dirty="0" err="1"/>
               <a:t>por</a:t>
             </a:r>
             <a:r>
-              <a:rPr lang="en-US" sz="2800">
-                <a:solidFill>
-                  <a:schemeClr val="bg1"/>
-                </a:solidFill>
-              </a:rPr>
+              <a:rPr lang="en-US" sz="2800" dirty="0"/>
               <a:t> testes”. Steve Freeman.</a:t>
             </a:r>
           </a:p>
           <a:p>
             <a:r>
-              <a:rPr lang="en-US" sz="2800" err="1">
-                <a:solidFill>
-                  <a:schemeClr val="bg1"/>
-                </a:solidFill>
-              </a:rPr>
+              <a:rPr lang="en-US" sz="2800" dirty="0" err="1"/>
               <a:t>Livro</a:t>
             </a:r>
             <a:r>
-              <a:rPr lang="en-US" sz="2800">
-                <a:solidFill>
-                  <a:schemeClr val="bg1"/>
-                </a:solidFill>
-              </a:rPr>
+              <a:rPr lang="en-US" sz="2800" dirty="0"/>
               <a:t> “</a:t>
             </a:r>
             <a:r>
-              <a:rPr lang="en-US" sz="2800">
-                <a:solidFill>
-                  <a:schemeClr val="bg1"/>
-                </a:solidFill>
+              <a:rPr lang="en-US" sz="2800" dirty="0">
                 <a:hlinkClick r:id="rId2">
                   <a:extLst>
                     <a:ext uri="{A12FA001-AC4F-418D-AE19-62706E023703}">
@@ -24574,36 +23335,21 @@
               <a:t>Código Limpo</a:t>
             </a:r>
             <a:r>
-              <a:rPr lang="en-US" sz="2800">
-                <a:solidFill>
-                  <a:schemeClr val="bg1"/>
-                </a:solidFill>
-              </a:rPr>
+              <a:rPr lang="en-US" sz="2800" dirty="0"/>
               <a:t>”, Robert Martin.</a:t>
             </a:r>
           </a:p>
           <a:p>
             <a:r>
-              <a:rPr lang="en-US" sz="2800" err="1">
-                <a:solidFill>
-                  <a:schemeClr val="bg1"/>
-                </a:solidFill>
-              </a:rPr>
+              <a:rPr lang="en-US" sz="2800" dirty="0" err="1"/>
               <a:t>Livro</a:t>
             </a:r>
             <a:r>
-              <a:rPr lang="en-US" sz="2800">
-                <a:solidFill>
-                  <a:schemeClr val="bg1"/>
-                </a:solidFill>
-              </a:rPr>
+              <a:rPr lang="en-US" sz="2800" dirty="0"/>
               <a:t> “</a:t>
             </a:r>
             <a:r>
-              <a:rPr lang="en-US" sz="2800">
-                <a:solidFill>
-                  <a:schemeClr val="bg1"/>
-                </a:solidFill>
+              <a:rPr lang="en-US" sz="2800" dirty="0">
                 <a:hlinkClick r:id="rId3">
                   <a:extLst>
                     <a:ext uri="{A12FA001-AC4F-418D-AE19-62706E023703}">
@@ -24615,109 +23361,57 @@
               <a:t>Refatoração: Aperfeiçoando o Projeto</a:t>
             </a:r>
             <a:r>
-              <a:rPr lang="en-US" sz="2800">
-                <a:solidFill>
-                  <a:schemeClr val="bg1"/>
-                </a:solidFill>
-              </a:rPr>
+              <a:rPr lang="en-US" sz="2800" dirty="0"/>
               <a:t> de Código </a:t>
             </a:r>
             <a:r>
-              <a:rPr lang="en-US" sz="2800" err="1">
-                <a:solidFill>
-                  <a:schemeClr val="bg1"/>
-                </a:solidFill>
-              </a:rPr>
+              <a:rPr lang="en-US" sz="2800" dirty="0" err="1"/>
               <a:t>Existente</a:t>
             </a:r>
             <a:r>
-              <a:rPr lang="en-US" sz="2800">
-                <a:solidFill>
-                  <a:schemeClr val="bg1"/>
-                </a:solidFill>
-              </a:rPr>
+              <a:rPr lang="en-US" sz="2800" dirty="0"/>
               <a:t>”, Martin Fowler.</a:t>
             </a:r>
           </a:p>
           <a:p>
             <a:r>
-              <a:rPr lang="en-US" sz="2800" err="1">
-                <a:solidFill>
-                  <a:schemeClr val="bg1"/>
-                </a:solidFill>
-              </a:rPr>
+              <a:rPr lang="en-US" sz="2800" dirty="0" err="1"/>
               <a:t>Livro</a:t>
             </a:r>
             <a:r>
-              <a:rPr lang="en-US" sz="2800">
-                <a:solidFill>
-                  <a:schemeClr val="bg1"/>
-                </a:solidFill>
-              </a:rPr>
+              <a:rPr lang="en-US" sz="2800" dirty="0"/>
               <a:t> “</a:t>
             </a:r>
             <a:r>
-              <a:rPr lang="en-US" sz="2800" u="sng">
-                <a:solidFill>
-                  <a:schemeClr val="bg1"/>
-                </a:solidFill>
-              </a:rPr>
+              <a:rPr lang="en-US" sz="2800" u="sng" dirty="0"/>
               <a:t>TDD: </a:t>
             </a:r>
             <a:r>
-              <a:rPr lang="en-US" sz="2800" u="sng" err="1">
-                <a:solidFill>
-                  <a:schemeClr val="bg1"/>
-                </a:solidFill>
-              </a:rPr>
+              <a:rPr lang="en-US" sz="2800" u="sng" dirty="0" err="1"/>
               <a:t>Desenvolvimento</a:t>
             </a:r>
             <a:r>
-              <a:rPr lang="en-US" sz="2800" u="sng">
-                <a:solidFill>
-                  <a:schemeClr val="bg1"/>
-                </a:solidFill>
-              </a:rPr>
+              <a:rPr lang="en-US" sz="2800" u="sng" dirty="0"/>
               <a:t> </a:t>
             </a:r>
             <a:r>
-              <a:rPr lang="en-US" sz="2800" u="sng" err="1">
-                <a:solidFill>
-                  <a:schemeClr val="bg1"/>
-                </a:solidFill>
-              </a:rPr>
+              <a:rPr lang="en-US" sz="2800" u="sng" dirty="0" err="1"/>
               <a:t>Guiado</a:t>
             </a:r>
             <a:r>
-              <a:rPr lang="en-US" sz="2800" u="sng">
-                <a:solidFill>
-                  <a:schemeClr val="bg1"/>
-                </a:solidFill>
-              </a:rPr>
+              <a:rPr lang="en-US" sz="2800" u="sng" dirty="0"/>
               <a:t> </a:t>
             </a:r>
             <a:r>
-              <a:rPr lang="en-US" sz="2800" u="sng" err="1">
-                <a:solidFill>
-                  <a:schemeClr val="bg1"/>
-                </a:solidFill>
-              </a:rPr>
+              <a:rPr lang="en-US" sz="2800" u="sng" dirty="0" err="1"/>
               <a:t>por</a:t>
             </a:r>
             <a:r>
-              <a:rPr lang="en-US" sz="2800" u="sng">
-                <a:solidFill>
-                  <a:schemeClr val="bg1"/>
-                </a:solidFill>
-              </a:rPr>
+              <a:rPr lang="en-US" sz="2800" u="sng" dirty="0"/>
               <a:t> Testes</a:t>
             </a:r>
             <a:r>
-              <a:rPr lang="en-US" sz="2800">
-                <a:solidFill>
-                  <a:schemeClr val="bg1"/>
-                </a:solidFill>
-              </a:rPr>
+              <a:rPr lang="en-US" sz="2800" dirty="0"/>
               <a:t>”, Kent Beck.</a:t>
             </a:r>
           </a:p>
@@ -24747,14 +23441,14 @@
             <a:fld id="{2183B7EE-0FBE-B749-875F-ED24F5ECD71F}" type="slidenum">
               <a:rPr lang="en-US" smtClean="0">
                 <a:solidFill>
-                  <a:schemeClr val="bg1"/>
+                  <a:schemeClr val="tx1"/>
                 </a:solidFill>
               </a:rPr>
-              <a:t>32</a:t>
+              <a:t>33</a:t>
             </a:fld>
             <a:endParaRPr lang="en-US">
               <a:solidFill>
-                <a:schemeClr val="bg1"/>
+                <a:schemeClr val="tx1"/>
               </a:solidFill>
             </a:endParaRPr>
           </a:p>
@@ -26169,15 +24863,7 @@
           <a:p>
             <a:r>
               <a:rPr lang="pt-BR" sz="3200" dirty="0"/>
-              <a:t>Um método longo normalmente é </a:t>
-            </a:r>
-            <a:r>
-              <a:rPr lang="pt-BR" sz="3200" dirty="0" err="1"/>
-              <a:t>difícel</a:t>
-            </a:r>
-            <a:r>
-              <a:rPr lang="pt-BR" sz="3200" dirty="0"/>
-              <a:t> de ler</a:t>
+              <a:t>Um método longo normalmente é difícil de ler</a:t>
             </a:r>
           </a:p>
           <a:p>
@@ -26187,19 +24873,11 @@
             </a:r>
             <a:r>
               <a:rPr lang="en-US" sz="3200" dirty="0" err="1"/>
-              <a:t>criou</a:t>
+              <a:t>cunhou</a:t>
             </a:r>
             <a:r>
               <a:rPr lang="en-US" sz="3200" dirty="0"/>
-              <a:t> </a:t>
-            </a:r>
-            <a:r>
-              <a:rPr lang="en-US" sz="3200" dirty="0" err="1"/>
-              <a:t>uma</a:t>
-            </a:r>
-            <a:r>
-              <a:rPr lang="en-US" sz="3200" dirty="0"/>
-              <a:t> </a:t>
+              <a:t> a </a:t>
             </a:r>
             <a:r>
               <a:rPr lang="en-US" sz="3200" dirty="0" err="1"/>
@@ -26207,24 +24885,11 @@
             </a:r>
             <a:r>
               <a:rPr lang="en-US" sz="3200" dirty="0"/>
-              <a:t> </a:t>
-            </a:r>
-            <a:r>
-              <a:rPr lang="en-US" sz="3200" dirty="0" err="1"/>
-              <a:t>pra</a:t>
-            </a:r>
-            <a:r>
+              <a:t>: </a:t>
+            </a:r>
+            <a:br>
               <a:rPr lang="en-US" sz="3200" dirty="0"/>
-              <a:t> </a:t>
-            </a:r>
-            <a:r>
-              <a:rPr lang="en-US" sz="3200" dirty="0" err="1"/>
-              <a:t>isso</a:t>
-            </a:r>
-            <a:r>
-              <a:rPr lang="en-US" sz="3200" dirty="0"/>
-              <a:t>: </a:t>
-            </a:r>
+            </a:br>
             <a:r>
               <a:rPr lang="en-US" sz="3200" dirty="0">
                 <a:hlinkClick r:id="rId2"/>
@@ -26623,6 +25288,14 @@
 <file path=ppt/slides/slide7.xml><?xml version="1.0" encoding="utf-8"?>
 <p:sld xmlns:a="http://schemas.openxmlformats.org/drawingml/2006/main" xmlns:r="http://schemas.openxmlformats.org/officeDocument/2006/relationships" xmlns:p="http://schemas.openxmlformats.org/presentationml/2006/main">
   <p:cSld>
+    <p:bg>
+      <p:bgPr>
+        <a:solidFill>
+          <a:schemeClr val="tx1"/>
+        </a:solidFill>
+        <a:effectLst/>
+      </p:bgPr>
+    </p:bg>
     <p:spTree>
       <p:nvGrpSpPr>
         <p:cNvPr id="1" name=""/>
@@ -26652,7 +25325,7 @@
           <p:nvPr/>
         </p:nvPicPr>
         <p:blipFill>
-          <a:blip r:embed="rId3"/>
+          <a:blip r:embed="rId2"/>
           <a:stretch>
             <a:fillRect/>
           </a:stretch>
@@ -26697,10 +25370,18 @@
           <a:p>
             <a:pPr algn="ctr"/>
             <a:r>
-              <a:rPr lang="pt-BR" b="1" i="1"/>
+              <a:rPr lang="pt-BR" b="1" i="1">
+                <a:solidFill>
+                  <a:schemeClr val="bg1"/>
+                </a:solidFill>
+              </a:rPr>
               <a:t>Código Duplicado</a:t>
             </a:r>
-            <a:endParaRPr lang="pt-BR"/>
+            <a:endParaRPr lang="pt-BR">
+              <a:solidFill>
+                <a:schemeClr val="bg1"/>
+              </a:solidFill>
+            </a:endParaRPr>
           </a:p>
         </p:txBody>
       </p:sp>
@@ -26733,31 +25414,51 @@
           <a:lstStyle/>
           <a:p>
             <a:r>
-              <a:rPr lang="pt-BR" sz="3200" dirty="0"/>
+              <a:rPr lang="pt-BR" sz="3200" dirty="0">
+                <a:solidFill>
+                  <a:schemeClr val="bg1"/>
+                </a:solidFill>
+              </a:rPr>
               <a:t>Frequentemente, métodos longos escondem muito código duplicado</a:t>
             </a:r>
           </a:p>
           <a:p>
             <a:r>
-              <a:rPr lang="pt-BR" sz="3200" dirty="0"/>
+              <a:rPr lang="pt-BR" sz="3200" dirty="0">
+                <a:solidFill>
+                  <a:schemeClr val="bg1"/>
+                </a:solidFill>
+              </a:rPr>
               <a:t>Causa retrabalho e demora no desenvolvimento de software</a:t>
             </a:r>
           </a:p>
           <a:p>
             <a:r>
-              <a:rPr lang="pt-BR" sz="3200" dirty="0"/>
+              <a:rPr lang="pt-BR" sz="3200" dirty="0">
+                <a:solidFill>
+                  <a:schemeClr val="bg1"/>
+                </a:solidFill>
+              </a:rPr>
               <a:t>Dificulta o teste do software: seria preciso testar cada cópia</a:t>
             </a:r>
           </a:p>
           <a:p>
             <a:r>
-              <a:rPr lang="pt-BR" sz="3200" dirty="0"/>
+              <a:rPr lang="pt-BR" sz="3200" dirty="0">
+                <a:solidFill>
+                  <a:schemeClr val="bg1"/>
+                </a:solidFill>
+              </a:rPr>
               <a:t>Se um cópia estiver errada, é preciso corrigir todas: retrabalho</a:t>
             </a:r>
           </a:p>
           <a:p>
             <a:r>
-              <a:rPr lang="pt-BR" sz="3200" dirty="0"/>
+              <a:rPr lang="pt-BR" sz="3200" dirty="0">
+                <a:solidFill>
+                  <a:schemeClr val="bg1"/>
+                </a:solidFill>
+              </a:rPr>
               <a:t>É maligno: ele vai tramar contra você! 😱😭</a:t>
             </a:r>
           </a:p>
@@ -26785,10 +25486,18 @@
           <a:lstStyle/>
           <a:p>
             <a:fld id="{2183B7EE-0FBE-B749-875F-ED24F5ECD71F}" type="slidenum">
-              <a:rPr lang="en-US" smtClean="0"/>
+              <a:rPr lang="en-US" smtClean="0">
+                <a:solidFill>
+                  <a:schemeClr val="bg1"/>
+                </a:solidFill>
+              </a:rPr>
               <a:t>7</a:t>
             </a:fld>
-            <a:endParaRPr lang="en-US"/>
+            <a:endParaRPr lang="en-US">
+              <a:solidFill>
+                <a:schemeClr val="bg1"/>
+              </a:solidFill>
+            </a:endParaRPr>
           </a:p>
         </p:txBody>
       </p:sp>
@@ -26822,38 +25531,74 @@
           <a:p>
             <a:pPr algn="ctr"/>
             <a:r>
-              <a:rPr lang="pt-BR" sz="1000"/>
+              <a:rPr lang="pt-BR" sz="1000">
+                <a:solidFill>
+                  <a:schemeClr val="bg1"/>
+                </a:solidFill>
+              </a:rPr>
               <a:t>Imagem: </a:t>
             </a:r>
             <a:r>
-              <a:rPr lang="pt-BR" sz="1000" err="1"/>
+              <a:rPr lang="pt-BR" sz="1000" err="1">
+                <a:solidFill>
+                  <a:schemeClr val="bg1"/>
+                </a:solidFill>
+              </a:rPr>
               <a:t>http</a:t>
             </a:r>
             <a:r>
-              <a:rPr lang="pt-BR" sz="1000"/>
+              <a:rPr lang="pt-BR" sz="1000">
+                <a:solidFill>
+                  <a:schemeClr val="bg1"/>
+                </a:solidFill>
+              </a:rPr>
               <a:t>://</a:t>
             </a:r>
             <a:r>
-              <a:rPr lang="pt-BR" sz="1000" err="1"/>
+              <a:rPr lang="pt-BR" sz="1000" err="1">
+                <a:solidFill>
+                  <a:schemeClr val="bg1"/>
+                </a:solidFill>
+              </a:rPr>
               <a:t>arenaxlsm.wikia.com</a:t>
             </a:r>
             <a:r>
-              <a:rPr lang="pt-BR" sz="1000"/>
+              <a:rPr lang="pt-BR" sz="1000">
+                <a:solidFill>
+                  <a:schemeClr val="bg1"/>
+                </a:solidFill>
+              </a:rPr>
               <a:t>/</a:t>
             </a:r>
             <a:r>
-              <a:rPr lang="pt-BR" sz="1000" err="1"/>
+              <a:rPr lang="pt-BR" sz="1000" err="1">
+                <a:solidFill>
+                  <a:schemeClr val="bg1"/>
+                </a:solidFill>
+              </a:rPr>
               <a:t>wiki</a:t>
             </a:r>
             <a:r>
-              <a:rPr lang="pt-BR" sz="1000"/>
+              <a:rPr lang="pt-BR" sz="1000">
+                <a:solidFill>
+                  <a:schemeClr val="bg1"/>
+                </a:solidFill>
+              </a:rPr>
               <a:t>/</a:t>
             </a:r>
             <a:r>
-              <a:rPr lang="pt-BR" sz="1000" err="1"/>
+              <a:rPr lang="pt-BR" sz="1000" err="1">
+                <a:solidFill>
+                  <a:schemeClr val="bg1"/>
+                </a:solidFill>
+              </a:rPr>
               <a:t>The_Ultimate_Evil</a:t>
             </a:r>
-            <a:endParaRPr lang="pt-BR" sz="1000"/>
+            <a:endParaRPr lang="pt-BR" sz="1000">
+              <a:solidFill>
+                <a:schemeClr val="bg1"/>
+              </a:solidFill>
+            </a:endParaRPr>
           </a:p>
         </p:txBody>
       </p:sp>
@@ -27379,29 +26124,6 @@
                                       </p:cBhvr>
                                     </p:animEffect>
                                   </p:childTnLst>
-                                  <p:subTnLst>
-                                    <p:audio>
-                                      <p:cMediaNode>
-                                        <p:cTn display="0" masterRel="sameClick">
-                                          <p:stCondLst>
-                                            <p:cond evt="begin" delay="0">
-                                              <p:tn val="40"/>
-                                            </p:cond>
-                                          </p:stCondLst>
-                                          <p:endCondLst>
-                                            <p:cond evt="onStopAudio" delay="0">
-                                              <p:tgtEl>
-                                                <p:sldTgt/>
-                                              </p:tgtEl>
-                                            </p:cond>
-                                          </p:endCondLst>
-                                        </p:cTn>
-                                        <p:tgtEl>
-                                          <p:sndTgt r:embed="rId2" name="voltage.wav"/>
-                                        </p:tgtEl>
-                                      </p:cMediaNode>
-                                    </p:audio>
-                                  </p:subTnLst>
                                 </p:cTn>
                               </p:par>
                               <p:par>
@@ -27459,7 +26181,7 @@
       </p:par>
     </p:tnLst>
     <p:bldLst>
-      <p:bldP spid="3" grpId="0" uiExpand="1" build="p"/>
+      <p:bldP spid="3" grpId="0" build="p"/>
       <p:bldP spid="3" grpId="1" uiExpand="1" build="p"/>
       <p:bldP spid="7" grpId="0"/>
     </p:bldLst>
@@ -27470,16 +26192,6 @@
 <file path=ppt/slides/slide8.xml><?xml version="1.0" encoding="utf-8"?>
 <p:sld xmlns:a="http://schemas.openxmlformats.org/drawingml/2006/main" xmlns:r="http://schemas.openxmlformats.org/officeDocument/2006/relationships" xmlns:p="http://schemas.openxmlformats.org/presentationml/2006/main">
   <p:cSld>
-    <p:bg>
-      <p:bgPr>
-        <a:solidFill>
-          <a:schemeClr val="tx1">
-            <a:lumMod val="95000"/>
-          </a:schemeClr>
-        </a:solidFill>
-        <a:effectLst/>
-      </p:bgPr>
-    </p:bg>
     <p:spTree>
       <p:nvGrpSpPr>
         <p:cNvPr id="1" name=""/>
@@ -27561,7 +26273,7 @@
           <p:spPr>
             <a:xfrm>
               <a:off x="8290123" y="3418523"/>
-              <a:ext cx="3300236" cy="1015663"/>
+              <a:ext cx="3300236" cy="1071079"/>
             </a:xfrm>
             <a:prstGeom prst="rect">
               <a:avLst/>
@@ -27576,26 +26288,14 @@
             <a:p>
               <a:pPr algn="ctr"/>
               <a:r>
-                <a:rPr lang="pt-BR" sz="2000" b="1" dirty="0">
-                  <a:solidFill>
-                    <a:schemeClr val="bg1"/>
-                  </a:solidFill>
-                </a:rPr>
+                <a:rPr lang="pt-BR" sz="2000" b="1" dirty="0"/>
                 <a:t>Tá inventando moda. </a:t>
               </a:r>
               <a:br>
-                <a:rPr lang="pt-BR" sz="2000" b="1" dirty="0">
-                  <a:solidFill>
-                    <a:schemeClr val="bg1"/>
-                  </a:solidFill>
-                </a:rPr>
+                <a:rPr lang="pt-BR" sz="2000" b="1" dirty="0"/>
               </a:br>
               <a:r>
-                <a:rPr lang="pt-BR" sz="2000" b="1" dirty="0">
-                  <a:solidFill>
-                    <a:schemeClr val="bg1"/>
-                  </a:solidFill>
-                </a:rPr>
+                <a:rPr lang="pt-BR" sz="2000" b="1" dirty="0"/>
                 <a:t>Software não é tomate pra apodrecer!</a:t>
               </a:r>
             </a:p>
@@ -27616,7 +26316,7 @@
           <p:spPr>
             <a:xfrm>
               <a:off x="2413809" y="6557603"/>
-              <a:ext cx="2063385" cy="246221"/>
+              <a:ext cx="2158829" cy="259655"/>
             </a:xfrm>
             <a:prstGeom prst="rect">
               <a:avLst/>
@@ -27630,42 +26330,22 @@
             <a:lstStyle/>
             <a:p>
               <a:r>
-                <a:rPr lang="pt-BR" sz="1000">
-                  <a:solidFill>
-                    <a:schemeClr val="bg1"/>
-                  </a:solidFill>
-                </a:rPr>
+                <a:rPr lang="pt-BR" sz="1000"/>
                 <a:t>Imagem: </a:t>
               </a:r>
               <a:r>
-                <a:rPr lang="pt-BR" sz="1000" err="1">
-                  <a:solidFill>
-                    <a:schemeClr val="bg1"/>
-                  </a:solidFill>
-                </a:rPr>
+                <a:rPr lang="pt-BR" sz="1000" err="1"/>
                 <a:t>https</a:t>
               </a:r>
               <a:r>
-                <a:rPr lang="pt-BR" sz="1000">
-                  <a:solidFill>
-                    <a:schemeClr val="bg1"/>
-                  </a:solidFill>
-                </a:rPr>
+                <a:rPr lang="pt-BR" sz="1000"/>
                 <a:t>://</a:t>
               </a:r>
               <a:r>
-                <a:rPr lang="pt-BR" sz="1000" err="1">
-                  <a:solidFill>
-                    <a:schemeClr val="bg1"/>
-                  </a:solidFill>
-                </a:rPr>
+                <a:rPr lang="pt-BR" sz="1000" err="1"/>
                 <a:t>pixabay.com</a:t>
               </a:r>
-              <a:endParaRPr lang="pt-BR" sz="1000">
-                <a:solidFill>
-                  <a:schemeClr val="bg1"/>
-                </a:solidFill>
-              </a:endParaRPr>
+              <a:endParaRPr lang="pt-BR" sz="1000"/>
             </a:p>
           </p:txBody>
         </p:sp>
@@ -27700,18 +26380,10 @@
           <a:p>
             <a:pPr algn="ctr"/>
             <a:r>
-              <a:rPr lang="pt-BR" b="1" i="1">
-                <a:solidFill>
-                  <a:schemeClr val="bg1"/>
-                </a:solidFill>
-              </a:rPr>
+              <a:rPr lang="pt-BR" b="1" i="1"/>
               <a:t>Código Duplicado</a:t>
             </a:r>
-            <a:endParaRPr lang="pt-BR">
-              <a:solidFill>
-                <a:schemeClr val="bg1"/>
-              </a:solidFill>
-            </a:endParaRPr>
+            <a:endParaRPr lang="pt-BR"/>
           </a:p>
         </p:txBody>
       </p:sp>
@@ -27733,7 +26405,7 @@
         </p:nvSpPr>
         <p:spPr>
           <a:xfrm>
-            <a:off x="1127154" y="1304843"/>
+            <a:off x="1259491" y="1200195"/>
             <a:ext cx="9530038" cy="4517570"/>
           </a:xfrm>
         </p:spPr>
@@ -27744,58 +26416,41 @@
           <a:lstStyle/>
           <a:p>
             <a:r>
-              <a:rPr lang="pt-BR" sz="3200" dirty="0">
-                <a:solidFill>
-                  <a:schemeClr val="bg1"/>
-                </a:solidFill>
-              </a:rPr>
+              <a:rPr lang="pt-BR" sz="3200" dirty="0"/>
               <a:t>Leva ao apodrecimento do software!</a:t>
             </a:r>
           </a:p>
           <a:p>
             <a:r>
-              <a:rPr lang="pt-BR" sz="3200" dirty="0">
-                <a:solidFill>
-                  <a:schemeClr val="bg1"/>
-                </a:solidFill>
-              </a:rPr>
+              <a:rPr lang="pt-BR" sz="3200" dirty="0"/>
               <a:t>O código pode degradar a um ponto que manutenção tende a gerar mais bugs.</a:t>
             </a:r>
           </a:p>
           <a:p>
             <a:r>
-              <a:rPr lang="pt-BR" sz="3200" dirty="0">
-                <a:solidFill>
-                  <a:schemeClr val="bg1"/>
-                </a:solidFill>
-              </a:rPr>
+              <a:rPr lang="pt-BR" sz="3200" dirty="0"/>
               <a:t>É isso mesmo. Existe até o termo </a:t>
             </a:r>
             <a:r>
               <a:rPr lang="pt-BR" sz="3200" i="1" dirty="0">
-                <a:solidFill>
-                  <a:schemeClr val="bg1"/>
-                </a:solidFill>
-                <a:hlinkClick r:id="rId3"/>
+                <a:hlinkClick r:id="rId3">
+                  <a:extLst>
+                    <a:ext uri="{A12FA001-AC4F-418D-AE19-62706E023703}">
+                      <ahyp:hlinkClr xmlns:ahyp="http://schemas.microsoft.com/office/drawing/2018/hyperlinkcolor" val="tx"/>
+                    </a:ext>
+                  </a:extLst>
+                </a:hlinkClick>
               </a:rPr>
               <a:t>Software Rot</a:t>
             </a:r>
             <a:r>
-              <a:rPr lang="pt-BR" sz="3200" i="1" dirty="0">
-                <a:solidFill>
-                  <a:schemeClr val="bg1"/>
-                </a:solidFill>
-              </a:rPr>
+              <a:rPr lang="pt-BR" sz="3200" i="1" dirty="0"/>
               <a:t>.</a:t>
             </a:r>
           </a:p>
           <a:p>
             <a:r>
-              <a:rPr lang="pt-BR" sz="3200" i="1" dirty="0">
-                <a:solidFill>
-                  <a:schemeClr val="bg1"/>
-                </a:solidFill>
-              </a:rPr>
+              <a:rPr lang="pt-BR" sz="3200" i="1" dirty="0"/>
               <a:t>Em alguns casos, pode ser mais fácil criar um novo software.</a:t>
             </a:r>
           </a:p>
@@ -27823,10 +26478,18 @@
           <a:lstStyle/>
           <a:p>
             <a:fld id="{2183B7EE-0FBE-B749-875F-ED24F5ECD71F}" type="slidenum">
-              <a:rPr lang="en-US" smtClean="0"/>
+              <a:rPr lang="en-US" smtClean="0">
+                <a:solidFill>
+                  <a:schemeClr val="tx1"/>
+                </a:solidFill>
+              </a:rPr>
               <a:t>8</a:t>
             </a:fld>
-            <a:endParaRPr lang="en-US"/>
+            <a:endParaRPr lang="en-US">
+              <a:solidFill>
+                <a:schemeClr val="tx1"/>
+              </a:solidFill>
+            </a:endParaRPr>
           </a:p>
         </p:txBody>
       </p:sp>
@@ -28323,16 +26986,6 @@
 <file path=ppt/slides/slide9.xml><?xml version="1.0" encoding="utf-8"?>
 <p:sld xmlns:a="http://schemas.openxmlformats.org/drawingml/2006/main" xmlns:r="http://schemas.openxmlformats.org/officeDocument/2006/relationships" xmlns:p="http://schemas.openxmlformats.org/presentationml/2006/main">
   <p:cSld>
-    <p:bg>
-      <p:bgPr>
-        <a:solidFill>
-          <a:schemeClr val="tx1">
-            <a:lumMod val="95000"/>
-          </a:schemeClr>
-        </a:solidFill>
-        <a:effectLst/>
-      </p:bgPr>
-    </p:bg>
     <p:spTree>
       <p:nvGrpSpPr>
         <p:cNvPr id="1" name=""/>
@@ -28377,18 +27030,10 @@
           <a:p>
             <a:pPr algn="ctr"/>
             <a:r>
-              <a:rPr lang="pt-BR" b="1" i="1">
-                <a:solidFill>
-                  <a:schemeClr val="bg1"/>
-                </a:solidFill>
-              </a:rPr>
+              <a:rPr lang="pt-BR" b="1" i="1"/>
               <a:t>Código Duplicado</a:t>
             </a:r>
-            <a:endParaRPr lang="pt-BR">
-              <a:solidFill>
-                <a:schemeClr val="bg1"/>
-              </a:solidFill>
-            </a:endParaRPr>
+            <a:endParaRPr lang="pt-BR"/>
           </a:p>
         </p:txBody>
       </p:sp>
@@ -28410,8 +27055,8 @@
         </p:nvSpPr>
         <p:spPr>
           <a:xfrm>
-            <a:off x="1127154" y="1304843"/>
-            <a:ext cx="9530038" cy="4517570"/>
+            <a:off x="469692" y="1572645"/>
+            <a:ext cx="11327567" cy="5065977"/>
           </a:xfrm>
         </p:spPr>
         <p:txBody>
@@ -28421,54 +27066,30 @@
           <a:lstStyle/>
           <a:p>
             <a:r>
-              <a:rPr lang="pt-BR" sz="3200" i="1" dirty="0">
-                <a:solidFill>
-                  <a:schemeClr val="bg1"/>
-                </a:solidFill>
-              </a:rPr>
+              <a:rPr lang="pt-BR" sz="3200" i="1" dirty="0"/>
               <a:t>O </a:t>
             </a:r>
             <a:r>
-              <a:rPr lang="pt-BR" sz="3200" i="1" dirty="0" err="1">
-                <a:solidFill>
-                  <a:schemeClr val="bg1"/>
-                </a:solidFill>
-              </a:rPr>
+              <a:rPr lang="pt-BR" sz="3200" i="1" dirty="0" err="1"/>
               <a:t>JUnit</a:t>
             </a:r>
             <a:r>
-              <a:rPr lang="pt-BR" sz="3200" i="1" dirty="0">
-                <a:solidFill>
-                  <a:schemeClr val="bg1"/>
-                </a:solidFill>
-              </a:rPr>
+              <a:rPr lang="pt-BR" sz="3200" i="1" dirty="0"/>
               <a:t>, um dos mais renomados e utilizados projetos Java, teve seu código jogado fora e começaram a versão 5 do zero!</a:t>
             </a:r>
           </a:p>
           <a:p>
             <a:r>
-              <a:rPr lang="pt-BR" sz="3200" i="1" dirty="0">
-                <a:solidFill>
-                  <a:schemeClr val="bg1"/>
-                </a:solidFill>
-              </a:rPr>
+              <a:rPr lang="pt-BR" sz="3200" i="1" dirty="0"/>
               <a:t>Os motivos para isso foi que, neste caso, o software teve um sucesso não imaginado e não foi projetado adequadamente.</a:t>
             </a:r>
           </a:p>
           <a:p>
             <a:r>
-              <a:rPr lang="pt-BR" sz="3200" i="1" dirty="0">
-                <a:solidFill>
-                  <a:schemeClr val="bg1"/>
-                </a:solidFill>
-              </a:rPr>
+              <a:rPr lang="pt-BR" sz="3200" i="1" dirty="0"/>
               <a:t>Criar um novo software para atender as necessidades atuais, principalmente de ferramentas que se integram com ele, foi mais viável.</a:t>
             </a:r>
-            <a:endParaRPr lang="pt-BR" sz="3200" dirty="0">
-              <a:solidFill>
-                <a:schemeClr val="bg1"/>
-              </a:solidFill>
-            </a:endParaRPr>
+            <a:endParaRPr lang="pt-BR" sz="3200" dirty="0"/>
           </a:p>
         </p:txBody>
       </p:sp>
@@ -28494,10 +27115,18 @@
           <a:lstStyle/>
           <a:p>
             <a:fld id="{2183B7EE-0FBE-B749-875F-ED24F5ECD71F}" type="slidenum">
-              <a:rPr lang="en-US" smtClean="0"/>
+              <a:rPr lang="en-US" smtClean="0">
+                <a:solidFill>
+                  <a:schemeClr val="tx1"/>
+                </a:solidFill>
+              </a:rPr>
               <a:t>9</a:t>
             </a:fld>
-            <a:endParaRPr lang="en-US"/>
+            <a:endParaRPr lang="en-US">
+              <a:solidFill>
+                <a:schemeClr val="tx1"/>
+              </a:solidFill>
+            </a:endParaRPr>
           </a:p>
         </p:txBody>
       </p:sp>
@@ -28823,7 +27452,7 @@
 <file path=ppt/theme/theme1.xml><?xml version="1.0" encoding="utf-8"?>
 <a:theme xmlns:a="http://schemas.openxmlformats.org/drawingml/2006/main" name="Vapor Trail">
   <a:themeElements>
-    <a:clrScheme name="Custom 6 2">
+    <a:clrScheme name="Custom 5 7">
       <a:dk1>
         <a:srgbClr val="000000"/>
       </a:dk1>
@@ -28837,22 +27466,22 @@
         <a:srgbClr val="DADADA"/>
       </a:lt2>
       <a:accent1>
-        <a:srgbClr val="DF2E28"/>
+        <a:srgbClr val="C4220D"/>
       </a:accent1>
       <a:accent2>
-        <a:srgbClr val="FE801A"/>
+        <a:srgbClr val="EB7712"/>
       </a:accent2>
       <a:accent3>
-        <a:srgbClr val="E9BF35"/>
+        <a:srgbClr val="ECBD31"/>
       </a:accent3>
       <a:accent4>
-        <a:srgbClr val="81BB42"/>
+        <a:srgbClr val="92CE4A"/>
       </a:accent4>
       <a:accent5>
-        <a:srgbClr val="32C7A9"/>
+        <a:srgbClr val="50CFB4"/>
       </a:accent5>
       <a:accent6>
-        <a:srgbClr val="4A9BDC"/>
+        <a:srgbClr val="0D8EC5"/>
       </a:accent6>
       <a:hlink>
         <a:srgbClr val="0432FF"/>
@@ -29084,7 +27713,7 @@
   <a:extraClrSchemeLst/>
   <a:extLst>
     <a:ext uri="{05A4C25C-085E-4340-85A3-A5531E510DB2}">
-      <thm15:themeFamily xmlns:thm15="http://schemas.microsoft.com/office/thememl/2012/main" name="Vapor Trail" id="{4FDF2955-7D9C-493C-B9F9-C205151B46CD}" vid="{8F31A783-2159-4870-BC29-2BA7D038EA44}"/>
+      <thm15:themeFamily xmlns:thm15="http://schemas.microsoft.com/office/thememl/2012/main" name="Vapor Trail" id="{4FDF2955-7D9C-493C-B9F9-C205151B46CD}" vid="{FE1EB5C7-81A8-4CBA-AE6E-B3BF73DC3895}"/>
     </a:ext>
   </a:extLst>
 </a:theme>

--- a/projects/01-introducao-tdd/tdd.pptx
+++ b/projects/01-introducao-tdd/tdd.pptx
@@ -229,7 +229,7 @@
           <a:p>
             <a:fld id="{7497B6E1-7C5B-524D-B5EB-5E6695205380}" type="datetimeFigureOut">
               <a:rPr lang="pt-BR" smtClean="0"/>
-              <a:t>13/12/2018</a:t>
+              <a:t>14/12/2018</a:t>
             </a:fld>
             <a:endParaRPr lang="pt-BR"/>
           </a:p>
@@ -667,7 +667,7 @@
           <a:p>
             <a:fld id="{19E7D63B-43B5-8A4C-BD12-76889BE136BD}" type="datetime1">
               <a:rPr lang="en-US" smtClean="0"/>
-              <a:t>12/13/18</a:t>
+              <a:t>12/14/18</a:t>
             </a:fld>
             <a:endParaRPr lang="en-US"/>
           </a:p>
@@ -934,7 +934,7 @@
           <a:p>
             <a:fld id="{124E9894-F119-A64C-B7CB-D7CE860A73BE}" type="datetime1">
               <a:rPr lang="en-US" smtClean="0"/>
-              <a:t>12/13/18</a:t>
+              <a:t>12/14/18</a:t>
             </a:fld>
             <a:endParaRPr lang="en-US"/>
           </a:p>
@@ -1166,7 +1166,7 @@
           <a:p>
             <a:fld id="{124E9894-F119-A64C-B7CB-D7CE860A73BE}" type="datetime1">
               <a:rPr lang="en-US" smtClean="0"/>
-              <a:t>12/13/18</a:t>
+              <a:t>12/14/18</a:t>
             </a:fld>
             <a:endParaRPr lang="en-US"/>
           </a:p>
@@ -1477,7 +1477,7 @@
           <a:p>
             <a:fld id="{124E9894-F119-A64C-B7CB-D7CE860A73BE}" type="datetime1">
               <a:rPr lang="en-US" smtClean="0"/>
-              <a:t>12/13/18</a:t>
+              <a:t>12/14/18</a:t>
             </a:fld>
             <a:endParaRPr lang="en-US"/>
           </a:p>
@@ -1951,7 +1951,7 @@
           <a:p>
             <a:fld id="{B4BBB50B-BAA3-9748-978F-08A7877AB7D9}" type="datetime1">
               <a:rPr lang="en-US" smtClean="0"/>
-              <a:t>12/13/18</a:t>
+              <a:t>12/14/18</a:t>
             </a:fld>
             <a:endParaRPr lang="en-US"/>
           </a:p>
@@ -2498,7 +2498,7 @@
           <a:p>
             <a:fld id="{124E9894-F119-A64C-B7CB-D7CE860A73BE}" type="datetime1">
               <a:rPr lang="en-US" smtClean="0"/>
-              <a:t>12/13/18</a:t>
+              <a:t>12/14/18</a:t>
             </a:fld>
             <a:endParaRPr lang="en-US"/>
           </a:p>
@@ -3273,7 +3273,7 @@
           <a:p>
             <a:fld id="{124E9894-F119-A64C-B7CB-D7CE860A73BE}" type="datetime1">
               <a:rPr lang="en-US" smtClean="0"/>
-              <a:t>12/13/18</a:t>
+              <a:t>12/14/18</a:t>
             </a:fld>
             <a:endParaRPr lang="en-US"/>
           </a:p>
@@ -3449,7 +3449,7 @@
           <a:p>
             <a:fld id="{45040DEA-CE02-EF42-8F10-34F709D8505D}" type="datetime1">
               <a:rPr lang="en-US" smtClean="0"/>
-              <a:t>12/13/18</a:t>
+              <a:t>12/14/18</a:t>
             </a:fld>
             <a:endParaRPr lang="en-US"/>
           </a:p>
@@ -3672,7 +3672,7 @@
           <a:p>
             <a:fld id="{A0C1C801-5706-434E-AB65-DDFBCF1F55D2}" type="datetime1">
               <a:rPr lang="en-US" smtClean="0"/>
-              <a:t>12/13/18</a:t>
+              <a:t>12/14/18</a:t>
             </a:fld>
             <a:endParaRPr lang="en-US"/>
           </a:p>
@@ -3852,7 +3852,7 @@
           <a:p>
             <a:fld id="{39AE0FD8-7D7B-EA4F-8AF8-8B97820A0C5D}" type="datetime1">
               <a:rPr lang="en-US" smtClean="0"/>
-              <a:t>12/13/18</a:t>
+              <a:t>12/14/18</a:t>
             </a:fld>
             <a:endParaRPr lang="en-US"/>
           </a:p>
@@ -4141,7 +4141,7 @@
           <a:p>
             <a:fld id="{7FC94D43-3F68-DC43-8EF0-95FB3D51CCCF}" type="datetime1">
               <a:rPr lang="en-US" smtClean="0"/>
-              <a:t>12/13/18</a:t>
+              <a:t>12/14/18</a:t>
             </a:fld>
             <a:endParaRPr lang="en-US"/>
           </a:p>
@@ -4383,7 +4383,7 @@
           <a:p>
             <a:fld id="{BD42CFC2-1CE8-9045-8C9C-0F183F0FB455}" type="datetime1">
               <a:rPr lang="en-US" smtClean="0"/>
-              <a:t>12/13/18</a:t>
+              <a:t>12/14/18</a:t>
             </a:fld>
             <a:endParaRPr lang="en-US"/>
           </a:p>
@@ -4762,7 +4762,7 @@
           <a:p>
             <a:fld id="{F1B5C6E2-D044-C748-9C41-86C9B2F84EB9}" type="datetime1">
               <a:rPr lang="en-US" smtClean="0"/>
-              <a:t>12/13/18</a:t>
+              <a:t>12/14/18</a:t>
             </a:fld>
             <a:endParaRPr lang="en-US"/>
           </a:p>
@@ -4880,7 +4880,7 @@
           <a:p>
             <a:fld id="{359C32BA-C166-AC45-9FCD-8BF0F43629D9}" type="datetime1">
               <a:rPr lang="en-US" smtClean="0"/>
-              <a:t>12/13/18</a:t>
+              <a:t>12/14/18</a:t>
             </a:fld>
             <a:endParaRPr lang="en-US"/>
           </a:p>
@@ -4975,7 +4975,7 @@
           <a:p>
             <a:fld id="{E5D0D591-4B92-A44B-A0EA-798E76AD0368}" type="datetime1">
               <a:rPr lang="en-US" smtClean="0"/>
-              <a:t>12/13/18</a:t>
+              <a:t>12/14/18</a:t>
             </a:fld>
             <a:endParaRPr lang="en-US"/>
           </a:p>
@@ -5224,7 +5224,7 @@
           <a:p>
             <a:fld id="{8201F472-E17F-4B47-A44B-A2249FA27ED2}" type="datetime1">
               <a:rPr lang="en-US" smtClean="0"/>
-              <a:t>12/13/18</a:t>
+              <a:t>12/14/18</a:t>
             </a:fld>
             <a:endParaRPr lang="en-US"/>
           </a:p>
@@ -5481,7 +5481,7 @@
           <a:p>
             <a:fld id="{8BEFB9EE-CDF2-6F49-80F4-278D1604F10C}" type="datetime1">
               <a:rPr lang="en-US" smtClean="0"/>
-              <a:t>12/13/18</a:t>
+              <a:t>12/14/18</a:t>
             </a:fld>
             <a:endParaRPr lang="en-US"/>
           </a:p>
@@ -5724,7 +5724,7 @@
           <a:p>
             <a:fld id="{124E9894-F119-A64C-B7CB-D7CE860A73BE}" type="datetime1">
               <a:rPr lang="en-US" smtClean="0"/>
-              <a:t>12/13/18</a:t>
+              <a:t>12/14/18</a:t>
             </a:fld>
             <a:endParaRPr lang="en-US"/>
           </a:p>
@@ -8535,13 +8535,13 @@
 </file>
 
 <file path=ppt/slides/slide14.xml><?xml version="1.0" encoding="utf-8"?>
-<p:sld xmlns:a="http://schemas.openxmlformats.org/drawingml/2006/main" xmlns:r="http://schemas.openxmlformats.org/officeDocument/2006/relationships" xmlns:p="http://schemas.openxmlformats.org/presentationml/2006/main">
+<p:sld xmlns:a="http://schemas.openxmlformats.org/drawingml/2006/main" xmlns:r="http://schemas.openxmlformats.org/officeDocument/2006/relationships" xmlns:p="http://schemas.openxmlformats.org/presentationml/2006/main" showMasterSp="0">
   <p:cSld>
     <p:bg>
       <p:bgPr>
         <a:blipFill dpi="0" rotWithShape="1">
           <a:blip r:embed="rId2">
-            <a:alphaModFix amt="45000"/>
+            <a:alphaModFix amt="74000"/>
             <a:lum/>
           </a:blip>
           <a:srcRect/>
@@ -8584,7 +8584,7 @@
         </p:nvSpPr>
         <p:spPr>
           <a:xfrm>
-            <a:off x="1851619" y="549661"/>
+            <a:off x="819906" y="118540"/>
             <a:ext cx="10290410" cy="1509490"/>
           </a:xfrm>
         </p:spPr>
@@ -8594,18 +8594,63 @@
           </a:bodyPr>
           <a:lstStyle/>
           <a:p>
-            <a:r>
-              <a:rPr lang="pt-BR" b="1"/>
+            <a:pPr algn="ctr"/>
+            <a:r>
+              <a:rPr lang="pt-BR" b="1" dirty="0">
+                <a:solidFill>
+                  <a:schemeClr val="bg1"/>
+                </a:solidFill>
+                <a:effectLst>
+                  <a:outerShdw blurRad="50800" dist="50800" dir="5400000" algn="ctr" rotWithShape="0">
+                    <a:schemeClr val="bg1">
+                      <a:lumMod val="50000"/>
+                    </a:schemeClr>
+                  </a:outerShdw>
+                </a:effectLst>
+              </a:rPr>
               <a:t>Como aprendemos sobre testes </a:t>
             </a:r>
             <a:br>
-              <a:rPr lang="pt-BR" b="1"/>
+              <a:rPr lang="pt-BR" b="1" dirty="0">
+                <a:solidFill>
+                  <a:schemeClr val="bg1"/>
+                </a:solidFill>
+                <a:effectLst>
+                  <a:outerShdw blurRad="50800" dist="50800" dir="5400000" algn="ctr" rotWithShape="0">
+                    <a:schemeClr val="bg1">
+                      <a:lumMod val="50000"/>
+                    </a:schemeClr>
+                  </a:outerShdw>
+                </a:effectLst>
+              </a:rPr>
             </a:br>
             <a:r>
-              <a:rPr lang="pt-BR" b="1"/>
+              <a:rPr lang="pt-BR" b="1" dirty="0">
+                <a:solidFill>
+                  <a:schemeClr val="bg1"/>
+                </a:solidFill>
+                <a:effectLst>
+                  <a:outerShdw blurRad="50800" dist="50800" dir="5400000" algn="ctr" rotWithShape="0">
+                    <a:schemeClr val="bg1">
+                      <a:lumMod val="50000"/>
+                    </a:schemeClr>
+                  </a:outerShdw>
+                </a:effectLst>
+              </a:rPr>
               <a:t>em introdução à programação</a:t>
             </a:r>
-            <a:endParaRPr lang="pt-BR"/>
+            <a:endParaRPr lang="pt-BR" dirty="0">
+              <a:solidFill>
+                <a:schemeClr val="bg1"/>
+              </a:solidFill>
+              <a:effectLst>
+                <a:outerShdw blurRad="50800" dist="50800" dir="5400000" algn="ctr" rotWithShape="0">
+                  <a:schemeClr val="bg1">
+                    <a:lumMod val="50000"/>
+                  </a:schemeClr>
+                </a:outerShdw>
+              </a:effectLst>
+            </a:endParaRPr>
           </a:p>
         </p:txBody>
       </p:sp>
@@ -8638,12 +8683,13 @@
           <a:lstStyle/>
           <a:p>
             <a:r>
-              <a:rPr lang="pt-PT" sz="3200" dirty="0">
+              <a:rPr lang="pt-PT" sz="3200" b="1" dirty="0">
+                <a:solidFill>
+                  <a:schemeClr val="bg1"/>
+                </a:solidFill>
                 <a:effectLst>
                   <a:outerShdw dist="38100" dir="2700000" algn="tl" rotWithShape="0">
-                    <a:schemeClr val="tx1">
-                      <a:alpha val="40000"/>
-                    </a:schemeClr>
+                    <a:schemeClr val="tx1"/>
                   </a:outerShdw>
                 </a:effectLst>
               </a:rPr>
@@ -8652,12 +8698,13 @@
           </a:p>
           <a:p>
             <a:r>
-              <a:rPr lang="pt-PT" sz="3200" dirty="0">
+              <a:rPr lang="pt-PT" sz="3200" b="1" dirty="0">
+                <a:solidFill>
+                  <a:schemeClr val="bg1"/>
+                </a:solidFill>
                 <a:effectLst>
                   <a:outerShdw dist="38100" dir="2700000" algn="tl" rotWithShape="0">
-                    <a:schemeClr val="tx1">
-                      <a:alpha val="40000"/>
-                    </a:schemeClr>
+                    <a:schemeClr val="tx1"/>
                   </a:outerShdw>
                 </a:effectLst>
               </a:rPr>
@@ -8666,54 +8713,18 @@
           </a:p>
           <a:p>
             <a:r>
-              <a:rPr lang="pt-PT" sz="3200" dirty="0">
+              <a:rPr lang="pt-PT" sz="3200" b="1" dirty="0">
+                <a:solidFill>
+                  <a:schemeClr val="bg1"/>
+                </a:solidFill>
                 <a:effectLst>
                   <a:outerShdw dist="38100" dir="2700000" algn="tl" rotWithShape="0">
-                    <a:schemeClr val="tx1">
-                      <a:alpha val="40000"/>
-                    </a:schemeClr>
+                    <a:schemeClr val="tx1"/>
                   </a:outerShdw>
                 </a:effectLst>
               </a:rPr>
               <a:t>Porém, à medida que o software é incrementado, novas alterações podem quebrar o código previamente testado: ele pode deixar de fazer o que era esperado</a:t>
             </a:r>
-          </a:p>
-        </p:txBody>
-      </p:sp>
-      <p:sp>
-        <p:nvSpPr>
-          <p:cNvPr id="4" name="Slide Number Placeholder 3">
-            <a:extLst>
-              <a:ext uri="{FF2B5EF4-FFF2-40B4-BE49-F238E27FC236}">
-                <a16:creationId xmlns:a16="http://schemas.microsoft.com/office/drawing/2014/main" id="{2EA509C2-078C-DE4C-BE59-C32AF18E82D6}"/>
-              </a:ext>
-            </a:extLst>
-          </p:cNvPr>
-          <p:cNvSpPr>
-            <a:spLocks noGrp="1"/>
-          </p:cNvSpPr>
-          <p:nvPr>
-            <p:ph type="sldNum" sz="quarter" idx="12"/>
-          </p:nvPr>
-        </p:nvSpPr>
-        <p:spPr/>
-        <p:txBody>
-          <a:bodyPr/>
-          <a:lstStyle/>
-          <a:p>
-            <a:fld id="{2183B7EE-0FBE-B749-875F-ED24F5ECD71F}" type="slidenum">
-              <a:rPr lang="en-US" smtClean="0">
-                <a:solidFill>
-                  <a:schemeClr val="tx1"/>
-                </a:solidFill>
-              </a:rPr>
-              <a:t>14</a:t>
-            </a:fld>
-            <a:endParaRPr lang="en-US">
-              <a:solidFill>
-                <a:schemeClr val="tx1"/>
-              </a:solidFill>
-            </a:endParaRPr>
           </a:p>
         </p:txBody>
       </p:sp>
@@ -9125,13 +9136,13 @@
 </file>
 
 <file path=ppt/slides/slide15.xml><?xml version="1.0" encoding="utf-8"?>
-<p:sld xmlns:a="http://schemas.openxmlformats.org/drawingml/2006/main" xmlns:r="http://schemas.openxmlformats.org/officeDocument/2006/relationships" xmlns:p="http://schemas.openxmlformats.org/presentationml/2006/main">
+<p:sld xmlns:a="http://schemas.openxmlformats.org/drawingml/2006/main" xmlns:r="http://schemas.openxmlformats.org/officeDocument/2006/relationships" xmlns:p="http://schemas.openxmlformats.org/presentationml/2006/main" showMasterSp="0">
   <p:cSld>
     <p:bg>
       <p:bgPr>
         <a:blipFill dpi="0" rotWithShape="1">
           <a:blip r:embed="rId2">
-            <a:alphaModFix amt="45000"/>
+            <a:alphaModFix amt="74000"/>
             <a:lum/>
           </a:blip>
           <a:srcRect/>
@@ -9156,49 +9167,6 @@
           <a:chExt cx="0" cy="0"/>
         </a:xfrm>
       </p:grpSpPr>
-      <p:sp>
-        <p:nvSpPr>
-          <p:cNvPr id="2" name="Title 1">
-            <a:extLst>
-              <a:ext uri="{FF2B5EF4-FFF2-40B4-BE49-F238E27FC236}">
-                <a16:creationId xmlns:a16="http://schemas.microsoft.com/office/drawing/2014/main" id="{58204B45-BA2F-544A-ADBD-2B584480C63E}"/>
-              </a:ext>
-            </a:extLst>
-          </p:cNvPr>
-          <p:cNvSpPr>
-            <a:spLocks noGrp="1"/>
-          </p:cNvSpPr>
-          <p:nvPr>
-            <p:ph type="title"/>
-          </p:nvPr>
-        </p:nvSpPr>
-        <p:spPr>
-          <a:xfrm>
-            <a:off x="1851619" y="549661"/>
-            <a:ext cx="10290410" cy="1509490"/>
-          </a:xfrm>
-        </p:spPr>
-        <p:txBody>
-          <a:bodyPr>
-            <a:normAutofit/>
-          </a:bodyPr>
-          <a:lstStyle/>
-          <a:p>
-            <a:r>
-              <a:rPr lang="pt-BR" b="1"/>
-              <a:t>Como aprendemos sobre testes </a:t>
-            </a:r>
-            <a:br>
-              <a:rPr lang="pt-BR" b="1"/>
-            </a:br>
-            <a:r>
-              <a:rPr lang="pt-BR" b="1"/>
-              <a:t>em introdução à programação</a:t>
-            </a:r>
-            <a:endParaRPr lang="pt-BR"/>
-          </a:p>
-        </p:txBody>
-      </p:sp>
       <p:sp>
         <p:nvSpPr>
           <p:cNvPr id="3" name="Content Placeholder 2">
@@ -9228,12 +9196,13 @@
           <a:lstStyle/>
           <a:p>
             <a:r>
-              <a:rPr lang="pt-PT" sz="3200" dirty="0">
+              <a:rPr lang="pt-PT" sz="3200" b="1" dirty="0">
+                <a:solidFill>
+                  <a:schemeClr val="bg1"/>
+                </a:solidFill>
                 <a:effectLst>
-                  <a:outerShdw dist="38100" dir="2700000" algn="tl" rotWithShape="0">
-                    <a:schemeClr val="tx1">
-                      <a:alpha val="40000"/>
-                    </a:schemeClr>
+                  <a:outerShdw blurRad="50800" dist="38100" dir="2700000" algn="tl" rotWithShape="0">
+                    <a:prstClr val="black"/>
                   </a:outerShdw>
                 </a:effectLst>
               </a:rPr>
@@ -9242,54 +9211,18 @@
           </a:p>
           <a:p>
             <a:r>
-              <a:rPr lang="pt-PT" sz="3200" dirty="0">
+              <a:rPr lang="pt-PT" sz="3200" b="1" dirty="0">
+                <a:solidFill>
+                  <a:schemeClr val="bg1"/>
+                </a:solidFill>
                 <a:effectLst>
-                  <a:outerShdw dist="38100" dir="2700000" algn="tl" rotWithShape="0">
-                    <a:schemeClr val="tx1">
-                      <a:alpha val="40000"/>
-                    </a:schemeClr>
+                  <a:outerShdw blurRad="50800" dist="38100" dir="2700000" algn="tl" rotWithShape="0">
+                    <a:prstClr val="black"/>
                   </a:outerShdw>
                 </a:effectLst>
               </a:rPr>
               <a:t>Ele pode esquecer de verificar novamente as funcionalidades anteriores e o software ser entregue com erros ao cliente</a:t>
             </a:r>
-          </a:p>
-        </p:txBody>
-      </p:sp>
-      <p:sp>
-        <p:nvSpPr>
-          <p:cNvPr id="4" name="Slide Number Placeholder 3">
-            <a:extLst>
-              <a:ext uri="{FF2B5EF4-FFF2-40B4-BE49-F238E27FC236}">
-                <a16:creationId xmlns:a16="http://schemas.microsoft.com/office/drawing/2014/main" id="{2EA509C2-078C-DE4C-BE59-C32AF18E82D6}"/>
-              </a:ext>
-            </a:extLst>
-          </p:cNvPr>
-          <p:cNvSpPr>
-            <a:spLocks noGrp="1"/>
-          </p:cNvSpPr>
-          <p:nvPr>
-            <p:ph type="sldNum" sz="quarter" idx="12"/>
-          </p:nvPr>
-        </p:nvSpPr>
-        <p:spPr/>
-        <p:txBody>
-          <a:bodyPr/>
-          <a:lstStyle/>
-          <a:p>
-            <a:fld id="{2183B7EE-0FBE-B749-875F-ED24F5ECD71F}" type="slidenum">
-              <a:rPr lang="en-US" smtClean="0">
-                <a:solidFill>
-                  <a:schemeClr val="tx1"/>
-                </a:solidFill>
-              </a:rPr>
-              <a:t>15</a:t>
-            </a:fld>
-            <a:endParaRPr lang="en-US">
-              <a:solidFill>
-                <a:schemeClr val="tx1"/>
-              </a:solidFill>
-            </a:endParaRPr>
           </a:p>
         </p:txBody>
       </p:sp>
@@ -9381,6 +9314,94 @@
               <a:rPr lang="pt-BR" sz="1000"/>
               <a:t>-workshops/</a:t>
             </a:r>
+          </a:p>
+        </p:txBody>
+      </p:sp>
+      <p:sp>
+        <p:nvSpPr>
+          <p:cNvPr id="8" name="Title 1">
+            <a:extLst>
+              <a:ext uri="{FF2B5EF4-FFF2-40B4-BE49-F238E27FC236}">
+                <a16:creationId xmlns:a16="http://schemas.microsoft.com/office/drawing/2014/main" id="{9DB8ACCF-59E2-4B42-8171-EDFB27B7D897}"/>
+              </a:ext>
+            </a:extLst>
+          </p:cNvPr>
+          <p:cNvSpPr>
+            <a:spLocks noGrp="1"/>
+          </p:cNvSpPr>
+          <p:nvPr>
+            <p:ph type="title"/>
+          </p:nvPr>
+        </p:nvSpPr>
+        <p:spPr>
+          <a:xfrm>
+            <a:off x="819906" y="118540"/>
+            <a:ext cx="10290410" cy="1509490"/>
+          </a:xfrm>
+        </p:spPr>
+        <p:txBody>
+          <a:bodyPr>
+            <a:normAutofit/>
+          </a:bodyPr>
+          <a:lstStyle/>
+          <a:p>
+            <a:pPr algn="ctr"/>
+            <a:r>
+              <a:rPr lang="pt-BR" b="1" dirty="0">
+                <a:solidFill>
+                  <a:schemeClr val="bg1"/>
+                </a:solidFill>
+                <a:effectLst>
+                  <a:outerShdw blurRad="50800" dist="50800" dir="5400000" algn="ctr" rotWithShape="0">
+                    <a:schemeClr val="bg1">
+                      <a:lumMod val="50000"/>
+                    </a:schemeClr>
+                  </a:outerShdw>
+                </a:effectLst>
+              </a:rPr>
+              <a:t>Como aprendemos sobre testes </a:t>
+            </a:r>
+            <a:br>
+              <a:rPr lang="pt-BR" b="1" dirty="0">
+                <a:solidFill>
+                  <a:schemeClr val="bg1"/>
+                </a:solidFill>
+                <a:effectLst>
+                  <a:outerShdw blurRad="50800" dist="50800" dir="5400000" algn="ctr" rotWithShape="0">
+                    <a:schemeClr val="bg1">
+                      <a:lumMod val="50000"/>
+                    </a:schemeClr>
+                  </a:outerShdw>
+                </a:effectLst>
+              </a:rPr>
+            </a:br>
+            <a:r>
+              <a:rPr lang="pt-BR" b="1" dirty="0">
+                <a:solidFill>
+                  <a:schemeClr val="bg1"/>
+                </a:solidFill>
+                <a:effectLst>
+                  <a:outerShdw blurRad="50800" dist="50800" dir="5400000" algn="ctr" rotWithShape="0">
+                    <a:schemeClr val="bg1">
+                      <a:lumMod val="50000"/>
+                    </a:schemeClr>
+                  </a:outerShdw>
+                </a:effectLst>
+              </a:rPr>
+              <a:t>em introdução à programação</a:t>
+            </a:r>
+            <a:endParaRPr lang="pt-BR" dirty="0">
+              <a:solidFill>
+                <a:schemeClr val="bg1"/>
+              </a:solidFill>
+              <a:effectLst>
+                <a:outerShdw blurRad="50800" dist="50800" dir="5400000" algn="ctr" rotWithShape="0">
+                  <a:schemeClr val="bg1">
+                    <a:lumMod val="50000"/>
+                  </a:schemeClr>
+                </a:outerShdw>
+              </a:effectLst>
+            </a:endParaRPr>
           </a:p>
         </p:txBody>
       </p:sp>
@@ -11111,13 +11132,13 @@
 </file>
 
 <file path=ppt/slides/slide19.xml><?xml version="1.0" encoding="utf-8"?>
-<p:sld xmlns:a="http://schemas.openxmlformats.org/drawingml/2006/main" xmlns:r="http://schemas.openxmlformats.org/officeDocument/2006/relationships" xmlns:p="http://schemas.openxmlformats.org/presentationml/2006/main">
+<p:sld xmlns:a="http://schemas.openxmlformats.org/drawingml/2006/main" xmlns:r="http://schemas.openxmlformats.org/officeDocument/2006/relationships" xmlns:p="http://schemas.openxmlformats.org/presentationml/2006/main" showMasterSp="0">
   <p:cSld>
     <p:bg>
       <p:bgPr>
         <a:blipFill dpi="0" rotWithShape="1">
           <a:blip r:embed="rId2">
-            <a:alphaModFix amt="37000"/>
+            <a:alphaModFix amt="74000"/>
             <a:lum/>
           </a:blip>
           <a:srcRect/>
@@ -11172,18 +11193,62 @@
           <a:p>
             <a:pPr algn="ctr"/>
             <a:r>
-              <a:rPr lang="pt-BR" b="1" dirty="0"/>
+              <a:rPr lang="pt-BR" b="1" dirty="0">
+                <a:solidFill>
+                  <a:schemeClr val="bg1"/>
+                </a:solidFill>
+                <a:effectLst>
+                  <a:outerShdw blurRad="50800" dist="38100" dir="2700000" algn="tl" rotWithShape="0">
+                    <a:schemeClr val="bg1">
+                      <a:lumMod val="50000"/>
+                    </a:schemeClr>
+                  </a:outerShdw>
+                </a:effectLst>
+              </a:rPr>
               <a:t>Enfim, Porque aplicar </a:t>
             </a:r>
             <a:r>
-              <a:rPr lang="pt-BR" b="1" dirty="0" err="1"/>
+              <a:rPr lang="pt-BR" b="1" dirty="0" err="1">
+                <a:solidFill>
+                  <a:schemeClr val="bg1"/>
+                </a:solidFill>
+                <a:effectLst>
+                  <a:outerShdw blurRad="50800" dist="38100" dir="2700000" algn="tl" rotWithShape="0">
+                    <a:schemeClr val="bg1">
+                      <a:lumMod val="50000"/>
+                    </a:schemeClr>
+                  </a:outerShdw>
+                </a:effectLst>
+              </a:rPr>
               <a:t>tdd</a:t>
             </a:r>
             <a:r>
-              <a:rPr lang="pt-BR" b="1" dirty="0"/>
+              <a:rPr lang="pt-BR" b="1" dirty="0">
+                <a:solidFill>
+                  <a:schemeClr val="bg1"/>
+                </a:solidFill>
+                <a:effectLst>
+                  <a:outerShdw blurRad="50800" dist="38100" dir="2700000" algn="tl" rotWithShape="0">
+                    <a:schemeClr val="bg1">
+                      <a:lumMod val="50000"/>
+                    </a:schemeClr>
+                  </a:outerShdw>
+                </a:effectLst>
+              </a:rPr>
               <a:t>?</a:t>
             </a:r>
-            <a:endParaRPr lang="pt-BR" dirty="0"/>
+            <a:endParaRPr lang="pt-BR" dirty="0">
+              <a:solidFill>
+                <a:schemeClr val="bg1"/>
+              </a:solidFill>
+              <a:effectLst>
+                <a:outerShdw blurRad="50800" dist="38100" dir="2700000" algn="tl" rotWithShape="0">
+                  <a:schemeClr val="bg1">
+                    <a:lumMod val="50000"/>
+                  </a:schemeClr>
+                </a:outerShdw>
+              </a:effectLst>
+            </a:endParaRPr>
           </a:p>
         </p:txBody>
       </p:sp>
@@ -11216,47 +11281,29 @@
           <a:lstStyle/>
           <a:p>
             <a:r>
-              <a:rPr lang="pt-PT" sz="3200" dirty="0">
+              <a:rPr lang="pt-PT" sz="3200" b="1" dirty="0">
+                <a:solidFill>
+                  <a:schemeClr val="bg1"/>
+                </a:solidFill>
                 <a:effectLst>
-                  <a:outerShdw blurRad="50800" dist="38100" algn="l" rotWithShape="0">
+                  <a:outerShdw blurRad="50800" dist="38100" dir="2700000" algn="tl" rotWithShape="0">
                     <a:schemeClr val="bg1">
-                      <a:alpha val="40000"/>
+                      <a:lumMod val="50000"/>
                     </a:schemeClr>
                   </a:outerShdw>
                 </a:effectLst>
               </a:rPr>
-              <a:t>Se há testes sólidos, estes nos dão </a:t>
-            </a:r>
-            <a:r>
-              <a:rPr lang="pt-PT" sz="3200" b="1" dirty="0">
+              <a:t>Se há testes sólidos, estes nos dão paz de espírito para alterar o código, principalmente pra </a:t>
+            </a:r>
+            <a:r>
+              <a:rPr lang="pt-PT" sz="3200" b="1" dirty="0" err="1">
+                <a:solidFill>
+                  <a:schemeClr val="bg1"/>
+                </a:solidFill>
                 <a:effectLst>
-                  <a:outerShdw blurRad="50800" dist="38100" algn="l" rotWithShape="0">
+                  <a:outerShdw blurRad="50800" dist="38100" dir="2700000" algn="tl" rotWithShape="0">
                     <a:schemeClr val="bg1">
-                      <a:alpha val="40000"/>
-                    </a:schemeClr>
-                  </a:outerShdw>
-                </a:effectLst>
-              </a:rPr>
-              <a:t>paz de espírito</a:t>
-            </a:r>
-            <a:r>
-              <a:rPr lang="pt-PT" sz="3200" dirty="0">
-                <a:effectLst>
-                  <a:outerShdw blurRad="50800" dist="38100" algn="l" rotWithShape="0">
-                    <a:schemeClr val="bg1">
-                      <a:alpha val="40000"/>
-                    </a:schemeClr>
-                  </a:outerShdw>
-                </a:effectLst>
-              </a:rPr>
-              <a:t> para alterar o código, principalmente pra </a:t>
-            </a:r>
-            <a:r>
-              <a:rPr lang="pt-PT" sz="3200" dirty="0" err="1">
-                <a:effectLst>
-                  <a:outerShdw blurRad="50800" dist="38100" algn="l" rotWithShape="0">
-                    <a:schemeClr val="bg1">
-                      <a:alpha val="40000"/>
+                      <a:lumMod val="50000"/>
                     </a:schemeClr>
                   </a:outerShdw>
                 </a:effectLst>
@@ -11264,11 +11311,14 @@
               <a:t>refatorar</a:t>
             </a:r>
             <a:r>
-              <a:rPr lang="pt-PT" sz="3200" dirty="0">
+              <a:rPr lang="pt-PT" sz="3200" b="1" dirty="0">
+                <a:solidFill>
+                  <a:schemeClr val="bg1"/>
+                </a:solidFill>
                 <a:effectLst>
-                  <a:outerShdw blurRad="50800" dist="38100" algn="l" rotWithShape="0">
+                  <a:outerShdw blurRad="50800" dist="38100" dir="2700000" algn="tl" rotWithShape="0">
                     <a:schemeClr val="bg1">
-                      <a:alpha val="40000"/>
+                      <a:lumMod val="50000"/>
                     </a:schemeClr>
                   </a:outerShdw>
                 </a:effectLst>
@@ -11278,11 +11328,14 @@
           </a:p>
           <a:p>
             <a:r>
-              <a:rPr lang="pt-PT" sz="3200" dirty="0">
+              <a:rPr lang="pt-PT" sz="3200" b="1" dirty="0">
+                <a:solidFill>
+                  <a:schemeClr val="bg1"/>
+                </a:solidFill>
                 <a:effectLst>
-                  <a:outerShdw blurRad="50800" dist="38100" algn="l" rotWithShape="0">
+                  <a:outerShdw blurRad="50800" dist="38100" dir="2700000" algn="tl" rotWithShape="0">
                     <a:schemeClr val="bg1">
-                      <a:alpha val="40000"/>
+                      <a:lumMod val="50000"/>
                     </a:schemeClr>
                   </a:outerShdw>
                 </a:effectLst>
@@ -11292,11 +11345,14 @@
           </a:p>
           <a:p>
             <a:r>
-              <a:rPr lang="pt-PT" sz="3200" dirty="0">
+              <a:rPr lang="pt-PT" sz="3200" b="1" dirty="0">
+                <a:solidFill>
+                  <a:schemeClr val="bg1"/>
+                </a:solidFill>
                 <a:effectLst>
-                  <a:outerShdw blurRad="50800" dist="38100" algn="l" rotWithShape="0">
+                  <a:outerShdw blurRad="50800" dist="38100" dir="2700000" algn="tl" rotWithShape="0">
                     <a:schemeClr val="bg1">
-                      <a:alpha val="40000"/>
+                      <a:lumMod val="50000"/>
                     </a:schemeClr>
                   </a:outerShdw>
                 </a:effectLst>
@@ -11306,11 +11362,14 @@
           </a:p>
           <a:p>
             <a:r>
-              <a:rPr lang="pt-PT" sz="3200" dirty="0">
+              <a:rPr lang="pt-PT" sz="3200" b="1" dirty="0">
+                <a:solidFill>
+                  <a:schemeClr val="bg1"/>
+                </a:solidFill>
                 <a:effectLst>
-                  <a:outerShdw blurRad="50800" dist="38100" algn="l" rotWithShape="0">
+                  <a:outerShdw blurRad="50800" dist="38100" dir="2700000" algn="tl" rotWithShape="0">
                     <a:schemeClr val="bg1">
-                      <a:alpha val="40000"/>
+                      <a:lumMod val="50000"/>
                     </a:schemeClr>
                   </a:outerShdw>
                 </a:effectLst>
@@ -11320,11 +11379,14 @@
           </a:p>
           <a:p>
             <a:r>
-              <a:rPr lang="pt-PT" sz="3200" dirty="0">
+              <a:rPr lang="pt-PT" sz="3200" b="1" dirty="0">
+                <a:solidFill>
+                  <a:schemeClr val="bg1"/>
+                </a:solidFill>
                 <a:effectLst>
-                  <a:outerShdw blurRad="50800" dist="38100" algn="l" rotWithShape="0">
+                  <a:outerShdw blurRad="50800" dist="38100" dir="2700000" algn="tl" rotWithShape="0">
                     <a:schemeClr val="bg1">
-                      <a:alpha val="40000"/>
+                      <a:lumMod val="50000"/>
                     </a:schemeClr>
                   </a:outerShdw>
                 </a:effectLst>
@@ -11336,11 +11398,14 @@
             <a:pPr marL="0" indent="0">
               <a:buNone/>
             </a:pPr>
-            <a:endParaRPr lang="pt-PT" sz="3200" dirty="0">
+            <a:endParaRPr lang="pt-PT" sz="3200" b="1" dirty="0">
+              <a:solidFill>
+                <a:schemeClr val="bg1"/>
+              </a:solidFill>
               <a:effectLst>
-                <a:outerShdw blurRad="50800" dist="38100" algn="l" rotWithShape="0">
+                <a:outerShdw blurRad="50800" dist="38100" dir="2700000" algn="tl" rotWithShape="0">
                   <a:schemeClr val="bg1">
-                    <a:alpha val="40000"/>
+                    <a:lumMod val="50000"/>
                   </a:schemeClr>
                 </a:outerShdw>
               </a:effectLst>
@@ -11372,15 +11437,29 @@
             <a:fld id="{2183B7EE-0FBE-B749-875F-ED24F5ECD71F}" type="slidenum">
               <a:rPr lang="en-US" smtClean="0">
                 <a:solidFill>
-                  <a:schemeClr val="tx1"/>
+                  <a:schemeClr val="bg1"/>
                 </a:solidFill>
+                <a:effectLst>
+                  <a:outerShdw blurRad="50800" dist="38100" dir="2700000" algn="tl" rotWithShape="0">
+                    <a:schemeClr val="bg1">
+                      <a:lumMod val="50000"/>
+                    </a:schemeClr>
+                  </a:outerShdw>
+                </a:effectLst>
               </a:rPr>
               <a:t>19</a:t>
             </a:fld>
             <a:endParaRPr lang="en-US">
               <a:solidFill>
-                <a:schemeClr val="tx1"/>
+                <a:schemeClr val="bg1"/>
               </a:solidFill>
+              <a:effectLst>
+                <a:outerShdw blurRad="50800" dist="38100" dir="2700000" algn="tl" rotWithShape="0">
+                  <a:schemeClr val="bg1">
+                    <a:lumMod val="50000"/>
+                  </a:schemeClr>
+                </a:outerShdw>
+              </a:effectLst>
             </a:endParaRPr>
           </a:p>
         </p:txBody>
@@ -11399,7 +11478,7 @@
         </p:nvSpPr>
         <p:spPr>
           <a:xfrm>
-            <a:off x="4180251" y="6519319"/>
+            <a:off x="7867831" y="6566090"/>
             <a:ext cx="3831498" cy="246221"/>
           </a:xfrm>
           <a:prstGeom prst="rect">
@@ -11414,30 +11493,89 @@
           <a:lstStyle/>
           <a:p>
             <a:r>
-              <a:rPr lang="pt-BR" sz="1000" dirty="0"/>
+              <a:rPr lang="pt-BR" sz="1000" dirty="0">
+                <a:effectLst>
+                  <a:outerShdw blurRad="50800" dist="38100" dir="2700000" algn="tl" rotWithShape="0">
+                    <a:schemeClr val="bg1">
+                      <a:lumMod val="50000"/>
+                    </a:schemeClr>
+                  </a:outerShdw>
+                </a:effectLst>
+              </a:rPr>
               <a:t>Imagem: </a:t>
             </a:r>
             <a:r>
-              <a:rPr lang="pt-BR" sz="1000" dirty="0" err="1"/>
+              <a:rPr lang="pt-BR" sz="1000" dirty="0" err="1">
+                <a:effectLst>
+                  <a:outerShdw blurRad="50800" dist="38100" dir="2700000" algn="tl" rotWithShape="0">
+                    <a:schemeClr val="bg1">
+                      <a:lumMod val="50000"/>
+                    </a:schemeClr>
+                  </a:outerShdw>
+                </a:effectLst>
+              </a:rPr>
               <a:t>http</a:t>
             </a:r>
             <a:r>
-              <a:rPr lang="pt-BR" sz="1000" dirty="0"/>
+              <a:rPr lang="pt-BR" sz="1000" dirty="0">
+                <a:effectLst>
+                  <a:outerShdw blurRad="50800" dist="38100" dir="2700000" algn="tl" rotWithShape="0">
+                    <a:schemeClr val="bg1">
+                      <a:lumMod val="50000"/>
+                    </a:schemeClr>
+                  </a:outerShdw>
+                </a:effectLst>
+              </a:rPr>
               <a:t>://</a:t>
             </a:r>
             <a:r>
-              <a:rPr lang="pt-BR" sz="1000" dirty="0" err="1"/>
+              <a:rPr lang="pt-BR" sz="1000" dirty="0" err="1">
+                <a:effectLst>
+                  <a:outerShdw blurRad="50800" dist="38100" dir="2700000" algn="tl" rotWithShape="0">
+                    <a:schemeClr val="bg1">
+                      <a:lumMod val="50000"/>
+                    </a:schemeClr>
+                  </a:outerShdw>
+                </a:effectLst>
+              </a:rPr>
               <a:t>tonysblog.info</a:t>
             </a:r>
             <a:r>
-              <a:rPr lang="pt-BR" sz="1000" dirty="0"/>
+              <a:rPr lang="pt-BR" sz="1000" dirty="0">
+                <a:effectLst>
+                  <a:outerShdw blurRad="50800" dist="38100" dir="2700000" algn="tl" rotWithShape="0">
+                    <a:schemeClr val="bg1">
+                      <a:lumMod val="50000"/>
+                    </a:schemeClr>
+                  </a:outerShdw>
+                </a:effectLst>
+              </a:rPr>
               <a:t>/</a:t>
             </a:r>
             <a:r>
-              <a:rPr lang="pt-BR" sz="1000" dirty="0" err="1"/>
+              <a:rPr lang="pt-BR" sz="1000" dirty="0" err="1">
+                <a:effectLst>
+                  <a:outerShdw blurRad="50800" dist="38100" dir="2700000" algn="tl" rotWithShape="0">
+                    <a:schemeClr val="bg1">
+                      <a:lumMod val="50000"/>
+                    </a:schemeClr>
+                  </a:outerShdw>
+                </a:effectLst>
+              </a:rPr>
               <a:t>photorwr-relief-emotion.asp</a:t>
             </a:r>
-            <a:endParaRPr lang="pt-BR" sz="1000" dirty="0"/>
+            <a:r>
+              <a:rPr lang="pt-BR" sz="1000" dirty="0">
+                <a:effectLst>
+                  <a:outerShdw blurRad="50800" dist="38100" dir="2700000" algn="tl" rotWithShape="0">
+                    <a:schemeClr val="bg1">
+                      <a:lumMod val="50000"/>
+                    </a:schemeClr>
+                  </a:outerShdw>
+                </a:effectLst>
+              </a:rPr>
+              <a:t> </a:t>
+            </a:r>
           </a:p>
         </p:txBody>
       </p:sp>
@@ -12412,13 +12550,13 @@
 </file>
 
 <file path=ppt/slides/slide20.xml><?xml version="1.0" encoding="utf-8"?>
-<p:sld xmlns:a="http://schemas.openxmlformats.org/drawingml/2006/main" xmlns:r="http://schemas.openxmlformats.org/officeDocument/2006/relationships" xmlns:p="http://schemas.openxmlformats.org/presentationml/2006/main">
+<p:sld xmlns:a="http://schemas.openxmlformats.org/drawingml/2006/main" xmlns:r="http://schemas.openxmlformats.org/officeDocument/2006/relationships" xmlns:p="http://schemas.openxmlformats.org/presentationml/2006/main" showMasterSp="0">
   <p:cSld>
     <p:bg>
       <p:bgPr>
         <a:blipFill dpi="0" rotWithShape="1">
           <a:blip r:embed="rId2">
-            <a:alphaModFix amt="30000"/>
+            <a:alphaModFix amt="74000"/>
             <a:lum/>
           </a:blip>
           <a:srcRect/>
@@ -12473,18 +12611,62 @@
           <a:p>
             <a:pPr algn="ctr"/>
             <a:r>
-              <a:rPr lang="pt-BR" b="1" dirty="0"/>
+              <a:rPr lang="pt-BR" b="1" dirty="0">
+                <a:solidFill>
+                  <a:schemeClr val="bg1"/>
+                </a:solidFill>
+                <a:effectLst>
+                  <a:outerShdw blurRad="50800" dist="38100" dir="2700000" algn="tl" rotWithShape="0">
+                    <a:schemeClr val="bg1">
+                      <a:lumMod val="50000"/>
+                    </a:schemeClr>
+                  </a:outerShdw>
+                </a:effectLst>
+              </a:rPr>
               <a:t>Enfim, Porque aplicar </a:t>
             </a:r>
             <a:r>
-              <a:rPr lang="pt-BR" b="1" dirty="0" err="1"/>
+              <a:rPr lang="pt-BR" b="1" dirty="0" err="1">
+                <a:solidFill>
+                  <a:schemeClr val="bg1"/>
+                </a:solidFill>
+                <a:effectLst>
+                  <a:outerShdw blurRad="50800" dist="38100" dir="2700000" algn="tl" rotWithShape="0">
+                    <a:schemeClr val="bg1">
+                      <a:lumMod val="50000"/>
+                    </a:schemeClr>
+                  </a:outerShdw>
+                </a:effectLst>
+              </a:rPr>
               <a:t>tdd</a:t>
             </a:r>
             <a:r>
-              <a:rPr lang="pt-BR" b="1" dirty="0"/>
+              <a:rPr lang="pt-BR" b="1" dirty="0">
+                <a:solidFill>
+                  <a:schemeClr val="bg1"/>
+                </a:solidFill>
+                <a:effectLst>
+                  <a:outerShdw blurRad="50800" dist="38100" dir="2700000" algn="tl" rotWithShape="0">
+                    <a:schemeClr val="bg1">
+                      <a:lumMod val="50000"/>
+                    </a:schemeClr>
+                  </a:outerShdw>
+                </a:effectLst>
+              </a:rPr>
               <a:t>?</a:t>
             </a:r>
-            <a:endParaRPr lang="pt-BR" dirty="0"/>
+            <a:endParaRPr lang="pt-BR" dirty="0">
+              <a:solidFill>
+                <a:schemeClr val="bg1"/>
+              </a:solidFill>
+              <a:effectLst>
+                <a:outerShdw blurRad="50800" dist="38100" dir="2700000" algn="tl" rotWithShape="0">
+                  <a:schemeClr val="bg1">
+                    <a:lumMod val="50000"/>
+                  </a:schemeClr>
+                </a:outerShdw>
+              </a:effectLst>
+            </a:endParaRPr>
           </a:p>
         </p:txBody>
       </p:sp>
@@ -12517,11 +12699,14 @@
           <a:lstStyle/>
           <a:p>
             <a:r>
-              <a:rPr lang="pt-PT" sz="3200" dirty="0">
+              <a:rPr lang="pt-PT" sz="3200" b="1" dirty="0">
+                <a:solidFill>
+                  <a:schemeClr val="bg1"/>
+                </a:solidFill>
                 <a:effectLst>
-                  <a:outerShdw dist="38100" dir="2700000" algn="tl" rotWithShape="0">
+                  <a:outerShdw blurRad="50800" dist="38100" dir="2700000" algn="tl" rotWithShape="0">
                     <a:schemeClr val="bg1">
-                      <a:alpha val="40000"/>
+                      <a:lumMod val="50000"/>
                     </a:schemeClr>
                   </a:outerShdw>
                 </a:effectLst>
@@ -12529,11 +12714,14 @@
               <a:t>Permite o desenvolvimento de algoritmos de forma incremental, em pequenos passos (</a:t>
             </a:r>
             <a:r>
-              <a:rPr lang="pt-PT" sz="3200" i="1" dirty="0">
+              <a:rPr lang="pt-PT" sz="3200" b="1" i="1" dirty="0">
+                <a:solidFill>
+                  <a:schemeClr val="bg1"/>
+                </a:solidFill>
                 <a:effectLst>
-                  <a:outerShdw dist="38100" dir="2700000" algn="tl" rotWithShape="0">
+                  <a:outerShdw blurRad="50800" dist="38100" dir="2700000" algn="tl" rotWithShape="0">
                     <a:schemeClr val="bg1">
-                      <a:alpha val="40000"/>
+                      <a:lumMod val="50000"/>
                     </a:schemeClr>
                   </a:outerShdw>
                 </a:effectLst>
@@ -12541,11 +12729,14 @@
               <a:t>baby steps</a:t>
             </a:r>
             <a:r>
-              <a:rPr lang="pt-PT" sz="3200" dirty="0">
+              <a:rPr lang="pt-PT" sz="3200" b="1" dirty="0">
+                <a:solidFill>
+                  <a:schemeClr val="bg1"/>
+                </a:solidFill>
                 <a:effectLst>
-                  <a:outerShdw dist="38100" dir="2700000" algn="tl" rotWithShape="0">
+                  <a:outerShdw blurRad="50800" dist="38100" dir="2700000" algn="tl" rotWithShape="0">
                     <a:schemeClr val="bg1">
-                      <a:alpha val="40000"/>
+                      <a:lumMod val="50000"/>
                     </a:schemeClr>
                   </a:outerShdw>
                 </a:effectLst>
@@ -12555,11 +12746,14 @@
           </a:p>
           <a:p>
             <a:r>
-              <a:rPr lang="pt-PT" sz="3200" dirty="0">
+              <a:rPr lang="pt-PT" sz="3200" b="1" dirty="0">
+                <a:solidFill>
+                  <a:schemeClr val="bg1"/>
+                </a:solidFill>
                 <a:effectLst>
-                  <a:outerShdw dist="38100" dir="2700000" algn="tl" rotWithShape="0">
+                  <a:outerShdw blurRad="50800" dist="38100" dir="2700000" algn="tl" rotWithShape="0">
                     <a:schemeClr val="bg1">
-                      <a:alpha val="40000"/>
+                      <a:lumMod val="50000"/>
                     </a:schemeClr>
                   </a:outerShdw>
                 </a:effectLst>
@@ -12870,13 +13064,13 @@
 </file>
 
 <file path=ppt/slides/slide21.xml><?xml version="1.0" encoding="utf-8"?>
-<p:sld xmlns:a="http://schemas.openxmlformats.org/drawingml/2006/main" xmlns:r="http://schemas.openxmlformats.org/officeDocument/2006/relationships" xmlns:p="http://schemas.openxmlformats.org/presentationml/2006/main">
+<p:sld xmlns:a="http://schemas.openxmlformats.org/drawingml/2006/main" xmlns:r="http://schemas.openxmlformats.org/officeDocument/2006/relationships" xmlns:p="http://schemas.openxmlformats.org/presentationml/2006/main" showMasterSp="0">
   <p:cSld>
     <p:bg>
       <p:bgPr>
         <a:blipFill dpi="0" rotWithShape="1">
           <a:blip r:embed="rId2">
-            <a:alphaModFix amt="30000"/>
+            <a:alphaModFix amt="74000"/>
             <a:lum/>
           </a:blip>
           <a:srcRect/>
@@ -12931,18 +13125,62 @@
           <a:p>
             <a:pPr algn="ctr"/>
             <a:r>
-              <a:rPr lang="pt-BR" b="1" dirty="0"/>
+              <a:rPr lang="pt-BR" b="1" dirty="0">
+                <a:solidFill>
+                  <a:schemeClr val="bg1"/>
+                </a:solidFill>
+                <a:effectLst>
+                  <a:outerShdw blurRad="50800" dist="38100" dir="2700000" algn="tl" rotWithShape="0">
+                    <a:schemeClr val="bg1">
+                      <a:lumMod val="50000"/>
+                    </a:schemeClr>
+                  </a:outerShdw>
+                </a:effectLst>
+              </a:rPr>
               <a:t>Enfim, Porque aplicar </a:t>
             </a:r>
             <a:r>
-              <a:rPr lang="pt-BR" b="1" dirty="0" err="1"/>
+              <a:rPr lang="pt-BR" b="1" dirty="0" err="1">
+                <a:solidFill>
+                  <a:schemeClr val="bg1"/>
+                </a:solidFill>
+                <a:effectLst>
+                  <a:outerShdw blurRad="50800" dist="38100" dir="2700000" algn="tl" rotWithShape="0">
+                    <a:schemeClr val="bg1">
+                      <a:lumMod val="50000"/>
+                    </a:schemeClr>
+                  </a:outerShdw>
+                </a:effectLst>
+              </a:rPr>
               <a:t>tdd</a:t>
             </a:r>
             <a:r>
-              <a:rPr lang="pt-BR" b="1" dirty="0"/>
+              <a:rPr lang="pt-BR" b="1" dirty="0">
+                <a:solidFill>
+                  <a:schemeClr val="bg1"/>
+                </a:solidFill>
+                <a:effectLst>
+                  <a:outerShdw blurRad="50800" dist="38100" dir="2700000" algn="tl" rotWithShape="0">
+                    <a:schemeClr val="bg1">
+                      <a:lumMod val="50000"/>
+                    </a:schemeClr>
+                  </a:outerShdw>
+                </a:effectLst>
+              </a:rPr>
               <a:t>?</a:t>
             </a:r>
-            <a:endParaRPr lang="pt-BR" dirty="0"/>
+            <a:endParaRPr lang="pt-BR" dirty="0">
+              <a:solidFill>
+                <a:schemeClr val="bg1"/>
+              </a:solidFill>
+              <a:effectLst>
+                <a:outerShdw blurRad="50800" dist="38100" dir="2700000" algn="tl" rotWithShape="0">
+                  <a:schemeClr val="bg1">
+                    <a:lumMod val="50000"/>
+                  </a:schemeClr>
+                </a:outerShdw>
+              </a:effectLst>
+            </a:endParaRPr>
           </a:p>
         </p:txBody>
       </p:sp>
@@ -12976,10 +13214,13 @@
           <a:p>
             <a:r>
               <a:rPr lang="pt-PT" sz="3200" dirty="0">
+                <a:solidFill>
+                  <a:schemeClr val="bg1"/>
+                </a:solidFill>
                 <a:effectLst>
-                  <a:outerShdw dist="38100" dir="2700000" algn="tl" rotWithShape="0">
+                  <a:outerShdw blurRad="50800" dist="38100" dir="2700000" algn="tl" rotWithShape="0">
                     <a:schemeClr val="bg1">
-                      <a:alpha val="40000"/>
+                      <a:lumMod val="50000"/>
                     </a:schemeClr>
                   </a:outerShdw>
                 </a:effectLst>
@@ -12988,10 +13229,13 @@
             </a:r>
             <a:r>
               <a:rPr lang="pt-PT" sz="3200" dirty="0" err="1">
+                <a:solidFill>
+                  <a:schemeClr val="bg1"/>
+                </a:solidFill>
                 <a:effectLst>
-                  <a:outerShdw dist="38100" dir="2700000" algn="tl" rotWithShape="0">
+                  <a:outerShdw blurRad="50800" dist="38100" dir="2700000" algn="tl" rotWithShape="0">
                     <a:schemeClr val="bg1">
-                      <a:alpha val="40000"/>
+                      <a:lumMod val="50000"/>
                     </a:schemeClr>
                   </a:outerShdw>
                 </a:effectLst>
@@ -13000,10 +13244,13 @@
             </a:r>
             <a:r>
               <a:rPr lang="pt-PT" sz="3200" dirty="0">
+                <a:solidFill>
+                  <a:schemeClr val="bg1"/>
+                </a:solidFill>
                 <a:effectLst>
-                  <a:outerShdw dist="38100" dir="2700000" algn="tl" rotWithShape="0">
+                  <a:outerShdw blurRad="50800" dist="38100" dir="2700000" algn="tl" rotWithShape="0">
                     <a:schemeClr val="bg1">
-                      <a:alpha val="40000"/>
+                      <a:lumMod val="50000"/>
                     </a:schemeClr>
                   </a:outerShdw>
                 </a:effectLst>
@@ -13012,10 +13259,13 @@
             </a:r>
             <a:r>
               <a:rPr lang="pt-PT" sz="3200" dirty="0" err="1">
+                <a:solidFill>
+                  <a:schemeClr val="bg1"/>
+                </a:solidFill>
                 <a:effectLst>
-                  <a:outerShdw dist="38100" dir="2700000" algn="tl" rotWithShape="0">
+                  <a:outerShdw blurRad="50800" dist="38100" dir="2700000" algn="tl" rotWithShape="0">
                     <a:schemeClr val="bg1">
-                      <a:alpha val="40000"/>
+                      <a:lumMod val="50000"/>
                     </a:schemeClr>
                   </a:outerShdw>
                 </a:effectLst>
@@ -13024,10 +13274,13 @@
             </a:r>
             <a:r>
               <a:rPr lang="pt-PT" sz="3200" dirty="0">
+                <a:solidFill>
+                  <a:schemeClr val="bg1"/>
+                </a:solidFill>
                 <a:effectLst>
-                  <a:outerShdw dist="38100" dir="2700000" algn="tl" rotWithShape="0">
+                  <a:outerShdw blurRad="50800" dist="38100" dir="2700000" algn="tl" rotWithShape="0">
                     <a:schemeClr val="bg1">
-                      <a:alpha val="40000"/>
+                      <a:lumMod val="50000"/>
                     </a:schemeClr>
                   </a:outerShdw>
                 </a:effectLst>
@@ -13038,10 +13291,13 @@
           <a:p>
             <a:r>
               <a:rPr lang="pt-PT" sz="3200" dirty="0">
+                <a:solidFill>
+                  <a:schemeClr val="bg1"/>
+                </a:solidFill>
                 <a:effectLst>
-                  <a:outerShdw dist="38100" dir="2700000" algn="tl" rotWithShape="0">
+                  <a:outerShdw blurRad="50800" dist="38100" dir="2700000" algn="tl" rotWithShape="0">
                     <a:schemeClr val="bg1">
-                      <a:alpha val="40000"/>
+                      <a:lumMod val="50000"/>
                     </a:schemeClr>
                   </a:outerShdw>
                 </a:effectLst>
@@ -13050,10 +13306,13 @@
             </a:r>
             <a:r>
               <a:rPr lang="pt-PT" sz="3200" dirty="0">
+                <a:solidFill>
+                  <a:schemeClr val="bg1"/>
+                </a:solidFill>
                 <a:effectLst>
-                  <a:outerShdw dist="38100" dir="2700000" algn="tl" rotWithShape="0">
+                  <a:outerShdw blurRad="50800" dist="38100" dir="2700000" algn="tl" rotWithShape="0">
                     <a:schemeClr val="bg1">
-                      <a:alpha val="40000"/>
+                      <a:lumMod val="50000"/>
                     </a:schemeClr>
                   </a:outerShdw>
                 </a:effectLst>
@@ -13069,10 +13328,13 @@
             </a:r>
             <a:r>
               <a:rPr lang="pt-PT" sz="3200" i="1" dirty="0">
+                <a:solidFill>
+                  <a:schemeClr val="bg1"/>
+                </a:solidFill>
                 <a:effectLst>
-                  <a:outerShdw dist="38100" dir="2700000" algn="tl" rotWithShape="0">
+                  <a:outerShdw blurRad="50800" dist="38100" dir="2700000" algn="tl" rotWithShape="0">
                     <a:schemeClr val="bg1">
-                      <a:alpha val="40000"/>
+                      <a:lumMod val="50000"/>
                     </a:schemeClr>
                   </a:outerShdw>
                 </a:effectLst>
@@ -13088,10 +13350,13 @@
             </a:r>
             <a:r>
               <a:rPr lang="pt-PT" sz="3200" dirty="0">
+                <a:solidFill>
+                  <a:schemeClr val="bg1"/>
+                </a:solidFill>
                 <a:effectLst>
-                  <a:outerShdw dist="38100" dir="2700000" algn="tl" rotWithShape="0">
+                  <a:outerShdw blurRad="50800" dist="38100" dir="2700000" algn="tl" rotWithShape="0">
                     <a:schemeClr val="bg1">
-                      <a:alpha val="40000"/>
+                      <a:lumMod val="50000"/>
                     </a:schemeClr>
                   </a:outerShdw>
                 </a:effectLst>
@@ -13106,10 +13371,13 @@
               <a:t>)</a:t>
             </a:r>
             <a:endParaRPr lang="pt-PT" sz="3200" dirty="0">
+              <a:solidFill>
+                <a:schemeClr val="bg1"/>
+              </a:solidFill>
               <a:effectLst>
-                <a:outerShdw dist="38100" dir="2700000" algn="tl" rotWithShape="0">
+                <a:outerShdw blurRad="50800" dist="38100" dir="2700000" algn="tl" rotWithShape="0">
                   <a:schemeClr val="bg1">
-                    <a:alpha val="40000"/>
+                    <a:lumMod val="50000"/>
                   </a:schemeClr>
                 </a:outerShdw>
               </a:effectLst>
@@ -13118,10 +13386,13 @@
           <a:p>
             <a:r>
               <a:rPr lang="pt-PT" sz="3200" dirty="0">
+                <a:solidFill>
+                  <a:schemeClr val="bg1"/>
+                </a:solidFill>
                 <a:effectLst>
-                  <a:outerShdw dist="38100" dir="2700000" algn="tl" rotWithShape="0">
+                  <a:outerShdw blurRad="50800" dist="38100" dir="2700000" algn="tl" rotWithShape="0">
                     <a:schemeClr val="bg1">
-                      <a:alpha val="40000"/>
+                      <a:lumMod val="50000"/>
                     </a:schemeClr>
                   </a:outerShdw>
                 </a:effectLst>
@@ -13130,10 +13401,13 @@
             </a:r>
             <a:r>
               <a:rPr lang="pt-PT" sz="3200" dirty="0" err="1">
+                <a:solidFill>
+                  <a:schemeClr val="bg1"/>
+                </a:solidFill>
                 <a:effectLst>
-                  <a:outerShdw dist="38100" dir="2700000" algn="tl" rotWithShape="0">
+                  <a:outerShdw blurRad="50800" dist="38100" dir="2700000" algn="tl" rotWithShape="0">
                     <a:schemeClr val="bg1">
-                      <a:alpha val="40000"/>
+                      <a:lumMod val="50000"/>
                     </a:schemeClr>
                   </a:outerShdw>
                 </a:effectLst>
@@ -13142,10 +13416,13 @@
             </a:r>
             <a:r>
               <a:rPr lang="pt-PT" sz="3200" dirty="0">
+                <a:solidFill>
+                  <a:schemeClr val="bg1"/>
+                </a:solidFill>
                 <a:effectLst>
-                  <a:outerShdw dist="38100" dir="2700000" algn="tl" rotWithShape="0">
+                  <a:outerShdw blurRad="50800" dist="38100" dir="2700000" algn="tl" rotWithShape="0">
                     <a:schemeClr val="bg1">
-                      <a:alpha val="40000"/>
+                      <a:lumMod val="50000"/>
                     </a:schemeClr>
                   </a:outerShdw>
                 </a:effectLst>
@@ -13609,42 +13886,18 @@
           <a:p>
             <a:pPr algn="ctr"/>
             <a:r>
-              <a:rPr lang="pt-BR" b="1" dirty="0">
-                <a:effectLst>
-                  <a:outerShdw blurRad="50800" dist="50800" dir="5400000" algn="ctr" rotWithShape="0">
-                    <a:schemeClr val="tx1"/>
-                  </a:outerShdw>
-                </a:effectLst>
-              </a:rPr>
+              <a:rPr lang="pt-BR" b="1" dirty="0"/>
               <a:t>Enfim, Porque aplicar </a:t>
             </a:r>
             <a:r>
-              <a:rPr lang="pt-BR" b="1" dirty="0" err="1">
-                <a:effectLst>
-                  <a:outerShdw blurRad="50800" dist="50800" dir="5400000" algn="ctr" rotWithShape="0">
-                    <a:schemeClr val="tx1"/>
-                  </a:outerShdw>
-                </a:effectLst>
-              </a:rPr>
+              <a:rPr lang="pt-BR" b="1" dirty="0" err="1"/>
               <a:t>tdd</a:t>
             </a:r>
             <a:r>
-              <a:rPr lang="pt-BR" b="1" dirty="0">
-                <a:effectLst>
-                  <a:outerShdw blurRad="50800" dist="50800" dir="5400000" algn="ctr" rotWithShape="0">
-                    <a:schemeClr val="tx1"/>
-                  </a:outerShdw>
-                </a:effectLst>
-              </a:rPr>
+              <a:rPr lang="pt-BR" b="1" dirty="0"/>
               <a:t>?</a:t>
             </a:r>
-            <a:endParaRPr lang="pt-BR" dirty="0">
-              <a:effectLst>
-                <a:outerShdw blurRad="50800" dist="50800" dir="5400000" algn="ctr" rotWithShape="0">
-                  <a:schemeClr val="tx1"/>
-                </a:outerShdw>
-              </a:effectLst>
-            </a:endParaRPr>
+            <a:endParaRPr lang="pt-BR" dirty="0"/>
           </a:p>
         </p:txBody>
       </p:sp>
@@ -21877,7 +22130,7 @@
       <p:bgPr>
         <a:blipFill dpi="0" rotWithShape="1">
           <a:blip r:embed="rId2">
-            <a:alphaModFix amt="68000"/>
+            <a:alphaModFix amt="56000"/>
             <a:lum/>
           </a:blip>
           <a:srcRect/>
@@ -21920,8 +22173,8 @@
         </p:nvSpPr>
         <p:spPr>
           <a:xfrm>
-            <a:off x="-74950" y="-371063"/>
-            <a:ext cx="4363386" cy="1509490"/>
+            <a:off x="0" y="11607"/>
+            <a:ext cx="3429001" cy="1117188"/>
           </a:xfrm>
         </p:spPr>
         <p:txBody>
@@ -21984,14 +22237,14 @@
           <a:lstStyle/>
           <a:p>
             <a:r>
-              <a:rPr lang="pt-PT" sz="3200" dirty="0">
+              <a:rPr lang="pt-PT" sz="3200" b="1" dirty="0">
                 <a:solidFill>
                   <a:schemeClr val="bg1"/>
                 </a:solidFill>
                 <a:effectLst>
-                  <a:outerShdw dist="38100" dir="2700000" algn="tl" rotWithShape="0">
-                    <a:schemeClr val="tx1">
-                      <a:alpha val="40000"/>
+                  <a:outerShdw blurRad="50800" dist="38100" dir="2700000" algn="tl" rotWithShape="0">
+                    <a:schemeClr val="bg1">
+                      <a:lumMod val="50000"/>
                     </a:schemeClr>
                   </a:outerShdw>
                 </a:effectLst>
@@ -21999,14 +22252,14 @@
               <a:t>Normalmente gasta-se mais tempo resolvendo problemas do que escrevendo testes para tentar </a:t>
             </a:r>
             <a:r>
-              <a:rPr lang="pt-PT" sz="3200" dirty="0" err="1">
+              <a:rPr lang="pt-PT" sz="3200" b="1" dirty="0" err="1">
                 <a:solidFill>
                   <a:schemeClr val="bg1"/>
                 </a:solidFill>
                 <a:effectLst>
-                  <a:outerShdw dist="38100" dir="2700000" algn="tl" rotWithShape="0">
-                    <a:schemeClr val="tx1">
-                      <a:alpha val="40000"/>
+                  <a:outerShdw blurRad="50800" dist="38100" dir="2700000" algn="tl" rotWithShape="0">
+                    <a:schemeClr val="bg1">
+                      <a:lumMod val="50000"/>
                     </a:schemeClr>
                   </a:outerShdw>
                 </a:effectLst>
@@ -22014,14 +22267,14 @@
               <a:t>detectar</a:t>
             </a:r>
             <a:r>
-              <a:rPr lang="pt-PT" sz="3200" dirty="0">
+              <a:rPr lang="pt-PT" sz="3200" b="1" dirty="0">
                 <a:solidFill>
                   <a:schemeClr val="bg1"/>
                 </a:solidFill>
                 <a:effectLst>
-                  <a:outerShdw dist="38100" dir="2700000" algn="tl" rotWithShape="0">
-                    <a:schemeClr val="tx1">
-                      <a:alpha val="40000"/>
+                  <a:outerShdw blurRad="50800" dist="38100" dir="2700000" algn="tl" rotWithShape="0">
+                    <a:schemeClr val="bg1">
+                      <a:lumMod val="50000"/>
                     </a:schemeClr>
                   </a:outerShdw>
                 </a:effectLst>
@@ -22031,14 +22284,14 @@
           </a:p>
           <a:p>
             <a:r>
-              <a:rPr lang="pt-PT" sz="3200" dirty="0">
+              <a:rPr lang="pt-PT" sz="3200" b="1" dirty="0">
                 <a:solidFill>
                   <a:schemeClr val="bg1"/>
                 </a:solidFill>
                 <a:effectLst>
-                  <a:outerShdw dist="38100" dir="2700000" algn="tl" rotWithShape="0">
-                    <a:schemeClr val="tx1">
-                      <a:alpha val="40000"/>
+                  <a:outerShdw blurRad="50800" dist="38100" dir="2700000" algn="tl" rotWithShape="0">
+                    <a:schemeClr val="bg1">
+                      <a:lumMod val="50000"/>
                     </a:schemeClr>
                   </a:outerShdw>
                 </a:effectLst>
@@ -22048,14 +22301,14 @@
           </a:p>
           <a:p>
             <a:r>
-              <a:rPr lang="pt-PT" sz="3200" dirty="0">
+              <a:rPr lang="pt-PT" sz="3200" b="1" dirty="0">
                 <a:solidFill>
                   <a:schemeClr val="bg1"/>
                 </a:solidFill>
                 <a:effectLst>
-                  <a:outerShdw dist="38100" dir="2700000" algn="tl" rotWithShape="0">
-                    <a:schemeClr val="tx1">
-                      <a:alpha val="40000"/>
+                  <a:outerShdw blurRad="50800" dist="38100" dir="2700000" algn="tl" rotWithShape="0">
+                    <a:schemeClr val="bg1">
+                      <a:lumMod val="50000"/>
                     </a:schemeClr>
                   </a:outerShdw>
                 </a:effectLst>
@@ -22068,9 +22321,9 @@
                   <a:schemeClr val="bg1"/>
                 </a:solidFill>
                 <a:effectLst>
-                  <a:outerShdw dist="38100" dir="2700000" algn="tl" rotWithShape="0">
-                    <a:schemeClr val="tx1">
-                      <a:alpha val="40000"/>
+                  <a:outerShdw blurRad="50800" dist="38100" dir="2700000" algn="tl" rotWithShape="0">
+                    <a:schemeClr val="bg1">
+                      <a:lumMod val="50000"/>
                     </a:schemeClr>
                   </a:outerShdw>
                 </a:effectLst>
@@ -22078,14 +22331,14 @@
               <a:t>muuuuuuuuuuuuuuuito</a:t>
             </a:r>
             <a:r>
-              <a:rPr lang="pt-PT" sz="3200" dirty="0">
+              <a:rPr lang="pt-PT" sz="3200" b="1" dirty="0">
                 <a:solidFill>
                   <a:schemeClr val="bg1"/>
                 </a:solidFill>
                 <a:effectLst>
-                  <a:outerShdw dist="38100" dir="2700000" algn="tl" rotWithShape="0">
-                    <a:schemeClr val="tx1">
-                      <a:alpha val="40000"/>
+                  <a:outerShdw blurRad="50800" dist="38100" dir="2700000" algn="tl" rotWithShape="0">
+                    <a:schemeClr val="bg1">
+                      <a:lumMod val="50000"/>
                     </a:schemeClr>
                   </a:outerShdw>
                 </a:effectLst>
@@ -22482,59 +22735,6 @@
       </p:grpSpPr>
       <p:sp>
         <p:nvSpPr>
-          <p:cNvPr id="12" name="Title 1">
-            <a:extLst>
-              <a:ext uri="{FF2B5EF4-FFF2-40B4-BE49-F238E27FC236}">
-                <a16:creationId xmlns:a16="http://schemas.microsoft.com/office/drawing/2014/main" id="{A9B593D1-1F70-2347-80A6-520C61091435}"/>
-              </a:ext>
-            </a:extLst>
-          </p:cNvPr>
-          <p:cNvSpPr>
-            <a:spLocks noGrp="1"/>
-          </p:cNvSpPr>
-          <p:nvPr>
-            <p:ph type="title"/>
-          </p:nvPr>
-        </p:nvSpPr>
-        <p:spPr>
-          <a:xfrm>
-            <a:off x="-74950" y="-371063"/>
-            <a:ext cx="4363386" cy="1509490"/>
-          </a:xfrm>
-        </p:spPr>
-        <p:txBody>
-          <a:bodyPr>
-            <a:normAutofit/>
-          </a:bodyPr>
-          <a:lstStyle/>
-          <a:p>
-            <a:pPr algn="ctr"/>
-            <a:r>
-              <a:rPr lang="pt-BR" b="1" dirty="0">
-                <a:effectLst>
-                  <a:outerShdw blurRad="254000" dist="38100" dir="2700000" algn="tl" rotWithShape="0">
-                    <a:prstClr val="black">
-                      <a:alpha val="40000"/>
-                    </a:prstClr>
-                  </a:outerShdw>
-                </a:effectLst>
-              </a:rPr>
-              <a:t>SEM mas!!!</a:t>
-            </a:r>
-            <a:endParaRPr lang="pt-BR" i="1" cap="none" dirty="0">
-              <a:effectLst>
-                <a:outerShdw blurRad="254000" dist="38100" dir="2700000" algn="tl" rotWithShape="0">
-                  <a:prstClr val="black">
-                    <a:alpha val="40000"/>
-                  </a:prstClr>
-                </a:outerShdw>
-              </a:effectLst>
-            </a:endParaRPr>
-          </a:p>
-        </p:txBody>
-      </p:sp>
-      <p:sp>
-        <p:nvSpPr>
           <p:cNvPr id="3" name="Content Placeholder 2">
             <a:extLst>
               <a:ext uri="{FF2B5EF4-FFF2-40B4-BE49-F238E27FC236}">
@@ -22562,14 +22762,14 @@
           <a:lstStyle/>
           <a:p>
             <a:r>
-              <a:rPr lang="pt-PT" sz="3200" dirty="0">
+              <a:rPr lang="pt-PT" sz="3200" b="1" dirty="0">
                 <a:solidFill>
                   <a:schemeClr val="bg1"/>
                 </a:solidFill>
                 <a:effectLst>
-                  <a:outerShdw dist="38100" dir="2700000" algn="tl" rotWithShape="0">
-                    <a:schemeClr val="tx1">
-                      <a:alpha val="40000"/>
+                  <a:outerShdw blurRad="50800" dist="38100" dir="2700000" algn="tl" rotWithShape="0">
+                    <a:schemeClr val="bg1">
+                      <a:lumMod val="50000"/>
                     </a:schemeClr>
                   </a:outerShdw>
                 </a:effectLst>
@@ -22577,14 +22777,14 @@
               <a:t>Por fim, sabendo que há um conjunto de testes, você se sente mais à vontade para </a:t>
             </a:r>
             <a:r>
-              <a:rPr lang="pt-PT" sz="3200" dirty="0" err="1">
+              <a:rPr lang="pt-PT" sz="3200" b="1" dirty="0" err="1">
                 <a:solidFill>
                   <a:schemeClr val="bg1"/>
                 </a:solidFill>
                 <a:effectLst>
-                  <a:outerShdw dist="38100" dir="2700000" algn="tl" rotWithShape="0">
-                    <a:schemeClr val="tx1">
-                      <a:alpha val="40000"/>
+                  <a:outerShdw blurRad="50800" dist="38100" dir="2700000" algn="tl" rotWithShape="0">
+                    <a:schemeClr val="bg1">
+                      <a:lumMod val="50000"/>
                     </a:schemeClr>
                   </a:outerShdw>
                 </a:effectLst>
@@ -22592,14 +22792,14 @@
               <a:t>refatorar</a:t>
             </a:r>
             <a:r>
-              <a:rPr lang="pt-PT" sz="3200" dirty="0">
+              <a:rPr lang="pt-PT" sz="3200" b="1" dirty="0">
                 <a:solidFill>
                   <a:schemeClr val="bg1"/>
                 </a:solidFill>
                 <a:effectLst>
-                  <a:outerShdw dist="38100" dir="2700000" algn="tl" rotWithShape="0">
-                    <a:schemeClr val="tx1">
-                      <a:alpha val="40000"/>
+                  <a:outerShdw blurRad="50800" dist="38100" dir="2700000" algn="tl" rotWithShape="0">
+                    <a:schemeClr val="bg1">
+                      <a:lumMod val="50000"/>
                     </a:schemeClr>
                   </a:outerShdw>
                 </a:effectLst>
@@ -22609,14 +22809,14 @@
           </a:p>
           <a:p>
             <a:r>
-              <a:rPr lang="pt-PT" sz="3200" dirty="0">
+              <a:rPr lang="pt-PT" sz="3200" b="1" dirty="0">
                 <a:solidFill>
                   <a:schemeClr val="bg1"/>
                 </a:solidFill>
                 <a:effectLst>
-                  <a:outerShdw dist="38100" dir="2700000" algn="tl" rotWithShape="0">
-                    <a:schemeClr val="tx1">
-                      <a:alpha val="40000"/>
+                  <a:outerShdw blurRad="50800" dist="38100" dir="2700000" algn="tl" rotWithShape="0">
+                    <a:schemeClr val="bg1">
+                      <a:lumMod val="50000"/>
                     </a:schemeClr>
                   </a:outerShdw>
                 </a:effectLst>
@@ -22659,6 +22859,59 @@
               <a:solidFill>
                 <a:schemeClr val="bg1"/>
               </a:solidFill>
+            </a:endParaRPr>
+          </a:p>
+        </p:txBody>
+      </p:sp>
+      <p:sp>
+        <p:nvSpPr>
+          <p:cNvPr id="7" name="Title 1">
+            <a:extLst>
+              <a:ext uri="{FF2B5EF4-FFF2-40B4-BE49-F238E27FC236}">
+                <a16:creationId xmlns:a16="http://schemas.microsoft.com/office/drawing/2014/main" id="{4165AFE8-A30A-D141-9F89-6A1B3E37A097}"/>
+              </a:ext>
+            </a:extLst>
+          </p:cNvPr>
+          <p:cNvSpPr>
+            <a:spLocks noGrp="1"/>
+          </p:cNvSpPr>
+          <p:nvPr>
+            <p:ph type="title"/>
+          </p:nvPr>
+        </p:nvSpPr>
+        <p:spPr>
+          <a:xfrm>
+            <a:off x="0" y="11607"/>
+            <a:ext cx="3429001" cy="1117188"/>
+          </a:xfrm>
+        </p:spPr>
+        <p:txBody>
+          <a:bodyPr>
+            <a:normAutofit/>
+          </a:bodyPr>
+          <a:lstStyle/>
+          <a:p>
+            <a:pPr algn="ctr"/>
+            <a:r>
+              <a:rPr lang="pt-BR" b="1" dirty="0">
+                <a:effectLst>
+                  <a:outerShdw blurRad="254000" dist="38100" dir="2700000" algn="tl" rotWithShape="0">
+                    <a:prstClr val="black">
+                      <a:alpha val="40000"/>
+                    </a:prstClr>
+                  </a:outerShdw>
+                </a:effectLst>
+              </a:rPr>
+              <a:t>SEM mas!!!</a:t>
+            </a:r>
+            <a:endParaRPr lang="pt-BR" i="1" cap="none" dirty="0">
+              <a:effectLst>
+                <a:outerShdw blurRad="254000" dist="38100" dir="2700000" algn="tl" rotWithShape="0">
+                  <a:prstClr val="black">
+                    <a:alpha val="40000"/>
+                  </a:prstClr>
+                </a:outerShdw>
+              </a:effectLst>
             </a:endParaRPr>
           </a:p>
         </p:txBody>
@@ -25404,7 +25657,7 @@
         <p:spPr>
           <a:xfrm>
             <a:off x="355635" y="1618938"/>
-            <a:ext cx="9530038" cy="4517570"/>
+            <a:ext cx="11306278" cy="4517570"/>
           </a:xfrm>
         </p:spPr>
         <p:txBody>
@@ -25453,6 +25706,9 @@
             </a:r>
           </a:p>
           <a:p>
+            <a:pPr marL="0" indent="0" algn="ctr">
+              <a:buNone/>
+            </a:pPr>
             <a:r>
               <a:rPr lang="pt-BR" sz="3200" dirty="0">
                 <a:solidFill>
